--- a/上課教材/Week3.pptx
+++ b/上課教材/Week3.pptx
@@ -8,17 +8,16 @@
     <p:sldId id="257" r:id="rId2"/>
     <p:sldId id="316" r:id="rId3"/>
     <p:sldId id="317" r:id="rId4"/>
-    <p:sldId id="325" r:id="rId5"/>
-    <p:sldId id="322" r:id="rId6"/>
-    <p:sldId id="323" r:id="rId7"/>
-    <p:sldId id="324" r:id="rId8"/>
-    <p:sldId id="319" r:id="rId9"/>
-    <p:sldId id="320" r:id="rId10"/>
-    <p:sldId id="321" r:id="rId11"/>
-    <p:sldId id="318" r:id="rId12"/>
-    <p:sldId id="272" r:id="rId13"/>
-    <p:sldId id="259" r:id="rId14"/>
-    <p:sldId id="312" r:id="rId15"/>
+    <p:sldId id="318" r:id="rId5"/>
+    <p:sldId id="325" r:id="rId6"/>
+    <p:sldId id="322" r:id="rId7"/>
+    <p:sldId id="323" r:id="rId8"/>
+    <p:sldId id="324" r:id="rId9"/>
+    <p:sldId id="319" r:id="rId10"/>
+    <p:sldId id="320" r:id="rId11"/>
+    <p:sldId id="272" r:id="rId12"/>
+    <p:sldId id="259" r:id="rId13"/>
+    <p:sldId id="312" r:id="rId14"/>
   </p:sldIdLst>
   <p:sldSz cx="12192000" cy="6858000"/>
   <p:notesSz cx="6858000" cy="9144000"/>
@@ -128,9 +127,7 @@
 <file path=ppt/revisionInfo.xml><?xml version="1.0" encoding="utf-8"?>
 <p1510:revInfo xmlns:a="http://schemas.openxmlformats.org/drawingml/2006/main" xmlns:r="http://schemas.openxmlformats.org/officeDocument/2006/relationships" xmlns:p1510="http://schemas.microsoft.com/office/powerpoint/2015/10/main">
   <p1510:revLst>
-    <p1510:client id="{73C49393-00F6-48C7-99DB-5262FA837701}" v="45" dt="2020-06-02T02:26:26.417"/>
-    <p1510:client id="{794224D3-789D-47BB-A0D2-62C663EDB1CA}" v="219" dt="2020-06-01T23:07:13.750"/>
-    <p1510:client id="{F1FA031A-4D31-4AEE-8DCB-44C85EA436EB}" v="214" dt="2020-06-02T00:07:24.642"/>
+    <p1510:client id="{73C49393-00F6-48C7-99DB-5262FA837701}" v="67" dt="2020-06-05T00:08:00.670"/>
   </p1510:revLst>
 </p1510:revInfo>
 </file>
@@ -2027,7 +2024,7 @@
   <pc:docChgLst>
     <pc:chgData name="Ming-Chih Lin" userId="f1ba3ba5-e185-404b-b55f-b2be90e2bdc2" providerId="ADAL" clId="{73C49393-00F6-48C7-99DB-5262FA837701}"/>
     <pc:docChg chg="custSel addSld delSld modSld">
-      <pc:chgData name="Ming-Chih Lin" userId="f1ba3ba5-e185-404b-b55f-b2be90e2bdc2" providerId="ADAL" clId="{73C49393-00F6-48C7-99DB-5262FA837701}" dt="2020-06-02T02:26:26.415" v="165"/>
+      <pc:chgData name="Ming-Chih Lin" userId="f1ba3ba5-e185-404b-b55f-b2be90e2bdc2" providerId="ADAL" clId="{73C49393-00F6-48C7-99DB-5262FA837701}" dt="2020-06-05T00:08:00.669" v="286"/>
       <pc:docMkLst>
         <pc:docMk/>
       </pc:docMkLst>
@@ -2061,12 +2058,20 @@
           <pc:sldMk cId="2189207556" sldId="272"/>
         </pc:sldMkLst>
       </pc:sldChg>
-      <pc:sldChg chg="add">
-        <pc:chgData name="Ming-Chih Lin" userId="f1ba3ba5-e185-404b-b55f-b2be90e2bdc2" providerId="ADAL" clId="{73C49393-00F6-48C7-99DB-5262FA837701}" dt="2020-06-02T02:26:26.415" v="165"/>
+      <pc:sldChg chg="modSp add mod">
+        <pc:chgData name="Ming-Chih Lin" userId="f1ba3ba5-e185-404b-b55f-b2be90e2bdc2" providerId="ADAL" clId="{73C49393-00F6-48C7-99DB-5262FA837701}" dt="2020-06-05T00:08:00.669" v="286"/>
         <pc:sldMkLst>
           <pc:docMk/>
           <pc:sldMk cId="3139632968" sldId="272"/>
         </pc:sldMkLst>
+        <pc:spChg chg="mod">
+          <ac:chgData name="Ming-Chih Lin" userId="f1ba3ba5-e185-404b-b55f-b2be90e2bdc2" providerId="ADAL" clId="{73C49393-00F6-48C7-99DB-5262FA837701}" dt="2020-06-05T00:08:00.669" v="286"/>
+          <ac:spMkLst>
+            <pc:docMk/>
+            <pc:sldMk cId="3139632968" sldId="272"/>
+            <ac:spMk id="4" creationId="{2FA54F75-D405-4104-B6BB-EA44A23A109A}"/>
+          </ac:spMkLst>
+        </pc:spChg>
       </pc:sldChg>
       <pc:sldChg chg="del">
         <pc:chgData name="Ming-Chih Lin" userId="f1ba3ba5-e185-404b-b55f-b2be90e2bdc2" providerId="ADAL" clId="{73C49393-00F6-48C7-99DB-5262FA837701}" dt="2020-06-02T00:11:20.397" v="13" actId="47"/>
@@ -2234,8 +2239,8 @@
           </ac:picMkLst>
         </pc:picChg>
       </pc:sldChg>
-      <pc:sldChg chg="addSp delSp modSp add mod chgLayout">
-        <pc:chgData name="Ming-Chih Lin" userId="f1ba3ba5-e185-404b-b55f-b2be90e2bdc2" providerId="ADAL" clId="{73C49393-00F6-48C7-99DB-5262FA837701}" dt="2020-06-02T00:24:39.936" v="116" actId="700"/>
+      <pc:sldChg chg="addSp delSp modSp add del mod chgLayout">
+        <pc:chgData name="Ming-Chih Lin" userId="f1ba3ba5-e185-404b-b55f-b2be90e2bdc2" providerId="ADAL" clId="{73C49393-00F6-48C7-99DB-5262FA837701}" dt="2020-06-05T00:06:08.318" v="178" actId="2696"/>
         <pc:sldMkLst>
           <pc:docMk/>
           <pc:sldMk cId="1705629521" sldId="318"/>
@@ -2249,7 +2254,7 @@
           </ac:spMkLst>
         </pc:spChg>
         <pc:spChg chg="mod ord">
-          <ac:chgData name="Ming-Chih Lin" userId="f1ba3ba5-e185-404b-b55f-b2be90e2bdc2" providerId="ADAL" clId="{73C49393-00F6-48C7-99DB-5262FA837701}" dt="2020-06-02T00:24:39.936" v="116" actId="700"/>
+          <ac:chgData name="Ming-Chih Lin" userId="f1ba3ba5-e185-404b-b55f-b2be90e2bdc2" providerId="ADAL" clId="{73C49393-00F6-48C7-99DB-5262FA837701}" dt="2020-06-05T00:05:50.570" v="177" actId="20577"/>
           <ac:spMkLst>
             <pc:docMk/>
             <pc:sldMk cId="1705629521" sldId="318"/>
@@ -2265,6 +2270,13 @@
           </ac:picMkLst>
         </pc:picChg>
       </pc:sldChg>
+      <pc:sldChg chg="add">
+        <pc:chgData name="Ming-Chih Lin" userId="f1ba3ba5-e185-404b-b55f-b2be90e2bdc2" providerId="ADAL" clId="{73C49393-00F6-48C7-99DB-5262FA837701}" dt="2020-06-05T00:06:10.103" v="179"/>
+        <pc:sldMkLst>
+          <pc:docMk/>
+          <pc:sldMk cId="2205041351" sldId="318"/>
+        </pc:sldMkLst>
+      </pc:sldChg>
       <pc:sldChg chg="addSp delSp modSp new mod modClrScheme chgLayout">
         <pc:chgData name="Ming-Chih Lin" userId="f1ba3ba5-e185-404b-b55f-b2be90e2bdc2" providerId="ADAL" clId="{73C49393-00F6-48C7-99DB-5262FA837701}" dt="2020-06-02T00:57:12.576" v="146" actId="21"/>
         <pc:sldMkLst>
@@ -2319,8 +2331,8 @@
           </ac:spMkLst>
         </pc:spChg>
       </pc:sldChg>
-      <pc:sldChg chg="modSp new mod">
-        <pc:chgData name="Ming-Chih Lin" userId="f1ba3ba5-e185-404b-b55f-b2be90e2bdc2" providerId="ADAL" clId="{73C49393-00F6-48C7-99DB-5262FA837701}" dt="2020-06-02T00:57:27.845" v="152" actId="5793"/>
+      <pc:sldChg chg="modSp new del mod">
+        <pc:chgData name="Ming-Chih Lin" userId="f1ba3ba5-e185-404b-b55f-b2be90e2bdc2" providerId="ADAL" clId="{73C49393-00F6-48C7-99DB-5262FA837701}" dt="2020-06-05T00:07:32.418" v="269" actId="47"/>
         <pc:sldMkLst>
           <pc:docMk/>
           <pc:sldMk cId="2968284391" sldId="321"/>
@@ -2396,14 +2408,14 @@
           </ac:spMkLst>
         </pc:spChg>
       </pc:sldChg>
-      <pc:sldChg chg="modSp new">
-        <pc:chgData name="Ming-Chih Lin" userId="f1ba3ba5-e185-404b-b55f-b2be90e2bdc2" providerId="ADAL" clId="{73C49393-00F6-48C7-99DB-5262FA837701}" dt="2020-06-02T02:04:58.764" v="162"/>
+      <pc:sldChg chg="modSp new mod">
+        <pc:chgData name="Ming-Chih Lin" userId="f1ba3ba5-e185-404b-b55f-b2be90e2bdc2" providerId="ADAL" clId="{73C49393-00F6-48C7-99DB-5262FA837701}" dt="2020-06-05T00:05:30.170" v="176" actId="5793"/>
         <pc:sldMkLst>
           <pc:docMk/>
           <pc:sldMk cId="1818927525" sldId="324"/>
         </pc:sldMkLst>
         <pc:spChg chg="mod">
-          <ac:chgData name="Ming-Chih Lin" userId="f1ba3ba5-e185-404b-b55f-b2be90e2bdc2" providerId="ADAL" clId="{73C49393-00F6-48C7-99DB-5262FA837701}" dt="2020-06-02T02:04:58.764" v="162"/>
+          <ac:chgData name="Ming-Chih Lin" userId="f1ba3ba5-e185-404b-b55f-b2be90e2bdc2" providerId="ADAL" clId="{73C49393-00F6-48C7-99DB-5262FA837701}" dt="2020-06-05T00:05:30.170" v="176" actId="5793"/>
           <ac:spMkLst>
             <pc:docMk/>
             <pc:sldMk cId="1818927525" sldId="324"/>
@@ -2411,7 +2423,7 @@
           </ac:spMkLst>
         </pc:spChg>
         <pc:spChg chg="mod">
-          <ac:chgData name="Ming-Chih Lin" userId="f1ba3ba5-e185-404b-b55f-b2be90e2bdc2" providerId="ADAL" clId="{73C49393-00F6-48C7-99DB-5262FA837701}" dt="2020-06-02T02:04:52.241" v="161"/>
+          <ac:chgData name="Ming-Chih Lin" userId="f1ba3ba5-e185-404b-b55f-b2be90e2bdc2" providerId="ADAL" clId="{73C49393-00F6-48C7-99DB-5262FA837701}" dt="2020-06-05T00:05:15.267" v="172"/>
           <ac:spMkLst>
             <pc:docMk/>
             <pc:sldMk cId="1818927525" sldId="324"/>
@@ -6040,7 +6052,7 @@
           <a:p>
             <a:fld id="{FA1E3ED8-1BB4-4BD2-AB23-359644E070C2}" type="datetimeFigureOut">
               <a:rPr lang="zh-TW" altLang="en-US" smtClean="0"/>
-              <a:t>2020/6/2</a:t>
+              <a:t>2020/6/5</a:t>
             </a:fld>
             <a:endParaRPr lang="zh-TW" altLang="en-US"/>
           </a:p>
@@ -11224,7 +11236,7 @@
           <p:cNvPr id="2" name="內容版面配置區 1">
             <a:extLst>
               <a:ext uri="{FF2B5EF4-FFF2-40B4-BE49-F238E27FC236}">
-                <a16:creationId xmlns:a16="http://schemas.microsoft.com/office/drawing/2014/main" id="{CC0F63CD-5F6F-40F4-9DD1-1ADE29154084}"/>
+                <a16:creationId xmlns:a16="http://schemas.microsoft.com/office/drawing/2014/main" id="{3FE29309-5345-4E19-8AE7-4649FDF97613}"/>
               </a:ext>
             </a:extLst>
           </p:cNvPr>
@@ -11245,7 +11257,47 @@
             </a:pPr>
             <a:r>
               <a:rPr lang="zh-TW" altLang="en-US" dirty="0"/>
-              <a:t>除此之外，</a:t>
+              <a:t>要讀取</a:t>
+            </a:r>
+            <a:r>
+              <a:rPr lang="en-US" altLang="zh-TW" dirty="0"/>
+              <a:t>csv</a:t>
+            </a:r>
+            <a:r>
+              <a:rPr lang="zh-TW" altLang="en-US" dirty="0"/>
+              <a:t>格式，首先要先分離檔頭及資料，檔頭的資訊可以透過字串處理或是正規表示法來擷取資訊，並存到變數當中。資料的部分就簡單的多，讀取每一列，並根據分隔號分割資料並存到</a:t>
+            </a:r>
+            <a:r>
+              <a:rPr lang="en-US" altLang="zh-TW" dirty="0"/>
+              <a:t>list</a:t>
+            </a:r>
+            <a:r>
+              <a:rPr lang="zh-TW" altLang="en-US" dirty="0"/>
+              <a:t>當中。</a:t>
+            </a:r>
+            <a:r>
+              <a:rPr lang="en-US" altLang="zh-TW" dirty="0"/>
+              <a:t>Csv</a:t>
+            </a:r>
+            <a:r>
+              <a:rPr lang="zh-TW" altLang="en-US" dirty="0"/>
+              <a:t>所儲存的資料格式通常較為單純。複雜度較高的資料一般透過</a:t>
+            </a:r>
+            <a:r>
+              <a:rPr lang="en-US" altLang="zh-TW" dirty="0"/>
+              <a:t>xml</a:t>
+            </a:r>
+            <a:r>
+              <a:rPr lang="zh-TW" altLang="en-US" dirty="0"/>
+              <a:t>檔或</a:t>
+            </a:r>
+            <a:r>
+              <a:rPr lang="en-US" altLang="zh-TW" dirty="0"/>
+              <a:t>json</a:t>
+            </a:r>
+            <a:r>
+              <a:rPr lang="zh-TW" altLang="en-US" dirty="0"/>
+              <a:t>檔紀錄。</a:t>
             </a:r>
             <a:r>
               <a:rPr lang="en-US" altLang="zh-TW" dirty="0"/>
@@ -11253,24 +11305,65 @@
             </a:r>
             <a:r>
               <a:rPr lang="zh-TW" altLang="en-US" dirty="0"/>
-              <a:t>環境當中還存在許多各式的</a:t>
+              <a:t>的堆疊設定便是</a:t>
             </a:r>
             <a:r>
               <a:rPr lang="en-US" altLang="zh-TW" dirty="0"/>
-              <a:t>log</a:t>
+              <a:t>xml</a:t>
             </a:r>
             <a:r>
               <a:rPr lang="zh-TW" altLang="en-US" dirty="0"/>
-              <a:t>檔。要從這些</a:t>
+              <a:t>格式。</a:t>
             </a:r>
             <a:r>
               <a:rPr lang="en-US" altLang="zh-TW" dirty="0"/>
-              <a:t>log</a:t>
+              <a:t>json</a:t>
             </a:r>
             <a:r>
               <a:rPr lang="zh-TW" altLang="en-US" dirty="0"/>
-              <a:t>檔擷取資料最好的方法還是透過正規表示式來處理。</a:t>
-            </a:r>
+              <a:t>檔對於</a:t>
+            </a:r>
+            <a:r>
+              <a:rPr lang="en-US" altLang="zh-TW" dirty="0"/>
+              <a:t>python</a:t>
+            </a:r>
+            <a:r>
+              <a:rPr lang="zh-TW" altLang="en-US" dirty="0"/>
+              <a:t>而言，較易處理。也是這幾年較受歡迎的格式。</a:t>
+            </a:r>
+            <a:r>
+              <a:rPr lang="en-US" altLang="zh-TW" dirty="0"/>
+              <a:t>xml</a:t>
+            </a:r>
+            <a:r>
+              <a:rPr lang="zh-TW" altLang="en-US" dirty="0"/>
+              <a:t>格式基於歷史因素仍大量存在於</a:t>
+            </a:r>
+            <a:r>
+              <a:rPr lang="en-US" altLang="zh-TW" dirty="0"/>
+              <a:t>AEDT</a:t>
+            </a:r>
+            <a:r>
+              <a:rPr lang="zh-TW" altLang="en-US" dirty="0"/>
+              <a:t>當中。要完整剖析</a:t>
+            </a:r>
+            <a:r>
+              <a:rPr lang="en-US" altLang="zh-TW" dirty="0"/>
+              <a:t>xml</a:t>
+            </a:r>
+            <a:r>
+              <a:rPr lang="zh-TW" altLang="en-US" dirty="0"/>
+              <a:t>檔可以使用內建的</a:t>
+            </a:r>
+            <a:r>
+              <a:rPr lang="en-US" altLang="zh-TW" dirty="0"/>
+              <a:t>parser</a:t>
+            </a:r>
+            <a:r>
+              <a:rPr lang="zh-TW" altLang="en-US" dirty="0"/>
+              <a:t>。如果只需要擷取部分資料可以使用正規表示法。</a:t>
+            </a:r>
+            <a:endParaRPr lang="en-US" altLang="zh-TW" dirty="0"/>
           </a:p>
           <a:p>
             <a:endParaRPr lang="zh-TW" altLang="en-US" dirty="0"/>
@@ -11282,7 +11375,7 @@
           <p:cNvPr id="3" name="標題 2">
             <a:extLst>
               <a:ext uri="{FF2B5EF4-FFF2-40B4-BE49-F238E27FC236}">
-                <a16:creationId xmlns:a16="http://schemas.microsoft.com/office/drawing/2014/main" id="{134FDEFF-2794-43D6-B62D-4380AB1B578E}"/>
+                <a16:creationId xmlns:a16="http://schemas.microsoft.com/office/drawing/2014/main" id="{9E51FFEB-28FC-43FA-8ACA-B1CB0FD6B3E8}"/>
               </a:ext>
             </a:extLst>
           </p:cNvPr>
@@ -11305,7 +11398,7 @@
     </p:spTree>
     <p:extLst>
       <p:ext uri="{BB962C8B-B14F-4D97-AF65-F5344CB8AC3E}">
-        <p14:creationId xmlns:p14="http://schemas.microsoft.com/office/powerpoint/2010/main" val="2968284391"/>
+        <p14:creationId xmlns:p14="http://schemas.microsoft.com/office/powerpoint/2010/main" val="1219695762"/>
       </p:ext>
     </p:extLst>
   </p:cSld>
@@ -11346,10 +11439,10 @@
       </p:grpSpPr>
       <p:sp>
         <p:nvSpPr>
-          <p:cNvPr id="2" name="內容版面配置區 1">
-            <a:extLst>
-              <a:ext uri="{FF2B5EF4-FFF2-40B4-BE49-F238E27FC236}">
-                <a16:creationId xmlns:a16="http://schemas.microsoft.com/office/drawing/2014/main" id="{6323B9C6-4296-4701-9395-884F01AEB1BA}"/>
+          <p:cNvPr id="4" name="文字版面配置區 3">
+            <a:extLst>
+              <a:ext uri="{FF2B5EF4-FFF2-40B4-BE49-F238E27FC236}">
+                <a16:creationId xmlns:a16="http://schemas.microsoft.com/office/drawing/2014/main" id="{2FA54F75-D405-4104-B6BB-EA44A23A109A}"/>
               </a:ext>
             </a:extLst>
           </p:cNvPr>
@@ -11357,7 +11450,7 @@
             <a:spLocks noGrp="1"/>
           </p:cNvSpPr>
           <p:nvPr>
-            <p:ph idx="1"/>
+            <p:ph type="body" sz="quarter" idx="10"/>
           </p:nvPr>
         </p:nvSpPr>
         <p:spPr/>
@@ -11365,16 +11458,28 @@
           <a:bodyPr/>
           <a:lstStyle/>
           <a:p>
-            <a:endParaRPr lang="zh-TW" altLang="en-US"/>
+            <a:r>
+              <a:rPr lang="zh-TW" altLang="en-US" dirty="0"/>
+              <a:t>範例解說：如何讀取</a:t>
+            </a:r>
+            <a:r>
+              <a:rPr lang="en-US" altLang="zh-TW" dirty="0"/>
+              <a:t> CSV</a:t>
+            </a:r>
+            <a:r>
+              <a:rPr lang="zh-TW" altLang="en-US"/>
+              <a:t>檔並格式化輸出。</a:t>
+            </a:r>
+            <a:endParaRPr lang="zh-TW" altLang="en-US" dirty="0"/>
           </a:p>
         </p:txBody>
       </p:sp>
       <p:sp>
         <p:nvSpPr>
-          <p:cNvPr id="3" name="標題 2">
-            <a:extLst>
-              <a:ext uri="{FF2B5EF4-FFF2-40B4-BE49-F238E27FC236}">
-                <a16:creationId xmlns:a16="http://schemas.microsoft.com/office/drawing/2014/main" id="{E7C3D928-2CE9-4266-A577-F5AA1DFC7CE3}"/>
+          <p:cNvPr id="5" name="文字版面配置區 4">
+            <a:extLst>
+              <a:ext uri="{FF2B5EF4-FFF2-40B4-BE49-F238E27FC236}">
+                <a16:creationId xmlns:a16="http://schemas.microsoft.com/office/drawing/2014/main" id="{CEE2A55E-C73D-43FF-AA36-95C0FF95B7B1}"/>
               </a:ext>
             </a:extLst>
           </p:cNvPr>
@@ -11382,7 +11487,7 @@
             <a:spLocks noGrp="1"/>
           </p:cNvSpPr>
           <p:nvPr>
-            <p:ph type="title"/>
+            <p:ph type="body" sz="quarter" idx="12"/>
           </p:nvPr>
         </p:nvSpPr>
         <p:spPr/>
@@ -11390,17 +11495,14 @@
           <a:bodyPr/>
           <a:lstStyle/>
           <a:p>
-            <a:r>
-              <a:rPr lang="zh-TW" altLang="en-US" dirty="0"/>
-              <a:t>檔案讀取，比較與格式化輸出</a:t>
-            </a:r>
+            <a:endParaRPr lang="zh-TW" altLang="en-US"/>
           </a:p>
         </p:txBody>
       </p:sp>
     </p:spTree>
     <p:extLst>
       <p:ext uri="{BB962C8B-B14F-4D97-AF65-F5344CB8AC3E}">
-        <p14:creationId xmlns:p14="http://schemas.microsoft.com/office/powerpoint/2010/main" val="1705629521"/>
+        <p14:creationId xmlns:p14="http://schemas.microsoft.com/office/powerpoint/2010/main" val="3139632968"/>
       </p:ext>
     </p:extLst>
   </p:cSld>
@@ -11462,101 +11564,6 @@
           <a:p>
             <a:r>
               <a:rPr lang="zh-TW" altLang="en-US" dirty="0"/>
-              <a:t>範例解說</a:t>
-            </a:r>
-          </a:p>
-        </p:txBody>
-      </p:sp>
-      <p:sp>
-        <p:nvSpPr>
-          <p:cNvPr id="5" name="文字版面配置區 4">
-            <a:extLst>
-              <a:ext uri="{FF2B5EF4-FFF2-40B4-BE49-F238E27FC236}">
-                <a16:creationId xmlns:a16="http://schemas.microsoft.com/office/drawing/2014/main" id="{CEE2A55E-C73D-43FF-AA36-95C0FF95B7B1}"/>
-              </a:ext>
-            </a:extLst>
-          </p:cNvPr>
-          <p:cNvSpPr>
-            <a:spLocks noGrp="1"/>
-          </p:cNvSpPr>
-          <p:nvPr>
-            <p:ph type="body" sz="quarter" idx="12"/>
-          </p:nvPr>
-        </p:nvSpPr>
-        <p:spPr/>
-        <p:txBody>
-          <a:bodyPr/>
-          <a:lstStyle/>
-          <a:p>
-            <a:endParaRPr lang="zh-TW" altLang="en-US"/>
-          </a:p>
-        </p:txBody>
-      </p:sp>
-    </p:spTree>
-    <p:extLst>
-      <p:ext uri="{BB962C8B-B14F-4D97-AF65-F5344CB8AC3E}">
-        <p14:creationId xmlns:p14="http://schemas.microsoft.com/office/powerpoint/2010/main" val="3139632968"/>
-      </p:ext>
-    </p:extLst>
-  </p:cSld>
-  <p:clrMapOvr>
-    <a:masterClrMapping/>
-  </p:clrMapOvr>
-  <mc:AlternateContent xmlns:mc="http://schemas.openxmlformats.org/markup-compatibility/2006" xmlns:p14="http://schemas.microsoft.com/office/powerpoint/2010/main">
-    <mc:Choice Requires="p14">
-      <p:transition p14:dur="250">
-        <p:fade/>
-      </p:transition>
-    </mc:Choice>
-    <mc:Fallback xmlns="">
-      <p:transition>
-        <p:fade/>
-      </p:transition>
-    </mc:Fallback>
-  </mc:AlternateContent>
-</p:sld>
-</file>
-
-<file path=ppt/slides/slide13.xml><?xml version="1.0" encoding="utf-8"?>
-<p:sld xmlns:a="http://schemas.openxmlformats.org/drawingml/2006/main" xmlns:r="http://schemas.openxmlformats.org/officeDocument/2006/relationships" xmlns:p="http://schemas.openxmlformats.org/presentationml/2006/main">
-  <p:cSld>
-    <p:spTree>
-      <p:nvGrpSpPr>
-        <p:cNvPr id="1" name=""/>
-        <p:cNvGrpSpPr/>
-        <p:nvPr/>
-      </p:nvGrpSpPr>
-      <p:grpSpPr>
-        <a:xfrm>
-          <a:off x="0" y="0"/>
-          <a:ext cx="0" cy="0"/>
-          <a:chOff x="0" y="0"/>
-          <a:chExt cx="0" cy="0"/>
-        </a:xfrm>
-      </p:grpSpPr>
-      <p:sp>
-        <p:nvSpPr>
-          <p:cNvPr id="4" name="文字版面配置區 3">
-            <a:extLst>
-              <a:ext uri="{FF2B5EF4-FFF2-40B4-BE49-F238E27FC236}">
-                <a16:creationId xmlns:a16="http://schemas.microsoft.com/office/drawing/2014/main" id="{2FA54F75-D405-4104-B6BB-EA44A23A109A}"/>
-              </a:ext>
-            </a:extLst>
-          </p:cNvPr>
-          <p:cNvSpPr>
-            <a:spLocks noGrp="1"/>
-          </p:cNvSpPr>
-          <p:nvPr>
-            <p:ph type="body" sz="quarter" idx="10"/>
-          </p:nvPr>
-        </p:nvSpPr>
-        <p:spPr/>
-        <p:txBody>
-          <a:bodyPr/>
-          <a:lstStyle/>
-          <a:p>
-            <a:r>
-              <a:rPr lang="zh-TW" altLang="en-US" dirty="0"/>
               <a:t>專題討論 </a:t>
             </a:r>
           </a:p>
@@ -11612,7 +11619,7 @@
 </p:sld>
 </file>
 
-<file path=ppt/slides/slide14.xml><?xml version="1.0" encoding="utf-8"?>
+<file path=ppt/slides/slide13.xml><?xml version="1.0" encoding="utf-8"?>
 <p:sld xmlns:a="http://schemas.openxmlformats.org/drawingml/2006/main" xmlns:r="http://schemas.openxmlformats.org/officeDocument/2006/relationships" xmlns:p="http://schemas.openxmlformats.org/presentationml/2006/main">
   <p:cSld>
     <p:spTree>
@@ -12072,10 +12079,10 @@
       </p:grpSpPr>
       <p:sp>
         <p:nvSpPr>
-          <p:cNvPr id="4" name="文字版面配置區 3">
-            <a:extLst>
-              <a:ext uri="{FF2B5EF4-FFF2-40B4-BE49-F238E27FC236}">
-                <a16:creationId xmlns:a16="http://schemas.microsoft.com/office/drawing/2014/main" id="{2FA54F75-D405-4104-B6BB-EA44A23A109A}"/>
+          <p:cNvPr id="2" name="內容版面配置區 1">
+            <a:extLst>
+              <a:ext uri="{FF2B5EF4-FFF2-40B4-BE49-F238E27FC236}">
+                <a16:creationId xmlns:a16="http://schemas.microsoft.com/office/drawing/2014/main" id="{6323B9C6-4296-4701-9395-884F01AEB1BA}"/>
               </a:ext>
             </a:extLst>
           </p:cNvPr>
@@ -12083,7 +12090,7 @@
             <a:spLocks noGrp="1"/>
           </p:cNvSpPr>
           <p:nvPr>
-            <p:ph type="body" sz="quarter" idx="10"/>
+            <p:ph idx="1"/>
           </p:nvPr>
         </p:nvSpPr>
         <p:spPr/>
@@ -12091,19 +12098,16 @@
           <a:bodyPr/>
           <a:lstStyle/>
           <a:p>
-            <a:r>
-              <a:rPr lang="zh-TW" altLang="en-US" dirty="0"/>
-              <a:t>概念解說</a:t>
-            </a:r>
+            <a:endParaRPr lang="zh-TW" altLang="en-US"/>
           </a:p>
         </p:txBody>
       </p:sp>
       <p:sp>
         <p:nvSpPr>
-          <p:cNvPr id="5" name="文字版面配置區 4">
-            <a:extLst>
-              <a:ext uri="{FF2B5EF4-FFF2-40B4-BE49-F238E27FC236}">
-                <a16:creationId xmlns:a16="http://schemas.microsoft.com/office/drawing/2014/main" id="{CEE2A55E-C73D-43FF-AA36-95C0FF95B7B1}"/>
+          <p:cNvPr id="3" name="標題 2">
+            <a:extLst>
+              <a:ext uri="{FF2B5EF4-FFF2-40B4-BE49-F238E27FC236}">
+                <a16:creationId xmlns:a16="http://schemas.microsoft.com/office/drawing/2014/main" id="{E7C3D928-2CE9-4266-A577-F5AA1DFC7CE3}"/>
               </a:ext>
             </a:extLst>
           </p:cNvPr>
@@ -12111,7 +12115,7 @@
             <a:spLocks noGrp="1"/>
           </p:cNvSpPr>
           <p:nvPr>
-            <p:ph type="body" sz="quarter" idx="12"/>
+            <p:ph type="title"/>
           </p:nvPr>
         </p:nvSpPr>
         <p:spPr/>
@@ -12119,14 +12123,17 @@
           <a:bodyPr/>
           <a:lstStyle/>
           <a:p>
-            <a:endParaRPr lang="zh-TW" altLang="en-US"/>
+            <a:r>
+              <a:rPr lang="zh-TW" altLang="en-US" dirty="0"/>
+              <a:t>格式化輸出</a:t>
+            </a:r>
           </a:p>
         </p:txBody>
       </p:sp>
     </p:spTree>
     <p:extLst>
       <p:ext uri="{BB962C8B-B14F-4D97-AF65-F5344CB8AC3E}">
-        <p14:creationId xmlns:p14="http://schemas.microsoft.com/office/powerpoint/2010/main" val="2484227852"/>
+        <p14:creationId xmlns:p14="http://schemas.microsoft.com/office/powerpoint/2010/main" val="2205041351"/>
       </p:ext>
     </p:extLst>
   </p:cSld>
@@ -12167,10 +12174,10 @@
       </p:grpSpPr>
       <p:sp>
         <p:nvSpPr>
-          <p:cNvPr id="5" name="內容版面配置區 4">
-            <a:extLst>
-              <a:ext uri="{FF2B5EF4-FFF2-40B4-BE49-F238E27FC236}">
-                <a16:creationId xmlns:a16="http://schemas.microsoft.com/office/drawing/2014/main" id="{13882B9C-0321-47C2-A3C8-516DA6756FEE}"/>
+          <p:cNvPr id="4" name="文字版面配置區 3">
+            <a:extLst>
+              <a:ext uri="{FF2B5EF4-FFF2-40B4-BE49-F238E27FC236}">
+                <a16:creationId xmlns:a16="http://schemas.microsoft.com/office/drawing/2014/main" id="{2FA54F75-D405-4104-B6BB-EA44A23A109A}"/>
               </a:ext>
             </a:extLst>
           </p:cNvPr>
@@ -12178,7 +12185,7 @@
             <a:spLocks noGrp="1"/>
           </p:cNvSpPr>
           <p:nvPr>
-            <p:ph idx="1"/>
+            <p:ph type="body" sz="quarter" idx="10"/>
           </p:nvPr>
         </p:nvSpPr>
         <p:spPr/>
@@ -12187,22 +12194,18 @@
           <a:lstStyle/>
           <a:p>
             <a:r>
-              <a:rPr lang="en-US" altLang="zh-TW" dirty="0"/>
-              <a:t>A. AEDT</a:t>
-            </a:r>
-            <a:r>
               <a:rPr lang="zh-TW" altLang="en-US" dirty="0"/>
-              <a:t>存在許多的的設定檔，比方說是材料設定檔，激發設定檔，堆疊設定檔。以文字檔格式紀錄。對前處理來說，讀取設定檔便可以取得必要的訊息，也可以透過修改檔案來更新設計參數。對後處理來說，模擬結果都可以匯出到檔案當中。因此熟悉檔案的讀寫，對模擬自動化是必要的技能。</a:t>
+              <a:t>概念解說</a:t>
             </a:r>
           </a:p>
         </p:txBody>
       </p:sp>
       <p:sp>
         <p:nvSpPr>
-          <p:cNvPr id="4" name="標題 3">
-            <a:extLst>
-              <a:ext uri="{FF2B5EF4-FFF2-40B4-BE49-F238E27FC236}">
-                <a16:creationId xmlns:a16="http://schemas.microsoft.com/office/drawing/2014/main" id="{A1FA83DE-77B4-4FD3-A6E8-90A05C834CA2}"/>
+          <p:cNvPr id="5" name="文字版面配置區 4">
+            <a:extLst>
+              <a:ext uri="{FF2B5EF4-FFF2-40B4-BE49-F238E27FC236}">
+                <a16:creationId xmlns:a16="http://schemas.microsoft.com/office/drawing/2014/main" id="{CEE2A55E-C73D-43FF-AA36-95C0FF95B7B1}"/>
               </a:ext>
             </a:extLst>
           </p:cNvPr>
@@ -12210,7 +12213,7 @@
             <a:spLocks noGrp="1"/>
           </p:cNvSpPr>
           <p:nvPr>
-            <p:ph type="title"/>
+            <p:ph type="body" sz="quarter" idx="12"/>
           </p:nvPr>
         </p:nvSpPr>
         <p:spPr/>
@@ -12218,17 +12221,14 @@
           <a:bodyPr/>
           <a:lstStyle/>
           <a:p>
-            <a:r>
-              <a:rPr lang="zh-TW" altLang="en-US" dirty="0"/>
-              <a:t>熟悉檔案的讀寫為何重要？</a:t>
-            </a:r>
+            <a:endParaRPr lang="zh-TW" altLang="en-US"/>
           </a:p>
         </p:txBody>
       </p:sp>
     </p:spTree>
     <p:extLst>
       <p:ext uri="{BB962C8B-B14F-4D97-AF65-F5344CB8AC3E}">
-        <p14:creationId xmlns:p14="http://schemas.microsoft.com/office/powerpoint/2010/main" val="7019956"/>
+        <p14:creationId xmlns:p14="http://schemas.microsoft.com/office/powerpoint/2010/main" val="2484227852"/>
       </p:ext>
     </p:extLst>
   </p:cSld>
@@ -12269,10 +12269,10 @@
       </p:grpSpPr>
       <p:sp>
         <p:nvSpPr>
-          <p:cNvPr id="2" name="內容版面配置區 1">
-            <a:extLst>
-              <a:ext uri="{FF2B5EF4-FFF2-40B4-BE49-F238E27FC236}">
-                <a16:creationId xmlns:a16="http://schemas.microsoft.com/office/drawing/2014/main" id="{DEB8D6FB-A8C1-4133-91A9-13A0E502A066}"/>
+          <p:cNvPr id="5" name="內容版面配置區 4">
+            <a:extLst>
+              <a:ext uri="{FF2B5EF4-FFF2-40B4-BE49-F238E27FC236}">
+                <a16:creationId xmlns:a16="http://schemas.microsoft.com/office/drawing/2014/main" id="{13882B9C-0321-47C2-A3C8-516DA6756FEE}"/>
               </a:ext>
             </a:extLst>
           </p:cNvPr>
@@ -12290,61 +12290,21 @@
           <a:p>
             <a:r>
               <a:rPr lang="en-US" altLang="zh-TW" dirty="0"/>
-              <a:t>A. </a:t>
+              <a:t>A. AEDT</a:t>
             </a:r>
             <a:r>
               <a:rPr lang="zh-TW" altLang="en-US" dirty="0"/>
-              <a:t>檔案採用的資料種類及方法，根據資料的格式及之後要進行的運算，我們必須選擇適當的資料結構來儲存，才能有效的完成後續的工作。解析檔案並儲存至資料結構的程式稱之為</a:t>
-            </a:r>
-            <a:r>
-              <a:rPr lang="en-US" altLang="zh-TW" dirty="0"/>
-              <a:t>parser</a:t>
-            </a:r>
-            <a:r>
-              <a:rPr lang="zh-TW" altLang="en-US" dirty="0"/>
-              <a:t>。最常見的</a:t>
-            </a:r>
-            <a:r>
-              <a:rPr lang="en-US" altLang="zh-TW" dirty="0"/>
-              <a:t>csv</a:t>
-            </a:r>
-            <a:r>
-              <a:rPr lang="zh-TW" altLang="en-US" dirty="0"/>
-              <a:t>檔為例，</a:t>
-            </a:r>
-            <a:r>
-              <a:rPr lang="en-US" altLang="zh-TW" dirty="0"/>
-              <a:t>csv parser</a:t>
-            </a:r>
-            <a:r>
-              <a:rPr lang="zh-TW" altLang="en-US" dirty="0"/>
-              <a:t>便是將</a:t>
-            </a:r>
-            <a:r>
-              <a:rPr lang="en-US" altLang="zh-TW" dirty="0"/>
-              <a:t>csv</a:t>
-            </a:r>
-            <a:r>
-              <a:rPr lang="zh-TW" altLang="en-US" dirty="0"/>
-              <a:t>檔案讀到</a:t>
-            </a:r>
-            <a:r>
-              <a:rPr lang="en-US" altLang="zh-TW" dirty="0"/>
-              <a:t>list of list</a:t>
-            </a:r>
-            <a:r>
-              <a:rPr lang="zh-TW" altLang="en-US" dirty="0"/>
-              <a:t>的資料結構，使用者可以輕鬆的使用切片來取得某一列，某一行的資料。</a:t>
+              <a:t>存在許多的的設定檔，比方說是材料設定檔，激發設定檔，堆疊設定檔。以文字檔格式紀錄。對前處理來說，讀取設定檔便可以取得必要的訊息，也可以透過修改檔案來更新設計參數。對後處理來說，模擬結果都可以匯出到檔案當中。因此熟悉檔案的讀寫，對模擬自動化是必要的技能。</a:t>
             </a:r>
           </a:p>
         </p:txBody>
       </p:sp>
       <p:sp>
         <p:nvSpPr>
-          <p:cNvPr id="3" name="標題 2">
-            <a:extLst>
-              <a:ext uri="{FF2B5EF4-FFF2-40B4-BE49-F238E27FC236}">
-                <a16:creationId xmlns:a16="http://schemas.microsoft.com/office/drawing/2014/main" id="{AD18A9C0-55E2-46C6-8FAD-AD980AFCAB2A}"/>
+          <p:cNvPr id="4" name="標題 3">
+            <a:extLst>
+              <a:ext uri="{FF2B5EF4-FFF2-40B4-BE49-F238E27FC236}">
+                <a16:creationId xmlns:a16="http://schemas.microsoft.com/office/drawing/2014/main" id="{A1FA83DE-77B4-4FD3-A6E8-90A05C834CA2}"/>
               </a:ext>
             </a:extLst>
           </p:cNvPr>
@@ -12362,20 +12322,15 @@
           <a:p>
             <a:r>
               <a:rPr lang="zh-TW" altLang="en-US" dirty="0"/>
-              <a:t>什麼是</a:t>
-            </a:r>
-            <a:r>
-              <a:rPr lang="en-US" altLang="zh-TW" dirty="0"/>
-              <a:t>parser?</a:t>
-            </a:r>
-            <a:endParaRPr lang="zh-TW" altLang="en-US" dirty="0"/>
+              <a:t>熟悉檔案的讀寫為何重要？</a:t>
+            </a:r>
           </a:p>
         </p:txBody>
       </p:sp>
     </p:spTree>
     <p:extLst>
       <p:ext uri="{BB962C8B-B14F-4D97-AF65-F5344CB8AC3E}">
-        <p14:creationId xmlns:p14="http://schemas.microsoft.com/office/powerpoint/2010/main" val="1999714696"/>
+        <p14:creationId xmlns:p14="http://schemas.microsoft.com/office/powerpoint/2010/main" val="7019956"/>
       </p:ext>
     </p:extLst>
   </p:cSld>
@@ -12419,7 +12374,7 @@
           <p:cNvPr id="2" name="內容版面配置區 1">
             <a:extLst>
               <a:ext uri="{FF2B5EF4-FFF2-40B4-BE49-F238E27FC236}">
-                <a16:creationId xmlns:a16="http://schemas.microsoft.com/office/drawing/2014/main" id="{68F6B3DB-638E-43E7-96C6-4A7E2096237E}"/>
+                <a16:creationId xmlns:a16="http://schemas.microsoft.com/office/drawing/2014/main" id="{DEB8D6FB-A8C1-4133-91A9-13A0E502A066}"/>
               </a:ext>
             </a:extLst>
           </p:cNvPr>
@@ -12441,23 +12396,47 @@
             </a:r>
             <a:r>
               <a:rPr lang="zh-TW" altLang="en-US" dirty="0"/>
-              <a:t>如果不考慮可讀性，最簡單的方式便是用</a:t>
+              <a:t>檔案採用的資料種類及方法，根據資料的格式及之後要進行的運算，我們必須選擇適當的資料結構來儲存，才能有效的完成後續的工作。解析檔案並儲存至資料結構的程式稱之為</a:t>
             </a:r>
             <a:r>
               <a:rPr lang="en-US" altLang="zh-TW" dirty="0"/>
-              <a:t>pickle</a:t>
+              <a:t>parser</a:t>
             </a:r>
             <a:r>
               <a:rPr lang="zh-TW" altLang="en-US" dirty="0"/>
-              <a:t>寫到檔案當中。檔案以二進制儲存，具有一定的保護性。如果考量到可讀性，</a:t>
+              <a:t>。最常見的</a:t>
             </a:r>
             <a:r>
               <a:rPr lang="en-US" altLang="zh-TW" dirty="0"/>
-              <a:t>CSV, Jason, xml,</a:t>
+              <a:t>csv</a:t>
             </a:r>
             <a:r>
               <a:rPr lang="zh-TW" altLang="en-US" dirty="0"/>
-              <a:t>都是不錯的方式，有現成的庫可以使用。如果是自訂格式，則程式碼必須適當的格式化資料結構來產生符合規範的檔案格式。這部分通常需要耗費不少的時間來開發。</a:t>
+              <a:t>檔為例，</a:t>
+            </a:r>
+            <a:r>
+              <a:rPr lang="en-US" altLang="zh-TW" dirty="0"/>
+              <a:t>csv parser</a:t>
+            </a:r>
+            <a:r>
+              <a:rPr lang="zh-TW" altLang="en-US" dirty="0"/>
+              <a:t>便是將</a:t>
+            </a:r>
+            <a:r>
+              <a:rPr lang="en-US" altLang="zh-TW" dirty="0"/>
+              <a:t>csv</a:t>
+            </a:r>
+            <a:r>
+              <a:rPr lang="zh-TW" altLang="en-US" dirty="0"/>
+              <a:t>檔案讀到</a:t>
+            </a:r>
+            <a:r>
+              <a:rPr lang="en-US" altLang="zh-TW" dirty="0"/>
+              <a:t>list of list</a:t>
+            </a:r>
+            <a:r>
+              <a:rPr lang="zh-TW" altLang="en-US" dirty="0"/>
+              <a:t>的資料結構，使用者可以輕鬆的使用切片來取得某一列，某一行的資料。</a:t>
             </a:r>
           </a:p>
         </p:txBody>
@@ -12467,7 +12446,7 @@
           <p:cNvPr id="3" name="標題 2">
             <a:extLst>
               <a:ext uri="{FF2B5EF4-FFF2-40B4-BE49-F238E27FC236}">
-                <a16:creationId xmlns:a16="http://schemas.microsoft.com/office/drawing/2014/main" id="{7CF71D4B-9055-46CA-AA21-6A4A6AC943F5}"/>
+                <a16:creationId xmlns:a16="http://schemas.microsoft.com/office/drawing/2014/main" id="{AD18A9C0-55E2-46C6-8FAD-AD980AFCAB2A}"/>
               </a:ext>
             </a:extLst>
           </p:cNvPr>
@@ -12485,15 +12464,20 @@
           <a:p>
             <a:r>
               <a:rPr lang="zh-TW" altLang="en-US" dirty="0"/>
-              <a:t>我要將資料結構寫道檔案當中，有哪些考量？</a:t>
-            </a:r>
+              <a:t>什麼是</a:t>
+            </a:r>
+            <a:r>
+              <a:rPr lang="en-US" altLang="zh-TW" dirty="0"/>
+              <a:t>parser?</a:t>
+            </a:r>
+            <a:endParaRPr lang="zh-TW" altLang="en-US" dirty="0"/>
           </a:p>
         </p:txBody>
       </p:sp>
     </p:spTree>
     <p:extLst>
       <p:ext uri="{BB962C8B-B14F-4D97-AF65-F5344CB8AC3E}">
-        <p14:creationId xmlns:p14="http://schemas.microsoft.com/office/powerpoint/2010/main" val="1818927525"/>
+        <p14:creationId xmlns:p14="http://schemas.microsoft.com/office/powerpoint/2010/main" val="1999714696"/>
       </p:ext>
     </p:extLst>
   </p:cSld>
@@ -12534,10 +12518,10 @@
       </p:grpSpPr>
       <p:sp>
         <p:nvSpPr>
-          <p:cNvPr id="5" name="內容版面配置區 4">
-            <a:extLst>
-              <a:ext uri="{FF2B5EF4-FFF2-40B4-BE49-F238E27FC236}">
-                <a16:creationId xmlns:a16="http://schemas.microsoft.com/office/drawing/2014/main" id="{680D27AA-D6DD-4913-B75C-C4DC715BB99D}"/>
+          <p:cNvPr id="2" name="內容版面配置區 1">
+            <a:extLst>
+              <a:ext uri="{FF2B5EF4-FFF2-40B4-BE49-F238E27FC236}">
+                <a16:creationId xmlns:a16="http://schemas.microsoft.com/office/drawing/2014/main" id="{68F6B3DB-638E-43E7-96C6-4A7E2096237E}"/>
               </a:ext>
             </a:extLst>
           </p:cNvPr>
@@ -12557,31 +12541,34 @@
               <a:buNone/>
             </a:pPr>
             <a:r>
+              <a:rPr lang="zh-TW" altLang="en-US" dirty="0"/>
+              <a:t>如果不考慮可讀性，最簡單的方式便是用</a:t>
+            </a:r>
+            <a:r>
               <a:rPr lang="en-US" altLang="zh-TW" dirty="0"/>
-              <a:t>CSV</a:t>
+              <a:t>pickle</a:t>
             </a:r>
             <a:r>
               <a:rPr lang="zh-TW" altLang="en-US" dirty="0"/>
-              <a:t>是最為普遍的資料儲存格式，每一列當中不同屬性的資料以分隔號區分開來。這種格式不但可讀性高，程式碼也容易處理。除了資料本身，最前面的行數也會用來記錄相關訊息，比方說是日期或是單位等等。為了與資料區分，檔頭的這些訊息前面多以特殊字元表示，以利區隔。各位所熟悉的</a:t>
+              <a:t>寫到檔案當中。檔案以二進制儲存，具有一定的保護性。如果考量到可讀性，</a:t>
             </a:r>
             <a:r>
               <a:rPr lang="en-US" altLang="zh-TW" dirty="0"/>
-              <a:t>S</a:t>
+              <a:t>CSV, Jason, xml,</a:t>
             </a:r>
             <a:r>
               <a:rPr lang="zh-TW" altLang="en-US" dirty="0"/>
-              <a:t>參數就是屬於這種格式。</a:t>
-            </a:r>
-            <a:endParaRPr lang="en-US" altLang="zh-TW" dirty="0"/>
+              <a:t>都是不錯的方式，有現成的庫可以使用。如果是自訂格式，則程式碼必須適當的格式化資料結構來產生符合規範的檔案格式。這部分通常需要耗費不少的時間來開發。</a:t>
+            </a:r>
           </a:p>
         </p:txBody>
       </p:sp>
       <p:sp>
         <p:nvSpPr>
-          <p:cNvPr id="4" name="標題 3">
-            <a:extLst>
-              <a:ext uri="{FF2B5EF4-FFF2-40B4-BE49-F238E27FC236}">
-                <a16:creationId xmlns:a16="http://schemas.microsoft.com/office/drawing/2014/main" id="{4F757CAB-CFF8-4102-BD5C-AF5056C64951}"/>
+          <p:cNvPr id="3" name="標題 2">
+            <a:extLst>
+              <a:ext uri="{FF2B5EF4-FFF2-40B4-BE49-F238E27FC236}">
+                <a16:creationId xmlns:a16="http://schemas.microsoft.com/office/drawing/2014/main" id="{7CF71D4B-9055-46CA-AA21-6A4A6AC943F5}"/>
               </a:ext>
             </a:extLst>
           </p:cNvPr>
@@ -12598,12 +12585,8 @@
           <a:lstStyle/>
           <a:p>
             <a:r>
-              <a:rPr lang="en-US" altLang="zh-TW" dirty="0"/>
-              <a:t>CSV</a:t>
-            </a:r>
-            <a:r>
               <a:rPr lang="zh-TW" altLang="en-US" dirty="0"/>
-              <a:t>檔</a:t>
+              <a:t>我要將資料結構寫進檔案當中，有哪些考量？</a:t>
             </a:r>
           </a:p>
         </p:txBody>
@@ -12611,7 +12594,7 @@
     </p:spTree>
     <p:extLst>
       <p:ext uri="{BB962C8B-B14F-4D97-AF65-F5344CB8AC3E}">
-        <p14:creationId xmlns:p14="http://schemas.microsoft.com/office/powerpoint/2010/main" val="1655947332"/>
+        <p14:creationId xmlns:p14="http://schemas.microsoft.com/office/powerpoint/2010/main" val="1818927525"/>
       </p:ext>
     </p:extLst>
   </p:cSld>
@@ -12652,10 +12635,10 @@
       </p:grpSpPr>
       <p:sp>
         <p:nvSpPr>
-          <p:cNvPr id="2" name="內容版面配置區 1">
-            <a:extLst>
-              <a:ext uri="{FF2B5EF4-FFF2-40B4-BE49-F238E27FC236}">
-                <a16:creationId xmlns:a16="http://schemas.microsoft.com/office/drawing/2014/main" id="{3FE29309-5345-4E19-8AE7-4649FDF97613}"/>
+          <p:cNvPr id="5" name="內容版面配置區 4">
+            <a:extLst>
+              <a:ext uri="{FF2B5EF4-FFF2-40B4-BE49-F238E27FC236}">
+                <a16:creationId xmlns:a16="http://schemas.microsoft.com/office/drawing/2014/main" id="{680D27AA-D6DD-4913-B75C-C4DC715BB99D}"/>
               </a:ext>
             </a:extLst>
           </p:cNvPr>
@@ -12675,126 +12658,31 @@
               <a:buNone/>
             </a:pPr>
             <a:r>
+              <a:rPr lang="en-US" altLang="zh-TW" dirty="0"/>
+              <a:t>CSV</a:t>
+            </a:r>
+            <a:r>
               <a:rPr lang="zh-TW" altLang="en-US" dirty="0"/>
-              <a:t>要讀取</a:t>
+              <a:t>是最為普遍的資料儲存格式，每一列當中不同屬性的資料以分隔號區分開來。這種格式不但可讀性高，程式碼也容易處理。除了資料本身，最前面的行數也會用來記錄相關訊息，比方說是日期或是單位等等。為了與資料區分，檔頭的這些訊息前面多以特殊字元表示，以利區隔。各位所熟悉的</a:t>
             </a:r>
             <a:r>
               <a:rPr lang="en-US" altLang="zh-TW" dirty="0"/>
-              <a:t>csv</a:t>
+              <a:t>S</a:t>
             </a:r>
             <a:r>
               <a:rPr lang="zh-TW" altLang="en-US" dirty="0"/>
-              <a:t>格式，首先要先分離檔頭及資料，檔頭的資訊可以透過字串處理或是正規表示法來擷取資訊，並存到變數當中。資料的部分就簡單的多，讀取每一列，並根據分隔號分割資料並存到</a:t>
-            </a:r>
-            <a:r>
-              <a:rPr lang="en-US" altLang="zh-TW" dirty="0"/>
-              <a:t>list</a:t>
-            </a:r>
-            <a:r>
-              <a:rPr lang="zh-TW" altLang="en-US" dirty="0"/>
-              <a:t>當中。</a:t>
-            </a:r>
-            <a:r>
-              <a:rPr lang="en-US" altLang="zh-TW" dirty="0"/>
-              <a:t>Csv</a:t>
-            </a:r>
-            <a:r>
-              <a:rPr lang="zh-TW" altLang="en-US" dirty="0"/>
-              <a:t>所儲存的資料格式通常較為單純。複雜度較高的資料一般透過</a:t>
-            </a:r>
-            <a:r>
-              <a:rPr lang="en-US" altLang="zh-TW" dirty="0"/>
-              <a:t>xml</a:t>
-            </a:r>
-            <a:r>
-              <a:rPr lang="zh-TW" altLang="en-US" dirty="0"/>
-              <a:t>檔或</a:t>
-            </a:r>
-            <a:r>
-              <a:rPr lang="en-US" altLang="zh-TW" dirty="0"/>
-              <a:t>json</a:t>
-            </a:r>
-            <a:r>
-              <a:rPr lang="zh-TW" altLang="en-US" dirty="0"/>
-              <a:t>檔紀錄。</a:t>
-            </a:r>
-            <a:r>
-              <a:rPr lang="en-US" altLang="zh-TW" dirty="0"/>
-              <a:t>AEDT</a:t>
-            </a:r>
-            <a:r>
-              <a:rPr lang="zh-TW" altLang="en-US" dirty="0"/>
-              <a:t>的堆疊設定便是</a:t>
-            </a:r>
-            <a:r>
-              <a:rPr lang="en-US" altLang="zh-TW" dirty="0"/>
-              <a:t>xml</a:t>
-            </a:r>
-            <a:r>
-              <a:rPr lang="zh-TW" altLang="en-US" dirty="0"/>
-              <a:t>格式。</a:t>
-            </a:r>
-            <a:r>
-              <a:rPr lang="en-US" altLang="zh-TW" dirty="0"/>
-              <a:t>json</a:t>
-            </a:r>
-            <a:r>
-              <a:rPr lang="zh-TW" altLang="en-US" dirty="0"/>
-              <a:t>檔對於</a:t>
-            </a:r>
-            <a:r>
-              <a:rPr lang="en-US" altLang="zh-TW" dirty="0"/>
-              <a:t>python</a:t>
-            </a:r>
-            <a:r>
-              <a:rPr lang="zh-TW" altLang="en-US" dirty="0"/>
-              <a:t>而言，較易處理。也是這幾年較受歡迎的格式。</a:t>
-            </a:r>
-            <a:r>
-              <a:rPr lang="en-US" altLang="zh-TW" dirty="0"/>
-              <a:t>xml</a:t>
-            </a:r>
-            <a:r>
-              <a:rPr lang="zh-TW" altLang="en-US" dirty="0"/>
-              <a:t>格式基於歷史因素仍大量存在於</a:t>
-            </a:r>
-            <a:r>
-              <a:rPr lang="en-US" altLang="zh-TW" dirty="0"/>
-              <a:t>AEDT</a:t>
-            </a:r>
-            <a:r>
-              <a:rPr lang="zh-TW" altLang="en-US" dirty="0"/>
-              <a:t>當中。要完整剖析</a:t>
-            </a:r>
-            <a:r>
-              <a:rPr lang="en-US" altLang="zh-TW" dirty="0"/>
-              <a:t>xml</a:t>
-            </a:r>
-            <a:r>
-              <a:rPr lang="zh-TW" altLang="en-US" dirty="0"/>
-              <a:t>檔可以使用內建的</a:t>
-            </a:r>
-            <a:r>
-              <a:rPr lang="en-US" altLang="zh-TW" dirty="0"/>
-              <a:t>parser</a:t>
-            </a:r>
-            <a:r>
-              <a:rPr lang="zh-TW" altLang="en-US" dirty="0"/>
-              <a:t>。如果只需要擷取部分資料可以使用正規表示法。</a:t>
+              <a:t>參數就是屬於這種格式。</a:t>
             </a:r>
             <a:endParaRPr lang="en-US" altLang="zh-TW" dirty="0"/>
-          </a:p>
-          <a:p>
-            <a:endParaRPr lang="zh-TW" altLang="en-US" dirty="0"/>
           </a:p>
         </p:txBody>
       </p:sp>
       <p:sp>
         <p:nvSpPr>
-          <p:cNvPr id="3" name="標題 2">
-            <a:extLst>
-              <a:ext uri="{FF2B5EF4-FFF2-40B4-BE49-F238E27FC236}">
-                <a16:creationId xmlns:a16="http://schemas.microsoft.com/office/drawing/2014/main" id="{9E51FFEB-28FC-43FA-8ACA-B1CB0FD6B3E8}"/>
+          <p:cNvPr id="4" name="標題 3">
+            <a:extLst>
+              <a:ext uri="{FF2B5EF4-FFF2-40B4-BE49-F238E27FC236}">
+                <a16:creationId xmlns:a16="http://schemas.microsoft.com/office/drawing/2014/main" id="{4F757CAB-CFF8-4102-BD5C-AF5056C64951}"/>
               </a:ext>
             </a:extLst>
           </p:cNvPr>
@@ -12810,14 +12698,21 @@
           <a:bodyPr/>
           <a:lstStyle/>
           <a:p>
-            <a:endParaRPr lang="zh-TW" altLang="en-US"/>
+            <a:r>
+              <a:rPr lang="en-US" altLang="zh-TW" dirty="0"/>
+              <a:t>CSV</a:t>
+            </a:r>
+            <a:r>
+              <a:rPr lang="zh-TW" altLang="en-US" dirty="0"/>
+              <a:t>檔</a:t>
+            </a:r>
           </a:p>
         </p:txBody>
       </p:sp>
     </p:spTree>
     <p:extLst>
       <p:ext uri="{BB962C8B-B14F-4D97-AF65-F5344CB8AC3E}">
-        <p14:creationId xmlns:p14="http://schemas.microsoft.com/office/powerpoint/2010/main" val="1219695762"/>
+        <p14:creationId xmlns:p14="http://schemas.microsoft.com/office/powerpoint/2010/main" val="1655947332"/>
       </p:ext>
     </p:extLst>
   </p:cSld>

--- a/上課教材/Week3.pptx
+++ b/上課教材/Week3.pptx
@@ -8,16 +8,18 @@
     <p:sldId id="257" r:id="rId2"/>
     <p:sldId id="316" r:id="rId3"/>
     <p:sldId id="317" r:id="rId4"/>
-    <p:sldId id="318" r:id="rId5"/>
-    <p:sldId id="325" r:id="rId6"/>
-    <p:sldId id="322" r:id="rId7"/>
-    <p:sldId id="323" r:id="rId8"/>
-    <p:sldId id="324" r:id="rId9"/>
-    <p:sldId id="319" r:id="rId10"/>
-    <p:sldId id="320" r:id="rId11"/>
-    <p:sldId id="272" r:id="rId12"/>
-    <p:sldId id="259" r:id="rId13"/>
-    <p:sldId id="312" r:id="rId14"/>
+    <p:sldId id="326" r:id="rId5"/>
+    <p:sldId id="327" r:id="rId6"/>
+    <p:sldId id="318" r:id="rId7"/>
+    <p:sldId id="325" r:id="rId8"/>
+    <p:sldId id="322" r:id="rId9"/>
+    <p:sldId id="323" r:id="rId10"/>
+    <p:sldId id="324" r:id="rId11"/>
+    <p:sldId id="319" r:id="rId12"/>
+    <p:sldId id="320" r:id="rId13"/>
+    <p:sldId id="272" r:id="rId14"/>
+    <p:sldId id="259" r:id="rId15"/>
+    <p:sldId id="312" r:id="rId16"/>
   </p:sldIdLst>
   <p:sldSz cx="12192000" cy="6858000"/>
   <p:notesSz cx="6858000" cy="9144000"/>
@@ -127,7 +129,7 @@
 <file path=ppt/revisionInfo.xml><?xml version="1.0" encoding="utf-8"?>
 <p1510:revInfo xmlns:a="http://schemas.openxmlformats.org/drawingml/2006/main" xmlns:r="http://schemas.openxmlformats.org/officeDocument/2006/relationships" xmlns:p1510="http://schemas.microsoft.com/office/powerpoint/2015/10/main">
   <p1510:revLst>
-    <p1510:client id="{73C49393-00F6-48C7-99DB-5262FA837701}" v="67" dt="2020-06-05T00:08:00.670"/>
+    <p1510:client id="{73C49393-00F6-48C7-99DB-5262FA837701}" v="75" dt="2020-06-05T05:15:44.268"/>
   </p1510:revLst>
 </p1510:revInfo>
 </file>
@@ -2024,7 +2026,7 @@
   <pc:docChgLst>
     <pc:chgData name="Ming-Chih Lin" userId="f1ba3ba5-e185-404b-b55f-b2be90e2bdc2" providerId="ADAL" clId="{73C49393-00F6-48C7-99DB-5262FA837701}"/>
     <pc:docChg chg="custSel addSld delSld modSld">
-      <pc:chgData name="Ming-Chih Lin" userId="f1ba3ba5-e185-404b-b55f-b2be90e2bdc2" providerId="ADAL" clId="{73C49393-00F6-48C7-99DB-5262FA837701}" dt="2020-06-05T00:08:00.669" v="286"/>
+      <pc:chgData name="Ming-Chih Lin" userId="f1ba3ba5-e185-404b-b55f-b2be90e2bdc2" providerId="ADAL" clId="{73C49393-00F6-48C7-99DB-5262FA837701}" dt="2020-06-05T05:21:56.321" v="378" actId="20577"/>
       <pc:docMkLst>
         <pc:docMk/>
       </pc:docMkLst>
@@ -2437,6 +2439,36 @@
           <pc:docMk/>
           <pc:sldMk cId="2484227852" sldId="325"/>
         </pc:sldMkLst>
+      </pc:sldChg>
+      <pc:sldChg chg="modSp new mod">
+        <pc:chgData name="Ming-Chih Lin" userId="f1ba3ba5-e185-404b-b55f-b2be90e2bdc2" providerId="ADAL" clId="{73C49393-00F6-48C7-99DB-5262FA837701}" dt="2020-06-05T05:13:13.768" v="319" actId="20577"/>
+        <pc:sldMkLst>
+          <pc:docMk/>
+          <pc:sldMk cId="1096945965" sldId="326"/>
+        </pc:sldMkLst>
+        <pc:spChg chg="mod">
+          <ac:chgData name="Ming-Chih Lin" userId="f1ba3ba5-e185-404b-b55f-b2be90e2bdc2" providerId="ADAL" clId="{73C49393-00F6-48C7-99DB-5262FA837701}" dt="2020-06-05T05:13:13.768" v="319" actId="20577"/>
+          <ac:spMkLst>
+            <pc:docMk/>
+            <pc:sldMk cId="1096945965" sldId="326"/>
+            <ac:spMk id="3" creationId="{B6F007FF-43A2-4732-8D5A-724C4E433F2E}"/>
+          </ac:spMkLst>
+        </pc:spChg>
+      </pc:sldChg>
+      <pc:sldChg chg="modSp new mod">
+        <pc:chgData name="Ming-Chih Lin" userId="f1ba3ba5-e185-404b-b55f-b2be90e2bdc2" providerId="ADAL" clId="{73C49393-00F6-48C7-99DB-5262FA837701}" dt="2020-06-05T05:21:56.321" v="378" actId="20577"/>
+        <pc:sldMkLst>
+          <pc:docMk/>
+          <pc:sldMk cId="2286263138" sldId="327"/>
+        </pc:sldMkLst>
+        <pc:spChg chg="mod">
+          <ac:chgData name="Ming-Chih Lin" userId="f1ba3ba5-e185-404b-b55f-b2be90e2bdc2" providerId="ADAL" clId="{73C49393-00F6-48C7-99DB-5262FA837701}" dt="2020-06-05T05:21:56.321" v="378" actId="20577"/>
+          <ac:spMkLst>
+            <pc:docMk/>
+            <pc:sldMk cId="2286263138" sldId="327"/>
+            <ac:spMk id="3" creationId="{D6468701-1EFF-4708-A4DB-2F3CA4B6D346}"/>
+          </ac:spMkLst>
+        </pc:spChg>
       </pc:sldChg>
     </pc:docChg>
   </pc:docChgLst>
@@ -11236,7 +11268,7 @@
           <p:cNvPr id="2" name="內容版面配置區 1">
             <a:extLst>
               <a:ext uri="{FF2B5EF4-FFF2-40B4-BE49-F238E27FC236}">
-                <a16:creationId xmlns:a16="http://schemas.microsoft.com/office/drawing/2014/main" id="{3FE29309-5345-4E19-8AE7-4649FDF97613}"/>
+                <a16:creationId xmlns:a16="http://schemas.microsoft.com/office/drawing/2014/main" id="{68F6B3DB-638E-43E7-96C6-4A7E2096237E}"/>
               </a:ext>
             </a:extLst>
           </p:cNvPr>
@@ -11257,116 +11289,24 @@
             </a:pPr>
             <a:r>
               <a:rPr lang="zh-TW" altLang="en-US" dirty="0"/>
-              <a:t>要讀取</a:t>
+              <a:t>如果不考慮可讀性，最簡單的方式便是用</a:t>
             </a:r>
             <a:r>
               <a:rPr lang="en-US" altLang="zh-TW" dirty="0"/>
-              <a:t>csv</a:t>
+              <a:t>pickle</a:t>
             </a:r>
             <a:r>
               <a:rPr lang="zh-TW" altLang="en-US" dirty="0"/>
-              <a:t>格式，首先要先分離檔頭及資料，檔頭的資訊可以透過字串處理或是正規表示法來擷取資訊，並存到變數當中。資料的部分就簡單的多，讀取每一列，並根據分隔號分割資料並存到</a:t>
+              <a:t>寫到檔案當中。檔案以二進制儲存，具有一定的保護性。如果考量到可讀性，</a:t>
             </a:r>
             <a:r>
               <a:rPr lang="en-US" altLang="zh-TW" dirty="0"/>
-              <a:t>list</a:t>
+              <a:t>CSV, Jason, xml,</a:t>
             </a:r>
             <a:r>
               <a:rPr lang="zh-TW" altLang="en-US" dirty="0"/>
-              <a:t>當中。</a:t>
-            </a:r>
-            <a:r>
-              <a:rPr lang="en-US" altLang="zh-TW" dirty="0"/>
-              <a:t>Csv</a:t>
-            </a:r>
-            <a:r>
-              <a:rPr lang="zh-TW" altLang="en-US" dirty="0"/>
-              <a:t>所儲存的資料格式通常較為單純。複雜度較高的資料一般透過</a:t>
-            </a:r>
-            <a:r>
-              <a:rPr lang="en-US" altLang="zh-TW" dirty="0"/>
-              <a:t>xml</a:t>
-            </a:r>
-            <a:r>
-              <a:rPr lang="zh-TW" altLang="en-US" dirty="0"/>
-              <a:t>檔或</a:t>
-            </a:r>
-            <a:r>
-              <a:rPr lang="en-US" altLang="zh-TW" dirty="0"/>
-              <a:t>json</a:t>
-            </a:r>
-            <a:r>
-              <a:rPr lang="zh-TW" altLang="en-US" dirty="0"/>
-              <a:t>檔紀錄。</a:t>
-            </a:r>
-            <a:r>
-              <a:rPr lang="en-US" altLang="zh-TW" dirty="0"/>
-              <a:t>AEDT</a:t>
-            </a:r>
-            <a:r>
-              <a:rPr lang="zh-TW" altLang="en-US" dirty="0"/>
-              <a:t>的堆疊設定便是</a:t>
-            </a:r>
-            <a:r>
-              <a:rPr lang="en-US" altLang="zh-TW" dirty="0"/>
-              <a:t>xml</a:t>
-            </a:r>
-            <a:r>
-              <a:rPr lang="zh-TW" altLang="en-US" dirty="0"/>
-              <a:t>格式。</a:t>
-            </a:r>
-            <a:r>
-              <a:rPr lang="en-US" altLang="zh-TW" dirty="0"/>
-              <a:t>json</a:t>
-            </a:r>
-            <a:r>
-              <a:rPr lang="zh-TW" altLang="en-US" dirty="0"/>
-              <a:t>檔對於</a:t>
-            </a:r>
-            <a:r>
-              <a:rPr lang="en-US" altLang="zh-TW" dirty="0"/>
-              <a:t>python</a:t>
-            </a:r>
-            <a:r>
-              <a:rPr lang="zh-TW" altLang="en-US" dirty="0"/>
-              <a:t>而言，較易處理。也是這幾年較受歡迎的格式。</a:t>
-            </a:r>
-            <a:r>
-              <a:rPr lang="en-US" altLang="zh-TW" dirty="0"/>
-              <a:t>xml</a:t>
-            </a:r>
-            <a:r>
-              <a:rPr lang="zh-TW" altLang="en-US" dirty="0"/>
-              <a:t>格式基於歷史因素仍大量存在於</a:t>
-            </a:r>
-            <a:r>
-              <a:rPr lang="en-US" altLang="zh-TW" dirty="0"/>
-              <a:t>AEDT</a:t>
-            </a:r>
-            <a:r>
-              <a:rPr lang="zh-TW" altLang="en-US" dirty="0"/>
-              <a:t>當中。要完整剖析</a:t>
-            </a:r>
-            <a:r>
-              <a:rPr lang="en-US" altLang="zh-TW" dirty="0"/>
-              <a:t>xml</a:t>
-            </a:r>
-            <a:r>
-              <a:rPr lang="zh-TW" altLang="en-US" dirty="0"/>
-              <a:t>檔可以使用內建的</a:t>
-            </a:r>
-            <a:r>
-              <a:rPr lang="en-US" altLang="zh-TW" dirty="0"/>
-              <a:t>parser</a:t>
-            </a:r>
-            <a:r>
-              <a:rPr lang="zh-TW" altLang="en-US" dirty="0"/>
-              <a:t>。如果只需要擷取部分資料可以使用正規表示法。</a:t>
-            </a:r>
-            <a:endParaRPr lang="en-US" altLang="zh-TW" dirty="0"/>
-          </a:p>
-          <a:p>
-            <a:endParaRPr lang="zh-TW" altLang="en-US" dirty="0"/>
+              <a:t>都是不錯的方式，有現成的庫可以使用。如果是自訂格式，則程式碼必須適當的格式化資料結構來產生符合規範的檔案格式。這部分通常需要耗費不少的時間來開發。</a:t>
+            </a:r>
           </a:p>
         </p:txBody>
       </p:sp>
@@ -11375,7 +11315,7 @@
           <p:cNvPr id="3" name="標題 2">
             <a:extLst>
               <a:ext uri="{FF2B5EF4-FFF2-40B4-BE49-F238E27FC236}">
-                <a16:creationId xmlns:a16="http://schemas.microsoft.com/office/drawing/2014/main" id="{9E51FFEB-28FC-43FA-8ACA-B1CB0FD6B3E8}"/>
+                <a16:creationId xmlns:a16="http://schemas.microsoft.com/office/drawing/2014/main" id="{7CF71D4B-9055-46CA-AA21-6A4A6AC943F5}"/>
               </a:ext>
             </a:extLst>
           </p:cNvPr>
@@ -11391,14 +11331,17 @@
           <a:bodyPr/>
           <a:lstStyle/>
           <a:p>
-            <a:endParaRPr lang="zh-TW" altLang="en-US"/>
+            <a:r>
+              <a:rPr lang="zh-TW" altLang="en-US" dirty="0"/>
+              <a:t>我要將資料結構寫進檔案當中，有哪些考量？</a:t>
+            </a:r>
           </a:p>
         </p:txBody>
       </p:sp>
     </p:spTree>
     <p:extLst>
       <p:ext uri="{BB962C8B-B14F-4D97-AF65-F5344CB8AC3E}">
-        <p14:creationId xmlns:p14="http://schemas.microsoft.com/office/powerpoint/2010/main" val="1219695762"/>
+        <p14:creationId xmlns:p14="http://schemas.microsoft.com/office/powerpoint/2010/main" val="1818927525"/>
       </p:ext>
     </p:extLst>
   </p:cSld>
@@ -11439,10 +11382,10 @@
       </p:grpSpPr>
       <p:sp>
         <p:nvSpPr>
-          <p:cNvPr id="4" name="文字版面配置區 3">
-            <a:extLst>
-              <a:ext uri="{FF2B5EF4-FFF2-40B4-BE49-F238E27FC236}">
-                <a16:creationId xmlns:a16="http://schemas.microsoft.com/office/drawing/2014/main" id="{2FA54F75-D405-4104-B6BB-EA44A23A109A}"/>
+          <p:cNvPr id="5" name="內容版面配置區 4">
+            <a:extLst>
+              <a:ext uri="{FF2B5EF4-FFF2-40B4-BE49-F238E27FC236}">
+                <a16:creationId xmlns:a16="http://schemas.microsoft.com/office/drawing/2014/main" id="{680D27AA-D6DD-4913-B75C-C4DC715BB99D}"/>
               </a:ext>
             </a:extLst>
           </p:cNvPr>
@@ -11450,7 +11393,7 @@
             <a:spLocks noGrp="1"/>
           </p:cNvSpPr>
           <p:nvPr>
-            <p:ph type="body" sz="quarter" idx="10"/>
+            <p:ph idx="1"/>
           </p:nvPr>
         </p:nvSpPr>
         <p:spPr/>
@@ -11458,28 +11401,35 @@
           <a:bodyPr/>
           <a:lstStyle/>
           <a:p>
+            <a:pPr marL="0" indent="0">
+              <a:buNone/>
+            </a:pPr>
+            <a:r>
+              <a:rPr lang="en-US" altLang="zh-TW" dirty="0"/>
+              <a:t>CSV</a:t>
+            </a:r>
             <a:r>
               <a:rPr lang="zh-TW" altLang="en-US" dirty="0"/>
-              <a:t>範例解說：如何讀取</a:t>
+              <a:t>是最為普遍的資料儲存格式，每一列當中不同屬性的資料以分隔號區分開來。這種格式不但可讀性高，程式碼也容易處理。除了資料本身，最前面的行數也會用來記錄相關訊息，比方說是日期或是單位等等。為了與資料區分，檔頭的這些訊息前面多以特殊字元表示，以利區隔。各位所熟悉的</a:t>
             </a:r>
             <a:r>
               <a:rPr lang="en-US" altLang="zh-TW" dirty="0"/>
-              <a:t> CSV</a:t>
-            </a:r>
-            <a:r>
-              <a:rPr lang="zh-TW" altLang="en-US"/>
-              <a:t>檔並格式化輸出。</a:t>
-            </a:r>
-            <a:endParaRPr lang="zh-TW" altLang="en-US" dirty="0"/>
+              <a:t>S</a:t>
+            </a:r>
+            <a:r>
+              <a:rPr lang="zh-TW" altLang="en-US" dirty="0"/>
+              <a:t>參數就是屬於這種格式。</a:t>
+            </a:r>
+            <a:endParaRPr lang="en-US" altLang="zh-TW" dirty="0"/>
           </a:p>
         </p:txBody>
       </p:sp>
       <p:sp>
         <p:nvSpPr>
-          <p:cNvPr id="5" name="文字版面配置區 4">
-            <a:extLst>
-              <a:ext uri="{FF2B5EF4-FFF2-40B4-BE49-F238E27FC236}">
-                <a16:creationId xmlns:a16="http://schemas.microsoft.com/office/drawing/2014/main" id="{CEE2A55E-C73D-43FF-AA36-95C0FF95B7B1}"/>
+          <p:cNvPr id="4" name="標題 3">
+            <a:extLst>
+              <a:ext uri="{FF2B5EF4-FFF2-40B4-BE49-F238E27FC236}">
+                <a16:creationId xmlns:a16="http://schemas.microsoft.com/office/drawing/2014/main" id="{4F757CAB-CFF8-4102-BD5C-AF5056C64951}"/>
               </a:ext>
             </a:extLst>
           </p:cNvPr>
@@ -11487,7 +11437,7 @@
             <a:spLocks noGrp="1"/>
           </p:cNvSpPr>
           <p:nvPr>
-            <p:ph type="body" sz="quarter" idx="12"/>
+            <p:ph type="title"/>
           </p:nvPr>
         </p:nvSpPr>
         <p:spPr/>
@@ -11495,14 +11445,21 @@
           <a:bodyPr/>
           <a:lstStyle/>
           <a:p>
-            <a:endParaRPr lang="zh-TW" altLang="en-US"/>
+            <a:r>
+              <a:rPr lang="en-US" altLang="zh-TW" dirty="0"/>
+              <a:t>CSV</a:t>
+            </a:r>
+            <a:r>
+              <a:rPr lang="zh-TW" altLang="en-US" dirty="0"/>
+              <a:t>檔</a:t>
+            </a:r>
           </a:p>
         </p:txBody>
       </p:sp>
     </p:spTree>
     <p:extLst>
       <p:ext uri="{BB962C8B-B14F-4D97-AF65-F5344CB8AC3E}">
-        <p14:creationId xmlns:p14="http://schemas.microsoft.com/office/powerpoint/2010/main" val="3139632968"/>
+        <p14:creationId xmlns:p14="http://schemas.microsoft.com/office/powerpoint/2010/main" val="1655947332"/>
       </p:ext>
     </p:extLst>
   </p:cSld>
@@ -11543,6 +11500,316 @@
       </p:grpSpPr>
       <p:sp>
         <p:nvSpPr>
+          <p:cNvPr id="2" name="內容版面配置區 1">
+            <a:extLst>
+              <a:ext uri="{FF2B5EF4-FFF2-40B4-BE49-F238E27FC236}">
+                <a16:creationId xmlns:a16="http://schemas.microsoft.com/office/drawing/2014/main" id="{3FE29309-5345-4E19-8AE7-4649FDF97613}"/>
+              </a:ext>
+            </a:extLst>
+          </p:cNvPr>
+          <p:cNvSpPr>
+            <a:spLocks noGrp="1"/>
+          </p:cNvSpPr>
+          <p:nvPr>
+            <p:ph idx="1"/>
+          </p:nvPr>
+        </p:nvSpPr>
+        <p:spPr/>
+        <p:txBody>
+          <a:bodyPr/>
+          <a:lstStyle/>
+          <a:p>
+            <a:pPr marL="0" indent="0">
+              <a:buNone/>
+            </a:pPr>
+            <a:r>
+              <a:rPr lang="zh-TW" altLang="en-US" dirty="0"/>
+              <a:t>要讀取</a:t>
+            </a:r>
+            <a:r>
+              <a:rPr lang="en-US" altLang="zh-TW" dirty="0"/>
+              <a:t>csv</a:t>
+            </a:r>
+            <a:r>
+              <a:rPr lang="zh-TW" altLang="en-US" dirty="0"/>
+              <a:t>格式，首先要先分離檔頭及資料，檔頭的資訊可以透過字串處理或是正規表示法來擷取資訊，並存到變數當中。資料的部分就簡單的多，讀取每一列，並根據分隔號分割資料並存到</a:t>
+            </a:r>
+            <a:r>
+              <a:rPr lang="en-US" altLang="zh-TW" dirty="0"/>
+              <a:t>list</a:t>
+            </a:r>
+            <a:r>
+              <a:rPr lang="zh-TW" altLang="en-US" dirty="0"/>
+              <a:t>當中。</a:t>
+            </a:r>
+            <a:r>
+              <a:rPr lang="en-US" altLang="zh-TW" dirty="0"/>
+              <a:t>Csv</a:t>
+            </a:r>
+            <a:r>
+              <a:rPr lang="zh-TW" altLang="en-US" dirty="0"/>
+              <a:t>所儲存的資料格式通常較為單純。複雜度較高的資料一般透過</a:t>
+            </a:r>
+            <a:r>
+              <a:rPr lang="en-US" altLang="zh-TW" dirty="0"/>
+              <a:t>xml</a:t>
+            </a:r>
+            <a:r>
+              <a:rPr lang="zh-TW" altLang="en-US" dirty="0"/>
+              <a:t>檔或</a:t>
+            </a:r>
+            <a:r>
+              <a:rPr lang="en-US" altLang="zh-TW" dirty="0"/>
+              <a:t>json</a:t>
+            </a:r>
+            <a:r>
+              <a:rPr lang="zh-TW" altLang="en-US" dirty="0"/>
+              <a:t>檔紀錄。</a:t>
+            </a:r>
+            <a:r>
+              <a:rPr lang="en-US" altLang="zh-TW" dirty="0"/>
+              <a:t>AEDT</a:t>
+            </a:r>
+            <a:r>
+              <a:rPr lang="zh-TW" altLang="en-US" dirty="0"/>
+              <a:t>的堆疊設定便是</a:t>
+            </a:r>
+            <a:r>
+              <a:rPr lang="en-US" altLang="zh-TW" dirty="0"/>
+              <a:t>xml</a:t>
+            </a:r>
+            <a:r>
+              <a:rPr lang="zh-TW" altLang="en-US" dirty="0"/>
+              <a:t>格式。</a:t>
+            </a:r>
+            <a:r>
+              <a:rPr lang="en-US" altLang="zh-TW" dirty="0"/>
+              <a:t>json</a:t>
+            </a:r>
+            <a:r>
+              <a:rPr lang="zh-TW" altLang="en-US" dirty="0"/>
+              <a:t>檔對於</a:t>
+            </a:r>
+            <a:r>
+              <a:rPr lang="en-US" altLang="zh-TW" dirty="0"/>
+              <a:t>python</a:t>
+            </a:r>
+            <a:r>
+              <a:rPr lang="zh-TW" altLang="en-US" dirty="0"/>
+              <a:t>而言，較易處理。也是這幾年較受歡迎的格式。</a:t>
+            </a:r>
+            <a:r>
+              <a:rPr lang="en-US" altLang="zh-TW" dirty="0"/>
+              <a:t>xml</a:t>
+            </a:r>
+            <a:r>
+              <a:rPr lang="zh-TW" altLang="en-US" dirty="0"/>
+              <a:t>格式基於歷史因素仍大量存在於</a:t>
+            </a:r>
+            <a:r>
+              <a:rPr lang="en-US" altLang="zh-TW" dirty="0"/>
+              <a:t>AEDT</a:t>
+            </a:r>
+            <a:r>
+              <a:rPr lang="zh-TW" altLang="en-US" dirty="0"/>
+              <a:t>當中。要完整剖析</a:t>
+            </a:r>
+            <a:r>
+              <a:rPr lang="en-US" altLang="zh-TW" dirty="0"/>
+              <a:t>xml</a:t>
+            </a:r>
+            <a:r>
+              <a:rPr lang="zh-TW" altLang="en-US" dirty="0"/>
+              <a:t>檔可以使用內建的</a:t>
+            </a:r>
+            <a:r>
+              <a:rPr lang="en-US" altLang="zh-TW" dirty="0"/>
+              <a:t>parser</a:t>
+            </a:r>
+            <a:r>
+              <a:rPr lang="zh-TW" altLang="en-US" dirty="0"/>
+              <a:t>。如果只需要擷取部分資料可以使用正規表示法。</a:t>
+            </a:r>
+            <a:endParaRPr lang="en-US" altLang="zh-TW" dirty="0"/>
+          </a:p>
+          <a:p>
+            <a:endParaRPr lang="zh-TW" altLang="en-US" dirty="0"/>
+          </a:p>
+        </p:txBody>
+      </p:sp>
+      <p:sp>
+        <p:nvSpPr>
+          <p:cNvPr id="3" name="標題 2">
+            <a:extLst>
+              <a:ext uri="{FF2B5EF4-FFF2-40B4-BE49-F238E27FC236}">
+                <a16:creationId xmlns:a16="http://schemas.microsoft.com/office/drawing/2014/main" id="{9E51FFEB-28FC-43FA-8ACA-B1CB0FD6B3E8}"/>
+              </a:ext>
+            </a:extLst>
+          </p:cNvPr>
+          <p:cNvSpPr>
+            <a:spLocks noGrp="1"/>
+          </p:cNvSpPr>
+          <p:nvPr>
+            <p:ph type="title"/>
+          </p:nvPr>
+        </p:nvSpPr>
+        <p:spPr/>
+        <p:txBody>
+          <a:bodyPr/>
+          <a:lstStyle/>
+          <a:p>
+            <a:endParaRPr lang="zh-TW" altLang="en-US"/>
+          </a:p>
+        </p:txBody>
+      </p:sp>
+    </p:spTree>
+    <p:extLst>
+      <p:ext uri="{BB962C8B-B14F-4D97-AF65-F5344CB8AC3E}">
+        <p14:creationId xmlns:p14="http://schemas.microsoft.com/office/powerpoint/2010/main" val="1219695762"/>
+      </p:ext>
+    </p:extLst>
+  </p:cSld>
+  <p:clrMapOvr>
+    <a:masterClrMapping/>
+  </p:clrMapOvr>
+  <mc:AlternateContent xmlns:mc="http://schemas.openxmlformats.org/markup-compatibility/2006" xmlns:p14="http://schemas.microsoft.com/office/powerpoint/2010/main">
+    <mc:Choice Requires="p14">
+      <p:transition p14:dur="250">
+        <p:fade/>
+      </p:transition>
+    </mc:Choice>
+    <mc:Fallback xmlns="">
+      <p:transition>
+        <p:fade/>
+      </p:transition>
+    </mc:Fallback>
+  </mc:AlternateContent>
+</p:sld>
+</file>
+
+<file path=ppt/slides/slide13.xml><?xml version="1.0" encoding="utf-8"?>
+<p:sld xmlns:a="http://schemas.openxmlformats.org/drawingml/2006/main" xmlns:r="http://schemas.openxmlformats.org/officeDocument/2006/relationships" xmlns:p="http://schemas.openxmlformats.org/presentationml/2006/main">
+  <p:cSld>
+    <p:spTree>
+      <p:nvGrpSpPr>
+        <p:cNvPr id="1" name=""/>
+        <p:cNvGrpSpPr/>
+        <p:nvPr/>
+      </p:nvGrpSpPr>
+      <p:grpSpPr>
+        <a:xfrm>
+          <a:off x="0" y="0"/>
+          <a:ext cx="0" cy="0"/>
+          <a:chOff x="0" y="0"/>
+          <a:chExt cx="0" cy="0"/>
+        </a:xfrm>
+      </p:grpSpPr>
+      <p:sp>
+        <p:nvSpPr>
+          <p:cNvPr id="4" name="文字版面配置區 3">
+            <a:extLst>
+              <a:ext uri="{FF2B5EF4-FFF2-40B4-BE49-F238E27FC236}">
+                <a16:creationId xmlns:a16="http://schemas.microsoft.com/office/drawing/2014/main" id="{2FA54F75-D405-4104-B6BB-EA44A23A109A}"/>
+              </a:ext>
+            </a:extLst>
+          </p:cNvPr>
+          <p:cNvSpPr>
+            <a:spLocks noGrp="1"/>
+          </p:cNvSpPr>
+          <p:nvPr>
+            <p:ph type="body" sz="quarter" idx="10"/>
+          </p:nvPr>
+        </p:nvSpPr>
+        <p:spPr/>
+        <p:txBody>
+          <a:bodyPr/>
+          <a:lstStyle/>
+          <a:p>
+            <a:r>
+              <a:rPr lang="zh-TW" altLang="en-US" dirty="0"/>
+              <a:t>範例解說：如何讀取</a:t>
+            </a:r>
+            <a:r>
+              <a:rPr lang="en-US" altLang="zh-TW" dirty="0"/>
+              <a:t> CSV</a:t>
+            </a:r>
+            <a:r>
+              <a:rPr lang="zh-TW" altLang="en-US"/>
+              <a:t>檔並格式化輸出。</a:t>
+            </a:r>
+            <a:endParaRPr lang="zh-TW" altLang="en-US" dirty="0"/>
+          </a:p>
+        </p:txBody>
+      </p:sp>
+      <p:sp>
+        <p:nvSpPr>
+          <p:cNvPr id="5" name="文字版面配置區 4">
+            <a:extLst>
+              <a:ext uri="{FF2B5EF4-FFF2-40B4-BE49-F238E27FC236}">
+                <a16:creationId xmlns:a16="http://schemas.microsoft.com/office/drawing/2014/main" id="{CEE2A55E-C73D-43FF-AA36-95C0FF95B7B1}"/>
+              </a:ext>
+            </a:extLst>
+          </p:cNvPr>
+          <p:cNvSpPr>
+            <a:spLocks noGrp="1"/>
+          </p:cNvSpPr>
+          <p:nvPr>
+            <p:ph type="body" sz="quarter" idx="12"/>
+          </p:nvPr>
+        </p:nvSpPr>
+        <p:spPr/>
+        <p:txBody>
+          <a:bodyPr/>
+          <a:lstStyle/>
+          <a:p>
+            <a:endParaRPr lang="zh-TW" altLang="en-US"/>
+          </a:p>
+        </p:txBody>
+      </p:sp>
+    </p:spTree>
+    <p:extLst>
+      <p:ext uri="{BB962C8B-B14F-4D97-AF65-F5344CB8AC3E}">
+        <p14:creationId xmlns:p14="http://schemas.microsoft.com/office/powerpoint/2010/main" val="3139632968"/>
+      </p:ext>
+    </p:extLst>
+  </p:cSld>
+  <p:clrMapOvr>
+    <a:masterClrMapping/>
+  </p:clrMapOvr>
+  <mc:AlternateContent xmlns:mc="http://schemas.openxmlformats.org/markup-compatibility/2006" xmlns:p14="http://schemas.microsoft.com/office/powerpoint/2010/main">
+    <mc:Choice Requires="p14">
+      <p:transition p14:dur="250">
+        <p:fade/>
+      </p:transition>
+    </mc:Choice>
+    <mc:Fallback xmlns="">
+      <p:transition>
+        <p:fade/>
+      </p:transition>
+    </mc:Fallback>
+  </mc:AlternateContent>
+</p:sld>
+</file>
+
+<file path=ppt/slides/slide14.xml><?xml version="1.0" encoding="utf-8"?>
+<p:sld xmlns:a="http://schemas.openxmlformats.org/drawingml/2006/main" xmlns:r="http://schemas.openxmlformats.org/officeDocument/2006/relationships" xmlns:p="http://schemas.openxmlformats.org/presentationml/2006/main">
+  <p:cSld>
+    <p:spTree>
+      <p:nvGrpSpPr>
+        <p:cNvPr id="1" name=""/>
+        <p:cNvGrpSpPr/>
+        <p:nvPr/>
+      </p:nvGrpSpPr>
+      <p:grpSpPr>
+        <a:xfrm>
+          <a:off x="0" y="0"/>
+          <a:ext cx="0" cy="0"/>
+          <a:chOff x="0" y="0"/>
+          <a:chExt cx="0" cy="0"/>
+        </a:xfrm>
+      </p:grpSpPr>
+      <p:sp>
+        <p:nvSpPr>
           <p:cNvPr id="4" name="文字版面配置區 3">
             <a:extLst>
               <a:ext uri="{FF2B5EF4-FFF2-40B4-BE49-F238E27FC236}">
@@ -11619,7 +11886,7 @@
 </p:sld>
 </file>
 
-<file path=ppt/slides/slide13.xml><?xml version="1.0" encoding="utf-8"?>
+<file path=ppt/slides/slide15.xml><?xml version="1.0" encoding="utf-8"?>
 <p:sld xmlns:a="http://schemas.openxmlformats.org/drawingml/2006/main" xmlns:r="http://schemas.openxmlformats.org/officeDocument/2006/relationships" xmlns:p="http://schemas.openxmlformats.org/presentationml/2006/main">
   <p:cSld>
     <p:spTree>
@@ -12082,7 +12349,7 @@
           <p:cNvPr id="2" name="內容版面配置區 1">
             <a:extLst>
               <a:ext uri="{FF2B5EF4-FFF2-40B4-BE49-F238E27FC236}">
-                <a16:creationId xmlns:a16="http://schemas.microsoft.com/office/drawing/2014/main" id="{6323B9C6-4296-4701-9395-884F01AEB1BA}"/>
+                <a16:creationId xmlns:a16="http://schemas.microsoft.com/office/drawing/2014/main" id="{EAABEF2F-5C08-417B-87A5-1D12C74B051E}"/>
               </a:ext>
             </a:extLst>
           </p:cNvPr>
@@ -12107,7 +12374,7 @@
           <p:cNvPr id="3" name="標題 2">
             <a:extLst>
               <a:ext uri="{FF2B5EF4-FFF2-40B4-BE49-F238E27FC236}">
-                <a16:creationId xmlns:a16="http://schemas.microsoft.com/office/drawing/2014/main" id="{E7C3D928-2CE9-4266-A577-F5AA1DFC7CE3}"/>
+                <a16:creationId xmlns:a16="http://schemas.microsoft.com/office/drawing/2014/main" id="{B6F007FF-43A2-4732-8D5A-724C4E433F2E}"/>
               </a:ext>
             </a:extLst>
           </p:cNvPr>
@@ -12124,16 +12391,17 @@
           <a:lstStyle/>
           <a:p>
             <a:r>
-              <a:rPr lang="zh-TW" altLang="en-US" dirty="0"/>
-              <a:t>格式化輸出</a:t>
-            </a:r>
+              <a:rPr lang="en-US" altLang="zh-TW" dirty="0"/>
+              <a:t>List of Tuples</a:t>
+            </a:r>
+            <a:endParaRPr lang="zh-TW" altLang="en-US" dirty="0"/>
           </a:p>
         </p:txBody>
       </p:sp>
     </p:spTree>
     <p:extLst>
       <p:ext uri="{BB962C8B-B14F-4D97-AF65-F5344CB8AC3E}">
-        <p14:creationId xmlns:p14="http://schemas.microsoft.com/office/powerpoint/2010/main" val="2205041351"/>
+        <p14:creationId xmlns:p14="http://schemas.microsoft.com/office/powerpoint/2010/main" val="1096945965"/>
       </p:ext>
     </p:extLst>
   </p:cSld>
@@ -12174,10 +12442,10 @@
       </p:grpSpPr>
       <p:sp>
         <p:nvSpPr>
-          <p:cNvPr id="4" name="文字版面配置區 3">
-            <a:extLst>
-              <a:ext uri="{FF2B5EF4-FFF2-40B4-BE49-F238E27FC236}">
-                <a16:creationId xmlns:a16="http://schemas.microsoft.com/office/drawing/2014/main" id="{2FA54F75-D405-4104-B6BB-EA44A23A109A}"/>
+          <p:cNvPr id="2" name="內容版面配置區 1">
+            <a:extLst>
+              <a:ext uri="{FF2B5EF4-FFF2-40B4-BE49-F238E27FC236}">
+                <a16:creationId xmlns:a16="http://schemas.microsoft.com/office/drawing/2014/main" id="{7E1411A4-FA18-4CF5-8726-F8EBBD7B7A62}"/>
               </a:ext>
             </a:extLst>
           </p:cNvPr>
@@ -12185,7 +12453,7 @@
             <a:spLocks noGrp="1"/>
           </p:cNvSpPr>
           <p:nvPr>
-            <p:ph type="body" sz="quarter" idx="10"/>
+            <p:ph idx="1"/>
           </p:nvPr>
         </p:nvSpPr>
         <p:spPr/>
@@ -12193,19 +12461,16 @@
           <a:bodyPr/>
           <a:lstStyle/>
           <a:p>
-            <a:r>
-              <a:rPr lang="zh-TW" altLang="en-US" dirty="0"/>
-              <a:t>概念解說</a:t>
-            </a:r>
+            <a:endParaRPr lang="zh-TW" altLang="en-US"/>
           </a:p>
         </p:txBody>
       </p:sp>
       <p:sp>
         <p:nvSpPr>
-          <p:cNvPr id="5" name="文字版面配置區 4">
-            <a:extLst>
-              <a:ext uri="{FF2B5EF4-FFF2-40B4-BE49-F238E27FC236}">
-                <a16:creationId xmlns:a16="http://schemas.microsoft.com/office/drawing/2014/main" id="{CEE2A55E-C73D-43FF-AA36-95C0FF95B7B1}"/>
+          <p:cNvPr id="3" name="標題 2">
+            <a:extLst>
+              <a:ext uri="{FF2B5EF4-FFF2-40B4-BE49-F238E27FC236}">
+                <a16:creationId xmlns:a16="http://schemas.microsoft.com/office/drawing/2014/main" id="{D6468701-1EFF-4708-A4DB-2F3CA4B6D346}"/>
               </a:ext>
             </a:extLst>
           </p:cNvPr>
@@ -12213,7 +12478,7 @@
             <a:spLocks noGrp="1"/>
           </p:cNvSpPr>
           <p:nvPr>
-            <p:ph type="body" sz="quarter" idx="12"/>
+            <p:ph type="title"/>
           </p:nvPr>
         </p:nvSpPr>
         <p:spPr/>
@@ -12221,14 +12486,18 @@
           <a:bodyPr/>
           <a:lstStyle/>
           <a:p>
-            <a:endParaRPr lang="zh-TW" altLang="en-US"/>
+            <a:r>
+              <a:rPr lang="en-US" altLang="zh-TW" dirty="0"/>
+              <a:t>w = zip(x , y) and x, y = zip(*w)</a:t>
+            </a:r>
+            <a:endParaRPr lang="zh-TW" altLang="en-US" dirty="0"/>
           </a:p>
         </p:txBody>
       </p:sp>
     </p:spTree>
     <p:extLst>
       <p:ext uri="{BB962C8B-B14F-4D97-AF65-F5344CB8AC3E}">
-        <p14:creationId xmlns:p14="http://schemas.microsoft.com/office/powerpoint/2010/main" val="2484227852"/>
+        <p14:creationId xmlns:p14="http://schemas.microsoft.com/office/powerpoint/2010/main" val="2286263138"/>
       </p:ext>
     </p:extLst>
   </p:cSld>
@@ -12269,10 +12538,10 @@
       </p:grpSpPr>
       <p:sp>
         <p:nvSpPr>
-          <p:cNvPr id="5" name="內容版面配置區 4">
-            <a:extLst>
-              <a:ext uri="{FF2B5EF4-FFF2-40B4-BE49-F238E27FC236}">
-                <a16:creationId xmlns:a16="http://schemas.microsoft.com/office/drawing/2014/main" id="{13882B9C-0321-47C2-A3C8-516DA6756FEE}"/>
+          <p:cNvPr id="2" name="內容版面配置區 1">
+            <a:extLst>
+              <a:ext uri="{FF2B5EF4-FFF2-40B4-BE49-F238E27FC236}">
+                <a16:creationId xmlns:a16="http://schemas.microsoft.com/office/drawing/2014/main" id="{6323B9C6-4296-4701-9395-884F01AEB1BA}"/>
               </a:ext>
             </a:extLst>
           </p:cNvPr>
@@ -12288,23 +12557,16 @@
           <a:bodyPr/>
           <a:lstStyle/>
           <a:p>
-            <a:r>
-              <a:rPr lang="en-US" altLang="zh-TW" dirty="0"/>
-              <a:t>A. AEDT</a:t>
-            </a:r>
-            <a:r>
-              <a:rPr lang="zh-TW" altLang="en-US" dirty="0"/>
-              <a:t>存在許多的的設定檔，比方說是材料設定檔，激發設定檔，堆疊設定檔。以文字檔格式紀錄。對前處理來說，讀取設定檔便可以取得必要的訊息，也可以透過修改檔案來更新設計參數。對後處理來說，模擬結果都可以匯出到檔案當中。因此熟悉檔案的讀寫，對模擬自動化是必要的技能。</a:t>
-            </a:r>
+            <a:endParaRPr lang="zh-TW" altLang="en-US"/>
           </a:p>
         </p:txBody>
       </p:sp>
       <p:sp>
         <p:nvSpPr>
-          <p:cNvPr id="4" name="標題 3">
-            <a:extLst>
-              <a:ext uri="{FF2B5EF4-FFF2-40B4-BE49-F238E27FC236}">
-                <a16:creationId xmlns:a16="http://schemas.microsoft.com/office/drawing/2014/main" id="{A1FA83DE-77B4-4FD3-A6E8-90A05C834CA2}"/>
+          <p:cNvPr id="3" name="標題 2">
+            <a:extLst>
+              <a:ext uri="{FF2B5EF4-FFF2-40B4-BE49-F238E27FC236}">
+                <a16:creationId xmlns:a16="http://schemas.microsoft.com/office/drawing/2014/main" id="{E7C3D928-2CE9-4266-A577-F5AA1DFC7CE3}"/>
               </a:ext>
             </a:extLst>
           </p:cNvPr>
@@ -12322,7 +12584,7 @@
           <a:p>
             <a:r>
               <a:rPr lang="zh-TW" altLang="en-US" dirty="0"/>
-              <a:t>熟悉檔案的讀寫為何重要？</a:t>
+              <a:t>格式化輸出</a:t>
             </a:r>
           </a:p>
         </p:txBody>
@@ -12330,7 +12592,7 @@
     </p:spTree>
     <p:extLst>
       <p:ext uri="{BB962C8B-B14F-4D97-AF65-F5344CB8AC3E}">
-        <p14:creationId xmlns:p14="http://schemas.microsoft.com/office/powerpoint/2010/main" val="7019956"/>
+        <p14:creationId xmlns:p14="http://schemas.microsoft.com/office/powerpoint/2010/main" val="2205041351"/>
       </p:ext>
     </p:extLst>
   </p:cSld>
@@ -12371,10 +12633,10 @@
       </p:grpSpPr>
       <p:sp>
         <p:nvSpPr>
-          <p:cNvPr id="2" name="內容版面配置區 1">
-            <a:extLst>
-              <a:ext uri="{FF2B5EF4-FFF2-40B4-BE49-F238E27FC236}">
-                <a16:creationId xmlns:a16="http://schemas.microsoft.com/office/drawing/2014/main" id="{DEB8D6FB-A8C1-4133-91A9-13A0E502A066}"/>
+          <p:cNvPr id="4" name="文字版面配置區 3">
+            <a:extLst>
+              <a:ext uri="{FF2B5EF4-FFF2-40B4-BE49-F238E27FC236}">
+                <a16:creationId xmlns:a16="http://schemas.microsoft.com/office/drawing/2014/main" id="{2FA54F75-D405-4104-B6BB-EA44A23A109A}"/>
               </a:ext>
             </a:extLst>
           </p:cNvPr>
@@ -12382,7 +12644,7 @@
             <a:spLocks noGrp="1"/>
           </p:cNvSpPr>
           <p:nvPr>
-            <p:ph idx="1"/>
+            <p:ph type="body" sz="quarter" idx="10"/>
           </p:nvPr>
         </p:nvSpPr>
         <p:spPr/>
@@ -12391,62 +12653,18 @@
           <a:lstStyle/>
           <a:p>
             <a:r>
-              <a:rPr lang="en-US" altLang="zh-TW" dirty="0"/>
-              <a:t>A. </a:t>
-            </a:r>
-            <a:r>
               <a:rPr lang="zh-TW" altLang="en-US" dirty="0"/>
-              <a:t>檔案採用的資料種類及方法，根據資料的格式及之後要進行的運算，我們必須選擇適當的資料結構來儲存，才能有效的完成後續的工作。解析檔案並儲存至資料結構的程式稱之為</a:t>
-            </a:r>
-            <a:r>
-              <a:rPr lang="en-US" altLang="zh-TW" dirty="0"/>
-              <a:t>parser</a:t>
-            </a:r>
-            <a:r>
-              <a:rPr lang="zh-TW" altLang="en-US" dirty="0"/>
-              <a:t>。最常見的</a:t>
-            </a:r>
-            <a:r>
-              <a:rPr lang="en-US" altLang="zh-TW" dirty="0"/>
-              <a:t>csv</a:t>
-            </a:r>
-            <a:r>
-              <a:rPr lang="zh-TW" altLang="en-US" dirty="0"/>
-              <a:t>檔為例，</a:t>
-            </a:r>
-            <a:r>
-              <a:rPr lang="en-US" altLang="zh-TW" dirty="0"/>
-              <a:t>csv parser</a:t>
-            </a:r>
-            <a:r>
-              <a:rPr lang="zh-TW" altLang="en-US" dirty="0"/>
-              <a:t>便是將</a:t>
-            </a:r>
-            <a:r>
-              <a:rPr lang="en-US" altLang="zh-TW" dirty="0"/>
-              <a:t>csv</a:t>
-            </a:r>
-            <a:r>
-              <a:rPr lang="zh-TW" altLang="en-US" dirty="0"/>
-              <a:t>檔案讀到</a:t>
-            </a:r>
-            <a:r>
-              <a:rPr lang="en-US" altLang="zh-TW" dirty="0"/>
-              <a:t>list of list</a:t>
-            </a:r>
-            <a:r>
-              <a:rPr lang="zh-TW" altLang="en-US" dirty="0"/>
-              <a:t>的資料結構，使用者可以輕鬆的使用切片來取得某一列，某一行的資料。</a:t>
+              <a:t>概念解說</a:t>
             </a:r>
           </a:p>
         </p:txBody>
       </p:sp>
       <p:sp>
         <p:nvSpPr>
-          <p:cNvPr id="3" name="標題 2">
-            <a:extLst>
-              <a:ext uri="{FF2B5EF4-FFF2-40B4-BE49-F238E27FC236}">
-                <a16:creationId xmlns:a16="http://schemas.microsoft.com/office/drawing/2014/main" id="{AD18A9C0-55E2-46C6-8FAD-AD980AFCAB2A}"/>
+          <p:cNvPr id="5" name="文字版面配置區 4">
+            <a:extLst>
+              <a:ext uri="{FF2B5EF4-FFF2-40B4-BE49-F238E27FC236}">
+                <a16:creationId xmlns:a16="http://schemas.microsoft.com/office/drawing/2014/main" id="{CEE2A55E-C73D-43FF-AA36-95C0FF95B7B1}"/>
               </a:ext>
             </a:extLst>
           </p:cNvPr>
@@ -12454,7 +12672,7 @@
             <a:spLocks noGrp="1"/>
           </p:cNvSpPr>
           <p:nvPr>
-            <p:ph type="title"/>
+            <p:ph type="body" sz="quarter" idx="12"/>
           </p:nvPr>
         </p:nvSpPr>
         <p:spPr/>
@@ -12462,22 +12680,14 @@
           <a:bodyPr/>
           <a:lstStyle/>
           <a:p>
-            <a:r>
-              <a:rPr lang="zh-TW" altLang="en-US" dirty="0"/>
-              <a:t>什麼是</a:t>
-            </a:r>
-            <a:r>
-              <a:rPr lang="en-US" altLang="zh-TW" dirty="0"/>
-              <a:t>parser?</a:t>
-            </a:r>
-            <a:endParaRPr lang="zh-TW" altLang="en-US" dirty="0"/>
+            <a:endParaRPr lang="zh-TW" altLang="en-US"/>
           </a:p>
         </p:txBody>
       </p:sp>
     </p:spTree>
     <p:extLst>
       <p:ext uri="{BB962C8B-B14F-4D97-AF65-F5344CB8AC3E}">
-        <p14:creationId xmlns:p14="http://schemas.microsoft.com/office/powerpoint/2010/main" val="1999714696"/>
+        <p14:creationId xmlns:p14="http://schemas.microsoft.com/office/powerpoint/2010/main" val="2484227852"/>
       </p:ext>
     </p:extLst>
   </p:cSld>
@@ -12518,10 +12728,10 @@
       </p:grpSpPr>
       <p:sp>
         <p:nvSpPr>
-          <p:cNvPr id="2" name="內容版面配置區 1">
-            <a:extLst>
-              <a:ext uri="{FF2B5EF4-FFF2-40B4-BE49-F238E27FC236}">
-                <a16:creationId xmlns:a16="http://schemas.microsoft.com/office/drawing/2014/main" id="{68F6B3DB-638E-43E7-96C6-4A7E2096237E}"/>
+          <p:cNvPr id="5" name="內容版面配置區 4">
+            <a:extLst>
+              <a:ext uri="{FF2B5EF4-FFF2-40B4-BE49-F238E27FC236}">
+                <a16:creationId xmlns:a16="http://schemas.microsoft.com/office/drawing/2014/main" id="{13882B9C-0321-47C2-A3C8-516DA6756FEE}"/>
               </a:ext>
             </a:extLst>
           </p:cNvPr>
@@ -12537,38 +12747,23 @@
           <a:bodyPr/>
           <a:lstStyle/>
           <a:p>
-            <a:pPr marL="0" indent="0">
-              <a:buNone/>
-            </a:pPr>
+            <a:r>
+              <a:rPr lang="en-US" altLang="zh-TW" dirty="0"/>
+              <a:t>A. AEDT</a:t>
+            </a:r>
             <a:r>
               <a:rPr lang="zh-TW" altLang="en-US" dirty="0"/>
-              <a:t>如果不考慮可讀性，最簡單的方式便是用</a:t>
-            </a:r>
-            <a:r>
-              <a:rPr lang="en-US" altLang="zh-TW" dirty="0"/>
-              <a:t>pickle</a:t>
-            </a:r>
-            <a:r>
-              <a:rPr lang="zh-TW" altLang="en-US" dirty="0"/>
-              <a:t>寫到檔案當中。檔案以二進制儲存，具有一定的保護性。如果考量到可讀性，</a:t>
-            </a:r>
-            <a:r>
-              <a:rPr lang="en-US" altLang="zh-TW" dirty="0"/>
-              <a:t>CSV, Jason, xml,</a:t>
-            </a:r>
-            <a:r>
-              <a:rPr lang="zh-TW" altLang="en-US" dirty="0"/>
-              <a:t>都是不錯的方式，有現成的庫可以使用。如果是自訂格式，則程式碼必須適當的格式化資料結構來產生符合規範的檔案格式。這部分通常需要耗費不少的時間來開發。</a:t>
+              <a:t>存在許多的的設定檔，比方說是材料設定檔，激發設定檔，堆疊設定檔。以文字檔格式紀錄。對前處理來說，讀取設定檔便可以取得必要的訊息，也可以透過修改檔案來更新設計參數。對後處理來說，模擬結果都可以匯出到檔案當中。因此熟悉檔案的讀寫，對模擬自動化是必要的技能。</a:t>
             </a:r>
           </a:p>
         </p:txBody>
       </p:sp>
       <p:sp>
         <p:nvSpPr>
-          <p:cNvPr id="3" name="標題 2">
-            <a:extLst>
-              <a:ext uri="{FF2B5EF4-FFF2-40B4-BE49-F238E27FC236}">
-                <a16:creationId xmlns:a16="http://schemas.microsoft.com/office/drawing/2014/main" id="{7CF71D4B-9055-46CA-AA21-6A4A6AC943F5}"/>
+          <p:cNvPr id="4" name="標題 3">
+            <a:extLst>
+              <a:ext uri="{FF2B5EF4-FFF2-40B4-BE49-F238E27FC236}">
+                <a16:creationId xmlns:a16="http://schemas.microsoft.com/office/drawing/2014/main" id="{A1FA83DE-77B4-4FD3-A6E8-90A05C834CA2}"/>
               </a:ext>
             </a:extLst>
           </p:cNvPr>
@@ -12586,7 +12781,7 @@
           <a:p>
             <a:r>
               <a:rPr lang="zh-TW" altLang="en-US" dirty="0"/>
-              <a:t>我要將資料結構寫進檔案當中，有哪些考量？</a:t>
+              <a:t>熟悉檔案的讀寫為何重要？</a:t>
             </a:r>
           </a:p>
         </p:txBody>
@@ -12594,7 +12789,7 @@
     </p:spTree>
     <p:extLst>
       <p:ext uri="{BB962C8B-B14F-4D97-AF65-F5344CB8AC3E}">
-        <p14:creationId xmlns:p14="http://schemas.microsoft.com/office/powerpoint/2010/main" val="1818927525"/>
+        <p14:creationId xmlns:p14="http://schemas.microsoft.com/office/powerpoint/2010/main" val="7019956"/>
       </p:ext>
     </p:extLst>
   </p:cSld>
@@ -12635,10 +12830,10 @@
       </p:grpSpPr>
       <p:sp>
         <p:nvSpPr>
-          <p:cNvPr id="5" name="內容版面配置區 4">
-            <a:extLst>
-              <a:ext uri="{FF2B5EF4-FFF2-40B4-BE49-F238E27FC236}">
-                <a16:creationId xmlns:a16="http://schemas.microsoft.com/office/drawing/2014/main" id="{680D27AA-D6DD-4913-B75C-C4DC715BB99D}"/>
+          <p:cNvPr id="2" name="內容版面配置區 1">
+            <a:extLst>
+              <a:ext uri="{FF2B5EF4-FFF2-40B4-BE49-F238E27FC236}">
+                <a16:creationId xmlns:a16="http://schemas.microsoft.com/office/drawing/2014/main" id="{DEB8D6FB-A8C1-4133-91A9-13A0E502A066}"/>
               </a:ext>
             </a:extLst>
           </p:cNvPr>
@@ -12654,35 +12849,63 @@
           <a:bodyPr/>
           <a:lstStyle/>
           <a:p>
-            <a:pPr marL="0" indent="0">
-              <a:buNone/>
-            </a:pPr>
             <a:r>
               <a:rPr lang="en-US" altLang="zh-TW" dirty="0"/>
-              <a:t>CSV</a:t>
+              <a:t>A. </a:t>
             </a:r>
             <a:r>
               <a:rPr lang="zh-TW" altLang="en-US" dirty="0"/>
-              <a:t>是最為普遍的資料儲存格式，每一列當中不同屬性的資料以分隔號區分開來。這種格式不但可讀性高，程式碼也容易處理。除了資料本身，最前面的行數也會用來記錄相關訊息，比方說是日期或是單位等等。為了與資料區分，檔頭的這些訊息前面多以特殊字元表示，以利區隔。各位所熟悉的</a:t>
+              <a:t>檔案採用的資料種類及方法，根據資料的格式及之後要進行的運算，我們必須選擇適當的資料結構來儲存，才能有效的完成後續的工作。解析檔案並儲存至資料結構的程式稱之為</a:t>
             </a:r>
             <a:r>
               <a:rPr lang="en-US" altLang="zh-TW" dirty="0"/>
-              <a:t>S</a:t>
+              <a:t>parser</a:t>
             </a:r>
             <a:r>
               <a:rPr lang="zh-TW" altLang="en-US" dirty="0"/>
-              <a:t>參數就是屬於這種格式。</a:t>
-            </a:r>
-            <a:endParaRPr lang="en-US" altLang="zh-TW" dirty="0"/>
+              <a:t>。最常見的</a:t>
+            </a:r>
+            <a:r>
+              <a:rPr lang="en-US" altLang="zh-TW" dirty="0"/>
+              <a:t>csv</a:t>
+            </a:r>
+            <a:r>
+              <a:rPr lang="zh-TW" altLang="en-US" dirty="0"/>
+              <a:t>檔為例，</a:t>
+            </a:r>
+            <a:r>
+              <a:rPr lang="en-US" altLang="zh-TW" dirty="0"/>
+              <a:t>csv parser</a:t>
+            </a:r>
+            <a:r>
+              <a:rPr lang="zh-TW" altLang="en-US" dirty="0"/>
+              <a:t>便是將</a:t>
+            </a:r>
+            <a:r>
+              <a:rPr lang="en-US" altLang="zh-TW" dirty="0"/>
+              <a:t>csv</a:t>
+            </a:r>
+            <a:r>
+              <a:rPr lang="zh-TW" altLang="en-US" dirty="0"/>
+              <a:t>檔案讀到</a:t>
+            </a:r>
+            <a:r>
+              <a:rPr lang="en-US" altLang="zh-TW" dirty="0"/>
+              <a:t>list of list</a:t>
+            </a:r>
+            <a:r>
+              <a:rPr lang="zh-TW" altLang="en-US" dirty="0"/>
+              <a:t>的資料結構，使用者可以輕鬆的使用切片來取得某一列，某一行的資料。</a:t>
+            </a:r>
           </a:p>
         </p:txBody>
       </p:sp>
       <p:sp>
         <p:nvSpPr>
-          <p:cNvPr id="4" name="標題 3">
-            <a:extLst>
-              <a:ext uri="{FF2B5EF4-FFF2-40B4-BE49-F238E27FC236}">
-                <a16:creationId xmlns:a16="http://schemas.microsoft.com/office/drawing/2014/main" id="{4F757CAB-CFF8-4102-BD5C-AF5056C64951}"/>
+          <p:cNvPr id="3" name="標題 2">
+            <a:extLst>
+              <a:ext uri="{FF2B5EF4-FFF2-40B4-BE49-F238E27FC236}">
+                <a16:creationId xmlns:a16="http://schemas.microsoft.com/office/drawing/2014/main" id="{AD18A9C0-55E2-46C6-8FAD-AD980AFCAB2A}"/>
               </a:ext>
             </a:extLst>
           </p:cNvPr>
@@ -12699,20 +12922,21 @@
           <a:lstStyle/>
           <a:p>
             <a:r>
+              <a:rPr lang="zh-TW" altLang="en-US" dirty="0"/>
+              <a:t>什麼是</a:t>
+            </a:r>
+            <a:r>
               <a:rPr lang="en-US" altLang="zh-TW" dirty="0"/>
-              <a:t>CSV</a:t>
-            </a:r>
-            <a:r>
-              <a:rPr lang="zh-TW" altLang="en-US" dirty="0"/>
-              <a:t>檔</a:t>
-            </a:r>
+              <a:t>parser?</a:t>
+            </a:r>
+            <a:endParaRPr lang="zh-TW" altLang="en-US" dirty="0"/>
           </a:p>
         </p:txBody>
       </p:sp>
     </p:spTree>
     <p:extLst>
       <p:ext uri="{BB962C8B-B14F-4D97-AF65-F5344CB8AC3E}">
-        <p14:creationId xmlns:p14="http://schemas.microsoft.com/office/powerpoint/2010/main" val="1655947332"/>
+        <p14:creationId xmlns:p14="http://schemas.microsoft.com/office/powerpoint/2010/main" val="1999714696"/>
       </p:ext>
     </p:extLst>
   </p:cSld>

--- a/上課教材/Week3.pptx
+++ b/上課教材/Week3.pptx
@@ -9,14 +9,14 @@
     <p:sldId id="316" r:id="rId3"/>
     <p:sldId id="317" r:id="rId4"/>
     <p:sldId id="326" r:id="rId5"/>
-    <p:sldId id="327" r:id="rId6"/>
-    <p:sldId id="318" r:id="rId7"/>
-    <p:sldId id="325" r:id="rId8"/>
-    <p:sldId id="322" r:id="rId9"/>
-    <p:sldId id="323" r:id="rId10"/>
-    <p:sldId id="324" r:id="rId11"/>
-    <p:sldId id="319" r:id="rId12"/>
-    <p:sldId id="320" r:id="rId13"/>
+    <p:sldId id="1956" r:id="rId6"/>
+    <p:sldId id="1961" r:id="rId7"/>
+    <p:sldId id="327" r:id="rId8"/>
+    <p:sldId id="1962" r:id="rId9"/>
+    <p:sldId id="318" r:id="rId10"/>
+    <p:sldId id="325" r:id="rId11"/>
+    <p:sldId id="322" r:id="rId12"/>
+    <p:sldId id="319" r:id="rId13"/>
     <p:sldId id="272" r:id="rId14"/>
     <p:sldId id="259" r:id="rId15"/>
     <p:sldId id="312" r:id="rId16"/>
@@ -129,7 +129,7 @@
 <file path=ppt/revisionInfo.xml><?xml version="1.0" encoding="utf-8"?>
 <p1510:revInfo xmlns:a="http://schemas.openxmlformats.org/drawingml/2006/main" xmlns:r="http://schemas.openxmlformats.org/officeDocument/2006/relationships" xmlns:p1510="http://schemas.microsoft.com/office/powerpoint/2015/10/main">
   <p1510:revLst>
-    <p1510:client id="{73C49393-00F6-48C7-99DB-5262FA837701}" v="75" dt="2020-06-05T05:15:44.268"/>
+    <p1510:client id="{73C49393-00F6-48C7-99DB-5262FA837701}" v="342" dt="2020-06-08T00:57:30.363"/>
   </p1510:revLst>
 </p1510:revInfo>
 </file>
@@ -2025,19 +2025,19 @@
   </pc:docChgLst>
   <pc:docChgLst>
     <pc:chgData name="Ming-Chih Lin" userId="f1ba3ba5-e185-404b-b55f-b2be90e2bdc2" providerId="ADAL" clId="{73C49393-00F6-48C7-99DB-5262FA837701}"/>
-    <pc:docChg chg="custSel addSld delSld modSld">
-      <pc:chgData name="Ming-Chih Lin" userId="f1ba3ba5-e185-404b-b55f-b2be90e2bdc2" providerId="ADAL" clId="{73C49393-00F6-48C7-99DB-5262FA837701}" dt="2020-06-05T05:21:56.321" v="378" actId="20577"/>
+    <pc:docChg chg="undo custSel addSld delSld modSld">
+      <pc:chgData name="Ming-Chih Lin" userId="f1ba3ba5-e185-404b-b55f-b2be90e2bdc2" providerId="ADAL" clId="{73C49393-00F6-48C7-99DB-5262FA837701}" dt="2020-06-08T00:57:30.363" v="2298"/>
       <pc:docMkLst>
         <pc:docMk/>
       </pc:docMkLst>
       <pc:sldChg chg="addSp delSp modSp mod">
-        <pc:chgData name="Ming-Chih Lin" userId="f1ba3ba5-e185-404b-b55f-b2be90e2bdc2" providerId="ADAL" clId="{73C49393-00F6-48C7-99DB-5262FA837701}" dt="2020-06-02T00:25:00.263" v="120" actId="20577"/>
+        <pc:chgData name="Ming-Chih Lin" userId="f1ba3ba5-e185-404b-b55f-b2be90e2bdc2" providerId="ADAL" clId="{73C49393-00F6-48C7-99DB-5262FA837701}" dt="2020-06-08T00:57:30.363" v="2298"/>
         <pc:sldMkLst>
           <pc:docMk/>
           <pc:sldMk cId="3437513085" sldId="257"/>
         </pc:sldMkLst>
         <pc:spChg chg="mod">
-          <ac:chgData name="Ming-Chih Lin" userId="f1ba3ba5-e185-404b-b55f-b2be90e2bdc2" providerId="ADAL" clId="{73C49393-00F6-48C7-99DB-5262FA837701}" dt="2020-06-02T00:25:00.263" v="120" actId="20577"/>
+          <ac:chgData name="Ming-Chih Lin" userId="f1ba3ba5-e185-404b-b55f-b2be90e2bdc2" providerId="ADAL" clId="{73C49393-00F6-48C7-99DB-5262FA837701}" dt="2020-06-08T00:57:30.363" v="2298"/>
           <ac:spMkLst>
             <pc:docMk/>
             <pc:sldMk cId="3437513085" sldId="257"/>
@@ -2061,13 +2061,13 @@
         </pc:sldMkLst>
       </pc:sldChg>
       <pc:sldChg chg="modSp add mod">
-        <pc:chgData name="Ming-Chih Lin" userId="f1ba3ba5-e185-404b-b55f-b2be90e2bdc2" providerId="ADAL" clId="{73C49393-00F6-48C7-99DB-5262FA837701}" dt="2020-06-05T00:08:00.669" v="286"/>
+        <pc:chgData name="Ming-Chih Lin" userId="f1ba3ba5-e185-404b-b55f-b2be90e2bdc2" providerId="ADAL" clId="{73C49393-00F6-48C7-99DB-5262FA837701}" dt="2020-06-08T00:51:54.698" v="2226"/>
         <pc:sldMkLst>
           <pc:docMk/>
           <pc:sldMk cId="3139632968" sldId="272"/>
         </pc:sldMkLst>
         <pc:spChg chg="mod">
-          <ac:chgData name="Ming-Chih Lin" userId="f1ba3ba5-e185-404b-b55f-b2be90e2bdc2" providerId="ADAL" clId="{73C49393-00F6-48C7-99DB-5262FA837701}" dt="2020-06-05T00:08:00.669" v="286"/>
+          <ac:chgData name="Ming-Chih Lin" userId="f1ba3ba5-e185-404b-b55f-b2be90e2bdc2" providerId="ADAL" clId="{73C49393-00F6-48C7-99DB-5262FA837701}" dt="2020-06-08T00:51:54.698" v="2226"/>
           <ac:spMkLst>
             <pc:docMk/>
             <pc:sldMk cId="3139632968" sldId="272"/>
@@ -2187,12 +2187,20 @@
           <pc:sldMk cId="3053501639" sldId="315"/>
         </pc:sldMkLst>
       </pc:sldChg>
-      <pc:sldChg chg="add">
-        <pc:chgData name="Ming-Chih Lin" userId="f1ba3ba5-e185-404b-b55f-b2be90e2bdc2" providerId="ADAL" clId="{73C49393-00F6-48C7-99DB-5262FA837701}" dt="2020-06-02T00:10:18.221" v="4"/>
+      <pc:sldChg chg="modSp add mod">
+        <pc:chgData name="Ming-Chih Lin" userId="f1ba3ba5-e185-404b-b55f-b2be90e2bdc2" providerId="ADAL" clId="{73C49393-00F6-48C7-99DB-5262FA837701}" dt="2020-06-07T23:59:06.853" v="446"/>
         <pc:sldMkLst>
           <pc:docMk/>
           <pc:sldMk cId="19629556" sldId="316"/>
         </pc:sldMkLst>
+        <pc:spChg chg="mod">
+          <ac:chgData name="Ming-Chih Lin" userId="f1ba3ba5-e185-404b-b55f-b2be90e2bdc2" providerId="ADAL" clId="{73C49393-00F6-48C7-99DB-5262FA837701}" dt="2020-06-07T23:59:06.853" v="446"/>
+          <ac:spMkLst>
+            <pc:docMk/>
+            <pc:sldMk cId="19629556" sldId="316"/>
+            <ac:spMk id="4" creationId="{2FA54F75-D405-4104-B6BB-EA44A23A109A}"/>
+          </ac:spMkLst>
+        </pc:spChg>
       </pc:sldChg>
       <pc:sldChg chg="addSp delSp modSp add mod">
         <pc:chgData name="Ming-Chih Lin" userId="f1ba3ba5-e185-404b-b55f-b2be90e2bdc2" providerId="ADAL" clId="{73C49393-00F6-48C7-99DB-5262FA837701}" dt="2020-06-02T00:23:43.677" v="98" actId="14100"/>
@@ -2272,15 +2280,31 @@
           </ac:picMkLst>
         </pc:picChg>
       </pc:sldChg>
-      <pc:sldChg chg="add">
-        <pc:chgData name="Ming-Chih Lin" userId="f1ba3ba5-e185-404b-b55f-b2be90e2bdc2" providerId="ADAL" clId="{73C49393-00F6-48C7-99DB-5262FA837701}" dt="2020-06-05T00:06:10.103" v="179"/>
+      <pc:sldChg chg="modSp add mod">
+        <pc:chgData name="Ming-Chih Lin" userId="f1ba3ba5-e185-404b-b55f-b2be90e2bdc2" providerId="ADAL" clId="{73C49393-00F6-48C7-99DB-5262FA837701}" dt="2020-06-08T00:17:26.681" v="839" actId="20577"/>
         <pc:sldMkLst>
           <pc:docMk/>
           <pc:sldMk cId="2205041351" sldId="318"/>
         </pc:sldMkLst>
+        <pc:spChg chg="mod">
+          <ac:chgData name="Ming-Chih Lin" userId="f1ba3ba5-e185-404b-b55f-b2be90e2bdc2" providerId="ADAL" clId="{73C49393-00F6-48C7-99DB-5262FA837701}" dt="2020-06-08T00:17:26.681" v="839" actId="20577"/>
+          <ac:spMkLst>
+            <pc:docMk/>
+            <pc:sldMk cId="2205041351" sldId="318"/>
+            <ac:spMk id="2" creationId="{6323B9C6-4296-4701-9395-884F01AEB1BA}"/>
+          </ac:spMkLst>
+        </pc:spChg>
+        <pc:spChg chg="mod">
+          <ac:chgData name="Ming-Chih Lin" userId="f1ba3ba5-e185-404b-b55f-b2be90e2bdc2" providerId="ADAL" clId="{73C49393-00F6-48C7-99DB-5262FA837701}" dt="2020-06-08T00:11:56.906" v="471"/>
+          <ac:spMkLst>
+            <pc:docMk/>
+            <pc:sldMk cId="2205041351" sldId="318"/>
+            <ac:spMk id="3" creationId="{E7C3D928-2CE9-4266-A577-F5AA1DFC7CE3}"/>
+          </ac:spMkLst>
+        </pc:spChg>
       </pc:sldChg>
       <pc:sldChg chg="addSp delSp modSp new mod modClrScheme chgLayout">
-        <pc:chgData name="Ming-Chih Lin" userId="f1ba3ba5-e185-404b-b55f-b2be90e2bdc2" providerId="ADAL" clId="{73C49393-00F6-48C7-99DB-5262FA837701}" dt="2020-06-02T00:57:12.576" v="146" actId="21"/>
+        <pc:chgData name="Ming-Chih Lin" userId="f1ba3ba5-e185-404b-b55f-b2be90e2bdc2" providerId="ADAL" clId="{73C49393-00F6-48C7-99DB-5262FA837701}" dt="2020-06-08T00:56:00.315" v="2297"/>
         <pc:sldMkLst>
           <pc:docMk/>
           <pc:sldMk cId="1655947332" sldId="319"/>
@@ -2302,7 +2326,7 @@
           </ac:spMkLst>
         </pc:spChg>
         <pc:spChg chg="add mod ord">
-          <ac:chgData name="Ming-Chih Lin" userId="f1ba3ba5-e185-404b-b55f-b2be90e2bdc2" providerId="ADAL" clId="{73C49393-00F6-48C7-99DB-5262FA837701}" dt="2020-06-02T00:43:16.965" v="145"/>
+          <ac:chgData name="Ming-Chih Lin" userId="f1ba3ba5-e185-404b-b55f-b2be90e2bdc2" providerId="ADAL" clId="{73C49393-00F6-48C7-99DB-5262FA837701}" dt="2020-06-08T00:51:06.090" v="2159"/>
           <ac:spMkLst>
             <pc:docMk/>
             <pc:sldMk cId="1655947332" sldId="319"/>
@@ -2310,7 +2334,7 @@
           </ac:spMkLst>
         </pc:spChg>
         <pc:spChg chg="add mod ord">
-          <ac:chgData name="Ming-Chih Lin" userId="f1ba3ba5-e185-404b-b55f-b2be90e2bdc2" providerId="ADAL" clId="{73C49393-00F6-48C7-99DB-5262FA837701}" dt="2020-06-02T00:57:12.576" v="146" actId="21"/>
+          <ac:chgData name="Ming-Chih Lin" userId="f1ba3ba5-e185-404b-b55f-b2be90e2bdc2" providerId="ADAL" clId="{73C49393-00F6-48C7-99DB-5262FA837701}" dt="2020-06-08T00:56:00.315" v="2297"/>
           <ac:spMkLst>
             <pc:docMk/>
             <pc:sldMk cId="1655947332" sldId="319"/>
@@ -2318,14 +2342,14 @@
           </ac:spMkLst>
         </pc:spChg>
       </pc:sldChg>
-      <pc:sldChg chg="modSp new mod">
-        <pc:chgData name="Ming-Chih Lin" userId="f1ba3ba5-e185-404b-b55f-b2be90e2bdc2" providerId="ADAL" clId="{73C49393-00F6-48C7-99DB-5262FA837701}" dt="2020-06-02T00:57:18.562" v="149" actId="21"/>
+      <pc:sldChg chg="modSp new del mod">
+        <pc:chgData name="Ming-Chih Lin" userId="f1ba3ba5-e185-404b-b55f-b2be90e2bdc2" providerId="ADAL" clId="{73C49393-00F6-48C7-99DB-5262FA837701}" dt="2020-06-08T00:51:08.469" v="2160" actId="47"/>
         <pc:sldMkLst>
           <pc:docMk/>
           <pc:sldMk cId="1219695762" sldId="320"/>
         </pc:sldMkLst>
         <pc:spChg chg="mod">
-          <ac:chgData name="Ming-Chih Lin" userId="f1ba3ba5-e185-404b-b55f-b2be90e2bdc2" providerId="ADAL" clId="{73C49393-00F6-48C7-99DB-5262FA837701}" dt="2020-06-02T00:57:18.562" v="149" actId="21"/>
+          <ac:chgData name="Ming-Chih Lin" userId="f1ba3ba5-e185-404b-b55f-b2be90e2bdc2" providerId="ADAL" clId="{73C49393-00F6-48C7-99DB-5262FA837701}" dt="2020-06-08T00:50:41.586" v="2140" actId="21"/>
           <ac:spMkLst>
             <pc:docMk/>
             <pc:sldMk cId="1219695762" sldId="320"/>
@@ -2349,7 +2373,7 @@
         </pc:spChg>
       </pc:sldChg>
       <pc:sldChg chg="addSp delSp modSp new mod modClrScheme chgLayout">
-        <pc:chgData name="Ming-Chih Lin" userId="f1ba3ba5-e185-404b-b55f-b2be90e2bdc2" providerId="ADAL" clId="{73C49393-00F6-48C7-99DB-5262FA837701}" dt="2020-06-02T02:04:00.492" v="156"/>
+        <pc:chgData name="Ming-Chih Lin" userId="f1ba3ba5-e185-404b-b55f-b2be90e2bdc2" providerId="ADAL" clId="{73C49393-00F6-48C7-99DB-5262FA837701}" dt="2020-06-08T00:53:44.869" v="2252"/>
         <pc:sldMkLst>
           <pc:docMk/>
           <pc:sldMk cId="7019956" sldId="322"/>
@@ -2379,7 +2403,7 @@
           </ac:spMkLst>
         </pc:spChg>
         <pc:spChg chg="add mod ord">
-          <ac:chgData name="Ming-Chih Lin" userId="f1ba3ba5-e185-404b-b55f-b2be90e2bdc2" providerId="ADAL" clId="{73C49393-00F6-48C7-99DB-5262FA837701}" dt="2020-06-02T02:03:53.336" v="155"/>
+          <ac:chgData name="Ming-Chih Lin" userId="f1ba3ba5-e185-404b-b55f-b2be90e2bdc2" providerId="ADAL" clId="{73C49393-00F6-48C7-99DB-5262FA837701}" dt="2020-06-08T00:53:44.869" v="2252"/>
           <ac:spMkLst>
             <pc:docMk/>
             <pc:sldMk cId="7019956" sldId="322"/>
@@ -2387,14 +2411,14 @@
           </ac:spMkLst>
         </pc:spChg>
       </pc:sldChg>
-      <pc:sldChg chg="modSp new">
-        <pc:chgData name="Ming-Chih Lin" userId="f1ba3ba5-e185-404b-b55f-b2be90e2bdc2" providerId="ADAL" clId="{73C49393-00F6-48C7-99DB-5262FA837701}" dt="2020-06-02T02:04:31.721" v="159"/>
+      <pc:sldChg chg="modSp new del mod">
+        <pc:chgData name="Ming-Chih Lin" userId="f1ba3ba5-e185-404b-b55f-b2be90e2bdc2" providerId="ADAL" clId="{73C49393-00F6-48C7-99DB-5262FA837701}" dt="2020-06-08T00:52:59.702" v="2234" actId="47"/>
         <pc:sldMkLst>
           <pc:docMk/>
           <pc:sldMk cId="1999714696" sldId="323"/>
         </pc:sldMkLst>
         <pc:spChg chg="mod">
-          <ac:chgData name="Ming-Chih Lin" userId="f1ba3ba5-e185-404b-b55f-b2be90e2bdc2" providerId="ADAL" clId="{73C49393-00F6-48C7-99DB-5262FA837701}" dt="2020-06-02T02:04:31.721" v="159"/>
+          <ac:chgData name="Ming-Chih Lin" userId="f1ba3ba5-e185-404b-b55f-b2be90e2bdc2" providerId="ADAL" clId="{73C49393-00F6-48C7-99DB-5262FA837701}" dt="2020-06-08T00:52:54.410" v="2230" actId="21"/>
           <ac:spMkLst>
             <pc:docMk/>
             <pc:sldMk cId="1999714696" sldId="323"/>
@@ -2410,14 +2434,14 @@
           </ac:spMkLst>
         </pc:spChg>
       </pc:sldChg>
-      <pc:sldChg chg="modSp new mod">
-        <pc:chgData name="Ming-Chih Lin" userId="f1ba3ba5-e185-404b-b55f-b2be90e2bdc2" providerId="ADAL" clId="{73C49393-00F6-48C7-99DB-5262FA837701}" dt="2020-06-05T00:05:30.170" v="176" actId="5793"/>
+      <pc:sldChg chg="modSp new del mod">
+        <pc:chgData name="Ming-Chih Lin" userId="f1ba3ba5-e185-404b-b55f-b2be90e2bdc2" providerId="ADAL" clId="{73C49393-00F6-48C7-99DB-5262FA837701}" dt="2020-06-08T00:53:32.175" v="2242" actId="47"/>
         <pc:sldMkLst>
           <pc:docMk/>
           <pc:sldMk cId="1818927525" sldId="324"/>
         </pc:sldMkLst>
         <pc:spChg chg="mod">
-          <ac:chgData name="Ming-Chih Lin" userId="f1ba3ba5-e185-404b-b55f-b2be90e2bdc2" providerId="ADAL" clId="{73C49393-00F6-48C7-99DB-5262FA837701}" dt="2020-06-05T00:05:30.170" v="176" actId="5793"/>
+          <ac:chgData name="Ming-Chih Lin" userId="f1ba3ba5-e185-404b-b55f-b2be90e2bdc2" providerId="ADAL" clId="{73C49393-00F6-48C7-99DB-5262FA837701}" dt="2020-06-08T00:53:25.848" v="2237" actId="21"/>
           <ac:spMkLst>
             <pc:docMk/>
             <pc:sldMk cId="1818927525" sldId="324"/>
@@ -2440,35 +2464,206 @@
           <pc:sldMk cId="2484227852" sldId="325"/>
         </pc:sldMkLst>
       </pc:sldChg>
-      <pc:sldChg chg="modSp new mod">
-        <pc:chgData name="Ming-Chih Lin" userId="f1ba3ba5-e185-404b-b55f-b2be90e2bdc2" providerId="ADAL" clId="{73C49393-00F6-48C7-99DB-5262FA837701}" dt="2020-06-05T05:13:13.768" v="319" actId="20577"/>
+      <pc:sldChg chg="addSp delSp modSp new mod">
+        <pc:chgData name="Ming-Chih Lin" userId="f1ba3ba5-e185-404b-b55f-b2be90e2bdc2" providerId="ADAL" clId="{73C49393-00F6-48C7-99DB-5262FA837701}" dt="2020-06-07T23:59:59.181" v="449"/>
         <pc:sldMkLst>
           <pc:docMk/>
           <pc:sldMk cId="1096945965" sldId="326"/>
         </pc:sldMkLst>
         <pc:spChg chg="mod">
-          <ac:chgData name="Ming-Chih Lin" userId="f1ba3ba5-e185-404b-b55f-b2be90e2bdc2" providerId="ADAL" clId="{73C49393-00F6-48C7-99DB-5262FA837701}" dt="2020-06-05T05:13:13.768" v="319" actId="20577"/>
+          <ac:chgData name="Ming-Chih Lin" userId="f1ba3ba5-e185-404b-b55f-b2be90e2bdc2" providerId="ADAL" clId="{73C49393-00F6-48C7-99DB-5262FA837701}" dt="2020-06-07T23:58:55.355" v="434" actId="20577"/>
+          <ac:spMkLst>
+            <pc:docMk/>
+            <pc:sldMk cId="1096945965" sldId="326"/>
+            <ac:spMk id="2" creationId="{EAABEF2F-5C08-417B-87A5-1D12C74B051E}"/>
+          </ac:spMkLst>
+        </pc:spChg>
+        <pc:spChg chg="mod">
+          <ac:chgData name="Ming-Chih Lin" userId="f1ba3ba5-e185-404b-b55f-b2be90e2bdc2" providerId="ADAL" clId="{73C49393-00F6-48C7-99DB-5262FA837701}" dt="2020-06-07T23:59:55.686" v="447"/>
           <ac:spMkLst>
             <pc:docMk/>
             <pc:sldMk cId="1096945965" sldId="326"/>
             <ac:spMk id="3" creationId="{B6F007FF-43A2-4732-8D5A-724C4E433F2E}"/>
           </ac:spMkLst>
         </pc:spChg>
-      </pc:sldChg>
-      <pc:sldChg chg="modSp new mod">
-        <pc:chgData name="Ming-Chih Lin" userId="f1ba3ba5-e185-404b-b55f-b2be90e2bdc2" providerId="ADAL" clId="{73C49393-00F6-48C7-99DB-5262FA837701}" dt="2020-06-05T05:21:56.321" v="378" actId="20577"/>
+        <pc:spChg chg="add del mod">
+          <ac:chgData name="Ming-Chih Lin" userId="f1ba3ba5-e185-404b-b55f-b2be90e2bdc2" providerId="ADAL" clId="{73C49393-00F6-48C7-99DB-5262FA837701}" dt="2020-06-07T23:59:59.181" v="449"/>
+          <ac:spMkLst>
+            <pc:docMk/>
+            <pc:sldMk cId="1096945965" sldId="326"/>
+            <ac:spMk id="4" creationId="{7F137CDD-E733-4B46-91FC-BA070EB3C8EE}"/>
+          </ac:spMkLst>
+        </pc:spChg>
+      </pc:sldChg>
+      <pc:sldChg chg="addSp delSp modSp new mod">
+        <pc:chgData name="Ming-Chih Lin" userId="f1ba3ba5-e185-404b-b55f-b2be90e2bdc2" providerId="ADAL" clId="{73C49393-00F6-48C7-99DB-5262FA837701}" dt="2020-06-08T00:49:50.706" v="2139" actId="20577"/>
         <pc:sldMkLst>
           <pc:docMk/>
           <pc:sldMk cId="2286263138" sldId="327"/>
         </pc:sldMkLst>
         <pc:spChg chg="mod">
-          <ac:chgData name="Ming-Chih Lin" userId="f1ba3ba5-e185-404b-b55f-b2be90e2bdc2" providerId="ADAL" clId="{73C49393-00F6-48C7-99DB-5262FA837701}" dt="2020-06-05T05:21:56.321" v="378" actId="20577"/>
+          <ac:chgData name="Ming-Chih Lin" userId="f1ba3ba5-e185-404b-b55f-b2be90e2bdc2" providerId="ADAL" clId="{73C49393-00F6-48C7-99DB-5262FA837701}" dt="2020-06-08T00:49:50.706" v="2139" actId="20577"/>
+          <ac:spMkLst>
+            <pc:docMk/>
+            <pc:sldMk cId="2286263138" sldId="327"/>
+            <ac:spMk id="2" creationId="{7E1411A4-FA18-4CF5-8726-F8EBBD7B7A62}"/>
+          </ac:spMkLst>
+        </pc:spChg>
+        <pc:spChg chg="mod">
+          <ac:chgData name="Ming-Chih Lin" userId="f1ba3ba5-e185-404b-b55f-b2be90e2bdc2" providerId="ADAL" clId="{73C49393-00F6-48C7-99DB-5262FA837701}" dt="2020-06-08T00:40:52.299" v="1951" actId="21"/>
           <ac:spMkLst>
             <pc:docMk/>
             <pc:sldMk cId="2286263138" sldId="327"/>
             <ac:spMk id="3" creationId="{D6468701-1EFF-4708-A4DB-2F3CA4B6D346}"/>
           </ac:spMkLst>
         </pc:spChg>
+        <pc:picChg chg="add del mod">
+          <ac:chgData name="Ming-Chih Lin" userId="f1ba3ba5-e185-404b-b55f-b2be90e2bdc2" providerId="ADAL" clId="{73C49393-00F6-48C7-99DB-5262FA837701}" dt="2020-06-08T00:40:09.138" v="1912" actId="21"/>
+          <ac:picMkLst>
+            <pc:docMk/>
+            <pc:sldMk cId="2286263138" sldId="327"/>
+            <ac:picMk id="4" creationId="{3D6CE71E-AABE-46F2-A032-29C8F5FD764B}"/>
+          </ac:picMkLst>
+        </pc:picChg>
+        <pc:picChg chg="add mod">
+          <ac:chgData name="Ming-Chih Lin" userId="f1ba3ba5-e185-404b-b55f-b2be90e2bdc2" providerId="ADAL" clId="{73C49393-00F6-48C7-99DB-5262FA837701}" dt="2020-06-08T00:41:00.110" v="1954" actId="1076"/>
+          <ac:picMkLst>
+            <pc:docMk/>
+            <pc:sldMk cId="2286263138" sldId="327"/>
+            <ac:picMk id="5" creationId="{B304793A-1876-44C9-AB89-096E1C2B63D7}"/>
+          </ac:picMkLst>
+        </pc:picChg>
+        <pc:picChg chg="add del mod">
+          <ac:chgData name="Ming-Chih Lin" userId="f1ba3ba5-e185-404b-b55f-b2be90e2bdc2" providerId="ADAL" clId="{73C49393-00F6-48C7-99DB-5262FA837701}" dt="2020-06-08T00:42:20.377" v="1986" actId="478"/>
+          <ac:picMkLst>
+            <pc:docMk/>
+            <pc:sldMk cId="2286263138" sldId="327"/>
+            <ac:picMk id="6" creationId="{4D2B8DE5-09B6-4A9E-B7B9-41F60FB0048E}"/>
+          </ac:picMkLst>
+        </pc:picChg>
+        <pc:picChg chg="add del mod">
+          <ac:chgData name="Ming-Chih Lin" userId="f1ba3ba5-e185-404b-b55f-b2be90e2bdc2" providerId="ADAL" clId="{73C49393-00F6-48C7-99DB-5262FA837701}" dt="2020-06-08T00:43:41.473" v="2016" actId="478"/>
+          <ac:picMkLst>
+            <pc:docMk/>
+            <pc:sldMk cId="2286263138" sldId="327"/>
+            <ac:picMk id="7" creationId="{2E02B268-9E67-42A4-9B8E-A9EC06283E5E}"/>
+          </ac:picMkLst>
+        </pc:picChg>
+        <pc:picChg chg="add mod">
+          <ac:chgData name="Ming-Chih Lin" userId="f1ba3ba5-e185-404b-b55f-b2be90e2bdc2" providerId="ADAL" clId="{73C49393-00F6-48C7-99DB-5262FA837701}" dt="2020-06-08T00:44:26.942" v="2020" actId="1076"/>
+          <ac:picMkLst>
+            <pc:docMk/>
+            <pc:sldMk cId="2286263138" sldId="327"/>
+            <ac:picMk id="8" creationId="{A52B2C48-806B-4BAF-AD82-00A2BAD0ED4A}"/>
+          </ac:picMkLst>
+        </pc:picChg>
+      </pc:sldChg>
+      <pc:sldChg chg="modSp new del mod">
+        <pc:chgData name="Ming-Chih Lin" userId="f1ba3ba5-e185-404b-b55f-b2be90e2bdc2" providerId="ADAL" clId="{73C49393-00F6-48C7-99DB-5262FA837701}" dt="2020-06-08T00:02:22.076" v="470" actId="47"/>
+        <pc:sldMkLst>
+          <pc:docMk/>
+          <pc:sldMk cId="1830241539" sldId="328"/>
+        </pc:sldMkLst>
+        <pc:spChg chg="mod">
+          <ac:chgData name="Ming-Chih Lin" userId="f1ba3ba5-e185-404b-b55f-b2be90e2bdc2" providerId="ADAL" clId="{73C49393-00F6-48C7-99DB-5262FA837701}" dt="2020-06-08T00:00:08.821" v="468" actId="20577"/>
+          <ac:spMkLst>
+            <pc:docMk/>
+            <pc:sldMk cId="1830241539" sldId="328"/>
+            <ac:spMk id="3" creationId="{CB4A2A7F-D493-40F1-B9E5-5D7791FF9F2B}"/>
+          </ac:spMkLst>
+        </pc:spChg>
+      </pc:sldChg>
+      <pc:sldChg chg="add modTransition">
+        <pc:chgData name="Ming-Chih Lin" userId="f1ba3ba5-e185-404b-b55f-b2be90e2bdc2" providerId="ADAL" clId="{73C49393-00F6-48C7-99DB-5262FA837701}" dt="2020-06-08T00:01:13.187" v="469"/>
+        <pc:sldMkLst>
+          <pc:docMk/>
+          <pc:sldMk cId="2980351257" sldId="1956"/>
+        </pc:sldMkLst>
+      </pc:sldChg>
+      <pc:sldChg chg="add modTransition">
+        <pc:chgData name="Ming-Chih Lin" userId="f1ba3ba5-e185-404b-b55f-b2be90e2bdc2" providerId="ADAL" clId="{73C49393-00F6-48C7-99DB-5262FA837701}" dt="2020-06-08T00:01:13.187" v="469"/>
+        <pc:sldMkLst>
+          <pc:docMk/>
+          <pc:sldMk cId="3031599788" sldId="1961"/>
+        </pc:sldMkLst>
+      </pc:sldChg>
+      <pc:sldChg chg="addSp delSp modSp new del mod">
+        <pc:chgData name="Ming-Chih Lin" userId="f1ba3ba5-e185-404b-b55f-b2be90e2bdc2" providerId="ADAL" clId="{73C49393-00F6-48C7-99DB-5262FA837701}" dt="2020-06-08T00:40:40.300" v="1948" actId="47"/>
+        <pc:sldMkLst>
+          <pc:docMk/>
+          <pc:sldMk cId="708872954" sldId="1962"/>
+        </pc:sldMkLst>
+        <pc:spChg chg="add del mod">
+          <ac:chgData name="Ming-Chih Lin" userId="f1ba3ba5-e185-404b-b55f-b2be90e2bdc2" providerId="ADAL" clId="{73C49393-00F6-48C7-99DB-5262FA837701}" dt="2020-06-08T00:40:38.313" v="1947" actId="14100"/>
+          <ac:spMkLst>
+            <pc:docMk/>
+            <pc:sldMk cId="708872954" sldId="1962"/>
+            <ac:spMk id="2" creationId="{1E66F45F-6EFD-4FD7-B144-8BFFEE52D343}"/>
+          </ac:spMkLst>
+        </pc:spChg>
+        <pc:spChg chg="mod">
+          <ac:chgData name="Ming-Chih Lin" userId="f1ba3ba5-e185-404b-b55f-b2be90e2bdc2" providerId="ADAL" clId="{73C49393-00F6-48C7-99DB-5262FA837701}" dt="2020-06-08T00:40:18.179" v="1933" actId="20577"/>
+          <ac:spMkLst>
+            <pc:docMk/>
+            <pc:sldMk cId="708872954" sldId="1962"/>
+            <ac:spMk id="3" creationId="{F540ED53-81B1-4AE0-BA54-15A9796B2316}"/>
+          </ac:spMkLst>
+        </pc:spChg>
+        <pc:picChg chg="add del mod">
+          <ac:chgData name="Ming-Chih Lin" userId="f1ba3ba5-e185-404b-b55f-b2be90e2bdc2" providerId="ADAL" clId="{73C49393-00F6-48C7-99DB-5262FA837701}" dt="2020-06-08T00:40:22.315" v="1935"/>
+          <ac:picMkLst>
+            <pc:docMk/>
+            <pc:sldMk cId="708872954" sldId="1962"/>
+            <ac:picMk id="4" creationId="{AED9004D-9C75-453B-84D4-76D1EEDF3225}"/>
+          </ac:picMkLst>
+        </pc:picChg>
+        <pc:picChg chg="add del mod">
+          <ac:chgData name="Ming-Chih Lin" userId="f1ba3ba5-e185-404b-b55f-b2be90e2bdc2" providerId="ADAL" clId="{73C49393-00F6-48C7-99DB-5262FA837701}" dt="2020-06-08T00:40:37.803" v="1946"/>
+          <ac:picMkLst>
+            <pc:docMk/>
+            <pc:sldMk cId="708872954" sldId="1962"/>
+            <ac:picMk id="5" creationId="{A011643D-D885-44E8-B6A7-83AFD4F284F0}"/>
+          </ac:picMkLst>
+        </pc:picChg>
+      </pc:sldChg>
+      <pc:sldChg chg="addSp delSp modSp new mod">
+        <pc:chgData name="Ming-Chih Lin" userId="f1ba3ba5-e185-404b-b55f-b2be90e2bdc2" providerId="ADAL" clId="{73C49393-00F6-48C7-99DB-5262FA837701}" dt="2020-06-08T00:48:25.195" v="2134" actId="1076"/>
+        <pc:sldMkLst>
+          <pc:docMk/>
+          <pc:sldMk cId="3815406527" sldId="1962"/>
+        </pc:sldMkLst>
+        <pc:spChg chg="mod">
+          <ac:chgData name="Ming-Chih Lin" userId="f1ba3ba5-e185-404b-b55f-b2be90e2bdc2" providerId="ADAL" clId="{73C49393-00F6-48C7-99DB-5262FA837701}" dt="2020-06-08T00:46:36.506" v="2123" actId="20577"/>
+          <ac:spMkLst>
+            <pc:docMk/>
+            <pc:sldMk cId="3815406527" sldId="1962"/>
+            <ac:spMk id="2" creationId="{C1BA32D2-A354-4ABF-8901-B8CEB8AB9735}"/>
+          </ac:spMkLst>
+        </pc:spChg>
+        <pc:spChg chg="mod">
+          <ac:chgData name="Ming-Chih Lin" userId="f1ba3ba5-e185-404b-b55f-b2be90e2bdc2" providerId="ADAL" clId="{73C49393-00F6-48C7-99DB-5262FA837701}" dt="2020-06-08T00:40:56.376" v="1953"/>
+          <ac:spMkLst>
+            <pc:docMk/>
+            <pc:sldMk cId="3815406527" sldId="1962"/>
+            <ac:spMk id="3" creationId="{8F062A07-9BD4-4DA5-B790-26153CC4FBA3}"/>
+          </ac:spMkLst>
+        </pc:spChg>
+        <pc:picChg chg="add del mod">
+          <ac:chgData name="Ming-Chih Lin" userId="f1ba3ba5-e185-404b-b55f-b2be90e2bdc2" providerId="ADAL" clId="{73C49393-00F6-48C7-99DB-5262FA837701}" dt="2020-06-08T00:48:20.368" v="2131" actId="478"/>
+          <ac:picMkLst>
+            <pc:docMk/>
+            <pc:sldMk cId="3815406527" sldId="1962"/>
+            <ac:picMk id="4" creationId="{F10026FF-9E8B-4109-A88D-9A038037DC42}"/>
+          </ac:picMkLst>
+        </pc:picChg>
+        <pc:picChg chg="add mod">
+          <ac:chgData name="Ming-Chih Lin" userId="f1ba3ba5-e185-404b-b55f-b2be90e2bdc2" providerId="ADAL" clId="{73C49393-00F6-48C7-99DB-5262FA837701}" dt="2020-06-08T00:48:25.195" v="2134" actId="1076"/>
+          <ac:picMkLst>
+            <pc:docMk/>
+            <pc:sldMk cId="3815406527" sldId="1962"/>
+            <ac:picMk id="5" creationId="{29E80870-B46C-439A-A39B-95E563C27F19}"/>
+          </ac:picMkLst>
+        </pc:picChg>
       </pc:sldChg>
     </pc:docChg>
   </pc:docChgLst>
@@ -6084,7 +6279,7 @@
           <a:p>
             <a:fld id="{FA1E3ED8-1BB4-4BD2-AB23-359644E070C2}" type="datetimeFigureOut">
               <a:rPr lang="zh-TW" altLang="en-US" smtClean="0"/>
-              <a:t>2020/6/5</a:t>
+              <a:t>2020/6/8</a:t>
             </a:fld>
             <a:endParaRPr lang="zh-TW" altLang="en-US"/>
           </a:p>
@@ -11182,13 +11377,15 @@
           <a:lstStyle/>
           <a:p>
             <a:r>
-              <a:rPr lang="en-US" altLang="zh-TW"/>
+              <a:rPr lang="en-US" altLang="zh-TW" dirty="0"/>
               <a:t>Week 3-</a:t>
             </a:r>
             <a:r>
-              <a:rPr lang="zh-TW" altLang="en-US" b="0" dirty="0"/>
-              <a:t>檔案處理與資料結構</a:t>
-            </a:r>
+              <a:rPr lang="zh-TW" altLang="en-US" dirty="0"/>
+              <a:t>檔案處理與格式化輸出</a:t>
+            </a:r>
+          </a:p>
+          <a:p>
             <a:endParaRPr lang="zh-TW" altLang="en-US" dirty="0"/>
           </a:p>
           <a:p>
@@ -11265,10 +11462,10 @@
       </p:grpSpPr>
       <p:sp>
         <p:nvSpPr>
-          <p:cNvPr id="2" name="內容版面配置區 1">
-            <a:extLst>
-              <a:ext uri="{FF2B5EF4-FFF2-40B4-BE49-F238E27FC236}">
-                <a16:creationId xmlns:a16="http://schemas.microsoft.com/office/drawing/2014/main" id="{68F6B3DB-638E-43E7-96C6-4A7E2096237E}"/>
+          <p:cNvPr id="4" name="文字版面配置區 3">
+            <a:extLst>
+              <a:ext uri="{FF2B5EF4-FFF2-40B4-BE49-F238E27FC236}">
+                <a16:creationId xmlns:a16="http://schemas.microsoft.com/office/drawing/2014/main" id="{2FA54F75-D405-4104-B6BB-EA44A23A109A}"/>
               </a:ext>
             </a:extLst>
           </p:cNvPr>
@@ -11276,7 +11473,7 @@
             <a:spLocks noGrp="1"/>
           </p:cNvSpPr>
           <p:nvPr>
-            <p:ph idx="1"/>
+            <p:ph type="body" sz="quarter" idx="10"/>
           </p:nvPr>
         </p:nvSpPr>
         <p:spPr/>
@@ -11284,38 +11481,19 @@
           <a:bodyPr/>
           <a:lstStyle/>
           <a:p>
-            <a:pPr marL="0" indent="0">
-              <a:buNone/>
-            </a:pPr>
             <a:r>
               <a:rPr lang="zh-TW" altLang="en-US" dirty="0"/>
-              <a:t>如果不考慮可讀性，最簡單的方式便是用</a:t>
-            </a:r>
-            <a:r>
-              <a:rPr lang="en-US" altLang="zh-TW" dirty="0"/>
-              <a:t>pickle</a:t>
-            </a:r>
-            <a:r>
-              <a:rPr lang="zh-TW" altLang="en-US" dirty="0"/>
-              <a:t>寫到檔案當中。檔案以二進制儲存，具有一定的保護性。如果考量到可讀性，</a:t>
-            </a:r>
-            <a:r>
-              <a:rPr lang="en-US" altLang="zh-TW" dirty="0"/>
-              <a:t>CSV, Jason, xml,</a:t>
-            </a:r>
-            <a:r>
-              <a:rPr lang="zh-TW" altLang="en-US" dirty="0"/>
-              <a:t>都是不錯的方式，有現成的庫可以使用。如果是自訂格式，則程式碼必須適當的格式化資料結構來產生符合規範的檔案格式。這部分通常需要耗費不少的時間來開發。</a:t>
+              <a:t>概念解說</a:t>
             </a:r>
           </a:p>
         </p:txBody>
       </p:sp>
       <p:sp>
         <p:nvSpPr>
-          <p:cNvPr id="3" name="標題 2">
-            <a:extLst>
-              <a:ext uri="{FF2B5EF4-FFF2-40B4-BE49-F238E27FC236}">
-                <a16:creationId xmlns:a16="http://schemas.microsoft.com/office/drawing/2014/main" id="{7CF71D4B-9055-46CA-AA21-6A4A6AC943F5}"/>
+          <p:cNvPr id="5" name="文字版面配置區 4">
+            <a:extLst>
+              <a:ext uri="{FF2B5EF4-FFF2-40B4-BE49-F238E27FC236}">
+                <a16:creationId xmlns:a16="http://schemas.microsoft.com/office/drawing/2014/main" id="{CEE2A55E-C73D-43FF-AA36-95C0FF95B7B1}"/>
               </a:ext>
             </a:extLst>
           </p:cNvPr>
@@ -11323,7 +11501,7 @@
             <a:spLocks noGrp="1"/>
           </p:cNvSpPr>
           <p:nvPr>
-            <p:ph type="title"/>
+            <p:ph type="body" sz="quarter" idx="12"/>
           </p:nvPr>
         </p:nvSpPr>
         <p:spPr/>
@@ -11331,17 +11509,14 @@
           <a:bodyPr/>
           <a:lstStyle/>
           <a:p>
-            <a:r>
-              <a:rPr lang="zh-TW" altLang="en-US" dirty="0"/>
-              <a:t>我要將資料結構寫進檔案當中，有哪些考量？</a:t>
-            </a:r>
+            <a:endParaRPr lang="zh-TW" altLang="en-US"/>
           </a:p>
         </p:txBody>
       </p:sp>
     </p:spTree>
     <p:extLst>
       <p:ext uri="{BB962C8B-B14F-4D97-AF65-F5344CB8AC3E}">
-        <p14:creationId xmlns:p14="http://schemas.microsoft.com/office/powerpoint/2010/main" val="1818927525"/>
+        <p14:creationId xmlns:p14="http://schemas.microsoft.com/office/powerpoint/2010/main" val="2484227852"/>
       </p:ext>
     </p:extLst>
   </p:cSld>
@@ -11385,7 +11560,7 @@
           <p:cNvPr id="5" name="內容版面配置區 4">
             <a:extLst>
               <a:ext uri="{FF2B5EF4-FFF2-40B4-BE49-F238E27FC236}">
-                <a16:creationId xmlns:a16="http://schemas.microsoft.com/office/drawing/2014/main" id="{680D27AA-D6DD-4913-B75C-C4DC715BB99D}"/>
+                <a16:creationId xmlns:a16="http://schemas.microsoft.com/office/drawing/2014/main" id="{13882B9C-0321-47C2-A3C8-516DA6756FEE}"/>
               </a:ext>
             </a:extLst>
           </p:cNvPr>
@@ -11398,7 +11573,9 @@
         </p:nvSpPr>
         <p:spPr/>
         <p:txBody>
-          <a:bodyPr/>
+          <a:bodyPr>
+            <a:normAutofit lnSpcReduction="10000"/>
+          </a:bodyPr>
           <a:lstStyle/>
           <a:p>
             <a:pPr marL="0" indent="0">
@@ -11406,21 +11583,99 @@
             </a:pPr>
             <a:r>
               <a:rPr lang="en-US" altLang="zh-TW" dirty="0"/>
-              <a:t>CSV</a:t>
+              <a:t>AEDT</a:t>
             </a:r>
             <a:r>
               <a:rPr lang="zh-TW" altLang="en-US" dirty="0"/>
-              <a:t>是最為普遍的資料儲存格式，每一列當中不同屬性的資料以分隔號區分開來。這種格式不但可讀性高，程式碼也容易處理。除了資料本身，最前面的行數也會用來記錄相關訊息，比方說是日期或是單位等等。為了與資料區分，檔頭的這些訊息前面多以特殊字元表示，以利區隔。各位所熟悉的</a:t>
+              <a:t>存在許多的的設定檔，比方說是材料設定檔，激發設定檔，堆疊設定檔等等。以文字檔格式紀錄。對前處理來說，讀取設定檔便可以取得必要的訊息，也可以透過修改檔案來更新設計參數。對後處理來說，模擬結果都可以匯出到檔案當中。因此熟悉檔案的讀寫，對模擬自動化是必要的技能。</a:t>
+            </a:r>
+            <a:endParaRPr lang="en-US" altLang="zh-TW" dirty="0"/>
+          </a:p>
+          <a:p>
+            <a:endParaRPr lang="en-US" altLang="zh-TW" dirty="0"/>
+          </a:p>
+          <a:p>
+            <a:pPr marL="0" indent="0">
+              <a:buNone/>
+            </a:pPr>
+            <a:r>
+              <a:rPr lang="zh-TW" altLang="en-US" dirty="0"/>
+              <a:t>檔案採用的資料種類及方法，根據資料的格式及之後要進行的運算，我們必須選擇適當的資料結構來儲存，才能有效的完成後續的工作。解析檔案並儲存至資料結構的程式稱之為</a:t>
             </a:r>
             <a:r>
               <a:rPr lang="en-US" altLang="zh-TW" dirty="0"/>
-              <a:t>S</a:t>
+              <a:t>parser</a:t>
             </a:r>
             <a:r>
               <a:rPr lang="zh-TW" altLang="en-US" dirty="0"/>
-              <a:t>參數就是屬於這種格式。</a:t>
-            </a:r>
+              <a:t>。最常見的</a:t>
+            </a:r>
+            <a:r>
+              <a:rPr lang="en-US" altLang="zh-TW" dirty="0"/>
+              <a:t>csv</a:t>
+            </a:r>
+            <a:r>
+              <a:rPr lang="zh-TW" altLang="en-US" dirty="0"/>
+              <a:t>檔為例，</a:t>
+            </a:r>
+            <a:r>
+              <a:rPr lang="en-US" altLang="zh-TW" dirty="0"/>
+              <a:t>csv parser</a:t>
+            </a:r>
+            <a:r>
+              <a:rPr lang="zh-TW" altLang="en-US" dirty="0"/>
+              <a:t>便是將</a:t>
+            </a:r>
+            <a:r>
+              <a:rPr lang="en-US" altLang="zh-TW" dirty="0"/>
+              <a:t>csv</a:t>
+            </a:r>
+            <a:r>
+              <a:rPr lang="zh-TW" altLang="en-US" dirty="0"/>
+              <a:t>檔案讀到</a:t>
+            </a:r>
+            <a:r>
+              <a:rPr lang="en-US" altLang="zh-TW" dirty="0"/>
+              <a:t>list of list</a:t>
+            </a:r>
+            <a:r>
+              <a:rPr lang="zh-TW" altLang="en-US" dirty="0"/>
+              <a:t>的資料結構，使用者可以輕鬆的使用切片來取得某一列，某一行的資料。</a:t>
+            </a:r>
+          </a:p>
+          <a:p>
+            <a:pPr marL="0" indent="0">
+              <a:buNone/>
+            </a:pPr>
             <a:endParaRPr lang="en-US" altLang="zh-TW" dirty="0"/>
+          </a:p>
+          <a:p>
+            <a:pPr marL="0" indent="0">
+              <a:buNone/>
+            </a:pPr>
+            <a:r>
+              <a:rPr lang="zh-TW" altLang="en-US" dirty="0"/>
+              <a:t>如果不考慮可讀性，最簡單的方式便是用</a:t>
+            </a:r>
+            <a:r>
+              <a:rPr lang="en-US" altLang="zh-TW" dirty="0"/>
+              <a:t>pickle</a:t>
+            </a:r>
+            <a:r>
+              <a:rPr lang="zh-TW" altLang="en-US" dirty="0"/>
+              <a:t>寫到檔案當中。檔案以二進制儲存，具有一定的保護性。如果考量到可讀性，</a:t>
+            </a:r>
+            <a:r>
+              <a:rPr lang="en-US" altLang="zh-TW" dirty="0"/>
+              <a:t>CSV, Jason, xml,</a:t>
+            </a:r>
+            <a:r>
+              <a:rPr lang="zh-TW" altLang="en-US" dirty="0"/>
+              <a:t>都是不錯的方式，有現成的庫可以使用。如果是自訂格式，則程式碼必須適當的格式化資料結構來產生符合規範的檔案格式。這部分通常需要耗費不少的時間來開發。</a:t>
+            </a:r>
+          </a:p>
+          <a:p>
+            <a:endParaRPr lang="zh-TW" altLang="en-US" dirty="0"/>
           </a:p>
         </p:txBody>
       </p:sp>
@@ -11429,7 +11684,7 @@
           <p:cNvPr id="4" name="標題 3">
             <a:extLst>
               <a:ext uri="{FF2B5EF4-FFF2-40B4-BE49-F238E27FC236}">
-                <a16:creationId xmlns:a16="http://schemas.microsoft.com/office/drawing/2014/main" id="{4F757CAB-CFF8-4102-BD5C-AF5056C64951}"/>
+                <a16:creationId xmlns:a16="http://schemas.microsoft.com/office/drawing/2014/main" id="{A1FA83DE-77B4-4FD3-A6E8-90A05C834CA2}"/>
               </a:ext>
             </a:extLst>
           </p:cNvPr>
@@ -11446,12 +11701,8 @@
           <a:lstStyle/>
           <a:p>
             <a:r>
-              <a:rPr lang="en-US" altLang="zh-TW" dirty="0"/>
-              <a:t>CSV</a:t>
-            </a:r>
-            <a:r>
               <a:rPr lang="zh-TW" altLang="en-US" dirty="0"/>
-              <a:t>檔</a:t>
+              <a:t>熟悉檔案的讀寫為何重要？</a:t>
             </a:r>
           </a:p>
         </p:txBody>
@@ -11459,7 +11710,7 @@
     </p:spTree>
     <p:extLst>
       <p:ext uri="{BB962C8B-B14F-4D97-AF65-F5344CB8AC3E}">
-        <p14:creationId xmlns:p14="http://schemas.microsoft.com/office/powerpoint/2010/main" val="1655947332"/>
+        <p14:creationId xmlns:p14="http://schemas.microsoft.com/office/powerpoint/2010/main" val="7019956"/>
       </p:ext>
     </p:extLst>
   </p:cSld>
@@ -11500,10 +11751,10 @@
       </p:grpSpPr>
       <p:sp>
         <p:nvSpPr>
-          <p:cNvPr id="2" name="內容版面配置區 1">
-            <a:extLst>
-              <a:ext uri="{FF2B5EF4-FFF2-40B4-BE49-F238E27FC236}">
-                <a16:creationId xmlns:a16="http://schemas.microsoft.com/office/drawing/2014/main" id="{3FE29309-5345-4E19-8AE7-4649FDF97613}"/>
+          <p:cNvPr id="5" name="內容版面配置區 4">
+            <a:extLst>
+              <a:ext uri="{FF2B5EF4-FFF2-40B4-BE49-F238E27FC236}">
+                <a16:creationId xmlns:a16="http://schemas.microsoft.com/office/drawing/2014/main" id="{680D27AA-D6DD-4913-B75C-C4DC715BB99D}"/>
               </a:ext>
             </a:extLst>
           </p:cNvPr>
@@ -11523,6 +11774,34 @@
               <a:buNone/>
             </a:pPr>
             <a:r>
+              <a:rPr lang="en-US" altLang="zh-TW" dirty="0"/>
+              <a:t>CSV</a:t>
+            </a:r>
+            <a:r>
+              <a:rPr lang="zh-TW" altLang="en-US" dirty="0"/>
+              <a:t>是最為普遍的資料儲存格式，每一列當中不同屬性的資料以分隔號區分開來。這種格式不但可讀性高，程式碼也容易處理。除了資料本身，最前面的行數也會用來記錄相關訊息，比方說是日期或是單位等等。為了與資料區分，檔頭的這些訊息前面多以特殊字元表示，以利區隔。各位所熟悉的</a:t>
+            </a:r>
+            <a:r>
+              <a:rPr lang="en-US" altLang="zh-TW" dirty="0"/>
+              <a:t>S</a:t>
+            </a:r>
+            <a:r>
+              <a:rPr lang="zh-TW" altLang="en-US" dirty="0"/>
+              <a:t>參數就是屬於這種格式。</a:t>
+            </a:r>
+            <a:endParaRPr lang="en-US" altLang="zh-TW" dirty="0"/>
+          </a:p>
+          <a:p>
+            <a:pPr marL="0" indent="0">
+              <a:buNone/>
+            </a:pPr>
+            <a:endParaRPr lang="en-US" altLang="zh-TW" dirty="0"/>
+          </a:p>
+          <a:p>
+            <a:pPr marL="0" indent="0">
+              <a:buNone/>
+            </a:pPr>
+            <a:r>
               <a:rPr lang="zh-TW" altLang="en-US" dirty="0"/>
               <a:t>要讀取</a:t>
             </a:r>
@@ -11628,21 +11907,24 @@
             </a:r>
             <a:r>
               <a:rPr lang="zh-TW" altLang="en-US" dirty="0"/>
-              <a:t>。如果只需要擷取部分資料可以使用正規表示法。</a:t>
+              <a:t>。如果只需要擷取部分資料可以使用正規表示法。正規表示法留到之後再作介紹。</a:t>
             </a:r>
             <a:endParaRPr lang="en-US" altLang="zh-TW" dirty="0"/>
           </a:p>
           <a:p>
-            <a:endParaRPr lang="zh-TW" altLang="en-US" dirty="0"/>
+            <a:pPr marL="0" indent="0">
+              <a:buNone/>
+            </a:pPr>
+            <a:endParaRPr lang="en-US" altLang="zh-TW" dirty="0"/>
           </a:p>
         </p:txBody>
       </p:sp>
       <p:sp>
         <p:nvSpPr>
-          <p:cNvPr id="3" name="標題 2">
-            <a:extLst>
-              <a:ext uri="{FF2B5EF4-FFF2-40B4-BE49-F238E27FC236}">
-                <a16:creationId xmlns:a16="http://schemas.microsoft.com/office/drawing/2014/main" id="{9E51FFEB-28FC-43FA-8ACA-B1CB0FD6B3E8}"/>
+          <p:cNvPr id="4" name="標題 3">
+            <a:extLst>
+              <a:ext uri="{FF2B5EF4-FFF2-40B4-BE49-F238E27FC236}">
+                <a16:creationId xmlns:a16="http://schemas.microsoft.com/office/drawing/2014/main" id="{4F757CAB-CFF8-4102-BD5C-AF5056C64951}"/>
               </a:ext>
             </a:extLst>
           </p:cNvPr>
@@ -11658,14 +11940,26 @@
           <a:bodyPr/>
           <a:lstStyle/>
           <a:p>
-            <a:endParaRPr lang="zh-TW" altLang="en-US"/>
+            <a:r>
+              <a:rPr lang="en-US" altLang="zh-TW" dirty="0"/>
+              <a:t>CSV</a:t>
+            </a:r>
+            <a:r>
+              <a:rPr lang="zh-TW" altLang="en-US" dirty="0"/>
+              <a:t>檔與</a:t>
+            </a:r>
+            <a:r>
+              <a:rPr lang="en-US" altLang="zh-TW" dirty="0"/>
+              <a:t>XML</a:t>
+            </a:r>
+            <a:endParaRPr lang="zh-TW" altLang="en-US" dirty="0"/>
           </a:p>
         </p:txBody>
       </p:sp>
     </p:spTree>
     <p:extLst>
       <p:ext uri="{BB962C8B-B14F-4D97-AF65-F5344CB8AC3E}">
-        <p14:creationId xmlns:p14="http://schemas.microsoft.com/office/powerpoint/2010/main" val="1219695762"/>
+        <p14:creationId xmlns:p14="http://schemas.microsoft.com/office/powerpoint/2010/main" val="1655947332"/>
       </p:ext>
     </p:extLst>
   </p:cSld>
@@ -11722,7 +12016,9 @@
         </p:nvSpPr>
         <p:spPr/>
         <p:txBody>
-          <a:bodyPr/>
+          <a:bodyPr>
+            <a:normAutofit/>
+          </a:bodyPr>
           <a:lstStyle/>
           <a:p>
             <a:r>
@@ -11734,10 +12030,9 @@
               <a:t> CSV</a:t>
             </a:r>
             <a:r>
-              <a:rPr lang="zh-TW" altLang="en-US"/>
-              <a:t>檔並格式化輸出。</a:t>
-            </a:r>
-            <a:endParaRPr lang="zh-TW" altLang="en-US" dirty="0"/>
+              <a:rPr lang="zh-TW" altLang="en-US" dirty="0"/>
+              <a:t>檔篩選資料並格式化輸出。</a:t>
+            </a:r>
           </a:p>
         </p:txBody>
       </p:sp>
@@ -12075,6 +12370,19 @@
               <a:rPr lang="zh-TW" altLang="en-US" dirty="0"/>
               <a:t>基本語法簡介</a:t>
             </a:r>
+            <a:r>
+              <a:rPr lang="en-US" altLang="zh-TW" dirty="0"/>
+              <a:t>(</a:t>
+            </a:r>
+            <a:r>
+              <a:rPr lang="zh-TW" altLang="en-US" dirty="0"/>
+              <a:t>中</a:t>
+            </a:r>
+            <a:r>
+              <a:rPr lang="en-US" altLang="zh-TW" dirty="0"/>
+              <a:t>)</a:t>
+            </a:r>
+            <a:endParaRPr lang="zh-TW" altLang="en-US" dirty="0"/>
           </a:p>
         </p:txBody>
       </p:sp>
@@ -12362,10 +12670,94 @@
         </p:nvSpPr>
         <p:spPr/>
         <p:txBody>
-          <a:bodyPr/>
+          <a:bodyPr numCol="2"/>
           <a:lstStyle/>
           <a:p>
-            <a:endParaRPr lang="zh-TW" altLang="en-US"/>
+            <a:r>
+              <a:rPr lang="en-US" altLang="zh-TW" dirty="0"/>
+              <a:t>Accessing Values in Lists</a:t>
+            </a:r>
+          </a:p>
+          <a:p>
+            <a:r>
+              <a:rPr lang="en-US" altLang="zh-TW" dirty="0"/>
+              <a:t>Updating Lists</a:t>
+            </a:r>
+          </a:p>
+          <a:p>
+            <a:r>
+              <a:rPr lang="en-US" altLang="zh-TW" dirty="0"/>
+              <a:t>Delete List Elements</a:t>
+            </a:r>
+          </a:p>
+          <a:p>
+            <a:r>
+              <a:rPr lang="en-US" altLang="zh-TW" dirty="0"/>
+              <a:t>Basic List Operations</a:t>
+            </a:r>
+          </a:p>
+          <a:p>
+            <a:r>
+              <a:rPr lang="en-US" altLang="zh-TW" dirty="0"/>
+              <a:t>Indexing, Slicing, and Matrixes</a:t>
+            </a:r>
+          </a:p>
+          <a:p>
+            <a:r>
+              <a:rPr lang="en-US" altLang="zh-TW" dirty="0"/>
+              <a:t>Built-in List Functions &amp; Methods</a:t>
+            </a:r>
+          </a:p>
+          <a:p>
+            <a:r>
+              <a:rPr lang="en-US" altLang="zh-TW" dirty="0"/>
+              <a:t>List Comprehension</a:t>
+            </a:r>
+          </a:p>
+          <a:p>
+            <a:r>
+              <a:rPr lang="en-US" altLang="zh-TW" dirty="0"/>
+              <a:t>Accessing Values in Tuples</a:t>
+            </a:r>
+          </a:p>
+          <a:p>
+            <a:r>
+              <a:rPr lang="en-US" altLang="zh-TW" dirty="0"/>
+              <a:t>Accessing Values in Dictionary</a:t>
+            </a:r>
+          </a:p>
+          <a:p>
+            <a:r>
+              <a:rPr lang="en-US" altLang="zh-TW" dirty="0"/>
+              <a:t>Updating Dictionary</a:t>
+            </a:r>
+          </a:p>
+          <a:p>
+            <a:r>
+              <a:rPr lang="en-US" altLang="zh-TW" dirty="0"/>
+              <a:t>Built-in Dictionary Functions</a:t>
+            </a:r>
+          </a:p>
+          <a:p>
+            <a:r>
+              <a:rPr lang="en-US" altLang="zh-TW" dirty="0"/>
+              <a:t>Opening and Closing Files</a:t>
+            </a:r>
+          </a:p>
+          <a:p>
+            <a:r>
+              <a:rPr lang="en-US" altLang="zh-TW" dirty="0"/>
+              <a:t>Reading and Writing Files</a:t>
+            </a:r>
+          </a:p>
+          <a:p>
+            <a:r>
+              <a:rPr lang="en-US" altLang="zh-TW" dirty="0"/>
+              <a:t>Directories in Python</a:t>
+            </a:r>
+          </a:p>
+          <a:p>
+            <a:endParaRPr lang="zh-TW" altLang="en-US" dirty="0"/>
           </a:p>
         </p:txBody>
       </p:sp>
@@ -12391,10 +12783,9 @@
           <a:lstStyle/>
           <a:p>
             <a:r>
-              <a:rPr lang="en-US" altLang="zh-TW" dirty="0"/>
-              <a:t>List of Tuples</a:t>
-            </a:r>
-            <a:endParaRPr lang="zh-TW" altLang="en-US" dirty="0"/>
+              <a:rPr lang="zh-TW" altLang="en-US" dirty="0"/>
+              <a:t>重點</a:t>
+            </a:r>
           </a:p>
         </p:txBody>
       </p:sp>
@@ -12442,35 +12833,10 @@
       </p:grpSpPr>
       <p:sp>
         <p:nvSpPr>
-          <p:cNvPr id="2" name="內容版面配置區 1">
-            <a:extLst>
-              <a:ext uri="{FF2B5EF4-FFF2-40B4-BE49-F238E27FC236}">
-                <a16:creationId xmlns:a16="http://schemas.microsoft.com/office/drawing/2014/main" id="{7E1411A4-FA18-4CF5-8726-F8EBBD7B7A62}"/>
-              </a:ext>
-            </a:extLst>
-          </p:cNvPr>
-          <p:cNvSpPr>
-            <a:spLocks noGrp="1"/>
-          </p:cNvSpPr>
-          <p:nvPr>
-            <p:ph idx="1"/>
-          </p:nvPr>
-        </p:nvSpPr>
-        <p:spPr/>
-        <p:txBody>
-          <a:bodyPr/>
-          <a:lstStyle/>
-          <a:p>
-            <a:endParaRPr lang="zh-TW" altLang="en-US"/>
-          </a:p>
-        </p:txBody>
-      </p:sp>
-      <p:sp>
-        <p:nvSpPr>
-          <p:cNvPr id="3" name="標題 2">
-            <a:extLst>
-              <a:ext uri="{FF2B5EF4-FFF2-40B4-BE49-F238E27FC236}">
-                <a16:creationId xmlns:a16="http://schemas.microsoft.com/office/drawing/2014/main" id="{D6468701-1EFF-4708-A4DB-2F3CA4B6D346}"/>
+          <p:cNvPr id="2" name="標題 1">
+            <a:extLst>
+              <a:ext uri="{FF2B5EF4-FFF2-40B4-BE49-F238E27FC236}">
+                <a16:creationId xmlns:a16="http://schemas.microsoft.com/office/drawing/2014/main" id="{26004359-4928-453C-BBD7-AF4DC7C2A164}"/>
               </a:ext>
             </a:extLst>
           </p:cNvPr>
@@ -12487,17 +12853,54 @@
           <a:lstStyle/>
           <a:p>
             <a:r>
+              <a:rPr lang="zh-TW" altLang="en-US" dirty="0"/>
+              <a:t>我們以頻率對應複數的</a:t>
+            </a:r>
+            <a:r>
               <a:rPr lang="en-US" altLang="zh-TW" dirty="0"/>
-              <a:t>w = zip(x , y) and x, y = zip(*w)</a:t>
-            </a:r>
-            <a:endParaRPr lang="zh-TW" altLang="en-US" dirty="0"/>
+              <a:t>CSV</a:t>
+            </a:r>
+            <a:r>
+              <a:rPr lang="zh-TW" altLang="en-US" dirty="0"/>
+              <a:t>為例，列舉了幾種不同的資料結構</a:t>
+            </a:r>
           </a:p>
         </p:txBody>
       </p:sp>
+      <p:pic>
+        <p:nvPicPr>
+          <p:cNvPr id="7" name="圖片 6">
+            <a:extLst>
+              <a:ext uri="{FF2B5EF4-FFF2-40B4-BE49-F238E27FC236}">
+                <a16:creationId xmlns:a16="http://schemas.microsoft.com/office/drawing/2014/main" id="{862C4826-8DBA-4331-B0D8-6AA003D62573}"/>
+              </a:ext>
+            </a:extLst>
+          </p:cNvPr>
+          <p:cNvPicPr>
+            <a:picLocks noChangeAspect="1"/>
+          </p:cNvPicPr>
+          <p:nvPr/>
+        </p:nvPicPr>
+        <p:blipFill>
+          <a:blip r:embed="rId2"/>
+          <a:stretch>
+            <a:fillRect/>
+          </a:stretch>
+        </p:blipFill>
+        <p:spPr>
+          <a:xfrm>
+            <a:off x="1462638" y="1786747"/>
+            <a:ext cx="9266723" cy="3284505"/>
+          </a:xfrm>
+          <a:prstGeom prst="rect">
+            <a:avLst/>
+          </a:prstGeom>
+        </p:spPr>
+      </p:pic>
     </p:spTree>
     <p:extLst>
       <p:ext uri="{BB962C8B-B14F-4D97-AF65-F5344CB8AC3E}">
-        <p14:creationId xmlns:p14="http://schemas.microsoft.com/office/powerpoint/2010/main" val="2286263138"/>
+        <p14:creationId xmlns:p14="http://schemas.microsoft.com/office/powerpoint/2010/main" val="2980351257"/>
       </p:ext>
     </p:extLst>
   </p:cSld>
@@ -12538,10 +12941,38 @@
       </p:grpSpPr>
       <p:sp>
         <p:nvSpPr>
-          <p:cNvPr id="2" name="內容版面配置區 1">
-            <a:extLst>
-              <a:ext uri="{FF2B5EF4-FFF2-40B4-BE49-F238E27FC236}">
-                <a16:creationId xmlns:a16="http://schemas.microsoft.com/office/drawing/2014/main" id="{6323B9C6-4296-4701-9395-884F01AEB1BA}"/>
+          <p:cNvPr id="2" name="標題 1">
+            <a:extLst>
+              <a:ext uri="{FF2B5EF4-FFF2-40B4-BE49-F238E27FC236}">
+                <a16:creationId xmlns:a16="http://schemas.microsoft.com/office/drawing/2014/main" id="{3206C6CA-CAC4-475D-A192-7D3CCF0815BB}"/>
+              </a:ext>
+            </a:extLst>
+          </p:cNvPr>
+          <p:cNvSpPr>
+            <a:spLocks noGrp="1"/>
+          </p:cNvSpPr>
+          <p:nvPr>
+            <p:ph type="title"/>
+          </p:nvPr>
+        </p:nvSpPr>
+        <p:spPr/>
+        <p:txBody>
+          <a:bodyPr/>
+          <a:lstStyle/>
+          <a:p>
+            <a:r>
+              <a:rPr lang="zh-TW" altLang="en-US" dirty="0"/>
+              <a:t>資料結構的選擇</a:t>
+            </a:r>
+          </a:p>
+        </p:txBody>
+      </p:sp>
+      <p:sp>
+        <p:nvSpPr>
+          <p:cNvPr id="3" name="內容版面配置區 2">
+            <a:extLst>
+              <a:ext uri="{FF2B5EF4-FFF2-40B4-BE49-F238E27FC236}">
+                <a16:creationId xmlns:a16="http://schemas.microsoft.com/office/drawing/2014/main" id="{89BD15D1-A6F9-43AC-8CE6-00FC86BD0675}"/>
               </a:ext>
             </a:extLst>
           </p:cNvPr>
@@ -12557,42 +12988,97 @@
           <a:bodyPr/>
           <a:lstStyle/>
           <a:p>
-            <a:endParaRPr lang="zh-TW" altLang="en-US"/>
-          </a:p>
-        </p:txBody>
-      </p:sp>
-      <p:sp>
-        <p:nvSpPr>
-          <p:cNvPr id="3" name="標題 2">
-            <a:extLst>
-              <a:ext uri="{FF2B5EF4-FFF2-40B4-BE49-F238E27FC236}">
-                <a16:creationId xmlns:a16="http://schemas.microsoft.com/office/drawing/2014/main" id="{E7C3D928-2CE9-4266-A577-F5AA1DFC7CE3}"/>
-              </a:ext>
-            </a:extLst>
-          </p:cNvPr>
-          <p:cNvSpPr>
-            <a:spLocks noGrp="1"/>
-          </p:cNvSpPr>
-          <p:nvPr>
-            <p:ph type="title"/>
-          </p:nvPr>
-        </p:nvSpPr>
-        <p:spPr/>
-        <p:txBody>
-          <a:bodyPr/>
-          <a:lstStyle/>
-          <a:p>
             <a:r>
               <a:rPr lang="zh-TW" altLang="en-US" dirty="0"/>
-              <a:t>格式化輸出</a:t>
-            </a:r>
+              <a:t>資料結構的選擇沒有絕對的好壞，完全取決於要執行的操作。</a:t>
+            </a:r>
+            <a:r>
+              <a:rPr lang="en-US" altLang="zh-TW" dirty="0"/>
+              <a:t>A</a:t>
+            </a:r>
+            <a:r>
+              <a:rPr lang="zh-TW" altLang="en-US" dirty="0"/>
+              <a:t>資料結構適合的操作對於資料結構</a:t>
+            </a:r>
+            <a:r>
+              <a:rPr lang="en-US" altLang="zh-TW" dirty="0"/>
+              <a:t>B</a:t>
+            </a:r>
+            <a:r>
+              <a:rPr lang="zh-TW" altLang="en-US" dirty="0"/>
+              <a:t>可能相當困難，反之亦然。</a:t>
+            </a:r>
+          </a:p>
+          <a:p>
+            <a:endParaRPr lang="zh-TW" altLang="en-US" dirty="0"/>
+          </a:p>
+          <a:p>
+            <a:r>
+              <a:rPr lang="zh-TW" altLang="en-US" dirty="0"/>
+              <a:t>必要的時候我們可以做資料結構轉換，以適應不同的操作程序。</a:t>
+            </a:r>
+          </a:p>
+          <a:p>
+            <a:pPr marL="0" indent="0">
+              <a:buNone/>
+            </a:pPr>
+            <a:endParaRPr lang="zh-TW" altLang="en-US" dirty="0"/>
+          </a:p>
+          <a:p>
+            <a:r>
+              <a:rPr lang="zh-TW" altLang="en-US" dirty="0"/>
+              <a:t>下面是</a:t>
+            </a:r>
+            <a:r>
+              <a:rPr lang="en-US" altLang="zh-TW" dirty="0"/>
+              <a:t>Python</a:t>
+            </a:r>
+            <a:r>
+              <a:rPr lang="zh-TW" altLang="en-US" dirty="0"/>
+              <a:t>常用於儲存大量資料的資料結構</a:t>
+            </a:r>
+            <a:r>
+              <a:rPr lang="en-US" altLang="zh-TW" dirty="0"/>
+              <a:t>. </a:t>
+            </a:r>
+          </a:p>
+          <a:p>
+            <a:pPr lvl="1"/>
+            <a:r>
+              <a:rPr lang="en-US" altLang="zh-TW" dirty="0"/>
+              <a:t>List</a:t>
+            </a:r>
+          </a:p>
+          <a:p>
+            <a:pPr lvl="1"/>
+            <a:r>
+              <a:rPr lang="en-US" altLang="zh-TW" dirty="0"/>
+              <a:t>List of tuple</a:t>
+            </a:r>
+          </a:p>
+          <a:p>
+            <a:pPr lvl="1"/>
+            <a:r>
+              <a:rPr lang="en-US" altLang="zh-TW" dirty="0"/>
+              <a:t>Tuple of list</a:t>
+            </a:r>
+          </a:p>
+          <a:p>
+            <a:pPr lvl="1"/>
+            <a:r>
+              <a:rPr lang="en-US" altLang="zh-TW" dirty="0"/>
+              <a:t>Dictionary</a:t>
+            </a:r>
+          </a:p>
+          <a:p>
+            <a:endParaRPr lang="en-US" altLang="zh-TW" dirty="0"/>
           </a:p>
         </p:txBody>
       </p:sp>
     </p:spTree>
     <p:extLst>
       <p:ext uri="{BB962C8B-B14F-4D97-AF65-F5344CB8AC3E}">
-        <p14:creationId xmlns:p14="http://schemas.microsoft.com/office/powerpoint/2010/main" val="2205041351"/>
+        <p14:creationId xmlns:p14="http://schemas.microsoft.com/office/powerpoint/2010/main" val="3031599788"/>
       </p:ext>
     </p:extLst>
   </p:cSld>
@@ -12633,10 +13119,10 @@
       </p:grpSpPr>
       <p:sp>
         <p:nvSpPr>
-          <p:cNvPr id="4" name="文字版面配置區 3">
-            <a:extLst>
-              <a:ext uri="{FF2B5EF4-FFF2-40B4-BE49-F238E27FC236}">
-                <a16:creationId xmlns:a16="http://schemas.microsoft.com/office/drawing/2014/main" id="{2FA54F75-D405-4104-B6BB-EA44A23A109A}"/>
+          <p:cNvPr id="2" name="內容版面配置區 1">
+            <a:extLst>
+              <a:ext uri="{FF2B5EF4-FFF2-40B4-BE49-F238E27FC236}">
+                <a16:creationId xmlns:a16="http://schemas.microsoft.com/office/drawing/2014/main" id="{7E1411A4-FA18-4CF5-8726-F8EBBD7B7A62}"/>
               </a:ext>
             </a:extLst>
           </p:cNvPr>
@@ -12644,7 +13130,152 @@
             <a:spLocks noGrp="1"/>
           </p:cNvSpPr>
           <p:nvPr>
-            <p:ph type="body" sz="quarter" idx="10"/>
+            <p:ph idx="1"/>
+          </p:nvPr>
+        </p:nvSpPr>
+        <p:spPr>
+          <a:xfrm>
+            <a:off x="609600" y="1371600"/>
+            <a:ext cx="11277600" cy="4762471"/>
+          </a:xfrm>
+        </p:spPr>
+        <p:txBody>
+          <a:bodyPr/>
+          <a:lstStyle/>
+          <a:p>
+            <a:pPr marL="0" indent="0">
+              <a:buNone/>
+            </a:pPr>
+            <a:r>
+              <a:rPr lang="en-US" altLang="zh-TW" dirty="0"/>
+              <a:t>zip</a:t>
+            </a:r>
+            <a:r>
+              <a:rPr lang="zh-TW" altLang="en-US" dirty="0"/>
+              <a:t>可以將多個數值</a:t>
+            </a:r>
+            <a:r>
+              <a:rPr lang="en-US" altLang="zh-TW" dirty="0"/>
+              <a:t>list</a:t>
+            </a:r>
+            <a:r>
+              <a:rPr lang="zh-TW" altLang="en-US" dirty="0"/>
+              <a:t>打包成一個</a:t>
+            </a:r>
+            <a:r>
+              <a:rPr lang="en-US" altLang="zh-TW" dirty="0"/>
+              <a:t>list of tuple</a:t>
+            </a:r>
+            <a:r>
+              <a:rPr lang="zh-TW" altLang="en-US" dirty="0"/>
+              <a:t>，舉例來說，我們將</a:t>
+            </a:r>
+            <a:r>
+              <a:rPr lang="en-US" altLang="zh-TW" dirty="0" err="1"/>
+              <a:t>freq</a:t>
+            </a:r>
+            <a:r>
+              <a:rPr lang="en-US" altLang="zh-TW" dirty="0"/>
+              <a:t>, gain</a:t>
+            </a:r>
+            <a:r>
+              <a:rPr lang="zh-TW" altLang="en-US" dirty="0"/>
+              <a:t>和溫度放到</a:t>
+            </a:r>
+            <a:r>
+              <a:rPr lang="en-US" altLang="zh-TW" dirty="0"/>
+              <a:t>list of tuple</a:t>
+            </a:r>
+            <a:r>
+              <a:rPr lang="zh-TW" altLang="en-US" dirty="0"/>
+              <a:t>當中</a:t>
+            </a:r>
+            <a:endParaRPr lang="en-US" altLang="zh-TW" dirty="0"/>
+          </a:p>
+          <a:p>
+            <a:pPr marL="0" indent="0">
+              <a:buNone/>
+            </a:pPr>
+            <a:endParaRPr lang="en-US" altLang="zh-TW" dirty="0"/>
+          </a:p>
+          <a:p>
+            <a:pPr marL="0" indent="0">
+              <a:buNone/>
+            </a:pPr>
+            <a:endParaRPr lang="en-US" altLang="zh-TW" dirty="0"/>
+          </a:p>
+          <a:p>
+            <a:pPr marL="0" indent="0">
+              <a:buNone/>
+            </a:pPr>
+            <a:endParaRPr lang="en-US" altLang="zh-TW" dirty="0"/>
+          </a:p>
+          <a:p>
+            <a:pPr marL="0" indent="0">
+              <a:buNone/>
+            </a:pPr>
+            <a:r>
+              <a:rPr lang="zh-TW" altLang="en-US" dirty="0"/>
+              <a:t>將數值透過</a:t>
+            </a:r>
+            <a:r>
+              <a:rPr lang="en-US" altLang="zh-TW" dirty="0"/>
+              <a:t>zip</a:t>
+            </a:r>
+            <a:r>
+              <a:rPr lang="zh-TW" altLang="en-US" dirty="0"/>
+              <a:t>關連起來之後，可以容易在</a:t>
+            </a:r>
+            <a:r>
+              <a:rPr lang="en-US" altLang="zh-TW" dirty="0"/>
+              <a:t>for loop</a:t>
+            </a:r>
+            <a:r>
+              <a:rPr lang="zh-TW" altLang="en-US" dirty="0"/>
+              <a:t>當中做篩選處理，比方說，找出滿足</a:t>
+            </a:r>
+            <a:r>
+              <a:rPr lang="en-US" altLang="zh-TW" dirty="0"/>
+              <a:t>gain</a:t>
+            </a:r>
+            <a:r>
+              <a:rPr lang="zh-TW" altLang="en-US" dirty="0"/>
+              <a:t>大於</a:t>
+            </a:r>
+            <a:r>
+              <a:rPr lang="en-US" altLang="zh-TW" dirty="0"/>
+              <a:t>5</a:t>
+            </a:r>
+            <a:r>
+              <a:rPr lang="zh-TW" altLang="en-US" dirty="0"/>
+              <a:t>，溫度小於</a:t>
+            </a:r>
+            <a:r>
+              <a:rPr lang="en-US" altLang="zh-TW" dirty="0"/>
+              <a:t>27</a:t>
+            </a:r>
+            <a:r>
+              <a:rPr lang="zh-TW" altLang="en-US" dirty="0"/>
+              <a:t>所有的頻率點及溫度，可以寫成</a:t>
+            </a:r>
+            <a:endParaRPr lang="en-US" altLang="zh-TW" dirty="0"/>
+          </a:p>
+        </p:txBody>
+      </p:sp>
+      <p:sp>
+        <p:nvSpPr>
+          <p:cNvPr id="3" name="標題 2">
+            <a:extLst>
+              <a:ext uri="{FF2B5EF4-FFF2-40B4-BE49-F238E27FC236}">
+                <a16:creationId xmlns:a16="http://schemas.microsoft.com/office/drawing/2014/main" id="{D6468701-1EFF-4708-A4DB-2F3CA4B6D346}"/>
+              </a:ext>
+            </a:extLst>
+          </p:cNvPr>
+          <p:cNvSpPr>
+            <a:spLocks noGrp="1"/>
+          </p:cNvSpPr>
+          <p:nvPr>
+            <p:ph type="title"/>
           </p:nvPr>
         </p:nvSpPr>
         <p:spPr/>
@@ -12653,41 +13284,77 @@
           <a:lstStyle/>
           <a:p>
             <a:r>
-              <a:rPr lang="zh-TW" altLang="en-US" dirty="0"/>
-              <a:t>概念解說</a:t>
-            </a:r>
+              <a:rPr lang="en-US" altLang="zh-TW" dirty="0"/>
+              <a:t>w = zip(x , y)</a:t>
+            </a:r>
+            <a:endParaRPr lang="zh-TW" altLang="en-US" dirty="0"/>
           </a:p>
         </p:txBody>
       </p:sp>
-      <p:sp>
-        <p:nvSpPr>
-          <p:cNvPr id="5" name="文字版面配置區 4">
-            <a:extLst>
-              <a:ext uri="{FF2B5EF4-FFF2-40B4-BE49-F238E27FC236}">
-                <a16:creationId xmlns:a16="http://schemas.microsoft.com/office/drawing/2014/main" id="{CEE2A55E-C73D-43FF-AA36-95C0FF95B7B1}"/>
-              </a:ext>
-            </a:extLst>
-          </p:cNvPr>
-          <p:cNvSpPr>
-            <a:spLocks noGrp="1"/>
-          </p:cNvSpPr>
-          <p:nvPr>
-            <p:ph type="body" sz="quarter" idx="12"/>
-          </p:nvPr>
-        </p:nvSpPr>
-        <p:spPr/>
-        <p:txBody>
-          <a:bodyPr/>
-          <a:lstStyle/>
-          <a:p>
-            <a:endParaRPr lang="zh-TW" altLang="en-US"/>
-          </a:p>
-        </p:txBody>
-      </p:sp>
+      <p:pic>
+        <p:nvPicPr>
+          <p:cNvPr id="5" name="圖片 4">
+            <a:extLst>
+              <a:ext uri="{FF2B5EF4-FFF2-40B4-BE49-F238E27FC236}">
+                <a16:creationId xmlns:a16="http://schemas.microsoft.com/office/drawing/2014/main" id="{B304793A-1876-44C9-AB89-096E1C2B63D7}"/>
+              </a:ext>
+            </a:extLst>
+          </p:cNvPr>
+          <p:cNvPicPr>
+            <a:picLocks noChangeAspect="1"/>
+          </p:cNvPicPr>
+          <p:nvPr/>
+        </p:nvPicPr>
+        <p:blipFill>
+          <a:blip r:embed="rId2"/>
+          <a:stretch>
+            <a:fillRect/>
+          </a:stretch>
+        </p:blipFill>
+        <p:spPr>
+          <a:xfrm>
+            <a:off x="3573249" y="2188597"/>
+            <a:ext cx="4283501" cy="1121870"/>
+          </a:xfrm>
+          <a:prstGeom prst="rect">
+            <a:avLst/>
+          </a:prstGeom>
+        </p:spPr>
+      </p:pic>
+      <p:pic>
+        <p:nvPicPr>
+          <p:cNvPr id="8" name="圖片 7">
+            <a:extLst>
+              <a:ext uri="{FF2B5EF4-FFF2-40B4-BE49-F238E27FC236}">
+                <a16:creationId xmlns:a16="http://schemas.microsoft.com/office/drawing/2014/main" id="{A52B2C48-806B-4BAF-AD82-00A2BAD0ED4A}"/>
+              </a:ext>
+            </a:extLst>
+          </p:cNvPr>
+          <p:cNvPicPr>
+            <a:picLocks noChangeAspect="1"/>
+          </p:cNvPicPr>
+          <p:nvPr/>
+        </p:nvPicPr>
+        <p:blipFill>
+          <a:blip r:embed="rId3"/>
+          <a:stretch>
+            <a:fillRect/>
+          </a:stretch>
+        </p:blipFill>
+        <p:spPr>
+          <a:xfrm>
+            <a:off x="3573249" y="4380179"/>
+            <a:ext cx="6113957" cy="1334821"/>
+          </a:xfrm>
+          <a:prstGeom prst="rect">
+            <a:avLst/>
+          </a:prstGeom>
+        </p:spPr>
+      </p:pic>
     </p:spTree>
     <p:extLst>
       <p:ext uri="{BB962C8B-B14F-4D97-AF65-F5344CB8AC3E}">
-        <p14:creationId xmlns:p14="http://schemas.microsoft.com/office/powerpoint/2010/main" val="2484227852"/>
+        <p14:creationId xmlns:p14="http://schemas.microsoft.com/office/powerpoint/2010/main" val="2286263138"/>
       </p:ext>
     </p:extLst>
   </p:cSld>
@@ -12728,10 +13395,10 @@
       </p:grpSpPr>
       <p:sp>
         <p:nvSpPr>
-          <p:cNvPr id="5" name="內容版面配置區 4">
-            <a:extLst>
-              <a:ext uri="{FF2B5EF4-FFF2-40B4-BE49-F238E27FC236}">
-                <a16:creationId xmlns:a16="http://schemas.microsoft.com/office/drawing/2014/main" id="{13882B9C-0321-47C2-A3C8-516DA6756FEE}"/>
+          <p:cNvPr id="2" name="內容版面配置區 1">
+            <a:extLst>
+              <a:ext uri="{FF2B5EF4-FFF2-40B4-BE49-F238E27FC236}">
+                <a16:creationId xmlns:a16="http://schemas.microsoft.com/office/drawing/2014/main" id="{C1BA32D2-A354-4ABF-8901-B8CEB8AB9735}"/>
               </a:ext>
             </a:extLst>
           </p:cNvPr>
@@ -12748,22 +13415,47 @@
           <a:lstStyle/>
           <a:p>
             <a:r>
+              <a:rPr lang="zh-TW" altLang="en-US" dirty="0"/>
+              <a:t>可以透過</a:t>
+            </a:r>
+            <a:r>
               <a:rPr lang="en-US" altLang="zh-TW" dirty="0"/>
-              <a:t>A. AEDT</a:t>
+              <a:t>zip(</a:t>
             </a:r>
             <a:r>
               <a:rPr lang="zh-TW" altLang="en-US" dirty="0"/>
-              <a:t>存在許多的的設定檔，比方說是材料設定檔，激發設定檔，堆疊設定檔。以文字檔格式紀錄。對前處理來說，讀取設定檔便可以取得必要的訊息，也可以透過修改檔案來更新設計參數。對後處理來說，模擬結果都可以匯出到檔案當中。因此熟悉檔案的讀寫，對模擬自動化是必要的技能。</a:t>
-            </a:r>
+              <a:t>*</a:t>
+            </a:r>
+            <a:r>
+              <a:rPr lang="en-US" altLang="zh-TW" dirty="0"/>
+              <a:t>)</a:t>
+            </a:r>
+            <a:r>
+              <a:rPr lang="zh-TW" altLang="en-US" dirty="0"/>
+              <a:t>的方法將</a:t>
+            </a:r>
+            <a:r>
+              <a:rPr lang="en-US" altLang="zh-TW" dirty="0"/>
+              <a:t>list of tuple</a:t>
+            </a:r>
+            <a:r>
+              <a:rPr lang="zh-TW" altLang="en-US" dirty="0"/>
+              <a:t>拆成多個</a:t>
+            </a:r>
+            <a:r>
+              <a:rPr lang="en-US" altLang="zh-TW" dirty="0"/>
+              <a:t>list</a:t>
+            </a:r>
+            <a:endParaRPr lang="zh-TW" altLang="en-US" dirty="0"/>
           </a:p>
         </p:txBody>
       </p:sp>
       <p:sp>
         <p:nvSpPr>
-          <p:cNvPr id="4" name="標題 3">
-            <a:extLst>
-              <a:ext uri="{FF2B5EF4-FFF2-40B4-BE49-F238E27FC236}">
-                <a16:creationId xmlns:a16="http://schemas.microsoft.com/office/drawing/2014/main" id="{A1FA83DE-77B4-4FD3-A6E8-90A05C834CA2}"/>
+          <p:cNvPr id="3" name="標題 2">
+            <a:extLst>
+              <a:ext uri="{FF2B5EF4-FFF2-40B4-BE49-F238E27FC236}">
+                <a16:creationId xmlns:a16="http://schemas.microsoft.com/office/drawing/2014/main" id="{8F062A07-9BD4-4DA5-B790-26153CC4FBA3}"/>
               </a:ext>
             </a:extLst>
           </p:cNvPr>
@@ -12780,16 +13472,47 @@
           <a:lstStyle/>
           <a:p>
             <a:r>
-              <a:rPr lang="zh-TW" altLang="en-US" dirty="0"/>
-              <a:t>熟悉檔案的讀寫為何重要？</a:t>
-            </a:r>
+              <a:rPr lang="en-US" altLang="zh-TW" dirty="0"/>
+              <a:t>and x, y = zip(*w)</a:t>
+            </a:r>
+            <a:endParaRPr lang="zh-TW" altLang="en-US" dirty="0"/>
           </a:p>
         </p:txBody>
       </p:sp>
+      <p:pic>
+        <p:nvPicPr>
+          <p:cNvPr id="5" name="圖片 4">
+            <a:extLst>
+              <a:ext uri="{FF2B5EF4-FFF2-40B4-BE49-F238E27FC236}">
+                <a16:creationId xmlns:a16="http://schemas.microsoft.com/office/drawing/2014/main" id="{29E80870-B46C-439A-A39B-95E563C27F19}"/>
+              </a:ext>
+            </a:extLst>
+          </p:cNvPr>
+          <p:cNvPicPr>
+            <a:picLocks noChangeAspect="1"/>
+          </p:cNvPicPr>
+          <p:nvPr/>
+        </p:nvPicPr>
+        <p:blipFill>
+          <a:blip r:embed="rId2"/>
+          <a:stretch>
+            <a:fillRect/>
+          </a:stretch>
+        </p:blipFill>
+        <p:spPr>
+          <a:xfrm>
+            <a:off x="2511367" y="2191142"/>
+            <a:ext cx="7169265" cy="1237858"/>
+          </a:xfrm>
+          <a:prstGeom prst="rect">
+            <a:avLst/>
+          </a:prstGeom>
+        </p:spPr>
+      </p:pic>
     </p:spTree>
     <p:extLst>
       <p:ext uri="{BB962C8B-B14F-4D97-AF65-F5344CB8AC3E}">
-        <p14:creationId xmlns:p14="http://schemas.microsoft.com/office/powerpoint/2010/main" val="7019956"/>
+        <p14:creationId xmlns:p14="http://schemas.microsoft.com/office/powerpoint/2010/main" val="3815406527"/>
       </p:ext>
     </p:extLst>
   </p:cSld>
@@ -12833,7 +13556,7 @@
           <p:cNvPr id="2" name="內容版面配置區 1">
             <a:extLst>
               <a:ext uri="{FF2B5EF4-FFF2-40B4-BE49-F238E27FC236}">
-                <a16:creationId xmlns:a16="http://schemas.microsoft.com/office/drawing/2014/main" id="{DEB8D6FB-A8C1-4133-91A9-13A0E502A066}"/>
+                <a16:creationId xmlns:a16="http://schemas.microsoft.com/office/drawing/2014/main" id="{6323B9C6-4296-4701-9395-884F01AEB1BA}"/>
               </a:ext>
             </a:extLst>
           </p:cNvPr>
@@ -12849,53 +13572,38 @@
           <a:bodyPr/>
           <a:lstStyle/>
           <a:p>
+            <a:pPr marL="0" indent="0">
+              <a:buNone/>
+            </a:pPr>
+            <a:r>
+              <a:rPr lang="en-US" altLang="zh-TW" dirty="0">
+                <a:hlinkClick r:id="rId2"/>
+              </a:rPr>
+              <a:t>https://www.runoob.com/python/att-string-format.html</a:t>
+            </a:r>
+            <a:endParaRPr lang="en-US" altLang="zh-TW" dirty="0"/>
+          </a:p>
+          <a:p>
+            <a:pPr marL="0" indent="0">
+              <a:buNone/>
+            </a:pPr>
+            <a:endParaRPr lang="en-US" altLang="zh-TW" dirty="0"/>
+          </a:p>
+          <a:p>
+            <a:pPr marL="0" indent="0">
+              <a:buNone/>
+            </a:pPr>
+            <a:r>
+              <a:rPr lang="zh-TW" altLang="en-US" dirty="0"/>
+              <a:t>在輸出資料檔時，為了容易閱讀，要串接固定字串及變數，或是要將輸出字串對齊或置中。這時候就可以利用字串的</a:t>
+            </a:r>
             <a:r>
               <a:rPr lang="en-US" altLang="zh-TW" dirty="0"/>
-              <a:t>A. </a:t>
+              <a:t>format</a:t>
             </a:r>
             <a:r>
               <a:rPr lang="zh-TW" altLang="en-US" dirty="0"/>
-              <a:t>檔案採用的資料種類及方法，根據資料的格式及之後要進行的運算，我們必須選擇適當的資料結構來儲存，才能有效的完成後續的工作。解析檔案並儲存至資料結構的程式稱之為</a:t>
-            </a:r>
-            <a:r>
-              <a:rPr lang="en-US" altLang="zh-TW" dirty="0"/>
-              <a:t>parser</a:t>
-            </a:r>
-            <a:r>
-              <a:rPr lang="zh-TW" altLang="en-US" dirty="0"/>
-              <a:t>。最常見的</a:t>
-            </a:r>
-            <a:r>
-              <a:rPr lang="en-US" altLang="zh-TW" dirty="0"/>
-              <a:t>csv</a:t>
-            </a:r>
-            <a:r>
-              <a:rPr lang="zh-TW" altLang="en-US" dirty="0"/>
-              <a:t>檔為例，</a:t>
-            </a:r>
-            <a:r>
-              <a:rPr lang="en-US" altLang="zh-TW" dirty="0"/>
-              <a:t>csv parser</a:t>
-            </a:r>
-            <a:r>
-              <a:rPr lang="zh-TW" altLang="en-US" dirty="0"/>
-              <a:t>便是將</a:t>
-            </a:r>
-            <a:r>
-              <a:rPr lang="en-US" altLang="zh-TW" dirty="0"/>
-              <a:t>csv</a:t>
-            </a:r>
-            <a:r>
-              <a:rPr lang="zh-TW" altLang="en-US" dirty="0"/>
-              <a:t>檔案讀到</a:t>
-            </a:r>
-            <a:r>
-              <a:rPr lang="en-US" altLang="zh-TW" dirty="0"/>
-              <a:t>list of list</a:t>
-            </a:r>
-            <a:r>
-              <a:rPr lang="zh-TW" altLang="en-US" dirty="0"/>
-              <a:t>的資料結構，使用者可以輕鬆的使用切片來取得某一列，某一行的資料。</a:t>
+              <a:t>方法來快速完成複雜字串的編輯。</a:t>
             </a:r>
           </a:p>
         </p:txBody>
@@ -12905,7 +13613,7 @@
           <p:cNvPr id="3" name="標題 2">
             <a:extLst>
               <a:ext uri="{FF2B5EF4-FFF2-40B4-BE49-F238E27FC236}">
-                <a16:creationId xmlns:a16="http://schemas.microsoft.com/office/drawing/2014/main" id="{AD18A9C0-55E2-46C6-8FAD-AD980AFCAB2A}"/>
+                <a16:creationId xmlns:a16="http://schemas.microsoft.com/office/drawing/2014/main" id="{E7C3D928-2CE9-4266-A577-F5AA1DFC7CE3}"/>
               </a:ext>
             </a:extLst>
           </p:cNvPr>
@@ -12923,20 +13631,15 @@
           <a:p>
             <a:r>
               <a:rPr lang="zh-TW" altLang="en-US" dirty="0"/>
-              <a:t>什麼是</a:t>
-            </a:r>
-            <a:r>
-              <a:rPr lang="en-US" altLang="zh-TW" dirty="0"/>
-              <a:t>parser?</a:t>
-            </a:r>
-            <a:endParaRPr lang="zh-TW" altLang="en-US" dirty="0"/>
+              <a:t>格式化輸出</a:t>
+            </a:r>
           </a:p>
         </p:txBody>
       </p:sp>
     </p:spTree>
     <p:extLst>
       <p:ext uri="{BB962C8B-B14F-4D97-AF65-F5344CB8AC3E}">
-        <p14:creationId xmlns:p14="http://schemas.microsoft.com/office/powerpoint/2010/main" val="1999714696"/>
+        <p14:creationId xmlns:p14="http://schemas.microsoft.com/office/powerpoint/2010/main" val="2205041351"/>
       </p:ext>
     </p:extLst>
   </p:cSld>

--- a/上課教材/Week3.pptx
+++ b/上課教材/Week3.pptx
@@ -17,9 +17,10 @@
     <p:sldId id="325" r:id="rId11"/>
     <p:sldId id="322" r:id="rId12"/>
     <p:sldId id="319" r:id="rId13"/>
-    <p:sldId id="272" r:id="rId14"/>
-    <p:sldId id="259" r:id="rId15"/>
-    <p:sldId id="312" r:id="rId16"/>
+    <p:sldId id="1963" r:id="rId14"/>
+    <p:sldId id="272" r:id="rId15"/>
+    <p:sldId id="259" r:id="rId16"/>
+    <p:sldId id="312" r:id="rId17"/>
   </p:sldIdLst>
   <p:sldSz cx="12192000" cy="6858000"/>
   <p:notesSz cx="6858000" cy="9144000"/>
@@ -129,7 +130,7 @@
 <file path=ppt/revisionInfo.xml><?xml version="1.0" encoding="utf-8"?>
 <p1510:revInfo xmlns:a="http://schemas.openxmlformats.org/drawingml/2006/main" xmlns:r="http://schemas.openxmlformats.org/officeDocument/2006/relationships" xmlns:p1510="http://schemas.microsoft.com/office/powerpoint/2015/10/main">
   <p1510:revLst>
-    <p1510:client id="{73C49393-00F6-48C7-99DB-5262FA837701}" v="342" dt="2020-06-08T00:57:30.363"/>
+    <p1510:client id="{73C49393-00F6-48C7-99DB-5262FA837701}" v="345" dt="2020-06-09T00:04:44.399"/>
   </p1510:revLst>
 </p1510:revInfo>
 </file>
@@ -2026,7 +2027,7 @@
   <pc:docChgLst>
     <pc:chgData name="Ming-Chih Lin" userId="f1ba3ba5-e185-404b-b55f-b2be90e2bdc2" providerId="ADAL" clId="{73C49393-00F6-48C7-99DB-5262FA837701}"/>
     <pc:docChg chg="undo custSel addSld delSld modSld">
-      <pc:chgData name="Ming-Chih Lin" userId="f1ba3ba5-e185-404b-b55f-b2be90e2bdc2" providerId="ADAL" clId="{73C49393-00F6-48C7-99DB-5262FA837701}" dt="2020-06-08T00:57:30.363" v="2298"/>
+      <pc:chgData name="Ming-Chih Lin" userId="f1ba3ba5-e185-404b-b55f-b2be90e2bdc2" providerId="ADAL" clId="{73C49393-00F6-48C7-99DB-5262FA837701}" dt="2020-06-09T00:04:53.130" v="2309" actId="1076"/>
       <pc:docMkLst>
         <pc:docMk/>
       </pc:docMkLst>
@@ -2662,6 +2663,37 @@
             <pc:docMk/>
             <pc:sldMk cId="3815406527" sldId="1962"/>
             <ac:picMk id="5" creationId="{29E80870-B46C-439A-A39B-95E563C27F19}"/>
+          </ac:picMkLst>
+        </pc:picChg>
+      </pc:sldChg>
+      <pc:sldChg chg="addSp modSp new mod">
+        <pc:chgData name="Ming-Chih Lin" userId="f1ba3ba5-e185-404b-b55f-b2be90e2bdc2" providerId="ADAL" clId="{73C49393-00F6-48C7-99DB-5262FA837701}" dt="2020-06-09T00:04:53.130" v="2309" actId="1076"/>
+        <pc:sldMkLst>
+          <pc:docMk/>
+          <pc:sldMk cId="4119878490" sldId="1963"/>
+        </pc:sldMkLst>
+        <pc:spChg chg="mod">
+          <ac:chgData name="Ming-Chih Lin" userId="f1ba3ba5-e185-404b-b55f-b2be90e2bdc2" providerId="ADAL" clId="{73C49393-00F6-48C7-99DB-5262FA837701}" dt="2020-06-09T00:03:42.552" v="2302" actId="14100"/>
+          <ac:spMkLst>
+            <pc:docMk/>
+            <pc:sldMk cId="4119878490" sldId="1963"/>
+            <ac:spMk id="2" creationId="{3360A62E-57ED-4C96-A3D3-7908E0A76E21}"/>
+          </ac:spMkLst>
+        </pc:spChg>
+        <pc:spChg chg="mod">
+          <ac:chgData name="Ming-Chih Lin" userId="f1ba3ba5-e185-404b-b55f-b2be90e2bdc2" providerId="ADAL" clId="{73C49393-00F6-48C7-99DB-5262FA837701}" dt="2020-06-09T00:03:35.486" v="2301"/>
+          <ac:spMkLst>
+            <pc:docMk/>
+            <pc:sldMk cId="4119878490" sldId="1963"/>
+            <ac:spMk id="3" creationId="{63D7A325-963B-489F-91E9-A3F5AE2DF8C7}"/>
+          </ac:spMkLst>
+        </pc:spChg>
+        <pc:picChg chg="add mod">
+          <ac:chgData name="Ming-Chih Lin" userId="f1ba3ba5-e185-404b-b55f-b2be90e2bdc2" providerId="ADAL" clId="{73C49393-00F6-48C7-99DB-5262FA837701}" dt="2020-06-09T00:04:53.130" v="2309" actId="1076"/>
+          <ac:picMkLst>
+            <pc:docMk/>
+            <pc:sldMk cId="4119878490" sldId="1963"/>
+            <ac:picMk id="5" creationId="{1E64636B-B5D0-4D78-B07A-E367448C7959}"/>
           </ac:picMkLst>
         </pc:picChg>
       </pc:sldChg>
@@ -6279,7 +6311,7 @@
           <a:p>
             <a:fld id="{FA1E3ED8-1BB4-4BD2-AB23-359644E070C2}" type="datetimeFigureOut">
               <a:rPr lang="zh-TW" altLang="en-US" smtClean="0"/>
-              <a:t>2020/6/8</a:t>
+              <a:t>2020/6/9</a:t>
             </a:fld>
             <a:endParaRPr lang="zh-TW" altLang="en-US"/>
           </a:p>
@@ -12000,10 +12032,10 @@
       </p:grpSpPr>
       <p:sp>
         <p:nvSpPr>
-          <p:cNvPr id="4" name="文字版面配置區 3">
-            <a:extLst>
-              <a:ext uri="{FF2B5EF4-FFF2-40B4-BE49-F238E27FC236}">
-                <a16:creationId xmlns:a16="http://schemas.microsoft.com/office/drawing/2014/main" id="{2FA54F75-D405-4104-B6BB-EA44A23A109A}"/>
+          <p:cNvPr id="2" name="內容版面配置區 1">
+            <a:extLst>
+              <a:ext uri="{FF2B5EF4-FFF2-40B4-BE49-F238E27FC236}">
+                <a16:creationId xmlns:a16="http://schemas.microsoft.com/office/drawing/2014/main" id="{3360A62E-57ED-4C96-A3D3-7908E0A76E21}"/>
               </a:ext>
             </a:extLst>
           </p:cNvPr>
@@ -12011,37 +12043,88 @@
             <a:spLocks noGrp="1"/>
           </p:cNvSpPr>
           <p:nvPr>
-            <p:ph type="body" sz="quarter" idx="10"/>
+            <p:ph idx="1"/>
           </p:nvPr>
         </p:nvSpPr>
-        <p:spPr/>
+        <p:spPr>
+          <a:xfrm>
+            <a:off x="609600" y="1371600"/>
+            <a:ext cx="6308785" cy="4762471"/>
+          </a:xfrm>
+        </p:spPr>
         <p:txBody>
-          <a:bodyPr>
-            <a:normAutofit/>
-          </a:bodyPr>
+          <a:bodyPr/>
           <a:lstStyle/>
           <a:p>
             <a:r>
               <a:rPr lang="zh-TW" altLang="en-US" dirty="0"/>
-              <a:t>範例解說：如何讀取</a:t>
+              <a:t>當完成模擬之後，多數的資料是以二進制的格式儲存在專案檔中，無法直接取用。我們可以先行產生表格報告之後為，再以</a:t>
             </a:r>
             <a:r>
               <a:rPr lang="en-US" altLang="zh-TW" dirty="0"/>
-              <a:t> CSV</a:t>
+              <a:t>csv</a:t>
             </a:r>
             <a:r>
               <a:rPr lang="zh-TW" altLang="en-US" dirty="0"/>
-              <a:t>檔篩選資料並格式化輸出。</a:t>
+              <a:t>檔案格式匯出。在另行以</a:t>
+            </a:r>
+            <a:r>
+              <a:rPr lang="en-US" altLang="zh-TW" dirty="0"/>
+              <a:t>python</a:t>
+            </a:r>
+            <a:r>
+              <a:rPr lang="zh-TW" altLang="en-US" dirty="0"/>
+              <a:t>做處理。有些常用的模擬結果可以支援特定檔案格式的直接輸出，像是</a:t>
+            </a:r>
+            <a:r>
+              <a:rPr lang="en-US" altLang="zh-TW" dirty="0" err="1"/>
+              <a:t>snp</a:t>
+            </a:r>
+            <a:r>
+              <a:rPr lang="zh-TW" altLang="en-US" dirty="0"/>
+              <a:t>，</a:t>
+            </a:r>
+            <a:r>
+              <a:rPr lang="en-US" altLang="zh-TW" dirty="0" err="1"/>
+              <a:t>ffd</a:t>
+            </a:r>
+            <a:r>
+              <a:rPr lang="zh-TW" altLang="en-US" dirty="0"/>
+              <a:t>，</a:t>
+            </a:r>
+            <a:r>
+              <a:rPr lang="en-US" altLang="zh-TW" dirty="0" err="1"/>
+              <a:t>nfd</a:t>
+            </a:r>
+            <a:r>
+              <a:rPr lang="zh-TW" altLang="en-US" dirty="0"/>
+              <a:t>，</a:t>
+            </a:r>
+            <a:r>
+              <a:rPr lang="en-US" altLang="zh-TW" dirty="0"/>
+              <a:t>spice</a:t>
+            </a:r>
+            <a:r>
+              <a:rPr lang="zh-TW" altLang="en-US" dirty="0"/>
+              <a:t>等。這些匯出動作都有</a:t>
+            </a:r>
+            <a:r>
+              <a:rPr lang="en-US" altLang="zh-TW" dirty="0"/>
+              <a:t>AEDT</a:t>
+            </a:r>
+            <a:r>
+              <a:rPr lang="zh-TW" altLang="en-US" dirty="0"/>
+              <a:t>函式可以支援。</a:t>
             </a:r>
           </a:p>
         </p:txBody>
       </p:sp>
       <p:sp>
         <p:nvSpPr>
-          <p:cNvPr id="5" name="文字版面配置區 4">
-            <a:extLst>
-              <a:ext uri="{FF2B5EF4-FFF2-40B4-BE49-F238E27FC236}">
-                <a16:creationId xmlns:a16="http://schemas.microsoft.com/office/drawing/2014/main" id="{CEE2A55E-C73D-43FF-AA36-95C0FF95B7B1}"/>
+          <p:cNvPr id="3" name="標題 2">
+            <a:extLst>
+              <a:ext uri="{FF2B5EF4-FFF2-40B4-BE49-F238E27FC236}">
+                <a16:creationId xmlns:a16="http://schemas.microsoft.com/office/drawing/2014/main" id="{63D7A325-963B-489F-91E9-A3F5AE2DF8C7}"/>
               </a:ext>
             </a:extLst>
           </p:cNvPr>
@@ -12049,7 +12132,7 @@
             <a:spLocks noGrp="1"/>
           </p:cNvSpPr>
           <p:nvPr>
-            <p:ph type="body" sz="quarter" idx="12"/>
+            <p:ph type="title"/>
           </p:nvPr>
         </p:nvSpPr>
         <p:spPr/>
@@ -12057,14 +12140,61 @@
           <a:bodyPr/>
           <a:lstStyle/>
           <a:p>
-            <a:endParaRPr lang="zh-TW" altLang="en-US"/>
+            <a:r>
+              <a:rPr lang="zh-TW" altLang="en-US" dirty="0"/>
+              <a:t>如何從</a:t>
+            </a:r>
+            <a:r>
+              <a:rPr lang="en-US" altLang="zh-TW" dirty="0"/>
+              <a:t>AEDT</a:t>
+            </a:r>
+            <a:r>
+              <a:rPr lang="zh-TW" altLang="en-US" dirty="0"/>
+              <a:t>當中匯出模擬資料</a:t>
+            </a:r>
           </a:p>
         </p:txBody>
       </p:sp>
+      <p:pic>
+        <p:nvPicPr>
+          <p:cNvPr id="5" name="圖片 4" descr="電腦螢幕上的程式設計資料">
+            <a:extLst>
+              <a:ext uri="{FF2B5EF4-FFF2-40B4-BE49-F238E27FC236}">
+                <a16:creationId xmlns:a16="http://schemas.microsoft.com/office/drawing/2014/main" id="{1E64636B-B5D0-4D78-B07A-E367448C7959}"/>
+              </a:ext>
+            </a:extLst>
+          </p:cNvPr>
+          <p:cNvPicPr>
+            <a:picLocks noChangeAspect="1"/>
+          </p:cNvPicPr>
+          <p:nvPr/>
+        </p:nvPicPr>
+        <p:blipFill>
+          <a:blip r:embed="rId2">
+            <a:extLst>
+              <a:ext uri="{28A0092B-C50C-407E-A947-70E740481C1C}">
+                <a14:useLocalDpi xmlns:a14="http://schemas.microsoft.com/office/drawing/2010/main" val="0"/>
+              </a:ext>
+            </a:extLst>
+          </a:blip>
+          <a:stretch>
+            <a:fillRect/>
+          </a:stretch>
+        </p:blipFill>
+        <p:spPr>
+          <a:xfrm>
+            <a:off x="7104268" y="1846053"/>
+            <a:ext cx="4749999" cy="3165893"/>
+          </a:xfrm>
+          <a:prstGeom prst="rect">
+            <a:avLst/>
+          </a:prstGeom>
+        </p:spPr>
+      </p:pic>
     </p:spTree>
     <p:extLst>
       <p:ext uri="{BB962C8B-B14F-4D97-AF65-F5344CB8AC3E}">
-        <p14:creationId xmlns:p14="http://schemas.microsoft.com/office/powerpoint/2010/main" val="3139632968"/>
+        <p14:creationId xmlns:p14="http://schemas.microsoft.com/office/powerpoint/2010/main" val="4119878490"/>
       </p:ext>
     </p:extLst>
   </p:cSld>
@@ -12121,6 +12251,111 @@
         </p:nvSpPr>
         <p:spPr/>
         <p:txBody>
+          <a:bodyPr>
+            <a:normAutofit/>
+          </a:bodyPr>
+          <a:lstStyle/>
+          <a:p>
+            <a:r>
+              <a:rPr lang="zh-TW" altLang="en-US" dirty="0"/>
+              <a:t>範例解說：如何讀取</a:t>
+            </a:r>
+            <a:r>
+              <a:rPr lang="en-US" altLang="zh-TW" dirty="0"/>
+              <a:t> CSV</a:t>
+            </a:r>
+            <a:r>
+              <a:rPr lang="zh-TW" altLang="en-US" dirty="0"/>
+              <a:t>檔篩選資料並格式化輸出。</a:t>
+            </a:r>
+          </a:p>
+        </p:txBody>
+      </p:sp>
+      <p:sp>
+        <p:nvSpPr>
+          <p:cNvPr id="5" name="文字版面配置區 4">
+            <a:extLst>
+              <a:ext uri="{FF2B5EF4-FFF2-40B4-BE49-F238E27FC236}">
+                <a16:creationId xmlns:a16="http://schemas.microsoft.com/office/drawing/2014/main" id="{CEE2A55E-C73D-43FF-AA36-95C0FF95B7B1}"/>
+              </a:ext>
+            </a:extLst>
+          </p:cNvPr>
+          <p:cNvSpPr>
+            <a:spLocks noGrp="1"/>
+          </p:cNvSpPr>
+          <p:nvPr>
+            <p:ph type="body" sz="quarter" idx="12"/>
+          </p:nvPr>
+        </p:nvSpPr>
+        <p:spPr/>
+        <p:txBody>
+          <a:bodyPr/>
+          <a:lstStyle/>
+          <a:p>
+            <a:endParaRPr lang="zh-TW" altLang="en-US"/>
+          </a:p>
+        </p:txBody>
+      </p:sp>
+    </p:spTree>
+    <p:extLst>
+      <p:ext uri="{BB962C8B-B14F-4D97-AF65-F5344CB8AC3E}">
+        <p14:creationId xmlns:p14="http://schemas.microsoft.com/office/powerpoint/2010/main" val="3139632968"/>
+      </p:ext>
+    </p:extLst>
+  </p:cSld>
+  <p:clrMapOvr>
+    <a:masterClrMapping/>
+  </p:clrMapOvr>
+  <mc:AlternateContent xmlns:mc="http://schemas.openxmlformats.org/markup-compatibility/2006" xmlns:p14="http://schemas.microsoft.com/office/powerpoint/2010/main">
+    <mc:Choice Requires="p14">
+      <p:transition p14:dur="250">
+        <p:fade/>
+      </p:transition>
+    </mc:Choice>
+    <mc:Fallback xmlns="">
+      <p:transition>
+        <p:fade/>
+      </p:transition>
+    </mc:Fallback>
+  </mc:AlternateContent>
+</p:sld>
+</file>
+
+<file path=ppt/slides/slide15.xml><?xml version="1.0" encoding="utf-8"?>
+<p:sld xmlns:a="http://schemas.openxmlformats.org/drawingml/2006/main" xmlns:r="http://schemas.openxmlformats.org/officeDocument/2006/relationships" xmlns:p="http://schemas.openxmlformats.org/presentationml/2006/main">
+  <p:cSld>
+    <p:spTree>
+      <p:nvGrpSpPr>
+        <p:cNvPr id="1" name=""/>
+        <p:cNvGrpSpPr/>
+        <p:nvPr/>
+      </p:nvGrpSpPr>
+      <p:grpSpPr>
+        <a:xfrm>
+          <a:off x="0" y="0"/>
+          <a:ext cx="0" cy="0"/>
+          <a:chOff x="0" y="0"/>
+          <a:chExt cx="0" cy="0"/>
+        </a:xfrm>
+      </p:grpSpPr>
+      <p:sp>
+        <p:nvSpPr>
+          <p:cNvPr id="4" name="文字版面配置區 3">
+            <a:extLst>
+              <a:ext uri="{FF2B5EF4-FFF2-40B4-BE49-F238E27FC236}">
+                <a16:creationId xmlns:a16="http://schemas.microsoft.com/office/drawing/2014/main" id="{2FA54F75-D405-4104-B6BB-EA44A23A109A}"/>
+              </a:ext>
+            </a:extLst>
+          </p:cNvPr>
+          <p:cNvSpPr>
+            <a:spLocks noGrp="1"/>
+          </p:cNvSpPr>
+          <p:nvPr>
+            <p:ph type="body" sz="quarter" idx="10"/>
+          </p:nvPr>
+        </p:nvSpPr>
+        <p:spPr/>
+        <p:txBody>
           <a:bodyPr/>
           <a:lstStyle/>
           <a:p>
@@ -12181,7 +12416,7 @@
 </p:sld>
 </file>
 
-<file path=ppt/slides/slide15.xml><?xml version="1.0" encoding="utf-8"?>
+<file path=ppt/slides/slide16.xml><?xml version="1.0" encoding="utf-8"?>
 <p:sld xmlns:a="http://schemas.openxmlformats.org/drawingml/2006/main" xmlns:r="http://schemas.openxmlformats.org/officeDocument/2006/relationships" xmlns:p="http://schemas.openxmlformats.org/presentationml/2006/main">
   <p:cSld>
     <p:spTree>

--- a/上課教材/Week3.pptx
+++ b/上課教材/Week3.pptx
@@ -16,11 +16,12 @@
     <p:sldId id="318" r:id="rId10"/>
     <p:sldId id="325" r:id="rId11"/>
     <p:sldId id="322" r:id="rId12"/>
-    <p:sldId id="319" r:id="rId13"/>
-    <p:sldId id="1963" r:id="rId14"/>
-    <p:sldId id="272" r:id="rId15"/>
-    <p:sldId id="259" r:id="rId16"/>
-    <p:sldId id="312" r:id="rId17"/>
+    <p:sldId id="1963" r:id="rId13"/>
+    <p:sldId id="319" r:id="rId14"/>
+    <p:sldId id="1964" r:id="rId15"/>
+    <p:sldId id="272" r:id="rId16"/>
+    <p:sldId id="259" r:id="rId17"/>
+    <p:sldId id="312" r:id="rId18"/>
   </p:sldIdLst>
   <p:sldSz cx="12192000" cy="6858000"/>
   <p:notesSz cx="6858000" cy="9144000"/>
@@ -130,7 +131,7 @@
 <file path=ppt/revisionInfo.xml><?xml version="1.0" encoding="utf-8"?>
 <p1510:revInfo xmlns:a="http://schemas.openxmlformats.org/drawingml/2006/main" xmlns:r="http://schemas.openxmlformats.org/officeDocument/2006/relationships" xmlns:p1510="http://schemas.microsoft.com/office/powerpoint/2015/10/main">
   <p1510:revLst>
-    <p1510:client id="{73C49393-00F6-48C7-99DB-5262FA837701}" v="345" dt="2020-06-09T00:04:44.399"/>
+    <p1510:client id="{73C49393-00F6-48C7-99DB-5262FA837701}" v="375" dt="2020-06-11T00:42:12.154"/>
   </p1510:revLst>
 </p1510:revInfo>
 </file>
@@ -2026,8 +2027,8 @@
   </pc:docChgLst>
   <pc:docChgLst>
     <pc:chgData name="Ming-Chih Lin" userId="f1ba3ba5-e185-404b-b55f-b2be90e2bdc2" providerId="ADAL" clId="{73C49393-00F6-48C7-99DB-5262FA837701}"/>
-    <pc:docChg chg="undo custSel addSld delSld modSld">
-      <pc:chgData name="Ming-Chih Lin" userId="f1ba3ba5-e185-404b-b55f-b2be90e2bdc2" providerId="ADAL" clId="{73C49393-00F6-48C7-99DB-5262FA837701}" dt="2020-06-09T00:04:53.130" v="2309" actId="1076"/>
+    <pc:docChg chg="undo custSel addSld delSld modSld sldOrd">
+      <pc:chgData name="Ming-Chih Lin" userId="f1ba3ba5-e185-404b-b55f-b2be90e2bdc2" providerId="ADAL" clId="{73C49393-00F6-48C7-99DB-5262FA837701}" dt="2020-06-11T00:42:40.773" v="2448"/>
       <pc:docMkLst>
         <pc:docMk/>
       </pc:docMkLst>
@@ -2281,14 +2282,14 @@
           </ac:picMkLst>
         </pc:picChg>
       </pc:sldChg>
-      <pc:sldChg chg="modSp add mod">
-        <pc:chgData name="Ming-Chih Lin" userId="f1ba3ba5-e185-404b-b55f-b2be90e2bdc2" providerId="ADAL" clId="{73C49393-00F6-48C7-99DB-5262FA837701}" dt="2020-06-08T00:17:26.681" v="839" actId="20577"/>
+      <pc:sldChg chg="addSp delSp modSp add mod">
+        <pc:chgData name="Ming-Chih Lin" userId="f1ba3ba5-e185-404b-b55f-b2be90e2bdc2" providerId="ADAL" clId="{73C49393-00F6-48C7-99DB-5262FA837701}" dt="2020-06-11T00:36:26.069" v="2402" actId="6549"/>
         <pc:sldMkLst>
           <pc:docMk/>
           <pc:sldMk cId="2205041351" sldId="318"/>
         </pc:sldMkLst>
         <pc:spChg chg="mod">
-          <ac:chgData name="Ming-Chih Lin" userId="f1ba3ba5-e185-404b-b55f-b2be90e2bdc2" providerId="ADAL" clId="{73C49393-00F6-48C7-99DB-5262FA837701}" dt="2020-06-08T00:17:26.681" v="839" actId="20577"/>
+          <ac:chgData name="Ming-Chih Lin" userId="f1ba3ba5-e185-404b-b55f-b2be90e2bdc2" providerId="ADAL" clId="{73C49393-00F6-48C7-99DB-5262FA837701}" dt="2020-06-11T00:36:26.069" v="2402" actId="6549"/>
           <ac:spMkLst>
             <pc:docMk/>
             <pc:sldMk cId="2205041351" sldId="318"/>
@@ -2303,9 +2304,33 @@
             <ac:spMk id="3" creationId="{E7C3D928-2CE9-4266-A577-F5AA1DFC7CE3}"/>
           </ac:spMkLst>
         </pc:spChg>
-      </pc:sldChg>
-      <pc:sldChg chg="addSp delSp modSp new mod modClrScheme chgLayout">
-        <pc:chgData name="Ming-Chih Lin" userId="f1ba3ba5-e185-404b-b55f-b2be90e2bdc2" providerId="ADAL" clId="{73C49393-00F6-48C7-99DB-5262FA837701}" dt="2020-06-08T00:56:00.315" v="2297"/>
+        <pc:picChg chg="add del mod">
+          <ac:chgData name="Ming-Chih Lin" userId="f1ba3ba5-e185-404b-b55f-b2be90e2bdc2" providerId="ADAL" clId="{73C49393-00F6-48C7-99DB-5262FA837701}" dt="2020-06-11T00:32:14.822" v="2321"/>
+          <ac:picMkLst>
+            <pc:docMk/>
+            <pc:sldMk cId="2205041351" sldId="318"/>
+            <ac:picMk id="4" creationId="{BAAE2F85-E226-45D8-AE20-3747524D7BC7}"/>
+          </ac:picMkLst>
+        </pc:picChg>
+        <pc:picChg chg="add del">
+          <ac:chgData name="Ming-Chih Lin" userId="f1ba3ba5-e185-404b-b55f-b2be90e2bdc2" providerId="ADAL" clId="{73C49393-00F6-48C7-99DB-5262FA837701}" dt="2020-06-11T00:35:11.025" v="2324" actId="478"/>
+          <ac:picMkLst>
+            <pc:docMk/>
+            <pc:sldMk cId="2205041351" sldId="318"/>
+            <ac:picMk id="5" creationId="{18B7C4D3-62AC-4DC9-A1A0-BCC00716764A}"/>
+          </ac:picMkLst>
+        </pc:picChg>
+        <pc:picChg chg="add mod">
+          <ac:chgData name="Ming-Chih Lin" userId="f1ba3ba5-e185-404b-b55f-b2be90e2bdc2" providerId="ADAL" clId="{73C49393-00F6-48C7-99DB-5262FA837701}" dt="2020-06-11T00:35:19.184" v="2327" actId="1076"/>
+          <ac:picMkLst>
+            <pc:docMk/>
+            <pc:sldMk cId="2205041351" sldId="318"/>
+            <ac:picMk id="6" creationId="{85034C2B-3432-4626-84CF-94B6DBF5DFD8}"/>
+          </ac:picMkLst>
+        </pc:picChg>
+      </pc:sldChg>
+      <pc:sldChg chg="addSp delSp modSp new mod ord modClrScheme chgLayout">
+        <pc:chgData name="Ming-Chih Lin" userId="f1ba3ba5-e185-404b-b55f-b2be90e2bdc2" providerId="ADAL" clId="{73C49393-00F6-48C7-99DB-5262FA837701}" dt="2020-06-11T00:42:23.790" v="2446"/>
         <pc:sldMkLst>
           <pc:docMk/>
           <pc:sldMk cId="1655947332" sldId="319"/>
@@ -2374,7 +2399,7 @@
         </pc:spChg>
       </pc:sldChg>
       <pc:sldChg chg="addSp delSp modSp new mod modClrScheme chgLayout">
-        <pc:chgData name="Ming-Chih Lin" userId="f1ba3ba5-e185-404b-b55f-b2be90e2bdc2" providerId="ADAL" clId="{73C49393-00F6-48C7-99DB-5262FA837701}" dt="2020-06-08T00:53:44.869" v="2252"/>
+        <pc:chgData name="Ming-Chih Lin" userId="f1ba3ba5-e185-404b-b55f-b2be90e2bdc2" providerId="ADAL" clId="{73C49393-00F6-48C7-99DB-5262FA837701}" dt="2020-06-11T00:37:25.548" v="2404" actId="27636"/>
         <pc:sldMkLst>
           <pc:docMk/>
           <pc:sldMk cId="7019956" sldId="322"/>
@@ -2404,7 +2429,7 @@
           </ac:spMkLst>
         </pc:spChg>
         <pc:spChg chg="add mod ord">
-          <ac:chgData name="Ming-Chih Lin" userId="f1ba3ba5-e185-404b-b55f-b2be90e2bdc2" providerId="ADAL" clId="{73C49393-00F6-48C7-99DB-5262FA837701}" dt="2020-06-08T00:53:44.869" v="2252"/>
+          <ac:chgData name="Ming-Chih Lin" userId="f1ba3ba5-e185-404b-b55f-b2be90e2bdc2" providerId="ADAL" clId="{73C49393-00F6-48C7-99DB-5262FA837701}" dt="2020-06-11T00:37:25.548" v="2404" actId="27636"/>
           <ac:spMkLst>
             <pc:docMk/>
             <pc:sldMk cId="7019956" sldId="322"/>
@@ -2666,8 +2691,8 @@
           </ac:picMkLst>
         </pc:picChg>
       </pc:sldChg>
-      <pc:sldChg chg="addSp modSp new mod">
-        <pc:chgData name="Ming-Chih Lin" userId="f1ba3ba5-e185-404b-b55f-b2be90e2bdc2" providerId="ADAL" clId="{73C49393-00F6-48C7-99DB-5262FA837701}" dt="2020-06-09T00:04:53.130" v="2309" actId="1076"/>
+      <pc:sldChg chg="addSp modSp new mod ord">
+        <pc:chgData name="Ming-Chih Lin" userId="f1ba3ba5-e185-404b-b55f-b2be90e2bdc2" providerId="ADAL" clId="{73C49393-00F6-48C7-99DB-5262FA837701}" dt="2020-06-11T00:42:40.773" v="2448"/>
         <pc:sldMkLst>
           <pc:docMk/>
           <pc:sldMk cId="4119878490" sldId="1963"/>
@@ -2694,6 +2719,45 @@
             <pc:docMk/>
             <pc:sldMk cId="4119878490" sldId="1963"/>
             <ac:picMk id="5" creationId="{1E64636B-B5D0-4D78-B07A-E367448C7959}"/>
+          </ac:picMkLst>
+        </pc:picChg>
+      </pc:sldChg>
+      <pc:sldChg chg="addSp delSp modSp new mod chgLayout">
+        <pc:chgData name="Ming-Chih Lin" userId="f1ba3ba5-e185-404b-b55f-b2be90e2bdc2" providerId="ADAL" clId="{73C49393-00F6-48C7-99DB-5262FA837701}" dt="2020-06-11T00:42:12.153" v="2444" actId="1076"/>
+        <pc:sldMkLst>
+          <pc:docMk/>
+          <pc:sldMk cId="2198752928" sldId="1964"/>
+        </pc:sldMkLst>
+        <pc:spChg chg="add del mod ord">
+          <ac:chgData name="Ming-Chih Lin" userId="f1ba3ba5-e185-404b-b55f-b2be90e2bdc2" providerId="ADAL" clId="{73C49393-00F6-48C7-99DB-5262FA837701}" dt="2020-06-11T00:41:30.060" v="2442" actId="700"/>
+          <ac:spMkLst>
+            <pc:docMk/>
+            <pc:sldMk cId="2198752928" sldId="1964"/>
+            <ac:spMk id="2" creationId="{59AB1304-0A84-43D4-86EA-C45938C0568F}"/>
+          </ac:spMkLst>
+        </pc:spChg>
+        <pc:spChg chg="mod ord">
+          <ac:chgData name="Ming-Chih Lin" userId="f1ba3ba5-e185-404b-b55f-b2be90e2bdc2" providerId="ADAL" clId="{73C49393-00F6-48C7-99DB-5262FA837701}" dt="2020-06-11T00:41:30.060" v="2442" actId="700"/>
+          <ac:spMkLst>
+            <pc:docMk/>
+            <pc:sldMk cId="2198752928" sldId="1964"/>
+            <ac:spMk id="3" creationId="{6E0CBFF7-9300-4AE1-B4BB-6E16CD7B2143}"/>
+          </ac:spMkLst>
+        </pc:spChg>
+        <pc:spChg chg="add del mod">
+          <ac:chgData name="Ming-Chih Lin" userId="f1ba3ba5-e185-404b-b55f-b2be90e2bdc2" providerId="ADAL" clId="{73C49393-00F6-48C7-99DB-5262FA837701}" dt="2020-06-11T00:40:13.510" v="2431"/>
+          <ac:spMkLst>
+            <pc:docMk/>
+            <pc:sldMk cId="2198752928" sldId="1964"/>
+            <ac:spMk id="4" creationId="{168F6B86-4FFB-4D35-BDFD-F056A0461058}"/>
+          </ac:spMkLst>
+        </pc:spChg>
+        <pc:picChg chg="add mod">
+          <ac:chgData name="Ming-Chih Lin" userId="f1ba3ba5-e185-404b-b55f-b2be90e2bdc2" providerId="ADAL" clId="{73C49393-00F6-48C7-99DB-5262FA837701}" dt="2020-06-11T00:42:12.153" v="2444" actId="1076"/>
+          <ac:picMkLst>
+            <pc:docMk/>
+            <pc:sldMk cId="2198752928" sldId="1964"/>
+            <ac:picMk id="1027" creationId="{BA17854D-BDB8-49BC-BA2F-3B54811F0784}"/>
           </ac:picMkLst>
         </pc:picChg>
       </pc:sldChg>
@@ -6311,7 +6375,7 @@
           <a:p>
             <a:fld id="{FA1E3ED8-1BB4-4BD2-AB23-359644E070C2}" type="datetimeFigureOut">
               <a:rPr lang="zh-TW" altLang="en-US" smtClean="0"/>
-              <a:t>2020/6/9</a:t>
+              <a:t>2020/6/11</a:t>
             </a:fld>
             <a:endParaRPr lang="zh-TW" altLang="en-US"/>
           </a:p>
@@ -11606,7 +11670,7 @@
         <p:spPr/>
         <p:txBody>
           <a:bodyPr>
-            <a:normAutofit lnSpcReduction="10000"/>
+            <a:normAutofit/>
           </a:bodyPr>
           <a:lstStyle/>
           <a:p>
@@ -11680,31 +11744,6 @@
               <a:buNone/>
             </a:pPr>
             <a:endParaRPr lang="en-US" altLang="zh-TW" dirty="0"/>
-          </a:p>
-          <a:p>
-            <a:pPr marL="0" indent="0">
-              <a:buNone/>
-            </a:pPr>
-            <a:r>
-              <a:rPr lang="zh-TW" altLang="en-US" dirty="0"/>
-              <a:t>如果不考慮可讀性，最簡單的方式便是用</a:t>
-            </a:r>
-            <a:r>
-              <a:rPr lang="en-US" altLang="zh-TW" dirty="0"/>
-              <a:t>pickle</a:t>
-            </a:r>
-            <a:r>
-              <a:rPr lang="zh-TW" altLang="en-US" dirty="0"/>
-              <a:t>寫到檔案當中。檔案以二進制儲存，具有一定的保護性。如果考量到可讀性，</a:t>
-            </a:r>
-            <a:r>
-              <a:rPr lang="en-US" altLang="zh-TW" dirty="0"/>
-              <a:t>CSV, Jason, xml,</a:t>
-            </a:r>
-            <a:r>
-              <a:rPr lang="zh-TW" altLang="en-US" dirty="0"/>
-              <a:t>都是不錯的方式，有現成的庫可以使用。如果是自訂格式，則程式碼必須適當的格式化資料結構來產生符合規範的檔案格式。這部分通常需要耗費不少的時間來開發。</a:t>
-            </a:r>
           </a:p>
           <a:p>
             <a:endParaRPr lang="zh-TW" altLang="en-US" dirty="0"/>
@@ -11783,10 +11822,10 @@
       </p:grpSpPr>
       <p:sp>
         <p:nvSpPr>
-          <p:cNvPr id="5" name="內容版面配置區 4">
-            <a:extLst>
-              <a:ext uri="{FF2B5EF4-FFF2-40B4-BE49-F238E27FC236}">
-                <a16:creationId xmlns:a16="http://schemas.microsoft.com/office/drawing/2014/main" id="{680D27AA-D6DD-4913-B75C-C4DC715BB99D}"/>
+          <p:cNvPr id="2" name="內容版面配置區 1">
+            <a:extLst>
+              <a:ext uri="{FF2B5EF4-FFF2-40B4-BE49-F238E27FC236}">
+                <a16:creationId xmlns:a16="http://schemas.microsoft.com/office/drawing/2014/main" id="{3360A62E-57ED-4C96-A3D3-7908E0A76E21}"/>
               </a:ext>
             </a:extLst>
           </p:cNvPr>
@@ -11797,45 +11836,19 @@
             <p:ph idx="1"/>
           </p:nvPr>
         </p:nvSpPr>
-        <p:spPr/>
+        <p:spPr>
+          <a:xfrm>
+            <a:off x="609600" y="1371600"/>
+            <a:ext cx="6308785" cy="4762471"/>
+          </a:xfrm>
+        </p:spPr>
         <p:txBody>
           <a:bodyPr/>
           <a:lstStyle/>
           <a:p>
-            <a:pPr marL="0" indent="0">
-              <a:buNone/>
-            </a:pPr>
-            <a:r>
-              <a:rPr lang="en-US" altLang="zh-TW" dirty="0"/>
-              <a:t>CSV</a:t>
-            </a:r>
             <a:r>
               <a:rPr lang="zh-TW" altLang="en-US" dirty="0"/>
-              <a:t>是最為普遍的資料儲存格式，每一列當中不同屬性的資料以分隔號區分開來。這種格式不但可讀性高，程式碼也容易處理。除了資料本身，最前面的行數也會用來記錄相關訊息，比方說是日期或是單位等等。為了與資料區分，檔頭的這些訊息前面多以特殊字元表示，以利區隔。各位所熟悉的</a:t>
-            </a:r>
-            <a:r>
-              <a:rPr lang="en-US" altLang="zh-TW" dirty="0"/>
-              <a:t>S</a:t>
-            </a:r>
-            <a:r>
-              <a:rPr lang="zh-TW" altLang="en-US" dirty="0"/>
-              <a:t>參數就是屬於這種格式。</a:t>
-            </a:r>
-            <a:endParaRPr lang="en-US" altLang="zh-TW" dirty="0"/>
-          </a:p>
-          <a:p>
-            <a:pPr marL="0" indent="0">
-              <a:buNone/>
-            </a:pPr>
-            <a:endParaRPr lang="en-US" altLang="zh-TW" dirty="0"/>
-          </a:p>
-          <a:p>
-            <a:pPr marL="0" indent="0">
-              <a:buNone/>
-            </a:pPr>
-            <a:r>
-              <a:rPr lang="zh-TW" altLang="en-US" dirty="0"/>
-              <a:t>要讀取</a:t>
+              <a:t>當完成模擬之後，多數的資料是以二進制的格式儲存在專案檔中，無法直接取用。我們可以先行產生表格報告之後為，再以</a:t>
             </a:r>
             <a:r>
               <a:rPr lang="en-US" altLang="zh-TW" dirty="0"/>
@@ -11843,39 +11856,47 @@
             </a:r>
             <a:r>
               <a:rPr lang="zh-TW" altLang="en-US" dirty="0"/>
-              <a:t>格式，首先要先分離檔頭及資料，檔頭的資訊可以透過字串處理或是正規表示法來擷取資訊，並存到變數當中。資料的部分就簡單的多，讀取每一列，並根據分隔號分割資料並存到</a:t>
+              <a:t>檔案格式匯出。在另行以</a:t>
             </a:r>
             <a:r>
               <a:rPr lang="en-US" altLang="zh-TW" dirty="0"/>
-              <a:t>list</a:t>
+              <a:t>python</a:t>
             </a:r>
             <a:r>
               <a:rPr lang="zh-TW" altLang="en-US" dirty="0"/>
-              <a:t>當中。</a:t>
+              <a:t>做處理。有些常用的模擬結果可以支援特定檔案格式的直接輸出，像是</a:t>
+            </a:r>
+            <a:r>
+              <a:rPr lang="en-US" altLang="zh-TW" dirty="0" err="1"/>
+              <a:t>snp</a:t>
+            </a:r>
+            <a:r>
+              <a:rPr lang="zh-TW" altLang="en-US" dirty="0"/>
+              <a:t>，</a:t>
+            </a:r>
+            <a:r>
+              <a:rPr lang="en-US" altLang="zh-TW" dirty="0" err="1"/>
+              <a:t>ffd</a:t>
+            </a:r>
+            <a:r>
+              <a:rPr lang="zh-TW" altLang="en-US" dirty="0"/>
+              <a:t>，</a:t>
+            </a:r>
+            <a:r>
+              <a:rPr lang="en-US" altLang="zh-TW" dirty="0" err="1"/>
+              <a:t>nfd</a:t>
+            </a:r>
+            <a:r>
+              <a:rPr lang="zh-TW" altLang="en-US" dirty="0"/>
+              <a:t>，</a:t>
             </a:r>
             <a:r>
               <a:rPr lang="en-US" altLang="zh-TW" dirty="0"/>
-              <a:t>Csv</a:t>
+              <a:t>spice</a:t>
             </a:r>
             <a:r>
               <a:rPr lang="zh-TW" altLang="en-US" dirty="0"/>
-              <a:t>所儲存的資料格式通常較為單純。複雜度較高的資料一般透過</a:t>
-            </a:r>
-            <a:r>
-              <a:rPr lang="en-US" altLang="zh-TW" dirty="0"/>
-              <a:t>xml</a:t>
-            </a:r>
-            <a:r>
-              <a:rPr lang="zh-TW" altLang="en-US" dirty="0"/>
-              <a:t>檔或</a:t>
-            </a:r>
-            <a:r>
-              <a:rPr lang="en-US" altLang="zh-TW" dirty="0"/>
-              <a:t>json</a:t>
-            </a:r>
-            <a:r>
-              <a:rPr lang="zh-TW" altLang="en-US" dirty="0"/>
-              <a:t>檔紀錄。</a:t>
+              <a:t>等。這些匯出動作都有</a:t>
             </a:r>
             <a:r>
               <a:rPr lang="en-US" altLang="zh-TW" dirty="0"/>
@@ -11883,80 +11904,17 @@
             </a:r>
             <a:r>
               <a:rPr lang="zh-TW" altLang="en-US" dirty="0"/>
-              <a:t>的堆疊設定便是</a:t>
-            </a:r>
-            <a:r>
-              <a:rPr lang="en-US" altLang="zh-TW" dirty="0"/>
-              <a:t>xml</a:t>
-            </a:r>
-            <a:r>
-              <a:rPr lang="zh-TW" altLang="en-US" dirty="0"/>
-              <a:t>格式。</a:t>
-            </a:r>
-            <a:r>
-              <a:rPr lang="en-US" altLang="zh-TW" dirty="0"/>
-              <a:t>json</a:t>
-            </a:r>
-            <a:r>
-              <a:rPr lang="zh-TW" altLang="en-US" dirty="0"/>
-              <a:t>檔對於</a:t>
-            </a:r>
-            <a:r>
-              <a:rPr lang="en-US" altLang="zh-TW" dirty="0"/>
-              <a:t>python</a:t>
-            </a:r>
-            <a:r>
-              <a:rPr lang="zh-TW" altLang="en-US" dirty="0"/>
-              <a:t>而言，較易處理。也是這幾年較受歡迎的格式。</a:t>
-            </a:r>
-            <a:r>
-              <a:rPr lang="en-US" altLang="zh-TW" dirty="0"/>
-              <a:t>xml</a:t>
-            </a:r>
-            <a:r>
-              <a:rPr lang="zh-TW" altLang="en-US" dirty="0"/>
-              <a:t>格式基於歷史因素仍大量存在於</a:t>
-            </a:r>
-            <a:r>
-              <a:rPr lang="en-US" altLang="zh-TW" dirty="0"/>
-              <a:t>AEDT</a:t>
-            </a:r>
-            <a:r>
-              <a:rPr lang="zh-TW" altLang="en-US" dirty="0"/>
-              <a:t>當中。要完整剖析</a:t>
-            </a:r>
-            <a:r>
-              <a:rPr lang="en-US" altLang="zh-TW" dirty="0"/>
-              <a:t>xml</a:t>
-            </a:r>
-            <a:r>
-              <a:rPr lang="zh-TW" altLang="en-US" dirty="0"/>
-              <a:t>檔可以使用內建的</a:t>
-            </a:r>
-            <a:r>
-              <a:rPr lang="en-US" altLang="zh-TW" dirty="0"/>
-              <a:t>parser</a:t>
-            </a:r>
-            <a:r>
-              <a:rPr lang="zh-TW" altLang="en-US" dirty="0"/>
-              <a:t>。如果只需要擷取部分資料可以使用正規表示法。正規表示法留到之後再作介紹。</a:t>
-            </a:r>
-            <a:endParaRPr lang="en-US" altLang="zh-TW" dirty="0"/>
-          </a:p>
-          <a:p>
-            <a:pPr marL="0" indent="0">
-              <a:buNone/>
-            </a:pPr>
-            <a:endParaRPr lang="en-US" altLang="zh-TW" dirty="0"/>
+              <a:t>函式可以支援。</a:t>
+            </a:r>
           </a:p>
         </p:txBody>
       </p:sp>
       <p:sp>
         <p:nvSpPr>
-          <p:cNvPr id="4" name="標題 3">
-            <a:extLst>
-              <a:ext uri="{FF2B5EF4-FFF2-40B4-BE49-F238E27FC236}">
-                <a16:creationId xmlns:a16="http://schemas.microsoft.com/office/drawing/2014/main" id="{4F757CAB-CFF8-4102-BD5C-AF5056C64951}"/>
+          <p:cNvPr id="3" name="標題 2">
+            <a:extLst>
+              <a:ext uri="{FF2B5EF4-FFF2-40B4-BE49-F238E27FC236}">
+                <a16:creationId xmlns:a16="http://schemas.microsoft.com/office/drawing/2014/main" id="{63D7A325-963B-489F-91E9-A3F5AE2DF8C7}"/>
               </a:ext>
             </a:extLst>
           </p:cNvPr>
@@ -11973,25 +11931,60 @@
           <a:lstStyle/>
           <a:p>
             <a:r>
+              <a:rPr lang="zh-TW" altLang="en-US" dirty="0"/>
+              <a:t>如何從</a:t>
+            </a:r>
+            <a:r>
               <a:rPr lang="en-US" altLang="zh-TW" dirty="0"/>
-              <a:t>CSV</a:t>
+              <a:t>AEDT</a:t>
             </a:r>
             <a:r>
               <a:rPr lang="zh-TW" altLang="en-US" dirty="0"/>
-              <a:t>檔與</a:t>
-            </a:r>
-            <a:r>
-              <a:rPr lang="en-US" altLang="zh-TW" dirty="0"/>
-              <a:t>XML</a:t>
-            </a:r>
-            <a:endParaRPr lang="zh-TW" altLang="en-US" dirty="0"/>
+              <a:t>當中匯出模擬資料</a:t>
+            </a:r>
           </a:p>
         </p:txBody>
       </p:sp>
+      <p:pic>
+        <p:nvPicPr>
+          <p:cNvPr id="5" name="圖片 4" descr="電腦螢幕上的程式設計資料">
+            <a:extLst>
+              <a:ext uri="{FF2B5EF4-FFF2-40B4-BE49-F238E27FC236}">
+                <a16:creationId xmlns:a16="http://schemas.microsoft.com/office/drawing/2014/main" id="{1E64636B-B5D0-4D78-B07A-E367448C7959}"/>
+              </a:ext>
+            </a:extLst>
+          </p:cNvPr>
+          <p:cNvPicPr>
+            <a:picLocks noChangeAspect="1"/>
+          </p:cNvPicPr>
+          <p:nvPr/>
+        </p:nvPicPr>
+        <p:blipFill>
+          <a:blip r:embed="rId2">
+            <a:extLst>
+              <a:ext uri="{28A0092B-C50C-407E-A947-70E740481C1C}">
+                <a14:useLocalDpi xmlns:a14="http://schemas.microsoft.com/office/drawing/2010/main" val="0"/>
+              </a:ext>
+            </a:extLst>
+          </a:blip>
+          <a:stretch>
+            <a:fillRect/>
+          </a:stretch>
+        </p:blipFill>
+        <p:spPr>
+          <a:xfrm>
+            <a:off x="7104268" y="1846053"/>
+            <a:ext cx="4749999" cy="3165893"/>
+          </a:xfrm>
+          <a:prstGeom prst="rect">
+            <a:avLst/>
+          </a:prstGeom>
+        </p:spPr>
+      </p:pic>
     </p:spTree>
     <p:extLst>
       <p:ext uri="{BB962C8B-B14F-4D97-AF65-F5344CB8AC3E}">
-        <p14:creationId xmlns:p14="http://schemas.microsoft.com/office/powerpoint/2010/main" val="1655947332"/>
+        <p14:creationId xmlns:p14="http://schemas.microsoft.com/office/powerpoint/2010/main" val="4119878490"/>
       </p:ext>
     </p:extLst>
   </p:cSld>
@@ -12032,10 +12025,10 @@
       </p:grpSpPr>
       <p:sp>
         <p:nvSpPr>
-          <p:cNvPr id="2" name="內容版面配置區 1">
-            <a:extLst>
-              <a:ext uri="{FF2B5EF4-FFF2-40B4-BE49-F238E27FC236}">
-                <a16:creationId xmlns:a16="http://schemas.microsoft.com/office/drawing/2014/main" id="{3360A62E-57ED-4C96-A3D3-7908E0A76E21}"/>
+          <p:cNvPr id="5" name="內容版面配置區 4">
+            <a:extLst>
+              <a:ext uri="{FF2B5EF4-FFF2-40B4-BE49-F238E27FC236}">
+                <a16:creationId xmlns:a16="http://schemas.microsoft.com/office/drawing/2014/main" id="{680D27AA-D6DD-4913-B75C-C4DC715BB99D}"/>
               </a:ext>
             </a:extLst>
           </p:cNvPr>
@@ -12046,19 +12039,45 @@
             <p:ph idx="1"/>
           </p:nvPr>
         </p:nvSpPr>
-        <p:spPr>
-          <a:xfrm>
-            <a:off x="609600" y="1371600"/>
-            <a:ext cx="6308785" cy="4762471"/>
-          </a:xfrm>
-        </p:spPr>
+        <p:spPr/>
         <p:txBody>
           <a:bodyPr/>
           <a:lstStyle/>
           <a:p>
+            <a:pPr marL="0" indent="0">
+              <a:buNone/>
+            </a:pPr>
+            <a:r>
+              <a:rPr lang="en-US" altLang="zh-TW" dirty="0"/>
+              <a:t>CSV</a:t>
+            </a:r>
             <a:r>
               <a:rPr lang="zh-TW" altLang="en-US" dirty="0"/>
-              <a:t>當完成模擬之後，多數的資料是以二進制的格式儲存在專案檔中，無法直接取用。我們可以先行產生表格報告之後為，再以</a:t>
+              <a:t>是最為普遍的資料儲存格式，每一列當中不同屬性的資料以分隔號區分開來。這種格式不但可讀性高，程式碼也容易處理。除了資料本身，最前面的行數也會用來記錄相關訊息，比方說是日期或是單位等等。為了與資料區分，檔頭的這些訊息前面多以特殊字元表示，以利區隔。各位所熟悉的</a:t>
+            </a:r>
+            <a:r>
+              <a:rPr lang="en-US" altLang="zh-TW" dirty="0"/>
+              <a:t>S</a:t>
+            </a:r>
+            <a:r>
+              <a:rPr lang="zh-TW" altLang="en-US" dirty="0"/>
+              <a:t>參數就是屬於這種格式。</a:t>
+            </a:r>
+            <a:endParaRPr lang="en-US" altLang="zh-TW" dirty="0"/>
+          </a:p>
+          <a:p>
+            <a:pPr marL="0" indent="0">
+              <a:buNone/>
+            </a:pPr>
+            <a:endParaRPr lang="en-US" altLang="zh-TW" dirty="0"/>
+          </a:p>
+          <a:p>
+            <a:pPr marL="0" indent="0">
+              <a:buNone/>
+            </a:pPr>
+            <a:r>
+              <a:rPr lang="zh-TW" altLang="en-US" dirty="0"/>
+              <a:t>要讀取</a:t>
             </a:r>
             <a:r>
               <a:rPr lang="en-US" altLang="zh-TW" dirty="0"/>
@@ -12066,7 +12085,63 @@
             </a:r>
             <a:r>
               <a:rPr lang="zh-TW" altLang="en-US" dirty="0"/>
-              <a:t>檔案格式匯出。在另行以</a:t>
+              <a:t>格式，首先要先分離檔頭及資料，檔頭的資訊可以透過字串處理或是正規表示法來擷取資訊，並存到變數當中。資料的部分就簡單的多，讀取每一列，並根據分隔號分割資料並存到</a:t>
+            </a:r>
+            <a:r>
+              <a:rPr lang="en-US" altLang="zh-TW" dirty="0"/>
+              <a:t>list</a:t>
+            </a:r>
+            <a:r>
+              <a:rPr lang="zh-TW" altLang="en-US" dirty="0"/>
+              <a:t>當中。</a:t>
+            </a:r>
+            <a:r>
+              <a:rPr lang="en-US" altLang="zh-TW" dirty="0"/>
+              <a:t>Csv</a:t>
+            </a:r>
+            <a:r>
+              <a:rPr lang="zh-TW" altLang="en-US" dirty="0"/>
+              <a:t>所儲存的資料格式通常較為單純。複雜度較高的資料一般透過</a:t>
+            </a:r>
+            <a:r>
+              <a:rPr lang="en-US" altLang="zh-TW" dirty="0"/>
+              <a:t>xml</a:t>
+            </a:r>
+            <a:r>
+              <a:rPr lang="zh-TW" altLang="en-US" dirty="0"/>
+              <a:t>檔或</a:t>
+            </a:r>
+            <a:r>
+              <a:rPr lang="en-US" altLang="zh-TW" dirty="0"/>
+              <a:t>json</a:t>
+            </a:r>
+            <a:r>
+              <a:rPr lang="zh-TW" altLang="en-US" dirty="0"/>
+              <a:t>檔紀錄。</a:t>
+            </a:r>
+            <a:r>
+              <a:rPr lang="en-US" altLang="zh-TW" dirty="0"/>
+              <a:t>AEDT</a:t>
+            </a:r>
+            <a:r>
+              <a:rPr lang="zh-TW" altLang="en-US" dirty="0"/>
+              <a:t>的堆疊設定便是</a:t>
+            </a:r>
+            <a:r>
+              <a:rPr lang="en-US" altLang="zh-TW" dirty="0"/>
+              <a:t>xml</a:t>
+            </a:r>
+            <a:r>
+              <a:rPr lang="zh-TW" altLang="en-US" dirty="0"/>
+              <a:t>格式。</a:t>
+            </a:r>
+            <a:r>
+              <a:rPr lang="en-US" altLang="zh-TW" dirty="0"/>
+              <a:t>json</a:t>
+            </a:r>
+            <a:r>
+              <a:rPr lang="zh-TW" altLang="en-US" dirty="0"/>
+              <a:t>檔對於</a:t>
             </a:r>
             <a:r>
               <a:rPr lang="en-US" altLang="zh-TW" dirty="0"/>
@@ -12074,39 +12149,15 @@
             </a:r>
             <a:r>
               <a:rPr lang="zh-TW" altLang="en-US" dirty="0"/>
-              <a:t>做處理。有些常用的模擬結果可以支援特定檔案格式的直接輸出，像是</a:t>
-            </a:r>
-            <a:r>
-              <a:rPr lang="en-US" altLang="zh-TW" dirty="0" err="1"/>
-              <a:t>snp</a:t>
+              <a:t>而言，較易處理。也是這幾年較受歡迎的格式。</a:t>
+            </a:r>
+            <a:r>
+              <a:rPr lang="en-US" altLang="zh-TW" dirty="0"/>
+              <a:t>xml</a:t>
             </a:r>
             <a:r>
               <a:rPr lang="zh-TW" altLang="en-US" dirty="0"/>
-              <a:t>，</a:t>
-            </a:r>
-            <a:r>
-              <a:rPr lang="en-US" altLang="zh-TW" dirty="0" err="1"/>
-              <a:t>ffd</a:t>
-            </a:r>
-            <a:r>
-              <a:rPr lang="zh-TW" altLang="en-US" dirty="0"/>
-              <a:t>，</a:t>
-            </a:r>
-            <a:r>
-              <a:rPr lang="en-US" altLang="zh-TW" dirty="0" err="1"/>
-              <a:t>nfd</a:t>
-            </a:r>
-            <a:r>
-              <a:rPr lang="zh-TW" altLang="en-US" dirty="0"/>
-              <a:t>，</a:t>
-            </a:r>
-            <a:r>
-              <a:rPr lang="en-US" altLang="zh-TW" dirty="0"/>
-              <a:t>spice</a:t>
-            </a:r>
-            <a:r>
-              <a:rPr lang="zh-TW" altLang="en-US" dirty="0"/>
-              <a:t>等。這些匯出動作都有</a:t>
+              <a:t>格式基於歷史因素仍大量存在於</a:t>
             </a:r>
             <a:r>
               <a:rPr lang="en-US" altLang="zh-TW" dirty="0"/>
@@ -12114,17 +12165,40 @@
             </a:r>
             <a:r>
               <a:rPr lang="zh-TW" altLang="en-US" dirty="0"/>
-              <a:t>函式可以支援。</a:t>
-            </a:r>
+              <a:t>當中。要完整剖析</a:t>
+            </a:r>
+            <a:r>
+              <a:rPr lang="en-US" altLang="zh-TW" dirty="0"/>
+              <a:t>xml</a:t>
+            </a:r>
+            <a:r>
+              <a:rPr lang="zh-TW" altLang="en-US" dirty="0"/>
+              <a:t>檔可以使用內建的</a:t>
+            </a:r>
+            <a:r>
+              <a:rPr lang="en-US" altLang="zh-TW" dirty="0"/>
+              <a:t>parser</a:t>
+            </a:r>
+            <a:r>
+              <a:rPr lang="zh-TW" altLang="en-US" dirty="0"/>
+              <a:t>。如果只需要擷取部分資料可以使用正規表示法。正規表示法留到之後再作介紹。</a:t>
+            </a:r>
+            <a:endParaRPr lang="en-US" altLang="zh-TW" dirty="0"/>
+          </a:p>
+          <a:p>
+            <a:pPr marL="0" indent="0">
+              <a:buNone/>
+            </a:pPr>
+            <a:endParaRPr lang="en-US" altLang="zh-TW" dirty="0"/>
           </a:p>
         </p:txBody>
       </p:sp>
       <p:sp>
         <p:nvSpPr>
-          <p:cNvPr id="3" name="標題 2">
-            <a:extLst>
-              <a:ext uri="{FF2B5EF4-FFF2-40B4-BE49-F238E27FC236}">
-                <a16:creationId xmlns:a16="http://schemas.microsoft.com/office/drawing/2014/main" id="{63D7A325-963B-489F-91E9-A3F5AE2DF8C7}"/>
+          <p:cNvPr id="4" name="標題 3">
+            <a:extLst>
+              <a:ext uri="{FF2B5EF4-FFF2-40B4-BE49-F238E27FC236}">
+                <a16:creationId xmlns:a16="http://schemas.microsoft.com/office/drawing/2014/main" id="{4F757CAB-CFF8-4102-BD5C-AF5056C64951}"/>
               </a:ext>
             </a:extLst>
           </p:cNvPr>
@@ -12141,60 +12215,25 @@
           <a:lstStyle/>
           <a:p>
             <a:r>
+              <a:rPr lang="en-US" altLang="zh-TW" dirty="0"/>
+              <a:t>CSV</a:t>
+            </a:r>
+            <a:r>
               <a:rPr lang="zh-TW" altLang="en-US" dirty="0"/>
-              <a:t>如何從</a:t>
+              <a:t>檔與</a:t>
             </a:r>
             <a:r>
               <a:rPr lang="en-US" altLang="zh-TW" dirty="0"/>
-              <a:t>AEDT</a:t>
-            </a:r>
-            <a:r>
-              <a:rPr lang="zh-TW" altLang="en-US" dirty="0"/>
-              <a:t>當中匯出模擬資料</a:t>
-            </a:r>
+              <a:t>XML</a:t>
+            </a:r>
+            <a:endParaRPr lang="zh-TW" altLang="en-US" dirty="0"/>
           </a:p>
         </p:txBody>
       </p:sp>
-      <p:pic>
-        <p:nvPicPr>
-          <p:cNvPr id="5" name="圖片 4" descr="電腦螢幕上的程式設計資料">
-            <a:extLst>
-              <a:ext uri="{FF2B5EF4-FFF2-40B4-BE49-F238E27FC236}">
-                <a16:creationId xmlns:a16="http://schemas.microsoft.com/office/drawing/2014/main" id="{1E64636B-B5D0-4D78-B07A-E367448C7959}"/>
-              </a:ext>
-            </a:extLst>
-          </p:cNvPr>
-          <p:cNvPicPr>
-            <a:picLocks noChangeAspect="1"/>
-          </p:cNvPicPr>
-          <p:nvPr/>
-        </p:nvPicPr>
-        <p:blipFill>
-          <a:blip r:embed="rId2">
-            <a:extLst>
-              <a:ext uri="{28A0092B-C50C-407E-A947-70E740481C1C}">
-                <a14:useLocalDpi xmlns:a14="http://schemas.microsoft.com/office/drawing/2010/main" val="0"/>
-              </a:ext>
-            </a:extLst>
-          </a:blip>
-          <a:stretch>
-            <a:fillRect/>
-          </a:stretch>
-        </p:blipFill>
-        <p:spPr>
-          <a:xfrm>
-            <a:off x="7104268" y="1846053"/>
-            <a:ext cx="4749999" cy="3165893"/>
-          </a:xfrm>
-          <a:prstGeom prst="rect">
-            <a:avLst/>
-          </a:prstGeom>
-        </p:spPr>
-      </p:pic>
     </p:spTree>
     <p:extLst>
       <p:ext uri="{BB962C8B-B14F-4D97-AF65-F5344CB8AC3E}">
-        <p14:creationId xmlns:p14="http://schemas.microsoft.com/office/powerpoint/2010/main" val="4119878490"/>
+        <p14:creationId xmlns:p14="http://schemas.microsoft.com/office/powerpoint/2010/main" val="1655947332"/>
       </p:ext>
     </p:extLst>
   </p:cSld>
@@ -12235,10 +12274,10 @@
       </p:grpSpPr>
       <p:sp>
         <p:nvSpPr>
-          <p:cNvPr id="4" name="文字版面配置區 3">
-            <a:extLst>
-              <a:ext uri="{FF2B5EF4-FFF2-40B4-BE49-F238E27FC236}">
-                <a16:creationId xmlns:a16="http://schemas.microsoft.com/office/drawing/2014/main" id="{2FA54F75-D405-4104-B6BB-EA44A23A109A}"/>
+          <p:cNvPr id="2" name="內容版面配置區 1">
+            <a:extLst>
+              <a:ext uri="{FF2B5EF4-FFF2-40B4-BE49-F238E27FC236}">
+                <a16:creationId xmlns:a16="http://schemas.microsoft.com/office/drawing/2014/main" id="{59AB1304-0A84-43D4-86EA-C45938C0568F}"/>
               </a:ext>
             </a:extLst>
           </p:cNvPr>
@@ -12246,45 +12285,7 @@
             <a:spLocks noGrp="1"/>
           </p:cNvSpPr>
           <p:nvPr>
-            <p:ph type="body" sz="quarter" idx="10"/>
-          </p:nvPr>
-        </p:nvSpPr>
-        <p:spPr/>
-        <p:txBody>
-          <a:bodyPr>
-            <a:normAutofit/>
-          </a:bodyPr>
-          <a:lstStyle/>
-          <a:p>
-            <a:r>
-              <a:rPr lang="zh-TW" altLang="en-US" dirty="0"/>
-              <a:t>範例解說：如何讀取</a:t>
-            </a:r>
-            <a:r>
-              <a:rPr lang="en-US" altLang="zh-TW" dirty="0"/>
-              <a:t> CSV</a:t>
-            </a:r>
-            <a:r>
-              <a:rPr lang="zh-TW" altLang="en-US" dirty="0"/>
-              <a:t>檔篩選資料並格式化輸出。</a:t>
-            </a:r>
-          </a:p>
-        </p:txBody>
-      </p:sp>
-      <p:sp>
-        <p:nvSpPr>
-          <p:cNvPr id="5" name="文字版面配置區 4">
-            <a:extLst>
-              <a:ext uri="{FF2B5EF4-FFF2-40B4-BE49-F238E27FC236}">
-                <a16:creationId xmlns:a16="http://schemas.microsoft.com/office/drawing/2014/main" id="{CEE2A55E-C73D-43FF-AA36-95C0FF95B7B1}"/>
-              </a:ext>
-            </a:extLst>
-          </p:cNvPr>
-          <p:cNvSpPr>
-            <a:spLocks noGrp="1"/>
-          </p:cNvSpPr>
-          <p:nvPr>
-            <p:ph type="body" sz="quarter" idx="12"/>
+            <p:ph idx="1"/>
           </p:nvPr>
         </p:nvSpPr>
         <p:spPr/>
@@ -12292,14 +12293,128 @@
           <a:bodyPr/>
           <a:lstStyle/>
           <a:p>
-            <a:endParaRPr lang="zh-TW" altLang="en-US"/>
+            <a:r>
+              <a:rPr lang="zh-TW" altLang="en-US" dirty="0"/>
+              <a:t>基本輸入輸出除了利用基本 </a:t>
+            </a:r>
+            <a:r>
+              <a:rPr lang="en-US" altLang="zh-TW" dirty="0"/>
+              <a:t>I/O</a:t>
+            </a:r>
+            <a:r>
+              <a:rPr lang="zh-TW" altLang="en-US" dirty="0"/>
+              <a:t>，自行決定要保存的運算結果之外，如果想直接保存物件狀態，在下次重新執行程式時讀取以恢復運算時必要的資料，這類的技術稱為物件序列化（</a:t>
+            </a:r>
+            <a:r>
+              <a:rPr lang="en-US" altLang="zh-TW" dirty="0"/>
+              <a:t>Object serialization</a:t>
+            </a:r>
+            <a:r>
+              <a:rPr lang="zh-TW" altLang="en-US" dirty="0"/>
+              <a:t>），在 </a:t>
+            </a:r>
+            <a:r>
+              <a:rPr lang="en-US" altLang="zh-TW" dirty="0"/>
+              <a:t>Python </a:t>
+            </a:r>
+            <a:r>
+              <a:rPr lang="zh-TW" altLang="en-US" dirty="0"/>
+              <a:t>中，提供標準模組 </a:t>
+            </a:r>
+            <a:r>
+              <a:rPr lang="en-US" altLang="zh-TW" dirty="0"/>
+              <a:t>pickle</a:t>
+            </a:r>
+            <a:r>
+              <a:rPr lang="zh-TW" altLang="en-US" dirty="0"/>
+              <a:t>來進行這方面的支援。</a:t>
+            </a:r>
           </a:p>
         </p:txBody>
       </p:sp>
+      <p:sp>
+        <p:nvSpPr>
+          <p:cNvPr id="3" name="標題 2">
+            <a:extLst>
+              <a:ext uri="{FF2B5EF4-FFF2-40B4-BE49-F238E27FC236}">
+                <a16:creationId xmlns:a16="http://schemas.microsoft.com/office/drawing/2014/main" id="{6E0CBFF7-9300-4AE1-B4BB-6E16CD7B2143}"/>
+              </a:ext>
+            </a:extLst>
+          </p:cNvPr>
+          <p:cNvSpPr>
+            <a:spLocks noGrp="1"/>
+          </p:cNvSpPr>
+          <p:nvPr>
+            <p:ph type="title"/>
+          </p:nvPr>
+        </p:nvSpPr>
+        <p:spPr/>
+        <p:txBody>
+          <a:bodyPr/>
+          <a:lstStyle/>
+          <a:p>
+            <a:r>
+              <a:rPr lang="en-US" altLang="zh-TW" dirty="0"/>
+              <a:t>Pickle</a:t>
+            </a:r>
+            <a:r>
+              <a:rPr lang="zh-TW" altLang="en-US" dirty="0"/>
+              <a:t>讀寫</a:t>
+            </a:r>
+          </a:p>
+        </p:txBody>
+      </p:sp>
+      <p:pic>
+        <p:nvPicPr>
+          <p:cNvPr id="1027" name="Picture 3" descr="Python Pickle Security Problems and Solutions | SmartFile">
+            <a:extLst>
+              <a:ext uri="{FF2B5EF4-FFF2-40B4-BE49-F238E27FC236}">
+                <a16:creationId xmlns:a16="http://schemas.microsoft.com/office/drawing/2014/main" id="{BA17854D-BDB8-49BC-BA2F-3B54811F0784}"/>
+              </a:ext>
+            </a:extLst>
+          </p:cNvPr>
+          <p:cNvPicPr>
+            <a:picLocks noChangeAspect="1" noChangeArrowheads="1"/>
+          </p:cNvPicPr>
+          <p:nvPr/>
+        </p:nvPicPr>
+        <p:blipFill>
+          <a:blip r:embed="rId2">
+            <a:extLst>
+              <a:ext uri="{28A0092B-C50C-407E-A947-70E740481C1C}">
+                <a14:useLocalDpi xmlns:a14="http://schemas.microsoft.com/office/drawing/2010/main" val="0"/>
+              </a:ext>
+            </a:extLst>
+          </a:blip>
+          <a:srcRect/>
+          <a:stretch>
+            <a:fillRect/>
+          </a:stretch>
+        </p:blipFill>
+        <p:spPr bwMode="auto">
+          <a:xfrm>
+            <a:off x="2583494" y="3801374"/>
+            <a:ext cx="6770194" cy="1685026"/>
+          </a:xfrm>
+          <a:prstGeom prst="rect">
+            <a:avLst/>
+          </a:prstGeom>
+          <a:noFill/>
+          <a:extLst>
+            <a:ext uri="{909E8E84-426E-40DD-AFC4-6F175D3DCCD1}">
+              <a14:hiddenFill xmlns:a14="http://schemas.microsoft.com/office/drawing/2010/main">
+                <a:solidFill>
+                  <a:srgbClr val="FFFFFF"/>
+                </a:solidFill>
+              </a14:hiddenFill>
+            </a:ext>
+          </a:extLst>
+        </p:spPr>
+      </p:pic>
     </p:spTree>
     <p:extLst>
       <p:ext uri="{BB962C8B-B14F-4D97-AF65-F5344CB8AC3E}">
-        <p14:creationId xmlns:p14="http://schemas.microsoft.com/office/powerpoint/2010/main" val="3139632968"/>
+        <p14:creationId xmlns:p14="http://schemas.microsoft.com/office/powerpoint/2010/main" val="2198752928"/>
       </p:ext>
     </p:extLst>
   </p:cSld>
@@ -12356,6 +12471,111 @@
         </p:nvSpPr>
         <p:spPr/>
         <p:txBody>
+          <a:bodyPr>
+            <a:normAutofit/>
+          </a:bodyPr>
+          <a:lstStyle/>
+          <a:p>
+            <a:r>
+              <a:rPr lang="zh-TW" altLang="en-US" dirty="0"/>
+              <a:t>範例解說：如何讀取</a:t>
+            </a:r>
+            <a:r>
+              <a:rPr lang="en-US" altLang="zh-TW" dirty="0"/>
+              <a:t> CSV</a:t>
+            </a:r>
+            <a:r>
+              <a:rPr lang="zh-TW" altLang="en-US" dirty="0"/>
+              <a:t>檔篩選資料並格式化輸出。</a:t>
+            </a:r>
+          </a:p>
+        </p:txBody>
+      </p:sp>
+      <p:sp>
+        <p:nvSpPr>
+          <p:cNvPr id="5" name="文字版面配置區 4">
+            <a:extLst>
+              <a:ext uri="{FF2B5EF4-FFF2-40B4-BE49-F238E27FC236}">
+                <a16:creationId xmlns:a16="http://schemas.microsoft.com/office/drawing/2014/main" id="{CEE2A55E-C73D-43FF-AA36-95C0FF95B7B1}"/>
+              </a:ext>
+            </a:extLst>
+          </p:cNvPr>
+          <p:cNvSpPr>
+            <a:spLocks noGrp="1"/>
+          </p:cNvSpPr>
+          <p:nvPr>
+            <p:ph type="body" sz="quarter" idx="12"/>
+          </p:nvPr>
+        </p:nvSpPr>
+        <p:spPr/>
+        <p:txBody>
+          <a:bodyPr/>
+          <a:lstStyle/>
+          <a:p>
+            <a:endParaRPr lang="zh-TW" altLang="en-US"/>
+          </a:p>
+        </p:txBody>
+      </p:sp>
+    </p:spTree>
+    <p:extLst>
+      <p:ext uri="{BB962C8B-B14F-4D97-AF65-F5344CB8AC3E}">
+        <p14:creationId xmlns:p14="http://schemas.microsoft.com/office/powerpoint/2010/main" val="3139632968"/>
+      </p:ext>
+    </p:extLst>
+  </p:cSld>
+  <p:clrMapOvr>
+    <a:masterClrMapping/>
+  </p:clrMapOvr>
+  <mc:AlternateContent xmlns:mc="http://schemas.openxmlformats.org/markup-compatibility/2006" xmlns:p14="http://schemas.microsoft.com/office/powerpoint/2010/main">
+    <mc:Choice Requires="p14">
+      <p:transition p14:dur="250">
+        <p:fade/>
+      </p:transition>
+    </mc:Choice>
+    <mc:Fallback xmlns="">
+      <p:transition>
+        <p:fade/>
+      </p:transition>
+    </mc:Fallback>
+  </mc:AlternateContent>
+</p:sld>
+</file>
+
+<file path=ppt/slides/slide16.xml><?xml version="1.0" encoding="utf-8"?>
+<p:sld xmlns:a="http://schemas.openxmlformats.org/drawingml/2006/main" xmlns:r="http://schemas.openxmlformats.org/officeDocument/2006/relationships" xmlns:p="http://schemas.openxmlformats.org/presentationml/2006/main">
+  <p:cSld>
+    <p:spTree>
+      <p:nvGrpSpPr>
+        <p:cNvPr id="1" name=""/>
+        <p:cNvGrpSpPr/>
+        <p:nvPr/>
+      </p:nvGrpSpPr>
+      <p:grpSpPr>
+        <a:xfrm>
+          <a:off x="0" y="0"/>
+          <a:ext cx="0" cy="0"/>
+          <a:chOff x="0" y="0"/>
+          <a:chExt cx="0" cy="0"/>
+        </a:xfrm>
+      </p:grpSpPr>
+      <p:sp>
+        <p:nvSpPr>
+          <p:cNvPr id="4" name="文字版面配置區 3">
+            <a:extLst>
+              <a:ext uri="{FF2B5EF4-FFF2-40B4-BE49-F238E27FC236}">
+                <a16:creationId xmlns:a16="http://schemas.microsoft.com/office/drawing/2014/main" id="{2FA54F75-D405-4104-B6BB-EA44A23A109A}"/>
+              </a:ext>
+            </a:extLst>
+          </p:cNvPr>
+          <p:cNvSpPr>
+            <a:spLocks noGrp="1"/>
+          </p:cNvSpPr>
+          <p:nvPr>
+            <p:ph type="body" sz="quarter" idx="10"/>
+          </p:nvPr>
+        </p:nvSpPr>
+        <p:spPr/>
+        <p:txBody>
           <a:bodyPr/>
           <a:lstStyle/>
           <a:p>
@@ -12416,7 +12636,7 @@
 </p:sld>
 </file>
 
-<file path=ppt/slides/slide16.xml><?xml version="1.0" encoding="utf-8"?>
+<file path=ppt/slides/slide17.xml><?xml version="1.0" encoding="utf-8"?>
 <p:sld xmlns:a="http://schemas.openxmlformats.org/drawingml/2006/main" xmlns:r="http://schemas.openxmlformats.org/officeDocument/2006/relationships" xmlns:p="http://schemas.openxmlformats.org/presentationml/2006/main">
   <p:cSld>
     <p:spTree>
@@ -13802,7 +14022,12 @@
             <p:ph idx="1"/>
           </p:nvPr>
         </p:nvSpPr>
-        <p:spPr/>
+        <p:spPr>
+          <a:xfrm>
+            <a:off x="609600" y="1371600"/>
+            <a:ext cx="5791200" cy="4762471"/>
+          </a:xfrm>
+        </p:spPr>
         <p:txBody>
           <a:bodyPr/>
           <a:lstStyle/>
@@ -13811,10 +14036,16 @@
               <a:buNone/>
             </a:pPr>
             <a:r>
-              <a:rPr lang="en-US" altLang="zh-TW" dirty="0">
-                <a:hlinkClick r:id="rId2"/>
-              </a:rPr>
-              <a:t>https://www.runoob.com/python/att-string-format.html</a:t>
+              <a:rPr lang="zh-TW" altLang="en-US" dirty="0"/>
+              <a:t>在輸出資料檔時，為了容易閱讀，要串接固定字串及變數，或是要將輸出字串對齊或置中。這時候就可以利用字串的</a:t>
+            </a:r>
+            <a:r>
+              <a:rPr lang="en-US" altLang="zh-TW" dirty="0"/>
+              <a:t>format</a:t>
+            </a:r>
+            <a:r>
+              <a:rPr lang="zh-TW" altLang="en-US" dirty="0"/>
+              <a:t>方法來快速完成複雜字串的編輯。</a:t>
             </a:r>
             <a:endParaRPr lang="en-US" altLang="zh-TW" dirty="0"/>
           </a:p>
@@ -13830,16 +14061,41 @@
             </a:pPr>
             <a:r>
               <a:rPr lang="zh-TW" altLang="en-US" dirty="0"/>
-              <a:t>在輸出資料檔時，為了容易閱讀，要串接固定字串及變數，或是要將輸出字串對齊或置中。這時候就可以利用字串的</a:t>
-            </a:r>
-            <a:r>
-              <a:rPr lang="en-US" altLang="zh-TW" dirty="0"/>
-              <a:t>format</a:t>
-            </a:r>
-            <a:r>
-              <a:rPr lang="zh-TW" altLang="en-US" dirty="0"/>
-              <a:t>方法來快速完成複雜字串的編輯。</a:t>
-            </a:r>
+              <a:t>參考網址：</a:t>
+            </a:r>
+            <a:endParaRPr lang="en-US" altLang="zh-TW" dirty="0">
+              <a:hlinkClick r:id="rId2">
+                <a:extLst>
+                  <a:ext uri="{A12FA001-AC4F-418D-AE19-62706E023703}">
+                    <ahyp:hlinkClr xmlns:ahyp="http://schemas.microsoft.com/office/drawing/2018/hyperlinkcolor" val="tx"/>
+                  </a:ext>
+                </a:extLst>
+              </a:hlinkClick>
+            </a:endParaRPr>
+          </a:p>
+          <a:p>
+            <a:pPr marL="0" indent="0">
+              <a:buNone/>
+            </a:pPr>
+            <a:r>
+              <a:rPr lang="en-US" altLang="zh-TW" dirty="0">
+                <a:hlinkClick r:id="rId2">
+                  <a:extLst>
+                    <a:ext uri="{A12FA001-AC4F-418D-AE19-62706E023703}">
+                      <ahyp:hlinkClr xmlns:ahyp="http://schemas.microsoft.com/office/drawing/2018/hyperlinkcolor" val="tx"/>
+                    </a:ext>
+                  </a:extLst>
+                </a:hlinkClick>
+              </a:rPr>
+              <a:t>https://www.runoob.com/python/att-string-format.html</a:t>
+            </a:r>
+            <a:endParaRPr lang="en-US" altLang="zh-TW" dirty="0"/>
+          </a:p>
+          <a:p>
+            <a:pPr marL="0" indent="0">
+              <a:buNone/>
+            </a:pPr>
+            <a:endParaRPr lang="en-US" altLang="zh-TW" dirty="0"/>
           </a:p>
         </p:txBody>
       </p:sp>
@@ -13871,6 +14127,36 @@
           </a:p>
         </p:txBody>
       </p:sp>
+      <p:pic>
+        <p:nvPicPr>
+          <p:cNvPr id="6" name="圖片 5">
+            <a:extLst>
+              <a:ext uri="{FF2B5EF4-FFF2-40B4-BE49-F238E27FC236}">
+                <a16:creationId xmlns:a16="http://schemas.microsoft.com/office/drawing/2014/main" id="{85034C2B-3432-4626-84CF-94B6DBF5DFD8}"/>
+              </a:ext>
+            </a:extLst>
+          </p:cNvPr>
+          <p:cNvPicPr>
+            <a:picLocks noChangeAspect="1"/>
+          </p:cNvPicPr>
+          <p:nvPr/>
+        </p:nvPicPr>
+        <p:blipFill>
+          <a:blip r:embed="rId3"/>
+          <a:stretch>
+            <a:fillRect/>
+          </a:stretch>
+        </p:blipFill>
+        <p:spPr>
+          <a:xfrm>
+            <a:off x="6489715" y="760918"/>
+            <a:ext cx="5182049" cy="5060118"/>
+          </a:xfrm>
+          <a:prstGeom prst="rect">
+            <a:avLst/>
+          </a:prstGeom>
+        </p:spPr>
+      </p:pic>
     </p:spTree>
     <p:extLst>
       <p:ext uri="{BB962C8B-B14F-4D97-AF65-F5344CB8AC3E}">

--- a/上課教材/Week3.pptx
+++ b/上課教材/Week3.pptx
@@ -14,14 +14,15 @@
     <p:sldId id="327" r:id="rId8"/>
     <p:sldId id="1962" r:id="rId9"/>
     <p:sldId id="318" r:id="rId10"/>
-    <p:sldId id="325" r:id="rId11"/>
-    <p:sldId id="322" r:id="rId12"/>
-    <p:sldId id="1963" r:id="rId13"/>
-    <p:sldId id="319" r:id="rId14"/>
-    <p:sldId id="1964" r:id="rId15"/>
-    <p:sldId id="272" r:id="rId16"/>
-    <p:sldId id="259" r:id="rId17"/>
-    <p:sldId id="312" r:id="rId18"/>
+    <p:sldId id="1965" r:id="rId11"/>
+    <p:sldId id="325" r:id="rId12"/>
+    <p:sldId id="322" r:id="rId13"/>
+    <p:sldId id="1963" r:id="rId14"/>
+    <p:sldId id="319" r:id="rId15"/>
+    <p:sldId id="1964" r:id="rId16"/>
+    <p:sldId id="272" r:id="rId17"/>
+    <p:sldId id="259" r:id="rId18"/>
+    <p:sldId id="312" r:id="rId19"/>
   </p:sldIdLst>
   <p:sldSz cx="12192000" cy="6858000"/>
   <p:notesSz cx="6858000" cy="9144000"/>
@@ -131,7 +132,7 @@
 <file path=ppt/revisionInfo.xml><?xml version="1.0" encoding="utf-8"?>
 <p1510:revInfo xmlns:a="http://schemas.openxmlformats.org/drawingml/2006/main" xmlns:r="http://schemas.openxmlformats.org/officeDocument/2006/relationships" xmlns:p1510="http://schemas.microsoft.com/office/powerpoint/2015/10/main">
   <p1510:revLst>
-    <p1510:client id="{73C49393-00F6-48C7-99DB-5262FA837701}" v="375" dt="2020-06-11T00:42:12.154"/>
+    <p1510:client id="{73C49393-00F6-48C7-99DB-5262FA837701}" v="762" dt="2020-06-11T21:09:14.879"/>
   </p1510:revLst>
 </p1510:revInfo>
 </file>
@@ -2027,8 +2028,8 @@
   </pc:docChgLst>
   <pc:docChgLst>
     <pc:chgData name="Ming-Chih Lin" userId="f1ba3ba5-e185-404b-b55f-b2be90e2bdc2" providerId="ADAL" clId="{73C49393-00F6-48C7-99DB-5262FA837701}"/>
-    <pc:docChg chg="undo custSel addSld delSld modSld sldOrd">
-      <pc:chgData name="Ming-Chih Lin" userId="f1ba3ba5-e185-404b-b55f-b2be90e2bdc2" providerId="ADAL" clId="{73C49393-00F6-48C7-99DB-5262FA837701}" dt="2020-06-11T00:42:40.773" v="2448"/>
+    <pc:docChg chg="undo custSel mod addSld delSld modSld sldOrd">
+      <pc:chgData name="Ming-Chih Lin" userId="f1ba3ba5-e185-404b-b55f-b2be90e2bdc2" providerId="ADAL" clId="{73C49393-00F6-48C7-99DB-5262FA837701}" dt="2020-06-11T21:09:14.879" v="3531" actId="14100"/>
       <pc:docMkLst>
         <pc:docMk/>
       </pc:docMkLst>
@@ -2062,20 +2063,36 @@
           <pc:sldMk cId="2189207556" sldId="272"/>
         </pc:sldMkLst>
       </pc:sldChg>
-      <pc:sldChg chg="modSp add mod">
-        <pc:chgData name="Ming-Chih Lin" userId="f1ba3ba5-e185-404b-b55f-b2be90e2bdc2" providerId="ADAL" clId="{73C49393-00F6-48C7-99DB-5262FA837701}" dt="2020-06-08T00:51:54.698" v="2226"/>
+      <pc:sldChg chg="addSp delSp modSp add mod">
+        <pc:chgData name="Ming-Chih Lin" userId="f1ba3ba5-e185-404b-b55f-b2be90e2bdc2" providerId="ADAL" clId="{73C49393-00F6-48C7-99DB-5262FA837701}" dt="2020-06-11T20:53:56.627" v="2849" actId="12100"/>
         <pc:sldMkLst>
           <pc:docMk/>
           <pc:sldMk cId="3139632968" sldId="272"/>
         </pc:sldMkLst>
         <pc:spChg chg="mod">
-          <ac:chgData name="Ming-Chih Lin" userId="f1ba3ba5-e185-404b-b55f-b2be90e2bdc2" providerId="ADAL" clId="{73C49393-00F6-48C7-99DB-5262FA837701}" dt="2020-06-08T00:51:54.698" v="2226"/>
+          <ac:chgData name="Ming-Chih Lin" userId="f1ba3ba5-e185-404b-b55f-b2be90e2bdc2" providerId="ADAL" clId="{73C49393-00F6-48C7-99DB-5262FA837701}" dt="2020-06-11T20:52:11.063" v="2841" actId="20577"/>
           <ac:spMkLst>
             <pc:docMk/>
             <pc:sldMk cId="3139632968" sldId="272"/>
             <ac:spMk id="4" creationId="{2FA54F75-D405-4104-B6BB-EA44A23A109A}"/>
           </ac:spMkLst>
         </pc:spChg>
+        <pc:spChg chg="del">
+          <ac:chgData name="Ming-Chih Lin" userId="f1ba3ba5-e185-404b-b55f-b2be90e2bdc2" providerId="ADAL" clId="{73C49393-00F6-48C7-99DB-5262FA837701}" dt="2020-06-11T20:51:24.542" v="2829" actId="478"/>
+          <ac:spMkLst>
+            <pc:docMk/>
+            <pc:sldMk cId="3139632968" sldId="272"/>
+            <ac:spMk id="5" creationId="{CEE2A55E-C73D-43FF-AA36-95C0FF95B7B1}"/>
+          </ac:spMkLst>
+        </pc:spChg>
+        <pc:graphicFrameChg chg="add mod">
+          <ac:chgData name="Ming-Chih Lin" userId="f1ba3ba5-e185-404b-b55f-b2be90e2bdc2" providerId="ADAL" clId="{73C49393-00F6-48C7-99DB-5262FA837701}" dt="2020-06-11T20:53:56.627" v="2849" actId="12100"/>
+          <ac:graphicFrameMkLst>
+            <pc:docMk/>
+            <pc:sldMk cId="3139632968" sldId="272"/>
+            <ac:graphicFrameMk id="6" creationId="{EC1231C7-4B48-4F52-9543-2FDBC1FFD295}"/>
+          </ac:graphicFrameMkLst>
+        </pc:graphicFrameChg>
       </pc:sldChg>
       <pc:sldChg chg="del">
         <pc:chgData name="Ming-Chih Lin" userId="f1ba3ba5-e185-404b-b55f-b2be90e2bdc2" providerId="ADAL" clId="{73C49393-00F6-48C7-99DB-5262FA837701}" dt="2020-06-02T00:11:20.397" v="13" actId="47"/>
@@ -2175,6 +2192,141 @@
           <pc:sldMk cId="1680955994" sldId="310"/>
         </pc:sldMkLst>
       </pc:sldChg>
+      <pc:sldChg chg="addSp delSp modSp mod modClrScheme chgLayout">
+        <pc:chgData name="Ming-Chih Lin" userId="f1ba3ba5-e185-404b-b55f-b2be90e2bdc2" providerId="ADAL" clId="{73C49393-00F6-48C7-99DB-5262FA837701}" dt="2020-06-11T21:09:14.879" v="3531" actId="14100"/>
+        <pc:sldMkLst>
+          <pc:docMk/>
+          <pc:sldMk cId="1266417032" sldId="312"/>
+        </pc:sldMkLst>
+        <pc:spChg chg="mod">
+          <ac:chgData name="Ming-Chih Lin" userId="f1ba3ba5-e185-404b-b55f-b2be90e2bdc2" providerId="ADAL" clId="{73C49393-00F6-48C7-99DB-5262FA837701}" dt="2020-06-11T20:56:23.544" v="2875" actId="26606"/>
+          <ac:spMkLst>
+            <pc:docMk/>
+            <pc:sldMk cId="1266417032" sldId="312"/>
+            <ac:spMk id="4" creationId="{1854605A-57A1-476A-82F9-537D284E62C2}"/>
+          </ac:spMkLst>
+        </pc:spChg>
+        <pc:spChg chg="add del">
+          <ac:chgData name="Ming-Chih Lin" userId="f1ba3ba5-e185-404b-b55f-b2be90e2bdc2" providerId="ADAL" clId="{73C49393-00F6-48C7-99DB-5262FA837701}" dt="2020-06-11T20:56:23.544" v="2875" actId="26606"/>
+          <ac:spMkLst>
+            <pc:docMk/>
+            <pc:sldMk cId="1266417032" sldId="312"/>
+            <ac:spMk id="5" creationId="{221EB24A-D4DB-45CB-BE7B-D41F7B493329}"/>
+          </ac:spMkLst>
+        </pc:spChg>
+        <pc:spChg chg="add del mod">
+          <ac:chgData name="Ming-Chih Lin" userId="f1ba3ba5-e185-404b-b55f-b2be90e2bdc2" providerId="ADAL" clId="{73C49393-00F6-48C7-99DB-5262FA837701}" dt="2020-06-11T20:56:12.372" v="2864" actId="26606"/>
+          <ac:spMkLst>
+            <pc:docMk/>
+            <pc:sldMk cId="1266417032" sldId="312"/>
+            <ac:spMk id="11" creationId="{01BE97AB-03A6-4BDD-9894-7482434E4EEC}"/>
+          </ac:spMkLst>
+        </pc:spChg>
+        <pc:spChg chg="add del mod">
+          <ac:chgData name="Ming-Chih Lin" userId="f1ba3ba5-e185-404b-b55f-b2be90e2bdc2" providerId="ADAL" clId="{73C49393-00F6-48C7-99DB-5262FA837701}" dt="2020-06-11T20:56:16.775" v="2866" actId="26606"/>
+          <ac:spMkLst>
+            <pc:docMk/>
+            <pc:sldMk cId="1266417032" sldId="312"/>
+            <ac:spMk id="13" creationId="{0A06A6C0-45DA-4822-8107-CC6451C95679}"/>
+          </ac:spMkLst>
+        </pc:spChg>
+        <pc:spChg chg="add del mod">
+          <ac:chgData name="Ming-Chih Lin" userId="f1ba3ba5-e185-404b-b55f-b2be90e2bdc2" providerId="ADAL" clId="{73C49393-00F6-48C7-99DB-5262FA837701}" dt="2020-06-11T20:56:19.714" v="2868" actId="26606"/>
+          <ac:spMkLst>
+            <pc:docMk/>
+            <pc:sldMk cId="1266417032" sldId="312"/>
+            <ac:spMk id="16" creationId="{0A06A6C0-45DA-4822-8107-CC6451C95679}"/>
+          </ac:spMkLst>
+        </pc:spChg>
+        <pc:spChg chg="add del mod">
+          <ac:chgData name="Ming-Chih Lin" userId="f1ba3ba5-e185-404b-b55f-b2be90e2bdc2" providerId="ADAL" clId="{73C49393-00F6-48C7-99DB-5262FA837701}" dt="2020-06-11T20:56:21.739" v="2870" actId="26606"/>
+          <ac:spMkLst>
+            <pc:docMk/>
+            <pc:sldMk cId="1266417032" sldId="312"/>
+            <ac:spMk id="19" creationId="{91BD4EE6-3BD6-4393-993F-1CBBD2C27513}"/>
+          </ac:spMkLst>
+        </pc:spChg>
+        <pc:spChg chg="add del mod">
+          <ac:chgData name="Ming-Chih Lin" userId="f1ba3ba5-e185-404b-b55f-b2be90e2bdc2" providerId="ADAL" clId="{73C49393-00F6-48C7-99DB-5262FA837701}" dt="2020-06-11T20:56:22.584" v="2872" actId="26606"/>
+          <ac:spMkLst>
+            <pc:docMk/>
+            <pc:sldMk cId="1266417032" sldId="312"/>
+            <ac:spMk id="22" creationId="{01BE97AB-03A6-4BDD-9894-7482434E4EEC}"/>
+          </ac:spMkLst>
+        </pc:spChg>
+        <pc:spChg chg="add del mod">
+          <ac:chgData name="Ming-Chih Lin" userId="f1ba3ba5-e185-404b-b55f-b2be90e2bdc2" providerId="ADAL" clId="{73C49393-00F6-48C7-99DB-5262FA837701}" dt="2020-06-11T20:56:23.514" v="2874" actId="26606"/>
+          <ac:spMkLst>
+            <pc:docMk/>
+            <pc:sldMk cId="1266417032" sldId="312"/>
+            <ac:spMk id="25" creationId="{91BD4EE6-3BD6-4393-993F-1CBBD2C27513}"/>
+          </ac:spMkLst>
+        </pc:spChg>
+        <pc:spChg chg="add mod">
+          <ac:chgData name="Ming-Chih Lin" userId="f1ba3ba5-e185-404b-b55f-b2be90e2bdc2" providerId="ADAL" clId="{73C49393-00F6-48C7-99DB-5262FA837701}" dt="2020-06-11T21:09:08.061" v="3530" actId="14100"/>
+          <ac:spMkLst>
+            <pc:docMk/>
+            <pc:sldMk cId="1266417032" sldId="312"/>
+            <ac:spMk id="28" creationId="{01BE97AB-03A6-4BDD-9894-7482434E4EEC}"/>
+          </ac:spMkLst>
+        </pc:spChg>
+        <pc:graphicFrameChg chg="add del mod">
+          <ac:chgData name="Ming-Chih Lin" userId="f1ba3ba5-e185-404b-b55f-b2be90e2bdc2" providerId="ADAL" clId="{73C49393-00F6-48C7-99DB-5262FA837701}" dt="2020-06-11T20:56:12.372" v="2864" actId="26606"/>
+          <ac:graphicFrameMkLst>
+            <pc:docMk/>
+            <pc:sldMk cId="1266417032" sldId="312"/>
+            <ac:graphicFrameMk id="7" creationId="{65ACC48E-E28C-4D76-B91A-BBF5321702F0}"/>
+          </ac:graphicFrameMkLst>
+        </pc:graphicFrameChg>
+        <pc:graphicFrameChg chg="add del mod">
+          <ac:chgData name="Ming-Chih Lin" userId="f1ba3ba5-e185-404b-b55f-b2be90e2bdc2" providerId="ADAL" clId="{73C49393-00F6-48C7-99DB-5262FA837701}" dt="2020-06-11T20:56:16.775" v="2866" actId="26606"/>
+          <ac:graphicFrameMkLst>
+            <pc:docMk/>
+            <pc:sldMk cId="1266417032" sldId="312"/>
+            <ac:graphicFrameMk id="14" creationId="{2D31276D-4817-43A4-82DF-019BEBA7CA85}"/>
+          </ac:graphicFrameMkLst>
+        </pc:graphicFrameChg>
+        <pc:graphicFrameChg chg="add del mod">
+          <ac:chgData name="Ming-Chih Lin" userId="f1ba3ba5-e185-404b-b55f-b2be90e2bdc2" providerId="ADAL" clId="{73C49393-00F6-48C7-99DB-5262FA837701}" dt="2020-06-11T20:56:19.714" v="2868" actId="26606"/>
+          <ac:graphicFrameMkLst>
+            <pc:docMk/>
+            <pc:sldMk cId="1266417032" sldId="312"/>
+            <ac:graphicFrameMk id="17" creationId="{AEDCC82A-1383-40C2-9505-368126F7057A}"/>
+          </ac:graphicFrameMkLst>
+        </pc:graphicFrameChg>
+        <pc:graphicFrameChg chg="add del mod">
+          <ac:chgData name="Ming-Chih Lin" userId="f1ba3ba5-e185-404b-b55f-b2be90e2bdc2" providerId="ADAL" clId="{73C49393-00F6-48C7-99DB-5262FA837701}" dt="2020-06-11T20:56:21.739" v="2870" actId="26606"/>
+          <ac:graphicFrameMkLst>
+            <pc:docMk/>
+            <pc:sldMk cId="1266417032" sldId="312"/>
+            <ac:graphicFrameMk id="20" creationId="{DD235783-018D-4DF4-8310-2C57FD961618}"/>
+          </ac:graphicFrameMkLst>
+        </pc:graphicFrameChg>
+        <pc:graphicFrameChg chg="add del mod">
+          <ac:chgData name="Ming-Chih Lin" userId="f1ba3ba5-e185-404b-b55f-b2be90e2bdc2" providerId="ADAL" clId="{73C49393-00F6-48C7-99DB-5262FA837701}" dt="2020-06-11T20:56:22.584" v="2872" actId="26606"/>
+          <ac:graphicFrameMkLst>
+            <pc:docMk/>
+            <pc:sldMk cId="1266417032" sldId="312"/>
+            <ac:graphicFrameMk id="23" creationId="{65ACC48E-E28C-4D76-B91A-BBF5321702F0}"/>
+          </ac:graphicFrameMkLst>
+        </pc:graphicFrameChg>
+        <pc:graphicFrameChg chg="add del mod">
+          <ac:chgData name="Ming-Chih Lin" userId="f1ba3ba5-e185-404b-b55f-b2be90e2bdc2" providerId="ADAL" clId="{73C49393-00F6-48C7-99DB-5262FA837701}" dt="2020-06-11T20:56:23.514" v="2874" actId="26606"/>
+          <ac:graphicFrameMkLst>
+            <pc:docMk/>
+            <pc:sldMk cId="1266417032" sldId="312"/>
+            <ac:graphicFrameMk id="26" creationId="{DD235783-018D-4DF4-8310-2C57FD961618}"/>
+          </ac:graphicFrameMkLst>
+        </pc:graphicFrameChg>
+        <pc:graphicFrameChg chg="add mod">
+          <ac:chgData name="Ming-Chih Lin" userId="f1ba3ba5-e185-404b-b55f-b2be90e2bdc2" providerId="ADAL" clId="{73C49393-00F6-48C7-99DB-5262FA837701}" dt="2020-06-11T21:09:14.879" v="3531" actId="14100"/>
+          <ac:graphicFrameMkLst>
+            <pc:docMk/>
+            <pc:sldMk cId="1266417032" sldId="312"/>
+            <ac:graphicFrameMk id="29" creationId="{65ACC48E-E28C-4D76-B91A-BBF5321702F0}"/>
+          </ac:graphicFrameMkLst>
+        </pc:graphicFrameChg>
+      </pc:sldChg>
       <pc:sldChg chg="del">
         <pc:chgData name="Ming-Chih Lin" userId="f1ba3ba5-e185-404b-b55f-b2be90e2bdc2" providerId="ADAL" clId="{73C49393-00F6-48C7-99DB-5262FA837701}" dt="2020-06-02T00:12:16.208" v="16" actId="47"/>
         <pc:sldMkLst>
@@ -2761,9 +2913,6296 @@
           </ac:picMkLst>
         </pc:picChg>
       </pc:sldChg>
+      <pc:sldChg chg="modSp new del mod">
+        <pc:chgData name="Ming-Chih Lin" userId="f1ba3ba5-e185-404b-b55f-b2be90e2bdc2" providerId="ADAL" clId="{73C49393-00F6-48C7-99DB-5262FA837701}" dt="2020-06-11T07:49:31.225" v="2458" actId="47"/>
+        <pc:sldMkLst>
+          <pc:docMk/>
+          <pc:sldMk cId="2924466447" sldId="1965"/>
+        </pc:sldMkLst>
+        <pc:spChg chg="mod">
+          <ac:chgData name="Ming-Chih Lin" userId="f1ba3ba5-e185-404b-b55f-b2be90e2bdc2" providerId="ADAL" clId="{73C49393-00F6-48C7-99DB-5262FA837701}" dt="2020-06-11T07:49:25.149" v="2457" actId="20577"/>
+          <ac:spMkLst>
+            <pc:docMk/>
+            <pc:sldMk cId="2924466447" sldId="1965"/>
+            <ac:spMk id="3" creationId="{72E7B718-4EE0-4546-B07C-121B7B37072F}"/>
+          </ac:spMkLst>
+        </pc:spChg>
+      </pc:sldChg>
+      <pc:sldChg chg="addSp delSp modSp new mod chgLayout">
+        <pc:chgData name="Ming-Chih Lin" userId="f1ba3ba5-e185-404b-b55f-b2be90e2bdc2" providerId="ADAL" clId="{73C49393-00F6-48C7-99DB-5262FA837701}" dt="2020-06-11T20:57:25.122" v="2878" actId="20577"/>
+        <pc:sldMkLst>
+          <pc:docMk/>
+          <pc:sldMk cId="3146720728" sldId="1965"/>
+        </pc:sldMkLst>
+        <pc:spChg chg="del">
+          <ac:chgData name="Ming-Chih Lin" userId="f1ba3ba5-e185-404b-b55f-b2be90e2bdc2" providerId="ADAL" clId="{73C49393-00F6-48C7-99DB-5262FA837701}" dt="2020-06-11T20:37:54.053" v="2544"/>
+          <ac:spMkLst>
+            <pc:docMk/>
+            <pc:sldMk cId="3146720728" sldId="1965"/>
+            <ac:spMk id="2" creationId="{6F6D9E04-33D5-4155-AF60-717D1C6631B7}"/>
+          </ac:spMkLst>
+        </pc:spChg>
+        <pc:spChg chg="mod ord">
+          <ac:chgData name="Ming-Chih Lin" userId="f1ba3ba5-e185-404b-b55f-b2be90e2bdc2" providerId="ADAL" clId="{73C49393-00F6-48C7-99DB-5262FA837701}" dt="2020-06-11T20:57:25.122" v="2878" actId="20577"/>
+          <ac:spMkLst>
+            <pc:docMk/>
+            <pc:sldMk cId="3146720728" sldId="1965"/>
+            <ac:spMk id="3" creationId="{028DAB8E-F242-4BC2-88B2-5B867F09EE3B}"/>
+          </ac:spMkLst>
+        </pc:spChg>
+        <pc:spChg chg="add del mod">
+          <ac:chgData name="Ming-Chih Lin" userId="f1ba3ba5-e185-404b-b55f-b2be90e2bdc2" providerId="ADAL" clId="{73C49393-00F6-48C7-99DB-5262FA837701}" dt="2020-06-11T20:49:35.824" v="2806" actId="478"/>
+          <ac:spMkLst>
+            <pc:docMk/>
+            <pc:sldMk cId="3146720728" sldId="1965"/>
+            <ac:spMk id="6" creationId="{58E3543B-2BAD-493D-A154-7E8251544CBF}"/>
+          </ac:spMkLst>
+        </pc:spChg>
+        <pc:spChg chg="add del mod ord">
+          <ac:chgData name="Ming-Chih Lin" userId="f1ba3ba5-e185-404b-b55f-b2be90e2bdc2" providerId="ADAL" clId="{73C49393-00F6-48C7-99DB-5262FA837701}" dt="2020-06-11T20:55:05.323" v="2862" actId="700"/>
+          <ac:spMkLst>
+            <pc:docMk/>
+            <pc:sldMk cId="3146720728" sldId="1965"/>
+            <ac:spMk id="9" creationId="{B678A7CA-2767-4297-851F-5A86026ABB3E}"/>
+          </ac:spMkLst>
+        </pc:spChg>
+        <pc:picChg chg="add del mod">
+          <ac:chgData name="Ming-Chih Lin" userId="f1ba3ba5-e185-404b-b55f-b2be90e2bdc2" providerId="ADAL" clId="{73C49393-00F6-48C7-99DB-5262FA837701}" dt="2020-06-11T20:49:32.760" v="2803" actId="478"/>
+          <ac:picMkLst>
+            <pc:docMk/>
+            <pc:sldMk cId="3146720728" sldId="1965"/>
+            <ac:picMk id="4" creationId="{41301826-BB8F-48C1-8E6E-F76E5399BA5B}"/>
+          </ac:picMkLst>
+        </pc:picChg>
+        <pc:picChg chg="add del">
+          <ac:chgData name="Ming-Chih Lin" userId="f1ba3ba5-e185-404b-b55f-b2be90e2bdc2" providerId="ADAL" clId="{73C49393-00F6-48C7-99DB-5262FA837701}" dt="2020-06-11T20:49:34.049" v="2805"/>
+          <ac:picMkLst>
+            <pc:docMk/>
+            <pc:sldMk cId="3146720728" sldId="1965"/>
+            <ac:picMk id="7" creationId="{5A25F154-BFDE-4F9E-A5DF-A00E3D1A7A82}"/>
+          </ac:picMkLst>
+        </pc:picChg>
+        <pc:picChg chg="add mod">
+          <ac:chgData name="Ming-Chih Lin" userId="f1ba3ba5-e185-404b-b55f-b2be90e2bdc2" providerId="ADAL" clId="{73C49393-00F6-48C7-99DB-5262FA837701}" dt="2020-06-11T20:55:04.920" v="2861" actId="14100"/>
+          <ac:picMkLst>
+            <pc:docMk/>
+            <pc:sldMk cId="3146720728" sldId="1965"/>
+            <ac:picMk id="8" creationId="{314DF281-8C2B-4AEA-B283-4DB8A67B0EE5}"/>
+          </ac:picMkLst>
+        </pc:picChg>
+      </pc:sldChg>
+      <pc:sldChg chg="addSp delSp modSp new del mod ord">
+        <pc:chgData name="Ming-Chih Lin" userId="f1ba3ba5-e185-404b-b55f-b2be90e2bdc2" providerId="ADAL" clId="{73C49393-00F6-48C7-99DB-5262FA837701}" dt="2020-06-11T20:50:52.154" v="2826" actId="47"/>
+        <pc:sldMkLst>
+          <pc:docMk/>
+          <pc:sldMk cId="919828397" sldId="1966"/>
+        </pc:sldMkLst>
+        <pc:spChg chg="del">
+          <ac:chgData name="Ming-Chih Lin" userId="f1ba3ba5-e185-404b-b55f-b2be90e2bdc2" providerId="ADAL" clId="{73C49393-00F6-48C7-99DB-5262FA837701}" dt="2020-06-11T20:40:34.348" v="2565" actId="478"/>
+          <ac:spMkLst>
+            <pc:docMk/>
+            <pc:sldMk cId="919828397" sldId="1966"/>
+            <ac:spMk id="2" creationId="{599FAD88-2027-474C-98FD-FC9A7E2BD82B}"/>
+          </ac:spMkLst>
+        </pc:spChg>
+        <pc:graphicFrameChg chg="add del mod modGraphic">
+          <ac:chgData name="Ming-Chih Lin" userId="f1ba3ba5-e185-404b-b55f-b2be90e2bdc2" providerId="ADAL" clId="{73C49393-00F6-48C7-99DB-5262FA837701}" dt="2020-06-11T20:50:45.704" v="2824" actId="21"/>
+          <ac:graphicFrameMkLst>
+            <pc:docMk/>
+            <pc:sldMk cId="919828397" sldId="1966"/>
+            <ac:graphicFrameMk id="4" creationId="{B4AC816D-15B5-4DA5-91F2-29D807EAB969}"/>
+          </ac:graphicFrameMkLst>
+        </pc:graphicFrameChg>
+      </pc:sldChg>
     </pc:docChg>
   </pc:docChgLst>
 </pc:chgInfo>
+</file>
+
+<file path=ppt/diagrams/colors1.xml><?xml version="1.0" encoding="utf-8"?>
+<dgm:colorsDef xmlns:dgm="http://schemas.openxmlformats.org/drawingml/2006/diagram" xmlns:a="http://schemas.openxmlformats.org/drawingml/2006/main" uniqueId="urn:microsoft.com/office/officeart/2005/8/colors/accent2_3">
+  <dgm:title val=""/>
+  <dgm:desc val=""/>
+  <dgm:catLst>
+    <dgm:cat type="accent2" pri="11300"/>
+  </dgm:catLst>
+  <dgm:styleLbl name="node0">
+    <dgm:fillClrLst meth="repeat">
+      <a:schemeClr val="accent2">
+        <a:shade val="80000"/>
+      </a:schemeClr>
+    </dgm:fillClrLst>
+    <dgm:linClrLst meth="repeat">
+      <a:schemeClr val="lt1"/>
+    </dgm:linClrLst>
+    <dgm:effectClrLst/>
+    <dgm:txLinClrLst/>
+    <dgm:txFillClrLst/>
+    <dgm:txEffectClrLst/>
+  </dgm:styleLbl>
+  <dgm:styleLbl name="node1">
+    <dgm:fillClrLst>
+      <a:schemeClr val="accent2">
+        <a:shade val="80000"/>
+      </a:schemeClr>
+      <a:schemeClr val="accent2">
+        <a:tint val="70000"/>
+      </a:schemeClr>
+    </dgm:fillClrLst>
+    <dgm:linClrLst meth="repeat">
+      <a:schemeClr val="lt1"/>
+    </dgm:linClrLst>
+    <dgm:effectClrLst/>
+    <dgm:txLinClrLst/>
+    <dgm:txFillClrLst/>
+    <dgm:txEffectClrLst/>
+  </dgm:styleLbl>
+  <dgm:styleLbl name="alignNode1">
+    <dgm:fillClrLst>
+      <a:schemeClr val="accent2">
+        <a:shade val="80000"/>
+      </a:schemeClr>
+      <a:schemeClr val="accent2">
+        <a:tint val="70000"/>
+      </a:schemeClr>
+    </dgm:fillClrLst>
+    <dgm:linClrLst>
+      <a:schemeClr val="accent2">
+        <a:shade val="80000"/>
+      </a:schemeClr>
+      <a:schemeClr val="accent2">
+        <a:tint val="70000"/>
+      </a:schemeClr>
+    </dgm:linClrLst>
+    <dgm:effectClrLst/>
+    <dgm:txLinClrLst/>
+    <dgm:txFillClrLst/>
+    <dgm:txEffectClrLst/>
+  </dgm:styleLbl>
+  <dgm:styleLbl name="lnNode1">
+    <dgm:fillClrLst>
+      <a:schemeClr val="accent2">
+        <a:shade val="80000"/>
+      </a:schemeClr>
+      <a:schemeClr val="accent2">
+        <a:tint val="70000"/>
+      </a:schemeClr>
+    </dgm:fillClrLst>
+    <dgm:linClrLst meth="repeat">
+      <a:schemeClr val="lt1"/>
+    </dgm:linClrLst>
+    <dgm:effectClrLst/>
+    <dgm:txLinClrLst/>
+    <dgm:txFillClrLst/>
+    <dgm:txEffectClrLst/>
+  </dgm:styleLbl>
+  <dgm:styleLbl name="vennNode1">
+    <dgm:fillClrLst>
+      <a:schemeClr val="accent2">
+        <a:shade val="80000"/>
+        <a:alpha val="50000"/>
+      </a:schemeClr>
+      <a:schemeClr val="accent2">
+        <a:tint val="70000"/>
+        <a:alpha val="50000"/>
+      </a:schemeClr>
+    </dgm:fillClrLst>
+    <dgm:linClrLst meth="repeat">
+      <a:schemeClr val="lt1"/>
+    </dgm:linClrLst>
+    <dgm:effectClrLst/>
+    <dgm:txLinClrLst/>
+    <dgm:txFillClrLst/>
+    <dgm:txEffectClrLst/>
+  </dgm:styleLbl>
+  <dgm:styleLbl name="node2">
+    <dgm:fillClrLst>
+      <a:schemeClr val="accent2">
+        <a:tint val="99000"/>
+      </a:schemeClr>
+    </dgm:fillClrLst>
+    <dgm:linClrLst meth="repeat">
+      <a:schemeClr val="lt1"/>
+    </dgm:linClrLst>
+    <dgm:effectClrLst/>
+    <dgm:txLinClrLst/>
+    <dgm:txFillClrLst/>
+    <dgm:txEffectClrLst/>
+  </dgm:styleLbl>
+  <dgm:styleLbl name="node3">
+    <dgm:fillClrLst>
+      <a:schemeClr val="accent2">
+        <a:tint val="80000"/>
+      </a:schemeClr>
+    </dgm:fillClrLst>
+    <dgm:linClrLst meth="repeat">
+      <a:schemeClr val="lt1"/>
+    </dgm:linClrLst>
+    <dgm:effectClrLst/>
+    <dgm:txLinClrLst/>
+    <dgm:txFillClrLst/>
+    <dgm:txEffectClrLst/>
+  </dgm:styleLbl>
+  <dgm:styleLbl name="node4">
+    <dgm:fillClrLst>
+      <a:schemeClr val="accent2">
+        <a:tint val="70000"/>
+      </a:schemeClr>
+    </dgm:fillClrLst>
+    <dgm:linClrLst meth="repeat">
+      <a:schemeClr val="lt1"/>
+    </dgm:linClrLst>
+    <dgm:effectClrLst/>
+    <dgm:txLinClrLst/>
+    <dgm:txFillClrLst/>
+    <dgm:txEffectClrLst/>
+  </dgm:styleLbl>
+  <dgm:styleLbl name="fgImgPlace1">
+    <dgm:fillClrLst>
+      <a:schemeClr val="accent2">
+        <a:tint val="50000"/>
+      </a:schemeClr>
+      <a:schemeClr val="accent2">
+        <a:tint val="20000"/>
+      </a:schemeClr>
+    </dgm:fillClrLst>
+    <dgm:linClrLst meth="repeat">
+      <a:schemeClr val="lt1"/>
+    </dgm:linClrLst>
+    <dgm:effectClrLst/>
+    <dgm:txLinClrLst/>
+    <dgm:txFillClrLst meth="repeat">
+      <a:schemeClr val="lt1"/>
+    </dgm:txFillClrLst>
+    <dgm:txEffectClrLst/>
+  </dgm:styleLbl>
+  <dgm:styleLbl name="alignImgPlace1">
+    <dgm:fillClrLst>
+      <a:schemeClr val="accent2">
+        <a:tint val="50000"/>
+      </a:schemeClr>
+      <a:schemeClr val="accent2">
+        <a:tint val="20000"/>
+      </a:schemeClr>
+    </dgm:fillClrLst>
+    <dgm:linClrLst meth="repeat">
+      <a:schemeClr val="lt1"/>
+    </dgm:linClrLst>
+    <dgm:effectClrLst/>
+    <dgm:txLinClrLst/>
+    <dgm:txFillClrLst meth="repeat">
+      <a:schemeClr val="lt1"/>
+    </dgm:txFillClrLst>
+    <dgm:txEffectClrLst/>
+  </dgm:styleLbl>
+  <dgm:styleLbl name="bgImgPlace1">
+    <dgm:fillClrLst>
+      <a:schemeClr val="accent2">
+        <a:tint val="50000"/>
+      </a:schemeClr>
+      <a:schemeClr val="accent2">
+        <a:tint val="20000"/>
+      </a:schemeClr>
+    </dgm:fillClrLst>
+    <dgm:linClrLst meth="repeat">
+      <a:schemeClr val="lt1"/>
+    </dgm:linClrLst>
+    <dgm:effectClrLst/>
+    <dgm:txLinClrLst/>
+    <dgm:txFillClrLst meth="repeat">
+      <a:schemeClr val="lt1"/>
+    </dgm:txFillClrLst>
+    <dgm:txEffectClrLst/>
+  </dgm:styleLbl>
+  <dgm:styleLbl name="sibTrans2D1">
+    <dgm:fillClrLst>
+      <a:schemeClr val="accent2">
+        <a:shade val="90000"/>
+      </a:schemeClr>
+      <a:schemeClr val="accent2">
+        <a:tint val="70000"/>
+      </a:schemeClr>
+    </dgm:fillClrLst>
+    <dgm:linClrLst>
+      <a:schemeClr val="accent2">
+        <a:shade val="90000"/>
+      </a:schemeClr>
+      <a:schemeClr val="accent2">
+        <a:tint val="70000"/>
+      </a:schemeClr>
+    </dgm:linClrLst>
+    <dgm:effectClrLst/>
+    <dgm:txLinClrLst/>
+    <dgm:txFillClrLst/>
+    <dgm:txEffectClrLst/>
+  </dgm:styleLbl>
+  <dgm:styleLbl name="fgSibTrans2D1">
+    <dgm:fillClrLst>
+      <a:schemeClr val="accent2">
+        <a:shade val="90000"/>
+      </a:schemeClr>
+      <a:schemeClr val="accent2">
+        <a:tint val="70000"/>
+      </a:schemeClr>
+    </dgm:fillClrLst>
+    <dgm:linClrLst>
+      <a:schemeClr val="accent2">
+        <a:shade val="90000"/>
+      </a:schemeClr>
+      <a:schemeClr val="accent2">
+        <a:tint val="70000"/>
+      </a:schemeClr>
+    </dgm:linClrLst>
+    <dgm:effectClrLst/>
+    <dgm:txLinClrLst/>
+    <dgm:txFillClrLst meth="repeat">
+      <a:schemeClr val="lt1"/>
+    </dgm:txFillClrLst>
+    <dgm:txEffectClrLst/>
+  </dgm:styleLbl>
+  <dgm:styleLbl name="bgSibTrans2D1">
+    <dgm:fillClrLst>
+      <a:schemeClr val="accent2">
+        <a:shade val="90000"/>
+      </a:schemeClr>
+      <a:schemeClr val="accent2">
+        <a:tint val="70000"/>
+      </a:schemeClr>
+    </dgm:fillClrLst>
+    <dgm:linClrLst>
+      <a:schemeClr val="accent2">
+        <a:shade val="90000"/>
+      </a:schemeClr>
+      <a:schemeClr val="accent2">
+        <a:tint val="70000"/>
+      </a:schemeClr>
+    </dgm:linClrLst>
+    <dgm:effectClrLst/>
+    <dgm:txLinClrLst/>
+    <dgm:txFillClrLst meth="repeat">
+      <a:schemeClr val="lt1"/>
+    </dgm:txFillClrLst>
+    <dgm:txEffectClrLst/>
+  </dgm:styleLbl>
+  <dgm:styleLbl name="sibTrans1D1">
+    <dgm:fillClrLst>
+      <a:schemeClr val="accent2">
+        <a:shade val="90000"/>
+      </a:schemeClr>
+      <a:schemeClr val="accent2">
+        <a:tint val="70000"/>
+      </a:schemeClr>
+    </dgm:fillClrLst>
+    <dgm:linClrLst>
+      <a:schemeClr val="accent2">
+        <a:shade val="90000"/>
+      </a:schemeClr>
+      <a:schemeClr val="accent2">
+        <a:tint val="70000"/>
+      </a:schemeClr>
+    </dgm:linClrLst>
+    <dgm:effectClrLst/>
+    <dgm:txLinClrLst/>
+    <dgm:txFillClrLst meth="repeat">
+      <a:schemeClr val="tx1"/>
+    </dgm:txFillClrLst>
+    <dgm:txEffectClrLst/>
+  </dgm:styleLbl>
+  <dgm:styleLbl name="callout">
+    <dgm:fillClrLst meth="repeat">
+      <a:schemeClr val="accent2"/>
+    </dgm:fillClrLst>
+    <dgm:linClrLst meth="repeat">
+      <a:schemeClr val="accent2"/>
+    </dgm:linClrLst>
+    <dgm:effectClrLst/>
+    <dgm:txLinClrLst/>
+    <dgm:txFillClrLst meth="repeat">
+      <a:schemeClr val="tx1"/>
+    </dgm:txFillClrLst>
+    <dgm:txEffectClrLst/>
+  </dgm:styleLbl>
+  <dgm:styleLbl name="asst0">
+    <dgm:fillClrLst meth="repeat">
+      <a:schemeClr val="accent2">
+        <a:shade val="80000"/>
+      </a:schemeClr>
+    </dgm:fillClrLst>
+    <dgm:linClrLst meth="repeat">
+      <a:schemeClr val="lt1"/>
+    </dgm:linClrLst>
+    <dgm:effectClrLst/>
+    <dgm:txLinClrLst/>
+    <dgm:txFillClrLst/>
+    <dgm:txEffectClrLst/>
+  </dgm:styleLbl>
+  <dgm:styleLbl name="asst1">
+    <dgm:fillClrLst meth="repeat">
+      <a:schemeClr val="accent2">
+        <a:shade val="80000"/>
+      </a:schemeClr>
+    </dgm:fillClrLst>
+    <dgm:linClrLst meth="repeat">
+      <a:schemeClr val="lt1"/>
+    </dgm:linClrLst>
+    <dgm:effectClrLst/>
+    <dgm:txLinClrLst/>
+    <dgm:txFillClrLst/>
+    <dgm:txEffectClrLst/>
+  </dgm:styleLbl>
+  <dgm:styleLbl name="asst2">
+    <dgm:fillClrLst>
+      <a:schemeClr val="accent2">
+        <a:tint val="99000"/>
+      </a:schemeClr>
+    </dgm:fillClrLst>
+    <dgm:linClrLst meth="repeat">
+      <a:schemeClr val="lt1"/>
+    </dgm:linClrLst>
+    <dgm:effectClrLst/>
+    <dgm:txLinClrLst/>
+    <dgm:txFillClrLst/>
+    <dgm:txEffectClrLst/>
+  </dgm:styleLbl>
+  <dgm:styleLbl name="asst3">
+    <dgm:fillClrLst>
+      <a:schemeClr val="accent2">
+        <a:tint val="80000"/>
+      </a:schemeClr>
+    </dgm:fillClrLst>
+    <dgm:linClrLst meth="repeat">
+      <a:schemeClr val="lt1"/>
+    </dgm:linClrLst>
+    <dgm:effectClrLst/>
+    <dgm:txLinClrLst/>
+    <dgm:txFillClrLst/>
+    <dgm:txEffectClrLst/>
+  </dgm:styleLbl>
+  <dgm:styleLbl name="asst4">
+    <dgm:fillClrLst>
+      <a:schemeClr val="accent2">
+        <a:tint val="70000"/>
+      </a:schemeClr>
+    </dgm:fillClrLst>
+    <dgm:linClrLst meth="repeat">
+      <a:schemeClr val="lt1"/>
+    </dgm:linClrLst>
+    <dgm:effectClrLst/>
+    <dgm:txLinClrLst/>
+    <dgm:txFillClrLst/>
+    <dgm:txEffectClrLst/>
+  </dgm:styleLbl>
+  <dgm:styleLbl name="parChTrans2D1">
+    <dgm:fillClrLst meth="repeat">
+      <a:schemeClr val="accent2">
+        <a:tint val="60000"/>
+      </a:schemeClr>
+    </dgm:fillClrLst>
+    <dgm:linClrLst meth="repeat">
+      <a:schemeClr val="accent2">
+        <a:tint val="60000"/>
+      </a:schemeClr>
+    </dgm:linClrLst>
+    <dgm:effectClrLst/>
+    <dgm:txLinClrLst/>
+    <dgm:txFillClrLst meth="repeat">
+      <a:schemeClr val="lt1"/>
+    </dgm:txFillClrLst>
+    <dgm:txEffectClrLst/>
+  </dgm:styleLbl>
+  <dgm:styleLbl name="parChTrans2D2">
+    <dgm:fillClrLst meth="repeat">
+      <a:schemeClr val="accent2">
+        <a:tint val="90000"/>
+      </a:schemeClr>
+    </dgm:fillClrLst>
+    <dgm:linClrLst meth="repeat">
+      <a:schemeClr val="accent2">
+        <a:tint val="90000"/>
+      </a:schemeClr>
+    </dgm:linClrLst>
+    <dgm:effectClrLst/>
+    <dgm:txLinClrLst/>
+    <dgm:txFillClrLst/>
+    <dgm:txEffectClrLst/>
+  </dgm:styleLbl>
+  <dgm:styleLbl name="parChTrans2D3">
+    <dgm:fillClrLst meth="repeat">
+      <a:schemeClr val="accent2">
+        <a:tint val="70000"/>
+      </a:schemeClr>
+    </dgm:fillClrLst>
+    <dgm:linClrLst meth="repeat">
+      <a:schemeClr val="accent2">
+        <a:tint val="70000"/>
+      </a:schemeClr>
+    </dgm:linClrLst>
+    <dgm:effectClrLst/>
+    <dgm:txLinClrLst/>
+    <dgm:txFillClrLst/>
+    <dgm:txEffectClrLst/>
+  </dgm:styleLbl>
+  <dgm:styleLbl name="parChTrans2D4">
+    <dgm:fillClrLst meth="repeat">
+      <a:schemeClr val="accent2">
+        <a:tint val="50000"/>
+      </a:schemeClr>
+    </dgm:fillClrLst>
+    <dgm:linClrLst meth="repeat">
+      <a:schemeClr val="accent2">
+        <a:tint val="50000"/>
+      </a:schemeClr>
+    </dgm:linClrLst>
+    <dgm:effectClrLst/>
+    <dgm:txLinClrLst/>
+    <dgm:txFillClrLst meth="repeat">
+      <a:schemeClr val="lt1"/>
+    </dgm:txFillClrLst>
+    <dgm:txEffectClrLst/>
+  </dgm:styleLbl>
+  <dgm:styleLbl name="parChTrans1D1">
+    <dgm:fillClrLst meth="repeat">
+      <a:schemeClr val="accent2">
+        <a:shade val="80000"/>
+      </a:schemeClr>
+    </dgm:fillClrLst>
+    <dgm:linClrLst meth="repeat">
+      <a:schemeClr val="accent2">
+        <a:shade val="80000"/>
+      </a:schemeClr>
+    </dgm:linClrLst>
+    <dgm:effectClrLst/>
+    <dgm:txLinClrLst/>
+    <dgm:txFillClrLst meth="repeat">
+      <a:schemeClr val="tx1"/>
+    </dgm:txFillClrLst>
+    <dgm:txEffectClrLst/>
+  </dgm:styleLbl>
+  <dgm:styleLbl name="parChTrans1D2">
+    <dgm:fillClrLst meth="repeat">
+      <a:schemeClr val="accent2">
+        <a:tint val="99000"/>
+      </a:schemeClr>
+    </dgm:fillClrLst>
+    <dgm:linClrLst meth="repeat">
+      <a:schemeClr val="accent2">
+        <a:tint val="99000"/>
+      </a:schemeClr>
+    </dgm:linClrLst>
+    <dgm:effectClrLst/>
+    <dgm:txLinClrLst/>
+    <dgm:txFillClrLst meth="repeat">
+      <a:schemeClr val="tx1"/>
+    </dgm:txFillClrLst>
+    <dgm:txEffectClrLst/>
+  </dgm:styleLbl>
+  <dgm:styleLbl name="parChTrans1D3">
+    <dgm:fillClrLst meth="repeat">
+      <a:schemeClr val="accent2">
+        <a:tint val="80000"/>
+      </a:schemeClr>
+    </dgm:fillClrLst>
+    <dgm:linClrLst meth="repeat">
+      <a:schemeClr val="accent2">
+        <a:tint val="80000"/>
+      </a:schemeClr>
+    </dgm:linClrLst>
+    <dgm:effectClrLst/>
+    <dgm:txLinClrLst/>
+    <dgm:txFillClrLst meth="repeat">
+      <a:schemeClr val="tx1"/>
+    </dgm:txFillClrLst>
+    <dgm:txEffectClrLst/>
+  </dgm:styleLbl>
+  <dgm:styleLbl name="parChTrans1D4">
+    <dgm:fillClrLst meth="repeat">
+      <a:schemeClr val="accent2">
+        <a:tint val="70000"/>
+      </a:schemeClr>
+    </dgm:fillClrLst>
+    <dgm:linClrLst meth="repeat">
+      <a:schemeClr val="accent2">
+        <a:tint val="70000"/>
+      </a:schemeClr>
+    </dgm:linClrLst>
+    <dgm:effectClrLst/>
+    <dgm:txLinClrLst/>
+    <dgm:txFillClrLst meth="repeat">
+      <a:schemeClr val="tx1"/>
+    </dgm:txFillClrLst>
+    <dgm:txEffectClrLst/>
+  </dgm:styleLbl>
+  <dgm:styleLbl name="fgAcc1">
+    <dgm:fillClrLst meth="repeat">
+      <a:schemeClr val="lt1">
+        <a:alpha val="90000"/>
+      </a:schemeClr>
+    </dgm:fillClrLst>
+    <dgm:linClrLst>
+      <a:schemeClr val="accent2">
+        <a:shade val="80000"/>
+      </a:schemeClr>
+      <a:schemeClr val="accent2">
+        <a:tint val="70000"/>
+      </a:schemeClr>
+    </dgm:linClrLst>
+    <dgm:effectClrLst/>
+    <dgm:txLinClrLst/>
+    <dgm:txFillClrLst meth="repeat">
+      <a:schemeClr val="dk1"/>
+    </dgm:txFillClrLst>
+    <dgm:txEffectClrLst/>
+  </dgm:styleLbl>
+  <dgm:styleLbl name="conFgAcc1">
+    <dgm:fillClrLst meth="repeat">
+      <a:schemeClr val="lt1">
+        <a:alpha val="90000"/>
+      </a:schemeClr>
+    </dgm:fillClrLst>
+    <dgm:linClrLst>
+      <a:schemeClr val="accent2">
+        <a:shade val="80000"/>
+      </a:schemeClr>
+      <a:schemeClr val="accent2">
+        <a:tint val="70000"/>
+      </a:schemeClr>
+    </dgm:linClrLst>
+    <dgm:effectClrLst/>
+    <dgm:txLinClrLst/>
+    <dgm:txFillClrLst meth="repeat">
+      <a:schemeClr val="dk1"/>
+    </dgm:txFillClrLst>
+    <dgm:txEffectClrLst/>
+  </dgm:styleLbl>
+  <dgm:styleLbl name="alignAcc1">
+    <dgm:fillClrLst meth="repeat">
+      <a:schemeClr val="lt1">
+        <a:alpha val="90000"/>
+      </a:schemeClr>
+    </dgm:fillClrLst>
+    <dgm:linClrLst>
+      <a:schemeClr val="accent2">
+        <a:shade val="80000"/>
+      </a:schemeClr>
+      <a:schemeClr val="accent2">
+        <a:tint val="70000"/>
+      </a:schemeClr>
+    </dgm:linClrLst>
+    <dgm:effectClrLst/>
+    <dgm:txLinClrLst/>
+    <dgm:txFillClrLst meth="repeat">
+      <a:schemeClr val="dk1"/>
+    </dgm:txFillClrLst>
+    <dgm:txEffectClrLst/>
+  </dgm:styleLbl>
+  <dgm:styleLbl name="trAlignAcc1">
+    <dgm:fillClrLst meth="repeat">
+      <a:schemeClr val="lt1">
+        <a:alpha val="40000"/>
+      </a:schemeClr>
+    </dgm:fillClrLst>
+    <dgm:linClrLst meth="repeat">
+      <a:schemeClr val="accent2"/>
+    </dgm:linClrLst>
+    <dgm:effectClrLst/>
+    <dgm:txLinClrLst/>
+    <dgm:txFillClrLst meth="repeat">
+      <a:schemeClr val="dk1"/>
+    </dgm:txFillClrLst>
+    <dgm:txEffectClrLst/>
+  </dgm:styleLbl>
+  <dgm:styleLbl name="bgAcc1">
+    <dgm:fillClrLst meth="repeat">
+      <a:schemeClr val="lt1">
+        <a:alpha val="90000"/>
+      </a:schemeClr>
+    </dgm:fillClrLst>
+    <dgm:linClrLst>
+      <a:schemeClr val="accent2">
+        <a:shade val="80000"/>
+      </a:schemeClr>
+      <a:schemeClr val="accent2">
+        <a:tint val="70000"/>
+      </a:schemeClr>
+    </dgm:linClrLst>
+    <dgm:effectClrLst/>
+    <dgm:txLinClrLst/>
+    <dgm:txFillClrLst meth="repeat">
+      <a:schemeClr val="dk1"/>
+    </dgm:txFillClrLst>
+    <dgm:txEffectClrLst/>
+  </dgm:styleLbl>
+  <dgm:styleLbl name="solidFgAcc1">
+    <dgm:fillClrLst meth="repeat">
+      <a:schemeClr val="lt1"/>
+    </dgm:fillClrLst>
+    <dgm:linClrLst>
+      <a:schemeClr val="accent2">
+        <a:shade val="80000"/>
+      </a:schemeClr>
+      <a:schemeClr val="accent2">
+        <a:tint val="70000"/>
+      </a:schemeClr>
+    </dgm:linClrLst>
+    <dgm:effectClrLst/>
+    <dgm:txLinClrLst/>
+    <dgm:txFillClrLst meth="repeat">
+      <a:schemeClr val="dk1"/>
+    </dgm:txFillClrLst>
+    <dgm:txEffectClrLst/>
+  </dgm:styleLbl>
+  <dgm:styleLbl name="solidAlignAcc1">
+    <dgm:fillClrLst meth="repeat">
+      <a:schemeClr val="lt1"/>
+    </dgm:fillClrLst>
+    <dgm:linClrLst meth="repeat">
+      <a:schemeClr val="accent2"/>
+    </dgm:linClrLst>
+    <dgm:effectClrLst/>
+    <dgm:txLinClrLst/>
+    <dgm:txFillClrLst meth="repeat">
+      <a:schemeClr val="dk1"/>
+    </dgm:txFillClrLst>
+    <dgm:txEffectClrLst/>
+  </dgm:styleLbl>
+  <dgm:styleLbl name="solidBgAcc1">
+    <dgm:fillClrLst meth="repeat">
+      <a:schemeClr val="lt1"/>
+    </dgm:fillClrLst>
+    <dgm:linClrLst meth="repeat">
+      <a:schemeClr val="accent2"/>
+    </dgm:linClrLst>
+    <dgm:effectClrLst/>
+    <dgm:txLinClrLst/>
+    <dgm:txFillClrLst meth="repeat">
+      <a:schemeClr val="dk1"/>
+    </dgm:txFillClrLst>
+    <dgm:txEffectClrLst/>
+  </dgm:styleLbl>
+  <dgm:styleLbl name="fgAccFollowNode1">
+    <dgm:fillClrLst meth="repeat">
+      <a:schemeClr val="accent2">
+        <a:alpha val="90000"/>
+        <a:tint val="40000"/>
+      </a:schemeClr>
+    </dgm:fillClrLst>
+    <dgm:linClrLst meth="repeat">
+      <a:schemeClr val="accent2">
+        <a:alpha val="90000"/>
+        <a:tint val="40000"/>
+      </a:schemeClr>
+    </dgm:linClrLst>
+    <dgm:effectClrLst/>
+    <dgm:txLinClrLst/>
+    <dgm:txFillClrLst meth="repeat">
+      <a:schemeClr val="dk1"/>
+    </dgm:txFillClrLst>
+    <dgm:txEffectClrLst/>
+  </dgm:styleLbl>
+  <dgm:styleLbl name="alignAccFollowNode1">
+    <dgm:fillClrLst meth="repeat">
+      <a:schemeClr val="accent2">
+        <a:alpha val="90000"/>
+        <a:tint val="40000"/>
+      </a:schemeClr>
+    </dgm:fillClrLst>
+    <dgm:linClrLst meth="repeat">
+      <a:schemeClr val="accent2">
+        <a:alpha val="90000"/>
+        <a:tint val="40000"/>
+      </a:schemeClr>
+    </dgm:linClrLst>
+    <dgm:effectClrLst/>
+    <dgm:txLinClrLst/>
+    <dgm:txFillClrLst meth="repeat">
+      <a:schemeClr val="dk1"/>
+    </dgm:txFillClrLst>
+    <dgm:txEffectClrLst/>
+  </dgm:styleLbl>
+  <dgm:styleLbl name="bgAccFollowNode1">
+    <dgm:fillClrLst meth="repeat">
+      <a:schemeClr val="accent2">
+        <a:alpha val="90000"/>
+        <a:tint val="40000"/>
+      </a:schemeClr>
+    </dgm:fillClrLst>
+    <dgm:linClrLst meth="repeat">
+      <a:schemeClr val="lt1"/>
+    </dgm:linClrLst>
+    <dgm:effectClrLst/>
+    <dgm:txLinClrLst/>
+    <dgm:txFillClrLst meth="repeat">
+      <a:schemeClr val="dk1"/>
+    </dgm:txFillClrLst>
+    <dgm:txEffectClrLst/>
+  </dgm:styleLbl>
+  <dgm:styleLbl name="fgAcc0">
+    <dgm:fillClrLst meth="repeat">
+      <a:schemeClr val="lt1">
+        <a:alpha val="90000"/>
+      </a:schemeClr>
+    </dgm:fillClrLst>
+    <dgm:linClrLst meth="repeat">
+      <a:schemeClr val="accent2">
+        <a:shade val="80000"/>
+      </a:schemeClr>
+    </dgm:linClrLst>
+    <dgm:effectClrLst/>
+    <dgm:txLinClrLst/>
+    <dgm:txFillClrLst meth="repeat">
+      <a:schemeClr val="dk1"/>
+    </dgm:txFillClrLst>
+    <dgm:txEffectClrLst/>
+  </dgm:styleLbl>
+  <dgm:styleLbl name="fgAcc2">
+    <dgm:fillClrLst meth="repeat">
+      <a:schemeClr val="lt1">
+        <a:alpha val="90000"/>
+      </a:schemeClr>
+    </dgm:fillClrLst>
+    <dgm:linClrLst meth="repeat">
+      <a:schemeClr val="accent2">
+        <a:tint val="99000"/>
+      </a:schemeClr>
+    </dgm:linClrLst>
+    <dgm:effectClrLst/>
+    <dgm:txLinClrLst/>
+    <dgm:txFillClrLst meth="repeat">
+      <a:schemeClr val="dk1"/>
+    </dgm:txFillClrLst>
+    <dgm:txEffectClrLst/>
+  </dgm:styleLbl>
+  <dgm:styleLbl name="fgAcc3">
+    <dgm:fillClrLst meth="repeat">
+      <a:schemeClr val="lt1">
+        <a:alpha val="90000"/>
+      </a:schemeClr>
+    </dgm:fillClrLst>
+    <dgm:linClrLst meth="repeat">
+      <a:schemeClr val="accent2">
+        <a:tint val="80000"/>
+      </a:schemeClr>
+    </dgm:linClrLst>
+    <dgm:effectClrLst/>
+    <dgm:txLinClrLst/>
+    <dgm:txFillClrLst meth="repeat">
+      <a:schemeClr val="dk1"/>
+    </dgm:txFillClrLst>
+    <dgm:txEffectClrLst/>
+  </dgm:styleLbl>
+  <dgm:styleLbl name="fgAcc4">
+    <dgm:fillClrLst meth="repeat">
+      <a:schemeClr val="lt1">
+        <a:alpha val="90000"/>
+      </a:schemeClr>
+    </dgm:fillClrLst>
+    <dgm:linClrLst meth="repeat">
+      <a:schemeClr val="accent2">
+        <a:tint val="70000"/>
+      </a:schemeClr>
+    </dgm:linClrLst>
+    <dgm:effectClrLst/>
+    <dgm:txLinClrLst/>
+    <dgm:txFillClrLst meth="repeat">
+      <a:schemeClr val="dk1"/>
+    </dgm:txFillClrLst>
+    <dgm:txEffectClrLst/>
+  </dgm:styleLbl>
+  <dgm:styleLbl name="bgShp">
+    <dgm:fillClrLst meth="repeat">
+      <a:schemeClr val="accent2">
+        <a:tint val="40000"/>
+      </a:schemeClr>
+    </dgm:fillClrLst>
+    <dgm:linClrLst meth="repeat">
+      <a:schemeClr val="dk1"/>
+    </dgm:linClrLst>
+    <dgm:effectClrLst/>
+    <dgm:txLinClrLst/>
+    <dgm:txFillClrLst meth="repeat">
+      <a:schemeClr val="dk1"/>
+    </dgm:txFillClrLst>
+    <dgm:txEffectClrLst/>
+  </dgm:styleLbl>
+  <dgm:styleLbl name="dkBgShp">
+    <dgm:fillClrLst meth="repeat">
+      <a:schemeClr val="accent2">
+        <a:shade val="90000"/>
+      </a:schemeClr>
+    </dgm:fillClrLst>
+    <dgm:linClrLst meth="repeat">
+      <a:schemeClr val="dk1"/>
+    </dgm:linClrLst>
+    <dgm:effectClrLst/>
+    <dgm:txLinClrLst/>
+    <dgm:txFillClrLst meth="repeat">
+      <a:schemeClr val="lt1"/>
+    </dgm:txFillClrLst>
+    <dgm:txEffectClrLst/>
+  </dgm:styleLbl>
+  <dgm:styleLbl name="trBgShp">
+    <dgm:fillClrLst meth="repeat">
+      <a:schemeClr val="accent2">
+        <a:tint val="50000"/>
+        <a:alpha val="40000"/>
+      </a:schemeClr>
+    </dgm:fillClrLst>
+    <dgm:linClrLst meth="repeat">
+      <a:schemeClr val="accent2"/>
+    </dgm:linClrLst>
+    <dgm:effectClrLst/>
+    <dgm:txLinClrLst/>
+    <dgm:txFillClrLst meth="repeat">
+      <a:schemeClr val="lt1"/>
+    </dgm:txFillClrLst>
+    <dgm:txEffectClrLst/>
+  </dgm:styleLbl>
+  <dgm:styleLbl name="fgShp">
+    <dgm:fillClrLst meth="repeat">
+      <a:schemeClr val="accent2">
+        <a:tint val="40000"/>
+      </a:schemeClr>
+    </dgm:fillClrLst>
+    <dgm:linClrLst meth="repeat">
+      <a:schemeClr val="lt1"/>
+    </dgm:linClrLst>
+    <dgm:effectClrLst/>
+    <dgm:txLinClrLst/>
+    <dgm:txFillClrLst meth="repeat">
+      <a:schemeClr val="dk1"/>
+    </dgm:txFillClrLst>
+    <dgm:txEffectClrLst/>
+  </dgm:styleLbl>
+  <dgm:styleLbl name="revTx">
+    <dgm:fillClrLst meth="repeat">
+      <a:schemeClr val="lt1">
+        <a:alpha val="0"/>
+      </a:schemeClr>
+    </dgm:fillClrLst>
+    <dgm:linClrLst meth="repeat">
+      <a:schemeClr val="dk1">
+        <a:alpha val="0"/>
+      </a:schemeClr>
+    </dgm:linClrLst>
+    <dgm:effectClrLst/>
+    <dgm:txLinClrLst/>
+    <dgm:txFillClrLst meth="repeat">
+      <a:schemeClr val="tx1"/>
+    </dgm:txFillClrLst>
+    <dgm:txEffectClrLst/>
+  </dgm:styleLbl>
+</dgm:colorsDef>
+</file>
+
+<file path=ppt/diagrams/colors2.xml><?xml version="1.0" encoding="utf-8"?>
+<dgm:colorsDef xmlns:dgm="http://schemas.openxmlformats.org/drawingml/2006/diagram" xmlns:a="http://schemas.openxmlformats.org/drawingml/2006/main" uniqueId="urn:microsoft.com/office/officeart/2005/8/colors/accent0_3">
+  <dgm:title val=""/>
+  <dgm:desc val=""/>
+  <dgm:catLst>
+    <dgm:cat type="mainScheme" pri="10300"/>
+  </dgm:catLst>
+  <dgm:styleLbl name="node0">
+    <dgm:fillClrLst meth="repeat">
+      <a:schemeClr val="dk2"/>
+    </dgm:fillClrLst>
+    <dgm:linClrLst meth="repeat">
+      <a:schemeClr val="lt2"/>
+    </dgm:linClrLst>
+    <dgm:effectClrLst/>
+    <dgm:txLinClrLst/>
+    <dgm:txFillClrLst/>
+    <dgm:txEffectClrLst/>
+  </dgm:styleLbl>
+  <dgm:styleLbl name="alignNode1">
+    <dgm:fillClrLst meth="repeat">
+      <a:schemeClr val="dk2"/>
+    </dgm:fillClrLst>
+    <dgm:linClrLst meth="repeat">
+      <a:schemeClr val="dk2"/>
+    </dgm:linClrLst>
+    <dgm:effectClrLst/>
+    <dgm:txLinClrLst/>
+    <dgm:txFillClrLst/>
+    <dgm:txEffectClrLst/>
+  </dgm:styleLbl>
+  <dgm:styleLbl name="node1">
+    <dgm:fillClrLst meth="repeat">
+      <a:schemeClr val="dk2"/>
+    </dgm:fillClrLst>
+    <dgm:linClrLst meth="repeat">
+      <a:schemeClr val="lt2"/>
+    </dgm:linClrLst>
+    <dgm:effectClrLst/>
+    <dgm:txLinClrLst/>
+    <dgm:txFillClrLst/>
+    <dgm:txEffectClrLst/>
+  </dgm:styleLbl>
+  <dgm:styleLbl name="lnNode1">
+    <dgm:fillClrLst meth="repeat">
+      <a:schemeClr val="dk2"/>
+    </dgm:fillClrLst>
+    <dgm:linClrLst meth="repeat">
+      <a:schemeClr val="lt2"/>
+    </dgm:linClrLst>
+    <dgm:effectClrLst/>
+    <dgm:txLinClrLst/>
+    <dgm:txFillClrLst/>
+    <dgm:txEffectClrLst/>
+  </dgm:styleLbl>
+  <dgm:styleLbl name="vennNode1">
+    <dgm:fillClrLst meth="repeat">
+      <a:schemeClr val="dk2">
+        <a:alpha val="50000"/>
+      </a:schemeClr>
+    </dgm:fillClrLst>
+    <dgm:linClrLst meth="repeat">
+      <a:schemeClr val="lt2"/>
+    </dgm:linClrLst>
+    <dgm:effectClrLst/>
+    <dgm:txLinClrLst/>
+    <dgm:txFillClrLst/>
+    <dgm:txEffectClrLst/>
+  </dgm:styleLbl>
+  <dgm:styleLbl name="node2">
+    <dgm:fillClrLst meth="repeat">
+      <a:schemeClr val="dk2"/>
+    </dgm:fillClrLst>
+    <dgm:linClrLst meth="repeat">
+      <a:schemeClr val="lt2"/>
+    </dgm:linClrLst>
+    <dgm:effectClrLst/>
+    <dgm:txLinClrLst/>
+    <dgm:txFillClrLst/>
+    <dgm:txEffectClrLst/>
+  </dgm:styleLbl>
+  <dgm:styleLbl name="node3">
+    <dgm:fillClrLst meth="repeat">
+      <a:schemeClr val="dk2"/>
+    </dgm:fillClrLst>
+    <dgm:linClrLst meth="repeat">
+      <a:schemeClr val="lt2"/>
+    </dgm:linClrLst>
+    <dgm:effectClrLst/>
+    <dgm:txLinClrLst/>
+    <dgm:txFillClrLst/>
+    <dgm:txEffectClrLst/>
+  </dgm:styleLbl>
+  <dgm:styleLbl name="node4">
+    <dgm:fillClrLst meth="repeat">
+      <a:schemeClr val="dk2"/>
+    </dgm:fillClrLst>
+    <dgm:linClrLst meth="repeat">
+      <a:schemeClr val="lt2"/>
+    </dgm:linClrLst>
+    <dgm:effectClrLst/>
+    <dgm:txLinClrLst/>
+    <dgm:txFillClrLst/>
+    <dgm:txEffectClrLst/>
+  </dgm:styleLbl>
+  <dgm:styleLbl name="fgImgPlace1">
+    <dgm:fillClrLst meth="repeat">
+      <a:schemeClr val="dk2">
+        <a:tint val="50000"/>
+      </a:schemeClr>
+    </dgm:fillClrLst>
+    <dgm:linClrLst meth="repeat">
+      <a:schemeClr val="lt2"/>
+    </dgm:linClrLst>
+    <dgm:effectClrLst/>
+    <dgm:txLinClrLst/>
+    <dgm:txFillClrLst meth="repeat">
+      <a:schemeClr val="lt2"/>
+    </dgm:txFillClrLst>
+    <dgm:txEffectClrLst/>
+  </dgm:styleLbl>
+  <dgm:styleLbl name="alignImgPlace1">
+    <dgm:fillClrLst meth="repeat">
+      <a:schemeClr val="dk2">
+        <a:tint val="50000"/>
+      </a:schemeClr>
+    </dgm:fillClrLst>
+    <dgm:linClrLst meth="repeat">
+      <a:schemeClr val="dk2">
+        <a:shade val="80000"/>
+      </a:schemeClr>
+    </dgm:linClrLst>
+    <dgm:effectClrLst/>
+    <dgm:txLinClrLst/>
+    <dgm:txFillClrLst meth="repeat">
+      <a:schemeClr val="lt2"/>
+    </dgm:txFillClrLst>
+    <dgm:txEffectClrLst/>
+  </dgm:styleLbl>
+  <dgm:styleLbl name="bgImgPlace1">
+    <dgm:fillClrLst meth="repeat">
+      <a:schemeClr val="dk2">
+        <a:tint val="50000"/>
+      </a:schemeClr>
+    </dgm:fillClrLst>
+    <dgm:linClrLst meth="repeat">
+      <a:schemeClr val="dk2">
+        <a:shade val="80000"/>
+      </a:schemeClr>
+    </dgm:linClrLst>
+    <dgm:effectClrLst/>
+    <dgm:txLinClrLst/>
+    <dgm:txFillClrLst meth="repeat">
+      <a:schemeClr val="lt2"/>
+    </dgm:txFillClrLst>
+    <dgm:txEffectClrLst/>
+  </dgm:styleLbl>
+  <dgm:styleLbl name="sibTrans2D1">
+    <dgm:fillClrLst meth="repeat">
+      <a:schemeClr val="dk2">
+        <a:tint val="60000"/>
+      </a:schemeClr>
+    </dgm:fillClrLst>
+    <dgm:linClrLst meth="repeat">
+      <a:schemeClr val="dk2">
+        <a:tint val="60000"/>
+      </a:schemeClr>
+    </dgm:linClrLst>
+    <dgm:effectClrLst/>
+    <dgm:txLinClrLst/>
+    <dgm:txFillClrLst/>
+    <dgm:txEffectClrLst/>
+  </dgm:styleLbl>
+  <dgm:styleLbl name="fgSibTrans2D1">
+    <dgm:fillClrLst meth="repeat">
+      <a:schemeClr val="dk2">
+        <a:tint val="60000"/>
+      </a:schemeClr>
+    </dgm:fillClrLst>
+    <dgm:linClrLst meth="repeat">
+      <a:schemeClr val="dk2">
+        <a:tint val="60000"/>
+      </a:schemeClr>
+    </dgm:linClrLst>
+    <dgm:effectClrLst/>
+    <dgm:txLinClrLst/>
+    <dgm:txFillClrLst/>
+    <dgm:txEffectClrLst/>
+  </dgm:styleLbl>
+  <dgm:styleLbl name="bgSibTrans2D1">
+    <dgm:fillClrLst meth="repeat">
+      <a:schemeClr val="dk2">
+        <a:tint val="60000"/>
+      </a:schemeClr>
+    </dgm:fillClrLst>
+    <dgm:linClrLst meth="repeat">
+      <a:schemeClr val="dk2">
+        <a:tint val="60000"/>
+      </a:schemeClr>
+    </dgm:linClrLst>
+    <dgm:effectClrLst/>
+    <dgm:txLinClrLst/>
+    <dgm:txFillClrLst/>
+    <dgm:txEffectClrLst/>
+  </dgm:styleLbl>
+  <dgm:styleLbl name="sibTrans1D1">
+    <dgm:fillClrLst meth="repeat">
+      <a:schemeClr val="dk2"/>
+    </dgm:fillClrLst>
+    <dgm:linClrLst meth="repeat">
+      <a:schemeClr val="dk2"/>
+    </dgm:linClrLst>
+    <dgm:effectClrLst/>
+    <dgm:txLinClrLst/>
+    <dgm:txFillClrLst meth="repeat">
+      <a:schemeClr val="lt2"/>
+    </dgm:txFillClrLst>
+    <dgm:txEffectClrLst/>
+  </dgm:styleLbl>
+  <dgm:styleLbl name="callout">
+    <dgm:fillClrLst meth="repeat">
+      <a:schemeClr val="dk2"/>
+    </dgm:fillClrLst>
+    <dgm:linClrLst meth="repeat">
+      <a:schemeClr val="dk2">
+        <a:tint val="50000"/>
+      </a:schemeClr>
+    </dgm:linClrLst>
+    <dgm:effectClrLst/>
+    <dgm:txLinClrLst/>
+    <dgm:txFillClrLst meth="repeat">
+      <a:schemeClr val="lt2"/>
+    </dgm:txFillClrLst>
+    <dgm:txEffectClrLst/>
+  </dgm:styleLbl>
+  <dgm:styleLbl name="asst0">
+    <dgm:fillClrLst meth="repeat">
+      <a:schemeClr val="dk2"/>
+    </dgm:fillClrLst>
+    <dgm:linClrLst meth="repeat">
+      <a:schemeClr val="lt2"/>
+    </dgm:linClrLst>
+    <dgm:effectClrLst/>
+    <dgm:txLinClrLst/>
+    <dgm:txFillClrLst/>
+    <dgm:txEffectClrLst/>
+  </dgm:styleLbl>
+  <dgm:styleLbl name="asst1">
+    <dgm:fillClrLst meth="repeat">
+      <a:schemeClr val="dk2"/>
+    </dgm:fillClrLst>
+    <dgm:linClrLst meth="repeat">
+      <a:schemeClr val="lt2"/>
+    </dgm:linClrLst>
+    <dgm:effectClrLst/>
+    <dgm:txLinClrLst/>
+    <dgm:txFillClrLst/>
+    <dgm:txEffectClrLst/>
+  </dgm:styleLbl>
+  <dgm:styleLbl name="asst2">
+    <dgm:fillClrLst meth="repeat">
+      <a:schemeClr val="dk2"/>
+    </dgm:fillClrLst>
+    <dgm:linClrLst meth="repeat">
+      <a:schemeClr val="lt2"/>
+    </dgm:linClrLst>
+    <dgm:effectClrLst/>
+    <dgm:txLinClrLst/>
+    <dgm:txFillClrLst/>
+    <dgm:txEffectClrLst/>
+  </dgm:styleLbl>
+  <dgm:styleLbl name="asst3">
+    <dgm:fillClrLst meth="repeat">
+      <a:schemeClr val="dk2"/>
+    </dgm:fillClrLst>
+    <dgm:linClrLst meth="repeat">
+      <a:schemeClr val="lt2"/>
+    </dgm:linClrLst>
+    <dgm:effectClrLst/>
+    <dgm:txLinClrLst/>
+    <dgm:txFillClrLst/>
+    <dgm:txEffectClrLst/>
+  </dgm:styleLbl>
+  <dgm:styleLbl name="asst4">
+    <dgm:fillClrLst meth="repeat">
+      <a:schemeClr val="dk2"/>
+    </dgm:fillClrLst>
+    <dgm:linClrLst meth="repeat">
+      <a:schemeClr val="lt2"/>
+    </dgm:linClrLst>
+    <dgm:effectClrLst/>
+    <dgm:txLinClrLst/>
+    <dgm:txFillClrLst/>
+    <dgm:txEffectClrLst/>
+  </dgm:styleLbl>
+  <dgm:styleLbl name="parChTrans2D1">
+    <dgm:fillClrLst meth="repeat">
+      <a:schemeClr val="dk2">
+        <a:tint val="60000"/>
+      </a:schemeClr>
+    </dgm:fillClrLst>
+    <dgm:linClrLst meth="repeat">
+      <a:schemeClr val="dk2">
+        <a:tint val="60000"/>
+      </a:schemeClr>
+    </dgm:linClrLst>
+    <dgm:effectClrLst/>
+    <dgm:txLinClrLst/>
+    <dgm:txFillClrLst meth="repeat">
+      <a:schemeClr val="lt2"/>
+    </dgm:txFillClrLst>
+    <dgm:txEffectClrLst/>
+  </dgm:styleLbl>
+  <dgm:styleLbl name="parChTrans2D2">
+    <dgm:fillClrLst meth="repeat">
+      <a:schemeClr val="dk2"/>
+    </dgm:fillClrLst>
+    <dgm:linClrLst meth="repeat">
+      <a:schemeClr val="dk2"/>
+    </dgm:linClrLst>
+    <dgm:effectClrLst/>
+    <dgm:txLinClrLst/>
+    <dgm:txFillClrLst meth="repeat">
+      <a:schemeClr val="lt2"/>
+    </dgm:txFillClrLst>
+    <dgm:txEffectClrLst/>
+  </dgm:styleLbl>
+  <dgm:styleLbl name="parChTrans2D3">
+    <dgm:fillClrLst meth="repeat">
+      <a:schemeClr val="dk2"/>
+    </dgm:fillClrLst>
+    <dgm:linClrLst meth="repeat">
+      <a:schemeClr val="dk2"/>
+    </dgm:linClrLst>
+    <dgm:effectClrLst/>
+    <dgm:txLinClrLst/>
+    <dgm:txFillClrLst meth="repeat">
+      <a:schemeClr val="lt2"/>
+    </dgm:txFillClrLst>
+    <dgm:txEffectClrLst/>
+  </dgm:styleLbl>
+  <dgm:styleLbl name="parChTrans2D4">
+    <dgm:fillClrLst meth="repeat">
+      <a:schemeClr val="dk2"/>
+    </dgm:fillClrLst>
+    <dgm:linClrLst meth="repeat">
+      <a:schemeClr val="dk2"/>
+    </dgm:linClrLst>
+    <dgm:effectClrLst/>
+    <dgm:txLinClrLst/>
+    <dgm:txFillClrLst meth="repeat">
+      <a:schemeClr val="lt2"/>
+    </dgm:txFillClrLst>
+    <dgm:txEffectClrLst/>
+  </dgm:styleLbl>
+  <dgm:styleLbl name="parChTrans1D1">
+    <dgm:fillClrLst meth="repeat">
+      <a:schemeClr val="dk2"/>
+    </dgm:fillClrLst>
+    <dgm:linClrLst meth="repeat">
+      <a:schemeClr val="dk2">
+        <a:shade val="60000"/>
+      </a:schemeClr>
+    </dgm:linClrLst>
+    <dgm:effectClrLst/>
+    <dgm:txLinClrLst/>
+    <dgm:txFillClrLst meth="repeat">
+      <a:schemeClr val="tx1"/>
+    </dgm:txFillClrLst>
+    <dgm:txEffectClrLst/>
+  </dgm:styleLbl>
+  <dgm:styleLbl name="parChTrans1D2">
+    <dgm:fillClrLst meth="repeat">
+      <a:schemeClr val="dk2"/>
+    </dgm:fillClrLst>
+    <dgm:linClrLst meth="repeat">
+      <a:schemeClr val="dk2">
+        <a:shade val="60000"/>
+      </a:schemeClr>
+    </dgm:linClrLst>
+    <dgm:effectClrLst/>
+    <dgm:txLinClrLst/>
+    <dgm:txFillClrLst meth="repeat">
+      <a:schemeClr val="tx1"/>
+    </dgm:txFillClrLst>
+    <dgm:txEffectClrLst/>
+  </dgm:styleLbl>
+  <dgm:styleLbl name="parChTrans1D3">
+    <dgm:fillClrLst meth="repeat">
+      <a:schemeClr val="dk2"/>
+    </dgm:fillClrLst>
+    <dgm:linClrLst meth="repeat">
+      <a:schemeClr val="dk2">
+        <a:shade val="80000"/>
+      </a:schemeClr>
+    </dgm:linClrLst>
+    <dgm:effectClrLst/>
+    <dgm:txLinClrLst/>
+    <dgm:txFillClrLst meth="repeat">
+      <a:schemeClr val="tx1"/>
+    </dgm:txFillClrLst>
+    <dgm:txEffectClrLst/>
+  </dgm:styleLbl>
+  <dgm:styleLbl name="parChTrans1D4">
+    <dgm:fillClrLst meth="repeat">
+      <a:schemeClr val="dk2"/>
+    </dgm:fillClrLst>
+    <dgm:linClrLst meth="repeat">
+      <a:schemeClr val="dk2">
+        <a:shade val="80000"/>
+      </a:schemeClr>
+    </dgm:linClrLst>
+    <dgm:effectClrLst/>
+    <dgm:txLinClrLst/>
+    <dgm:txFillClrLst meth="repeat">
+      <a:schemeClr val="tx1"/>
+    </dgm:txFillClrLst>
+    <dgm:txEffectClrLst/>
+  </dgm:styleLbl>
+  <dgm:styleLbl name="fgAcc1">
+    <dgm:fillClrLst meth="repeat">
+      <a:schemeClr val="lt2">
+        <a:alpha val="90000"/>
+      </a:schemeClr>
+    </dgm:fillClrLst>
+    <dgm:linClrLst meth="repeat">
+      <a:schemeClr val="dk2"/>
+    </dgm:linClrLst>
+    <dgm:effectClrLst/>
+    <dgm:txLinClrLst/>
+    <dgm:txFillClrLst meth="repeat">
+      <a:schemeClr val="dk1"/>
+    </dgm:txFillClrLst>
+    <dgm:txEffectClrLst/>
+  </dgm:styleLbl>
+  <dgm:styleLbl name="conFgAcc1">
+    <dgm:fillClrLst meth="repeat">
+      <a:schemeClr val="lt2">
+        <a:alpha val="90000"/>
+      </a:schemeClr>
+    </dgm:fillClrLst>
+    <dgm:linClrLst meth="repeat">
+      <a:schemeClr val="dk2"/>
+    </dgm:linClrLst>
+    <dgm:effectClrLst/>
+    <dgm:txLinClrLst/>
+    <dgm:txFillClrLst meth="repeat">
+      <a:schemeClr val="dk1"/>
+    </dgm:txFillClrLst>
+    <dgm:txEffectClrLst/>
+  </dgm:styleLbl>
+  <dgm:styleLbl name="alignAcc1">
+    <dgm:fillClrLst meth="repeat">
+      <a:schemeClr val="lt2">
+        <a:alpha val="90000"/>
+      </a:schemeClr>
+    </dgm:fillClrLst>
+    <dgm:linClrLst meth="repeat">
+      <a:schemeClr val="dk2"/>
+    </dgm:linClrLst>
+    <dgm:effectClrLst/>
+    <dgm:txLinClrLst/>
+    <dgm:txFillClrLst meth="repeat">
+      <a:schemeClr val="dk1"/>
+    </dgm:txFillClrLst>
+    <dgm:txEffectClrLst/>
+  </dgm:styleLbl>
+  <dgm:styleLbl name="trAlignAcc1">
+    <dgm:fillClrLst meth="repeat">
+      <a:schemeClr val="lt2">
+        <a:alpha val="40000"/>
+      </a:schemeClr>
+    </dgm:fillClrLst>
+    <dgm:linClrLst meth="repeat">
+      <a:schemeClr val="dk2"/>
+    </dgm:linClrLst>
+    <dgm:effectClrLst/>
+    <dgm:txLinClrLst/>
+    <dgm:txFillClrLst meth="repeat">
+      <a:schemeClr val="dk1"/>
+    </dgm:txFillClrLst>
+    <dgm:txEffectClrLst/>
+  </dgm:styleLbl>
+  <dgm:styleLbl name="bgAcc1">
+    <dgm:fillClrLst meth="repeat">
+      <a:schemeClr val="lt2">
+        <a:alpha val="90000"/>
+      </a:schemeClr>
+    </dgm:fillClrLst>
+    <dgm:linClrLst meth="repeat">
+      <a:schemeClr val="dk2"/>
+    </dgm:linClrLst>
+    <dgm:effectClrLst/>
+    <dgm:txLinClrLst/>
+    <dgm:txFillClrLst meth="repeat">
+      <a:schemeClr val="dk1"/>
+    </dgm:txFillClrLst>
+    <dgm:txEffectClrLst/>
+  </dgm:styleLbl>
+  <dgm:styleLbl name="solidFgAcc1">
+    <dgm:fillClrLst meth="repeat">
+      <a:schemeClr val="lt2"/>
+    </dgm:fillClrLst>
+    <dgm:linClrLst meth="repeat">
+      <a:schemeClr val="dk2"/>
+    </dgm:linClrLst>
+    <dgm:effectClrLst/>
+    <dgm:txLinClrLst/>
+    <dgm:txFillClrLst meth="repeat">
+      <a:schemeClr val="dk1"/>
+    </dgm:txFillClrLst>
+    <dgm:txEffectClrLst/>
+  </dgm:styleLbl>
+  <dgm:styleLbl name="solidAlignAcc1">
+    <dgm:fillClrLst meth="repeat">
+      <a:schemeClr val="lt2"/>
+    </dgm:fillClrLst>
+    <dgm:linClrLst meth="repeat">
+      <a:schemeClr val="dk2"/>
+    </dgm:linClrLst>
+    <dgm:effectClrLst/>
+    <dgm:txLinClrLst/>
+    <dgm:txFillClrLst meth="repeat">
+      <a:schemeClr val="dk1"/>
+    </dgm:txFillClrLst>
+    <dgm:txEffectClrLst/>
+  </dgm:styleLbl>
+  <dgm:styleLbl name="solidBgAcc1">
+    <dgm:fillClrLst meth="repeat">
+      <a:schemeClr val="lt2"/>
+    </dgm:fillClrLst>
+    <dgm:linClrLst meth="repeat">
+      <a:schemeClr val="dk2"/>
+    </dgm:linClrLst>
+    <dgm:effectClrLst/>
+    <dgm:txLinClrLst/>
+    <dgm:txFillClrLst meth="repeat">
+      <a:schemeClr val="dk1"/>
+    </dgm:txFillClrLst>
+    <dgm:txEffectClrLst/>
+  </dgm:styleLbl>
+  <dgm:styleLbl name="fgAccFollowNode1">
+    <dgm:fillClrLst meth="repeat">
+      <a:schemeClr val="dk2">
+        <a:alpha val="90000"/>
+        <a:tint val="40000"/>
+      </a:schemeClr>
+    </dgm:fillClrLst>
+    <dgm:linClrLst meth="repeat">
+      <a:schemeClr val="dk2">
+        <a:alpha val="90000"/>
+        <a:tint val="40000"/>
+      </a:schemeClr>
+    </dgm:linClrLst>
+    <dgm:effectClrLst/>
+    <dgm:txLinClrLst/>
+    <dgm:txFillClrLst meth="repeat">
+      <a:schemeClr val="dk1"/>
+    </dgm:txFillClrLst>
+    <dgm:txEffectClrLst/>
+  </dgm:styleLbl>
+  <dgm:styleLbl name="alignAccFollowNode1">
+    <dgm:fillClrLst meth="repeat">
+      <a:schemeClr val="dk2">
+        <a:alpha val="90000"/>
+        <a:tint val="40000"/>
+      </a:schemeClr>
+    </dgm:fillClrLst>
+    <dgm:linClrLst meth="repeat">
+      <a:schemeClr val="dk2">
+        <a:alpha val="90000"/>
+        <a:tint val="40000"/>
+      </a:schemeClr>
+    </dgm:linClrLst>
+    <dgm:effectClrLst/>
+    <dgm:txLinClrLst/>
+    <dgm:txFillClrLst meth="repeat">
+      <a:schemeClr val="dk1"/>
+    </dgm:txFillClrLst>
+    <dgm:txEffectClrLst/>
+  </dgm:styleLbl>
+  <dgm:styleLbl name="bgAccFollowNode1">
+    <dgm:fillClrLst meth="repeat">
+      <a:schemeClr val="dk2">
+        <a:alpha val="90000"/>
+        <a:tint val="40000"/>
+      </a:schemeClr>
+    </dgm:fillClrLst>
+    <dgm:linClrLst meth="repeat">
+      <a:schemeClr val="dk2">
+        <a:alpha val="90000"/>
+        <a:tint val="40000"/>
+      </a:schemeClr>
+    </dgm:linClrLst>
+    <dgm:effectClrLst/>
+    <dgm:txLinClrLst/>
+    <dgm:txFillClrLst meth="repeat">
+      <a:schemeClr val="dk1"/>
+    </dgm:txFillClrLst>
+    <dgm:txEffectClrLst/>
+  </dgm:styleLbl>
+  <dgm:styleLbl name="fgAcc0">
+    <dgm:fillClrLst meth="repeat">
+      <a:schemeClr val="lt2">
+        <a:alpha val="90000"/>
+      </a:schemeClr>
+    </dgm:fillClrLst>
+    <dgm:linClrLst meth="repeat">
+      <a:schemeClr val="dk2"/>
+    </dgm:linClrLst>
+    <dgm:effectClrLst/>
+    <dgm:txLinClrLst/>
+    <dgm:txFillClrLst meth="repeat">
+      <a:schemeClr val="dk1"/>
+    </dgm:txFillClrLst>
+    <dgm:txEffectClrLst/>
+  </dgm:styleLbl>
+  <dgm:styleLbl name="fgAcc2">
+    <dgm:fillClrLst meth="repeat">
+      <a:schemeClr val="lt2">
+        <a:alpha val="90000"/>
+      </a:schemeClr>
+    </dgm:fillClrLst>
+    <dgm:linClrLst meth="repeat">
+      <a:schemeClr val="dk2"/>
+    </dgm:linClrLst>
+    <dgm:effectClrLst/>
+    <dgm:txLinClrLst/>
+    <dgm:txFillClrLst meth="repeat">
+      <a:schemeClr val="dk1"/>
+    </dgm:txFillClrLst>
+    <dgm:txEffectClrLst/>
+  </dgm:styleLbl>
+  <dgm:styleLbl name="fgAcc3">
+    <dgm:fillClrLst meth="repeat">
+      <a:schemeClr val="lt2">
+        <a:alpha val="90000"/>
+      </a:schemeClr>
+    </dgm:fillClrLst>
+    <dgm:linClrLst meth="repeat">
+      <a:schemeClr val="dk2"/>
+    </dgm:linClrLst>
+    <dgm:effectClrLst/>
+    <dgm:txLinClrLst/>
+    <dgm:txFillClrLst meth="repeat">
+      <a:schemeClr val="dk1"/>
+    </dgm:txFillClrLst>
+    <dgm:txEffectClrLst/>
+  </dgm:styleLbl>
+  <dgm:styleLbl name="fgAcc4">
+    <dgm:fillClrLst meth="repeat">
+      <a:schemeClr val="lt2">
+        <a:alpha val="90000"/>
+      </a:schemeClr>
+    </dgm:fillClrLst>
+    <dgm:linClrLst meth="repeat">
+      <a:schemeClr val="dk2"/>
+    </dgm:linClrLst>
+    <dgm:effectClrLst/>
+    <dgm:txLinClrLst/>
+    <dgm:txFillClrLst meth="repeat">
+      <a:schemeClr val="dk1"/>
+    </dgm:txFillClrLst>
+    <dgm:txEffectClrLst/>
+  </dgm:styleLbl>
+  <dgm:styleLbl name="bgShp">
+    <dgm:fillClrLst meth="repeat">
+      <a:schemeClr val="dk2">
+        <a:tint val="40000"/>
+      </a:schemeClr>
+    </dgm:fillClrLst>
+    <dgm:linClrLst meth="repeat">
+      <a:schemeClr val="dk2"/>
+    </dgm:linClrLst>
+    <dgm:effectClrLst/>
+    <dgm:txLinClrLst/>
+    <dgm:txFillClrLst meth="repeat">
+      <a:schemeClr val="dk1"/>
+    </dgm:txFillClrLst>
+    <dgm:txEffectClrLst/>
+  </dgm:styleLbl>
+  <dgm:styleLbl name="dkBgShp">
+    <dgm:fillClrLst meth="repeat">
+      <a:schemeClr val="dk2">
+        <a:shade val="80000"/>
+      </a:schemeClr>
+    </dgm:fillClrLst>
+    <dgm:linClrLst meth="repeat">
+      <a:schemeClr val="dk2"/>
+    </dgm:linClrLst>
+    <dgm:effectClrLst/>
+    <dgm:txLinClrLst/>
+    <dgm:txFillClrLst meth="repeat">
+      <a:schemeClr val="lt1"/>
+    </dgm:txFillClrLst>
+    <dgm:txEffectClrLst/>
+  </dgm:styleLbl>
+  <dgm:styleLbl name="trBgShp">
+    <dgm:fillClrLst meth="repeat">
+      <a:schemeClr val="dk2">
+        <a:tint val="50000"/>
+        <a:alpha val="40000"/>
+      </a:schemeClr>
+    </dgm:fillClrLst>
+    <dgm:linClrLst meth="repeat">
+      <a:schemeClr val="dk2"/>
+    </dgm:linClrLst>
+    <dgm:effectClrLst/>
+    <dgm:txLinClrLst/>
+    <dgm:txFillClrLst meth="repeat">
+      <a:schemeClr val="lt1"/>
+    </dgm:txFillClrLst>
+    <dgm:txEffectClrLst/>
+  </dgm:styleLbl>
+  <dgm:styleLbl name="fgShp">
+    <dgm:fillClrLst meth="repeat">
+      <a:schemeClr val="dk2">
+        <a:tint val="60000"/>
+      </a:schemeClr>
+    </dgm:fillClrLst>
+    <dgm:linClrLst meth="repeat">
+      <a:schemeClr val="lt2"/>
+    </dgm:linClrLst>
+    <dgm:effectClrLst/>
+    <dgm:txLinClrLst/>
+    <dgm:txFillClrLst meth="repeat">
+      <a:schemeClr val="dk1"/>
+    </dgm:txFillClrLst>
+    <dgm:txEffectClrLst/>
+  </dgm:styleLbl>
+  <dgm:styleLbl name="revTx">
+    <dgm:fillClrLst meth="repeat">
+      <a:schemeClr val="lt2">
+        <a:alpha val="0"/>
+      </a:schemeClr>
+    </dgm:fillClrLst>
+    <dgm:linClrLst meth="repeat">
+      <a:schemeClr val="dk1">
+        <a:alpha val="0"/>
+      </a:schemeClr>
+    </dgm:linClrLst>
+    <dgm:effectClrLst/>
+    <dgm:txLinClrLst/>
+    <dgm:txFillClrLst meth="repeat">
+      <a:schemeClr val="tx1"/>
+    </dgm:txFillClrLst>
+    <dgm:txEffectClrLst/>
+  </dgm:styleLbl>
+</dgm:colorsDef>
+</file>
+
+<file path=ppt/diagrams/data1.xml><?xml version="1.0" encoding="utf-8"?>
+<dgm:dataModel xmlns:dgm="http://schemas.openxmlformats.org/drawingml/2006/diagram" xmlns:a="http://schemas.openxmlformats.org/drawingml/2006/main">
+  <dgm:ptLst>
+    <dgm:pt modelId="{0D82AA38-24CE-4364-811B-EC786A275FAC}" type="doc">
+      <dgm:prSet loTypeId="urn:microsoft.com/office/officeart/2005/8/layout/chevron1" loCatId="process" qsTypeId="urn:microsoft.com/office/officeart/2005/8/quickstyle/simple4" qsCatId="simple" csTypeId="urn:microsoft.com/office/officeart/2005/8/colors/accent2_3" csCatId="accent2" phldr="1"/>
+      <dgm:spPr/>
+      <dgm:t>
+        <a:bodyPr/>
+        <a:lstStyle/>
+        <a:p>
+          <a:endParaRPr lang="zh-TW" altLang="en-US"/>
+        </a:p>
+      </dgm:t>
+    </dgm:pt>
+    <dgm:pt modelId="{F55AA7EA-4934-41A6-A22A-B60701C27A9E}">
+      <dgm:prSet phldrT="[文字]"/>
+      <dgm:spPr/>
+      <dgm:t>
+        <a:bodyPr/>
+        <a:lstStyle/>
+        <a:p>
+          <a:r>
+            <a:rPr lang="zh-TW" altLang="en-US" dirty="0"/>
+            <a:t>匯出資料</a:t>
+          </a:r>
+        </a:p>
+      </dgm:t>
+    </dgm:pt>
+    <dgm:pt modelId="{C1F721F6-DC04-4155-A997-6D86317968C2}" type="parTrans" cxnId="{8FF0AAA2-8E5A-4938-A520-28401F18566B}">
+      <dgm:prSet/>
+      <dgm:spPr/>
+      <dgm:t>
+        <a:bodyPr/>
+        <a:lstStyle/>
+        <a:p>
+          <a:endParaRPr lang="zh-TW" altLang="en-US"/>
+        </a:p>
+      </dgm:t>
+    </dgm:pt>
+    <dgm:pt modelId="{0F8C749B-7656-410E-985E-4DD3BFEE917A}" type="sibTrans" cxnId="{8FF0AAA2-8E5A-4938-A520-28401F18566B}">
+      <dgm:prSet/>
+      <dgm:spPr/>
+      <dgm:t>
+        <a:bodyPr/>
+        <a:lstStyle/>
+        <a:p>
+          <a:endParaRPr lang="zh-TW" altLang="en-US"/>
+        </a:p>
+      </dgm:t>
+    </dgm:pt>
+    <dgm:pt modelId="{1E9E7EE0-D066-47F2-8474-70255C93A868}">
+      <dgm:prSet phldrT="[文字]"/>
+      <dgm:spPr/>
+      <dgm:t>
+        <a:bodyPr/>
+        <a:lstStyle/>
+        <a:p>
+          <a:r>
+            <a:rPr lang="en-US" altLang="zh-TW" dirty="0"/>
+            <a:t>CSV</a:t>
+          </a:r>
+          <a:endParaRPr lang="zh-TW" altLang="en-US" dirty="0"/>
+        </a:p>
+      </dgm:t>
+    </dgm:pt>
+    <dgm:pt modelId="{DDEE66AE-A53E-4AFE-8A81-C7B0731D7E4A}" type="parTrans" cxnId="{49C897F8-B235-47D8-91AB-900C3E0F210E}">
+      <dgm:prSet/>
+      <dgm:spPr/>
+      <dgm:t>
+        <a:bodyPr/>
+        <a:lstStyle/>
+        <a:p>
+          <a:endParaRPr lang="zh-TW" altLang="en-US"/>
+        </a:p>
+      </dgm:t>
+    </dgm:pt>
+    <dgm:pt modelId="{5CBDA9B6-26CD-4616-A12C-BBC6FD86253A}" type="sibTrans" cxnId="{49C897F8-B235-47D8-91AB-900C3E0F210E}">
+      <dgm:prSet/>
+      <dgm:spPr/>
+      <dgm:t>
+        <a:bodyPr/>
+        <a:lstStyle/>
+        <a:p>
+          <a:endParaRPr lang="zh-TW" altLang="en-US"/>
+        </a:p>
+      </dgm:t>
+    </dgm:pt>
+    <dgm:pt modelId="{20AD7FFA-BE6A-46C0-B941-673B7A98486C}">
+      <dgm:prSet phldrT="[文字]"/>
+      <dgm:spPr/>
+      <dgm:t>
+        <a:bodyPr/>
+        <a:lstStyle/>
+        <a:p>
+          <a:r>
+            <a:rPr lang="en-US" altLang="zh-TW" dirty="0"/>
+            <a:t>XML</a:t>
+          </a:r>
+          <a:endParaRPr lang="zh-TW" altLang="en-US" dirty="0"/>
+        </a:p>
+      </dgm:t>
+    </dgm:pt>
+    <dgm:pt modelId="{E05535E9-5233-4D5F-996D-AB0E84DCB43C}" type="parTrans" cxnId="{A7991667-0710-49DC-A727-C5BD1D198D06}">
+      <dgm:prSet/>
+      <dgm:spPr/>
+      <dgm:t>
+        <a:bodyPr/>
+        <a:lstStyle/>
+        <a:p>
+          <a:endParaRPr lang="zh-TW" altLang="en-US"/>
+        </a:p>
+      </dgm:t>
+    </dgm:pt>
+    <dgm:pt modelId="{456B9053-A070-4A56-8F41-AC511707E524}" type="sibTrans" cxnId="{A7991667-0710-49DC-A727-C5BD1D198D06}">
+      <dgm:prSet/>
+      <dgm:spPr/>
+      <dgm:t>
+        <a:bodyPr/>
+        <a:lstStyle/>
+        <a:p>
+          <a:endParaRPr lang="zh-TW" altLang="en-US"/>
+        </a:p>
+      </dgm:t>
+    </dgm:pt>
+    <dgm:pt modelId="{6CF8A632-FB32-483A-9AD8-DB154CEE5346}">
+      <dgm:prSet phldrT="[文字]"/>
+      <dgm:spPr/>
+      <dgm:t>
+        <a:bodyPr/>
+        <a:lstStyle/>
+        <a:p>
+          <a:r>
+            <a:rPr lang="zh-TW" altLang="en-US" dirty="0"/>
+            <a:t>開檔讀取</a:t>
+          </a:r>
+        </a:p>
+      </dgm:t>
+    </dgm:pt>
+    <dgm:pt modelId="{6159DB52-86C5-4109-BA11-D7AFB2A69C2A}" type="parTrans" cxnId="{41D4D833-81AC-435B-830D-2EA88B4E898C}">
+      <dgm:prSet/>
+      <dgm:spPr/>
+      <dgm:t>
+        <a:bodyPr/>
+        <a:lstStyle/>
+        <a:p>
+          <a:endParaRPr lang="zh-TW" altLang="en-US"/>
+        </a:p>
+      </dgm:t>
+    </dgm:pt>
+    <dgm:pt modelId="{999F137E-2668-4D47-A45D-327CEA59A61C}" type="sibTrans" cxnId="{41D4D833-81AC-435B-830D-2EA88B4E898C}">
+      <dgm:prSet/>
+      <dgm:spPr/>
+      <dgm:t>
+        <a:bodyPr/>
+        <a:lstStyle/>
+        <a:p>
+          <a:endParaRPr lang="zh-TW" altLang="en-US"/>
+        </a:p>
+      </dgm:t>
+    </dgm:pt>
+    <dgm:pt modelId="{741B08B0-6198-4D93-855B-28A0D168CF86}">
+      <dgm:prSet phldrT="[文字]"/>
+      <dgm:spPr/>
+      <dgm:t>
+        <a:bodyPr/>
+        <a:lstStyle/>
+        <a:p>
+          <a:r>
+            <a:rPr lang="zh-TW" altLang="en-US" dirty="0"/>
+            <a:t>計算</a:t>
+          </a:r>
+        </a:p>
+      </dgm:t>
+    </dgm:pt>
+    <dgm:pt modelId="{036B58E6-405D-4F3C-B4CC-B041F4201F15}" type="parTrans" cxnId="{E5F5D108-CCC0-4F39-91D8-F049CCF1A3DA}">
+      <dgm:prSet/>
+      <dgm:spPr/>
+      <dgm:t>
+        <a:bodyPr/>
+        <a:lstStyle/>
+        <a:p>
+          <a:endParaRPr lang="zh-TW" altLang="en-US"/>
+        </a:p>
+      </dgm:t>
+    </dgm:pt>
+    <dgm:pt modelId="{4DCC6C2E-EFDA-4D5E-B033-2C872AE5826B}" type="sibTrans" cxnId="{E5F5D108-CCC0-4F39-91D8-F049CCF1A3DA}">
+      <dgm:prSet/>
+      <dgm:spPr/>
+      <dgm:t>
+        <a:bodyPr/>
+        <a:lstStyle/>
+        <a:p>
+          <a:endParaRPr lang="zh-TW" altLang="en-US"/>
+        </a:p>
+      </dgm:t>
+    </dgm:pt>
+    <dgm:pt modelId="{A098E747-0AEE-4C07-B490-F5AD29DEA09A}">
+      <dgm:prSet phldrT="[文字]"/>
+      <dgm:spPr/>
+      <dgm:t>
+        <a:bodyPr/>
+        <a:lstStyle/>
+        <a:p>
+          <a:r>
+            <a:rPr lang="zh-TW" altLang="en-US" dirty="0"/>
+            <a:t>篩選</a:t>
+          </a:r>
+        </a:p>
+      </dgm:t>
+    </dgm:pt>
+    <dgm:pt modelId="{22A226F2-8D34-4F34-B424-F6BC67C92246}" type="parTrans" cxnId="{A4DB0012-9F8D-421E-90F5-213C7D908FCA}">
+      <dgm:prSet/>
+      <dgm:spPr/>
+      <dgm:t>
+        <a:bodyPr/>
+        <a:lstStyle/>
+        <a:p>
+          <a:endParaRPr lang="zh-TW" altLang="en-US"/>
+        </a:p>
+      </dgm:t>
+    </dgm:pt>
+    <dgm:pt modelId="{1A767181-2733-47BC-BBDD-4976E99119A5}" type="sibTrans" cxnId="{A4DB0012-9F8D-421E-90F5-213C7D908FCA}">
+      <dgm:prSet/>
+      <dgm:spPr/>
+      <dgm:t>
+        <a:bodyPr/>
+        <a:lstStyle/>
+        <a:p>
+          <a:endParaRPr lang="zh-TW" altLang="en-US"/>
+        </a:p>
+      </dgm:t>
+    </dgm:pt>
+    <dgm:pt modelId="{82995E82-8B7A-4F58-85E3-01B1280A3A12}">
+      <dgm:prSet phldrT="[文字]"/>
+      <dgm:spPr/>
+      <dgm:t>
+        <a:bodyPr/>
+        <a:lstStyle/>
+        <a:p>
+          <a:r>
+            <a:rPr lang="zh-TW" altLang="en-US" dirty="0"/>
+            <a:t>輸出</a:t>
+          </a:r>
+        </a:p>
+      </dgm:t>
+    </dgm:pt>
+    <dgm:pt modelId="{64FB7B78-7663-4704-8697-42D59073021A}" type="parTrans" cxnId="{2B3D63A1-DD29-4E60-93E0-A9FECE0364B3}">
+      <dgm:prSet/>
+      <dgm:spPr/>
+      <dgm:t>
+        <a:bodyPr/>
+        <a:lstStyle/>
+        <a:p>
+          <a:endParaRPr lang="zh-TW" altLang="en-US"/>
+        </a:p>
+      </dgm:t>
+    </dgm:pt>
+    <dgm:pt modelId="{7CF05CF0-041F-4B5D-8F51-01DA0FF601F7}" type="sibTrans" cxnId="{2B3D63A1-DD29-4E60-93E0-A9FECE0364B3}">
+      <dgm:prSet/>
+      <dgm:spPr/>
+      <dgm:t>
+        <a:bodyPr/>
+        <a:lstStyle/>
+        <a:p>
+          <a:endParaRPr lang="zh-TW" altLang="en-US"/>
+        </a:p>
+      </dgm:t>
+    </dgm:pt>
+    <dgm:pt modelId="{1776F356-2D59-4221-8450-828883FCF383}">
+      <dgm:prSet phldrT="[文字]"/>
+      <dgm:spPr/>
+      <dgm:t>
+        <a:bodyPr/>
+        <a:lstStyle/>
+        <a:p>
+          <a:r>
+            <a:rPr lang="zh-TW" altLang="en-US" dirty="0"/>
+            <a:t>格式化</a:t>
+          </a:r>
+        </a:p>
+      </dgm:t>
+    </dgm:pt>
+    <dgm:pt modelId="{9BE28AB3-40E5-4C0A-BE0A-06E101D4558B}" type="parTrans" cxnId="{A1941C14-9125-4903-9C0C-38135F1E3887}">
+      <dgm:prSet/>
+      <dgm:spPr/>
+      <dgm:t>
+        <a:bodyPr/>
+        <a:lstStyle/>
+        <a:p>
+          <a:endParaRPr lang="zh-TW" altLang="en-US"/>
+        </a:p>
+      </dgm:t>
+    </dgm:pt>
+    <dgm:pt modelId="{293267C8-59DC-4CC9-85E3-8242D96684C9}" type="sibTrans" cxnId="{A1941C14-9125-4903-9C0C-38135F1E3887}">
+      <dgm:prSet/>
+      <dgm:spPr/>
+      <dgm:t>
+        <a:bodyPr/>
+        <a:lstStyle/>
+        <a:p>
+          <a:endParaRPr lang="zh-TW" altLang="en-US"/>
+        </a:p>
+      </dgm:t>
+    </dgm:pt>
+    <dgm:pt modelId="{E2E8CAB4-B0A4-4304-A095-9EB110990546}">
+      <dgm:prSet phldrT="[文字]"/>
+      <dgm:spPr/>
+      <dgm:t>
+        <a:bodyPr/>
+        <a:lstStyle/>
+        <a:p>
+          <a:r>
+            <a:rPr lang="zh-TW" altLang="en-US" dirty="0"/>
+            <a:t>儲存</a:t>
+          </a:r>
+        </a:p>
+      </dgm:t>
+    </dgm:pt>
+    <dgm:pt modelId="{BDF8FE2E-18BB-4514-BE18-2E057DE9161D}" type="parTrans" cxnId="{A1A6F88B-D412-41F8-B218-CB732E9D2474}">
+      <dgm:prSet/>
+      <dgm:spPr/>
+      <dgm:t>
+        <a:bodyPr/>
+        <a:lstStyle/>
+        <a:p>
+          <a:endParaRPr lang="zh-TW" altLang="en-US"/>
+        </a:p>
+      </dgm:t>
+    </dgm:pt>
+    <dgm:pt modelId="{C84E0FC9-971F-4DD7-BB45-4EC7D3A53693}" type="sibTrans" cxnId="{A1A6F88B-D412-41F8-B218-CB732E9D2474}">
+      <dgm:prSet/>
+      <dgm:spPr/>
+      <dgm:t>
+        <a:bodyPr/>
+        <a:lstStyle/>
+        <a:p>
+          <a:endParaRPr lang="zh-TW" altLang="en-US"/>
+        </a:p>
+      </dgm:t>
+    </dgm:pt>
+    <dgm:pt modelId="{AA84F93F-F270-45F4-88E6-39DF65A408F2}">
+      <dgm:prSet phldrT="[文字]"/>
+      <dgm:spPr/>
+      <dgm:t>
+        <a:bodyPr/>
+        <a:lstStyle/>
+        <a:p>
+          <a:r>
+            <a:rPr lang="en-US" altLang="zh-TW" dirty="0"/>
+            <a:t>TXT</a:t>
+          </a:r>
+          <a:endParaRPr lang="zh-TW" altLang="en-US" dirty="0"/>
+        </a:p>
+      </dgm:t>
+    </dgm:pt>
+    <dgm:pt modelId="{0F39CF4B-DC64-43DE-9247-83725BF5FD5B}" type="parTrans" cxnId="{F66E9DF0-162A-45DF-ABE5-867FEAEF977C}">
+      <dgm:prSet/>
+      <dgm:spPr/>
+      <dgm:t>
+        <a:bodyPr/>
+        <a:lstStyle/>
+        <a:p>
+          <a:endParaRPr lang="zh-TW" altLang="en-US"/>
+        </a:p>
+      </dgm:t>
+    </dgm:pt>
+    <dgm:pt modelId="{FA74D835-2616-4577-916E-006332324301}" type="sibTrans" cxnId="{F66E9DF0-162A-45DF-ABE5-867FEAEF977C}">
+      <dgm:prSet/>
+      <dgm:spPr/>
+      <dgm:t>
+        <a:bodyPr/>
+        <a:lstStyle/>
+        <a:p>
+          <a:endParaRPr lang="zh-TW" altLang="en-US"/>
+        </a:p>
+      </dgm:t>
+    </dgm:pt>
+    <dgm:pt modelId="{A4FBC448-DE02-4E24-AE6B-374C0064F04E}" type="pres">
+      <dgm:prSet presAssocID="{0D82AA38-24CE-4364-811B-EC786A275FAC}" presName="Name0" presStyleCnt="0">
+        <dgm:presLayoutVars>
+          <dgm:dir/>
+          <dgm:animLvl val="lvl"/>
+          <dgm:resizeHandles val="exact"/>
+        </dgm:presLayoutVars>
+      </dgm:prSet>
+      <dgm:spPr/>
+    </dgm:pt>
+    <dgm:pt modelId="{7FE08AAC-74B1-41D4-A51F-72190F7F4196}" type="pres">
+      <dgm:prSet presAssocID="{F55AA7EA-4934-41A6-A22A-B60701C27A9E}" presName="composite" presStyleCnt="0"/>
+      <dgm:spPr/>
+    </dgm:pt>
+    <dgm:pt modelId="{C146623C-1DCB-4967-BC4E-ED89DC04D360}" type="pres">
+      <dgm:prSet presAssocID="{F55AA7EA-4934-41A6-A22A-B60701C27A9E}" presName="parTx" presStyleLbl="node1" presStyleIdx="0" presStyleCnt="3">
+        <dgm:presLayoutVars>
+          <dgm:chMax val="0"/>
+          <dgm:chPref val="0"/>
+          <dgm:bulletEnabled val="1"/>
+        </dgm:presLayoutVars>
+      </dgm:prSet>
+      <dgm:spPr/>
+    </dgm:pt>
+    <dgm:pt modelId="{80F51128-CA0C-4200-B527-7994D9371F99}" type="pres">
+      <dgm:prSet presAssocID="{F55AA7EA-4934-41A6-A22A-B60701C27A9E}" presName="desTx" presStyleLbl="revTx" presStyleIdx="0" presStyleCnt="3">
+        <dgm:presLayoutVars>
+          <dgm:bulletEnabled val="1"/>
+        </dgm:presLayoutVars>
+      </dgm:prSet>
+      <dgm:spPr/>
+    </dgm:pt>
+    <dgm:pt modelId="{4440C990-B0D2-40DF-8A6E-5C17B084F061}" type="pres">
+      <dgm:prSet presAssocID="{0F8C749B-7656-410E-985E-4DD3BFEE917A}" presName="space" presStyleCnt="0"/>
+      <dgm:spPr/>
+    </dgm:pt>
+    <dgm:pt modelId="{1681D838-1215-4324-A747-FCD3294C849C}" type="pres">
+      <dgm:prSet presAssocID="{6CF8A632-FB32-483A-9AD8-DB154CEE5346}" presName="composite" presStyleCnt="0"/>
+      <dgm:spPr/>
+    </dgm:pt>
+    <dgm:pt modelId="{8A84C4AA-3A24-4390-BB47-D10688BC6848}" type="pres">
+      <dgm:prSet presAssocID="{6CF8A632-FB32-483A-9AD8-DB154CEE5346}" presName="parTx" presStyleLbl="node1" presStyleIdx="1" presStyleCnt="3">
+        <dgm:presLayoutVars>
+          <dgm:chMax val="0"/>
+          <dgm:chPref val="0"/>
+          <dgm:bulletEnabled val="1"/>
+        </dgm:presLayoutVars>
+      </dgm:prSet>
+      <dgm:spPr/>
+    </dgm:pt>
+    <dgm:pt modelId="{7382FD55-1053-4624-8F7B-A874AEDAC2FC}" type="pres">
+      <dgm:prSet presAssocID="{6CF8A632-FB32-483A-9AD8-DB154CEE5346}" presName="desTx" presStyleLbl="revTx" presStyleIdx="1" presStyleCnt="3">
+        <dgm:presLayoutVars>
+          <dgm:bulletEnabled val="1"/>
+        </dgm:presLayoutVars>
+      </dgm:prSet>
+      <dgm:spPr/>
+    </dgm:pt>
+    <dgm:pt modelId="{308DEAD0-22B0-4D6B-9A0A-F70C29C093B4}" type="pres">
+      <dgm:prSet presAssocID="{999F137E-2668-4D47-A45D-327CEA59A61C}" presName="space" presStyleCnt="0"/>
+      <dgm:spPr/>
+    </dgm:pt>
+    <dgm:pt modelId="{DA508E94-6062-4A1F-AE91-4F755C2141F8}" type="pres">
+      <dgm:prSet presAssocID="{82995E82-8B7A-4F58-85E3-01B1280A3A12}" presName="composite" presStyleCnt="0"/>
+      <dgm:spPr/>
+    </dgm:pt>
+    <dgm:pt modelId="{1A3BCFB3-5E95-4340-B0BF-A497CD568857}" type="pres">
+      <dgm:prSet presAssocID="{82995E82-8B7A-4F58-85E3-01B1280A3A12}" presName="parTx" presStyleLbl="node1" presStyleIdx="2" presStyleCnt="3">
+        <dgm:presLayoutVars>
+          <dgm:chMax val="0"/>
+          <dgm:chPref val="0"/>
+          <dgm:bulletEnabled val="1"/>
+        </dgm:presLayoutVars>
+      </dgm:prSet>
+      <dgm:spPr/>
+    </dgm:pt>
+    <dgm:pt modelId="{00C3F46D-D005-4770-869F-4E88AE7AFCC5}" type="pres">
+      <dgm:prSet presAssocID="{82995E82-8B7A-4F58-85E3-01B1280A3A12}" presName="desTx" presStyleLbl="revTx" presStyleIdx="2" presStyleCnt="3">
+        <dgm:presLayoutVars>
+          <dgm:bulletEnabled val="1"/>
+        </dgm:presLayoutVars>
+      </dgm:prSet>
+      <dgm:spPr/>
+    </dgm:pt>
+  </dgm:ptLst>
+  <dgm:cxnLst>
+    <dgm:cxn modelId="{E5F5D108-CCC0-4F39-91D8-F049CCF1A3DA}" srcId="{6CF8A632-FB32-483A-9AD8-DB154CEE5346}" destId="{741B08B0-6198-4D93-855B-28A0D168CF86}" srcOrd="0" destOrd="0" parTransId="{036B58E6-405D-4F3C-B4CC-B041F4201F15}" sibTransId="{4DCC6C2E-EFDA-4D5E-B033-2C872AE5826B}"/>
+    <dgm:cxn modelId="{2F905411-961F-44F9-867A-6BA5BB4CD3D6}" type="presOf" srcId="{82995E82-8B7A-4F58-85E3-01B1280A3A12}" destId="{1A3BCFB3-5E95-4340-B0BF-A497CD568857}" srcOrd="0" destOrd="0" presId="urn:microsoft.com/office/officeart/2005/8/layout/chevron1"/>
+    <dgm:cxn modelId="{A4DB0012-9F8D-421E-90F5-213C7D908FCA}" srcId="{6CF8A632-FB32-483A-9AD8-DB154CEE5346}" destId="{A098E747-0AEE-4C07-B490-F5AD29DEA09A}" srcOrd="1" destOrd="0" parTransId="{22A226F2-8D34-4F34-B424-F6BC67C92246}" sibTransId="{1A767181-2733-47BC-BBDD-4976E99119A5}"/>
+    <dgm:cxn modelId="{A1941C14-9125-4903-9C0C-38135F1E3887}" srcId="{82995E82-8B7A-4F58-85E3-01B1280A3A12}" destId="{1776F356-2D59-4221-8450-828883FCF383}" srcOrd="0" destOrd="0" parTransId="{9BE28AB3-40E5-4C0A-BE0A-06E101D4558B}" sibTransId="{293267C8-59DC-4CC9-85E3-8242D96684C9}"/>
+    <dgm:cxn modelId="{13BD0C1D-D101-4EF9-9607-D0780BDD8C4F}" type="presOf" srcId="{AA84F93F-F270-45F4-88E6-39DF65A408F2}" destId="{80F51128-CA0C-4200-B527-7994D9371F99}" srcOrd="0" destOrd="2" presId="urn:microsoft.com/office/officeart/2005/8/layout/chevron1"/>
+    <dgm:cxn modelId="{40BDD11F-687C-4AF6-A987-7D54F897371E}" type="presOf" srcId="{741B08B0-6198-4D93-855B-28A0D168CF86}" destId="{7382FD55-1053-4624-8F7B-A874AEDAC2FC}" srcOrd="0" destOrd="0" presId="urn:microsoft.com/office/officeart/2005/8/layout/chevron1"/>
+    <dgm:cxn modelId="{41D4D833-81AC-435B-830D-2EA88B4E898C}" srcId="{0D82AA38-24CE-4364-811B-EC786A275FAC}" destId="{6CF8A632-FB32-483A-9AD8-DB154CEE5346}" srcOrd="1" destOrd="0" parTransId="{6159DB52-86C5-4109-BA11-D7AFB2A69C2A}" sibTransId="{999F137E-2668-4D47-A45D-327CEA59A61C}"/>
+    <dgm:cxn modelId="{22FAC239-5067-4F1F-B1AB-6EEF688A3A75}" type="presOf" srcId="{E2E8CAB4-B0A4-4304-A095-9EB110990546}" destId="{00C3F46D-D005-4770-869F-4E88AE7AFCC5}" srcOrd="0" destOrd="1" presId="urn:microsoft.com/office/officeart/2005/8/layout/chevron1"/>
+    <dgm:cxn modelId="{C88B6F40-40ED-439F-A14D-D1A65D8B607A}" type="presOf" srcId="{A098E747-0AEE-4C07-B490-F5AD29DEA09A}" destId="{7382FD55-1053-4624-8F7B-A874AEDAC2FC}" srcOrd="0" destOrd="1" presId="urn:microsoft.com/office/officeart/2005/8/layout/chevron1"/>
+    <dgm:cxn modelId="{A7991667-0710-49DC-A727-C5BD1D198D06}" srcId="{F55AA7EA-4934-41A6-A22A-B60701C27A9E}" destId="{20AD7FFA-BE6A-46C0-B941-673B7A98486C}" srcOrd="1" destOrd="0" parTransId="{E05535E9-5233-4D5F-996D-AB0E84DCB43C}" sibTransId="{456B9053-A070-4A56-8F41-AC511707E524}"/>
+    <dgm:cxn modelId="{0E86B858-08B1-444C-BD7E-D4F5C21EBF1C}" type="presOf" srcId="{0D82AA38-24CE-4364-811B-EC786A275FAC}" destId="{A4FBC448-DE02-4E24-AE6B-374C0064F04E}" srcOrd="0" destOrd="0" presId="urn:microsoft.com/office/officeart/2005/8/layout/chevron1"/>
+    <dgm:cxn modelId="{38D2BF81-927B-4460-979A-25670D49323F}" type="presOf" srcId="{6CF8A632-FB32-483A-9AD8-DB154CEE5346}" destId="{8A84C4AA-3A24-4390-BB47-D10688BC6848}" srcOrd="0" destOrd="0" presId="urn:microsoft.com/office/officeart/2005/8/layout/chevron1"/>
+    <dgm:cxn modelId="{A1A6F88B-D412-41F8-B218-CB732E9D2474}" srcId="{82995E82-8B7A-4F58-85E3-01B1280A3A12}" destId="{E2E8CAB4-B0A4-4304-A095-9EB110990546}" srcOrd="1" destOrd="0" parTransId="{BDF8FE2E-18BB-4514-BE18-2E057DE9161D}" sibTransId="{C84E0FC9-971F-4DD7-BB45-4EC7D3A53693}"/>
+    <dgm:cxn modelId="{D3477099-7F0A-4554-B433-3F037F9E5099}" type="presOf" srcId="{1E9E7EE0-D066-47F2-8474-70255C93A868}" destId="{80F51128-CA0C-4200-B527-7994D9371F99}" srcOrd="0" destOrd="0" presId="urn:microsoft.com/office/officeart/2005/8/layout/chevron1"/>
+    <dgm:cxn modelId="{20BCD19C-D794-4579-891E-5AFD292B8825}" type="presOf" srcId="{1776F356-2D59-4221-8450-828883FCF383}" destId="{00C3F46D-D005-4770-869F-4E88AE7AFCC5}" srcOrd="0" destOrd="0" presId="urn:microsoft.com/office/officeart/2005/8/layout/chevron1"/>
+    <dgm:cxn modelId="{F6A0B89E-D283-4BB6-ADD8-6299B3430379}" type="presOf" srcId="{F55AA7EA-4934-41A6-A22A-B60701C27A9E}" destId="{C146623C-1DCB-4967-BC4E-ED89DC04D360}" srcOrd="0" destOrd="0" presId="urn:microsoft.com/office/officeart/2005/8/layout/chevron1"/>
+    <dgm:cxn modelId="{2B3D63A1-DD29-4E60-93E0-A9FECE0364B3}" srcId="{0D82AA38-24CE-4364-811B-EC786A275FAC}" destId="{82995E82-8B7A-4F58-85E3-01B1280A3A12}" srcOrd="2" destOrd="0" parTransId="{64FB7B78-7663-4704-8697-42D59073021A}" sibTransId="{7CF05CF0-041F-4B5D-8F51-01DA0FF601F7}"/>
+    <dgm:cxn modelId="{8FF0AAA2-8E5A-4938-A520-28401F18566B}" srcId="{0D82AA38-24CE-4364-811B-EC786A275FAC}" destId="{F55AA7EA-4934-41A6-A22A-B60701C27A9E}" srcOrd="0" destOrd="0" parTransId="{C1F721F6-DC04-4155-A997-6D86317968C2}" sibTransId="{0F8C749B-7656-410E-985E-4DD3BFEE917A}"/>
+    <dgm:cxn modelId="{DFFC6BD1-2EF0-4469-8D94-AC22D03CE088}" type="presOf" srcId="{20AD7FFA-BE6A-46C0-B941-673B7A98486C}" destId="{80F51128-CA0C-4200-B527-7994D9371F99}" srcOrd="0" destOrd="1" presId="urn:microsoft.com/office/officeart/2005/8/layout/chevron1"/>
+    <dgm:cxn modelId="{F66E9DF0-162A-45DF-ABE5-867FEAEF977C}" srcId="{F55AA7EA-4934-41A6-A22A-B60701C27A9E}" destId="{AA84F93F-F270-45F4-88E6-39DF65A408F2}" srcOrd="2" destOrd="0" parTransId="{0F39CF4B-DC64-43DE-9247-83725BF5FD5B}" sibTransId="{FA74D835-2616-4577-916E-006332324301}"/>
+    <dgm:cxn modelId="{49C897F8-B235-47D8-91AB-900C3E0F210E}" srcId="{F55AA7EA-4934-41A6-A22A-B60701C27A9E}" destId="{1E9E7EE0-D066-47F2-8474-70255C93A868}" srcOrd="0" destOrd="0" parTransId="{DDEE66AE-A53E-4AFE-8A81-C7B0731D7E4A}" sibTransId="{5CBDA9B6-26CD-4616-A12C-BBC6FD86253A}"/>
+    <dgm:cxn modelId="{9D5A87C4-6010-4908-BB2F-F67C523EA847}" type="presParOf" srcId="{A4FBC448-DE02-4E24-AE6B-374C0064F04E}" destId="{7FE08AAC-74B1-41D4-A51F-72190F7F4196}" srcOrd="0" destOrd="0" presId="urn:microsoft.com/office/officeart/2005/8/layout/chevron1"/>
+    <dgm:cxn modelId="{C9C7D23B-1D06-468D-804B-80543344821A}" type="presParOf" srcId="{7FE08AAC-74B1-41D4-A51F-72190F7F4196}" destId="{C146623C-1DCB-4967-BC4E-ED89DC04D360}" srcOrd="0" destOrd="0" presId="urn:microsoft.com/office/officeart/2005/8/layout/chevron1"/>
+    <dgm:cxn modelId="{58DE9A34-9396-4A33-BFD2-A01F99A76DCA}" type="presParOf" srcId="{7FE08AAC-74B1-41D4-A51F-72190F7F4196}" destId="{80F51128-CA0C-4200-B527-7994D9371F99}" srcOrd="1" destOrd="0" presId="urn:microsoft.com/office/officeart/2005/8/layout/chevron1"/>
+    <dgm:cxn modelId="{E1EC591C-7A9B-4E0B-B647-DFD716A2CA2F}" type="presParOf" srcId="{A4FBC448-DE02-4E24-AE6B-374C0064F04E}" destId="{4440C990-B0D2-40DF-8A6E-5C17B084F061}" srcOrd="1" destOrd="0" presId="urn:microsoft.com/office/officeart/2005/8/layout/chevron1"/>
+    <dgm:cxn modelId="{54C1D742-BB61-4AC9-9A4E-52BEEC6D5939}" type="presParOf" srcId="{A4FBC448-DE02-4E24-AE6B-374C0064F04E}" destId="{1681D838-1215-4324-A747-FCD3294C849C}" srcOrd="2" destOrd="0" presId="urn:microsoft.com/office/officeart/2005/8/layout/chevron1"/>
+    <dgm:cxn modelId="{413252F1-ABDA-4286-BE8C-B6CB69108C13}" type="presParOf" srcId="{1681D838-1215-4324-A747-FCD3294C849C}" destId="{8A84C4AA-3A24-4390-BB47-D10688BC6848}" srcOrd="0" destOrd="0" presId="urn:microsoft.com/office/officeart/2005/8/layout/chevron1"/>
+    <dgm:cxn modelId="{09FBEDBA-43BA-427E-8E1C-3DA4502463DB}" type="presParOf" srcId="{1681D838-1215-4324-A747-FCD3294C849C}" destId="{7382FD55-1053-4624-8F7B-A874AEDAC2FC}" srcOrd="1" destOrd="0" presId="urn:microsoft.com/office/officeart/2005/8/layout/chevron1"/>
+    <dgm:cxn modelId="{C8B9F1B2-0E1A-41F5-8A11-A068C22DCFBD}" type="presParOf" srcId="{A4FBC448-DE02-4E24-AE6B-374C0064F04E}" destId="{308DEAD0-22B0-4D6B-9A0A-F70C29C093B4}" srcOrd="3" destOrd="0" presId="urn:microsoft.com/office/officeart/2005/8/layout/chevron1"/>
+    <dgm:cxn modelId="{A00D8274-708B-4DB5-96DA-2A1FA6641D68}" type="presParOf" srcId="{A4FBC448-DE02-4E24-AE6B-374C0064F04E}" destId="{DA508E94-6062-4A1F-AE91-4F755C2141F8}" srcOrd="4" destOrd="0" presId="urn:microsoft.com/office/officeart/2005/8/layout/chevron1"/>
+    <dgm:cxn modelId="{C3FF4F09-B1B5-4DFB-AF8A-25AEFBB4F15E}" type="presParOf" srcId="{DA508E94-6062-4A1F-AE91-4F755C2141F8}" destId="{1A3BCFB3-5E95-4340-B0BF-A497CD568857}" srcOrd="0" destOrd="0" presId="urn:microsoft.com/office/officeart/2005/8/layout/chevron1"/>
+    <dgm:cxn modelId="{646E6D4D-BF84-49FC-88FB-0C5AB93ACFB2}" type="presParOf" srcId="{DA508E94-6062-4A1F-AE91-4F755C2141F8}" destId="{00C3F46D-D005-4770-869F-4E88AE7AFCC5}" srcOrd="1" destOrd="0" presId="urn:microsoft.com/office/officeart/2005/8/layout/chevron1"/>
+  </dgm:cxnLst>
+  <dgm:bg/>
+  <dgm:whole/>
+  <dgm:extLst>
+    <a:ext uri="http://schemas.microsoft.com/office/drawing/2008/diagram">
+      <dsp:dataModelExt xmlns:dsp="http://schemas.microsoft.com/office/drawing/2008/diagram" relId="rId6" minVer="http://schemas.openxmlformats.org/drawingml/2006/diagram"/>
+    </a:ext>
+  </dgm:extLst>
+</dgm:dataModel>
+</file>
+
+<file path=ppt/diagrams/data2.xml><?xml version="1.0" encoding="utf-8"?>
+<dgm:dataModel xmlns:dgm="http://schemas.openxmlformats.org/drawingml/2006/diagram" xmlns:a="http://schemas.openxmlformats.org/drawingml/2006/main">
+  <dgm:ptLst>
+    <dgm:pt modelId="{C8DAE8DB-2897-4272-BC48-7C73B5E8118B}" type="doc">
+      <dgm:prSet loTypeId="urn:microsoft.com/office/officeart/2005/8/layout/list1" loCatId="list" qsTypeId="urn:microsoft.com/office/officeart/2005/8/quickstyle/simple2" qsCatId="simple" csTypeId="urn:microsoft.com/office/officeart/2005/8/colors/accent0_3" csCatId="mainScheme" phldr="1"/>
+      <dgm:spPr/>
+      <dgm:t>
+        <a:bodyPr/>
+        <a:lstStyle/>
+        <a:p>
+          <a:endParaRPr lang="en-US"/>
+        </a:p>
+      </dgm:t>
+    </dgm:pt>
+    <dgm:pt modelId="{D9D2555F-B744-4203-AC83-2B8B3C2CA34A}">
+      <dgm:prSet/>
+      <dgm:spPr/>
+      <dgm:t>
+        <a:bodyPr/>
+        <a:lstStyle/>
+        <a:p>
+          <a:r>
+            <a:rPr lang="zh-TW" b="0" i="0" baseline="0"/>
+            <a:t>題目</a:t>
+          </a:r>
+          <a:r>
+            <a:rPr lang="en-US" b="0" i="0" baseline="0"/>
+            <a:t>:</a:t>
+          </a:r>
+          <a:endParaRPr lang="en-US"/>
+        </a:p>
+      </dgm:t>
+    </dgm:pt>
+    <dgm:pt modelId="{FE11ED62-8508-4D64-A2B2-44CEA867467B}" type="parTrans" cxnId="{24BE4FEF-F4F0-4FEB-B8E2-EFCE63B470B3}">
+      <dgm:prSet/>
+      <dgm:spPr/>
+      <dgm:t>
+        <a:bodyPr/>
+        <a:lstStyle/>
+        <a:p>
+          <a:endParaRPr lang="en-US"/>
+        </a:p>
+      </dgm:t>
+    </dgm:pt>
+    <dgm:pt modelId="{A88B7D2C-5DE0-468E-9752-35B0F95227E6}" type="sibTrans" cxnId="{24BE4FEF-F4F0-4FEB-B8E2-EFCE63B470B3}">
+      <dgm:prSet/>
+      <dgm:spPr/>
+      <dgm:t>
+        <a:bodyPr/>
+        <a:lstStyle/>
+        <a:p>
+          <a:endParaRPr lang="en-US"/>
+        </a:p>
+      </dgm:t>
+    </dgm:pt>
+    <dgm:pt modelId="{32C5F357-6232-4A5C-B20F-9C86C61AD1D1}">
+      <dgm:prSet/>
+      <dgm:spPr/>
+      <dgm:t>
+        <a:bodyPr/>
+        <a:lstStyle/>
+        <a:p>
+          <a:r>
+            <a:rPr lang="zh-TW" b="0" i="0" baseline="0"/>
+            <a:t>緣由</a:t>
+          </a:r>
+          <a:r>
+            <a:rPr lang="en-US" b="0" i="0" baseline="0"/>
+            <a:t>:</a:t>
+          </a:r>
+          <a:endParaRPr lang="en-US"/>
+        </a:p>
+      </dgm:t>
+    </dgm:pt>
+    <dgm:pt modelId="{3D09B7E2-9542-4600-8E65-762C41647E70}" type="parTrans" cxnId="{FCAD16EF-E0D6-4D98-BDC0-3ADCBAAB71AD}">
+      <dgm:prSet/>
+      <dgm:spPr/>
+      <dgm:t>
+        <a:bodyPr/>
+        <a:lstStyle/>
+        <a:p>
+          <a:endParaRPr lang="en-US"/>
+        </a:p>
+      </dgm:t>
+    </dgm:pt>
+    <dgm:pt modelId="{9508CBCF-CE99-47D1-B4D5-A67575E20591}" type="sibTrans" cxnId="{FCAD16EF-E0D6-4D98-BDC0-3ADCBAAB71AD}">
+      <dgm:prSet/>
+      <dgm:spPr/>
+      <dgm:t>
+        <a:bodyPr/>
+        <a:lstStyle/>
+        <a:p>
+          <a:endParaRPr lang="en-US"/>
+        </a:p>
+      </dgm:t>
+    </dgm:pt>
+    <dgm:pt modelId="{3213A80C-7B25-4468-9256-7A2FA549C354}">
+      <dgm:prSet/>
+      <dgm:spPr/>
+      <dgm:t>
+        <a:bodyPr/>
+        <a:lstStyle/>
+        <a:p>
+          <a:r>
+            <a:rPr lang="zh-TW" b="0" i="0" baseline="0"/>
+            <a:t>輸入</a:t>
+          </a:r>
+          <a:r>
+            <a:rPr lang="en-US" b="0" i="0" baseline="0"/>
+            <a:t>:</a:t>
+          </a:r>
+          <a:endParaRPr lang="en-US"/>
+        </a:p>
+      </dgm:t>
+    </dgm:pt>
+    <dgm:pt modelId="{39C0DFF8-A6E0-4E1C-9072-534138327BCB}" type="parTrans" cxnId="{22C00523-673D-43D8-8867-75466AA8CA55}">
+      <dgm:prSet/>
+      <dgm:spPr/>
+      <dgm:t>
+        <a:bodyPr/>
+        <a:lstStyle/>
+        <a:p>
+          <a:endParaRPr lang="en-US"/>
+        </a:p>
+      </dgm:t>
+    </dgm:pt>
+    <dgm:pt modelId="{EC8BB826-2C46-4D98-8800-6E4E79DF80A2}" type="sibTrans" cxnId="{22C00523-673D-43D8-8867-75466AA8CA55}">
+      <dgm:prSet/>
+      <dgm:spPr/>
+      <dgm:t>
+        <a:bodyPr/>
+        <a:lstStyle/>
+        <a:p>
+          <a:endParaRPr lang="en-US"/>
+        </a:p>
+      </dgm:t>
+    </dgm:pt>
+    <dgm:pt modelId="{429324C4-6517-4F06-83CC-6176FAB80732}">
+      <dgm:prSet/>
+      <dgm:spPr/>
+      <dgm:t>
+        <a:bodyPr/>
+        <a:lstStyle/>
+        <a:p>
+          <a:r>
+            <a:rPr lang="zh-TW" b="0" i="0" baseline="0"/>
+            <a:t>輸出</a:t>
+          </a:r>
+          <a:r>
+            <a:rPr lang="en-US" b="0" i="0" baseline="0"/>
+            <a:t>:</a:t>
+          </a:r>
+          <a:endParaRPr lang="en-US"/>
+        </a:p>
+      </dgm:t>
+    </dgm:pt>
+    <dgm:pt modelId="{FF20E171-5D54-4046-B648-68FADBB12CF3}" type="parTrans" cxnId="{2035F843-054C-4A5B-8A4D-2A38E352A675}">
+      <dgm:prSet/>
+      <dgm:spPr/>
+      <dgm:t>
+        <a:bodyPr/>
+        <a:lstStyle/>
+        <a:p>
+          <a:endParaRPr lang="en-US"/>
+        </a:p>
+      </dgm:t>
+    </dgm:pt>
+    <dgm:pt modelId="{B8854CE7-FDE4-4729-A4A1-38234F7B8641}" type="sibTrans" cxnId="{2035F843-054C-4A5B-8A4D-2A38E352A675}">
+      <dgm:prSet/>
+      <dgm:spPr/>
+      <dgm:t>
+        <a:bodyPr/>
+        <a:lstStyle/>
+        <a:p>
+          <a:endParaRPr lang="en-US"/>
+        </a:p>
+      </dgm:t>
+    </dgm:pt>
+    <dgm:pt modelId="{1F22C270-408F-455E-8771-E063909F9E2B}" type="pres">
+      <dgm:prSet presAssocID="{C8DAE8DB-2897-4272-BC48-7C73B5E8118B}" presName="linear" presStyleCnt="0">
+        <dgm:presLayoutVars>
+          <dgm:dir/>
+          <dgm:animLvl val="lvl"/>
+          <dgm:resizeHandles val="exact"/>
+        </dgm:presLayoutVars>
+      </dgm:prSet>
+      <dgm:spPr/>
+    </dgm:pt>
+    <dgm:pt modelId="{93F6AA23-B1C4-4436-A2CA-EC8815416DFE}" type="pres">
+      <dgm:prSet presAssocID="{D9D2555F-B744-4203-AC83-2B8B3C2CA34A}" presName="parentLin" presStyleCnt="0"/>
+      <dgm:spPr/>
+    </dgm:pt>
+    <dgm:pt modelId="{970B85FB-64F5-4CD2-8137-7ED5E39FB8EF}" type="pres">
+      <dgm:prSet presAssocID="{D9D2555F-B744-4203-AC83-2B8B3C2CA34A}" presName="parentLeftMargin" presStyleLbl="node1" presStyleIdx="0" presStyleCnt="4"/>
+      <dgm:spPr/>
+    </dgm:pt>
+    <dgm:pt modelId="{17752AD4-0A5B-407D-AE6C-5FF4C59FD63D}" type="pres">
+      <dgm:prSet presAssocID="{D9D2555F-B744-4203-AC83-2B8B3C2CA34A}" presName="parentText" presStyleLbl="node1" presStyleIdx="0" presStyleCnt="4">
+        <dgm:presLayoutVars>
+          <dgm:chMax val="0"/>
+          <dgm:bulletEnabled val="1"/>
+        </dgm:presLayoutVars>
+      </dgm:prSet>
+      <dgm:spPr/>
+    </dgm:pt>
+    <dgm:pt modelId="{B2D1FA97-F0EA-4CBA-BADA-48ACDF320CEB}" type="pres">
+      <dgm:prSet presAssocID="{D9D2555F-B744-4203-AC83-2B8B3C2CA34A}" presName="negativeSpace" presStyleCnt="0"/>
+      <dgm:spPr/>
+    </dgm:pt>
+    <dgm:pt modelId="{61E931EC-5A92-4677-9FD1-06B39CD41F8A}" type="pres">
+      <dgm:prSet presAssocID="{D9D2555F-B744-4203-AC83-2B8B3C2CA34A}" presName="childText" presStyleLbl="conFgAcc1" presStyleIdx="0" presStyleCnt="4">
+        <dgm:presLayoutVars>
+          <dgm:bulletEnabled val="1"/>
+        </dgm:presLayoutVars>
+      </dgm:prSet>
+      <dgm:spPr/>
+    </dgm:pt>
+    <dgm:pt modelId="{CEC2ACDD-0335-403D-ABAE-63D0659E8DD4}" type="pres">
+      <dgm:prSet presAssocID="{A88B7D2C-5DE0-468E-9752-35B0F95227E6}" presName="spaceBetweenRectangles" presStyleCnt="0"/>
+      <dgm:spPr/>
+    </dgm:pt>
+    <dgm:pt modelId="{35659A4E-2BF9-417A-9140-AAEA1FDBAAD0}" type="pres">
+      <dgm:prSet presAssocID="{32C5F357-6232-4A5C-B20F-9C86C61AD1D1}" presName="parentLin" presStyleCnt="0"/>
+      <dgm:spPr/>
+    </dgm:pt>
+    <dgm:pt modelId="{D0CFEE95-6922-4321-94B4-912CA316EBCB}" type="pres">
+      <dgm:prSet presAssocID="{32C5F357-6232-4A5C-B20F-9C86C61AD1D1}" presName="parentLeftMargin" presStyleLbl="node1" presStyleIdx="0" presStyleCnt="4"/>
+      <dgm:spPr/>
+    </dgm:pt>
+    <dgm:pt modelId="{52AD053F-9931-475C-BD31-809FFE3B176F}" type="pres">
+      <dgm:prSet presAssocID="{32C5F357-6232-4A5C-B20F-9C86C61AD1D1}" presName="parentText" presStyleLbl="node1" presStyleIdx="1" presStyleCnt="4">
+        <dgm:presLayoutVars>
+          <dgm:chMax val="0"/>
+          <dgm:bulletEnabled val="1"/>
+        </dgm:presLayoutVars>
+      </dgm:prSet>
+      <dgm:spPr/>
+    </dgm:pt>
+    <dgm:pt modelId="{58DD734D-7E60-45F7-9CDD-62712780300A}" type="pres">
+      <dgm:prSet presAssocID="{32C5F357-6232-4A5C-B20F-9C86C61AD1D1}" presName="negativeSpace" presStyleCnt="0"/>
+      <dgm:spPr/>
+    </dgm:pt>
+    <dgm:pt modelId="{8068715E-AB30-4837-A506-0376AEB7EC04}" type="pres">
+      <dgm:prSet presAssocID="{32C5F357-6232-4A5C-B20F-9C86C61AD1D1}" presName="childText" presStyleLbl="conFgAcc1" presStyleIdx="1" presStyleCnt="4">
+        <dgm:presLayoutVars>
+          <dgm:bulletEnabled val="1"/>
+        </dgm:presLayoutVars>
+      </dgm:prSet>
+      <dgm:spPr/>
+    </dgm:pt>
+    <dgm:pt modelId="{110A3AD4-56BA-498B-96A2-A2C4AC29E30A}" type="pres">
+      <dgm:prSet presAssocID="{9508CBCF-CE99-47D1-B4D5-A67575E20591}" presName="spaceBetweenRectangles" presStyleCnt="0"/>
+      <dgm:spPr/>
+    </dgm:pt>
+    <dgm:pt modelId="{BAD273EC-61FC-45A6-9E9F-67375CBC259A}" type="pres">
+      <dgm:prSet presAssocID="{3213A80C-7B25-4468-9256-7A2FA549C354}" presName="parentLin" presStyleCnt="0"/>
+      <dgm:spPr/>
+    </dgm:pt>
+    <dgm:pt modelId="{DC66F130-7DAB-4D17-B689-9B35FBD875C3}" type="pres">
+      <dgm:prSet presAssocID="{3213A80C-7B25-4468-9256-7A2FA549C354}" presName="parentLeftMargin" presStyleLbl="node1" presStyleIdx="1" presStyleCnt="4"/>
+      <dgm:spPr/>
+    </dgm:pt>
+    <dgm:pt modelId="{7F40C168-AA37-4AC3-9A07-1C86C69E2150}" type="pres">
+      <dgm:prSet presAssocID="{3213A80C-7B25-4468-9256-7A2FA549C354}" presName="parentText" presStyleLbl="node1" presStyleIdx="2" presStyleCnt="4">
+        <dgm:presLayoutVars>
+          <dgm:chMax val="0"/>
+          <dgm:bulletEnabled val="1"/>
+        </dgm:presLayoutVars>
+      </dgm:prSet>
+      <dgm:spPr/>
+    </dgm:pt>
+    <dgm:pt modelId="{B40F912B-2AED-4836-B1ED-DEA47C747B15}" type="pres">
+      <dgm:prSet presAssocID="{3213A80C-7B25-4468-9256-7A2FA549C354}" presName="negativeSpace" presStyleCnt="0"/>
+      <dgm:spPr/>
+    </dgm:pt>
+    <dgm:pt modelId="{CF20D75A-5E76-4015-873F-8B7F46EFFB75}" type="pres">
+      <dgm:prSet presAssocID="{3213A80C-7B25-4468-9256-7A2FA549C354}" presName="childText" presStyleLbl="conFgAcc1" presStyleIdx="2" presStyleCnt="4">
+        <dgm:presLayoutVars>
+          <dgm:bulletEnabled val="1"/>
+        </dgm:presLayoutVars>
+      </dgm:prSet>
+      <dgm:spPr/>
+    </dgm:pt>
+    <dgm:pt modelId="{103EB84E-FF1A-4586-BB06-8E3A170B2E8D}" type="pres">
+      <dgm:prSet presAssocID="{EC8BB826-2C46-4D98-8800-6E4E79DF80A2}" presName="spaceBetweenRectangles" presStyleCnt="0"/>
+      <dgm:spPr/>
+    </dgm:pt>
+    <dgm:pt modelId="{CBC8B802-4CBB-47AF-A641-7677CA4025CF}" type="pres">
+      <dgm:prSet presAssocID="{429324C4-6517-4F06-83CC-6176FAB80732}" presName="parentLin" presStyleCnt="0"/>
+      <dgm:spPr/>
+    </dgm:pt>
+    <dgm:pt modelId="{A056FD34-C29D-443F-B129-C8700439E462}" type="pres">
+      <dgm:prSet presAssocID="{429324C4-6517-4F06-83CC-6176FAB80732}" presName="parentLeftMargin" presStyleLbl="node1" presStyleIdx="2" presStyleCnt="4"/>
+      <dgm:spPr/>
+    </dgm:pt>
+    <dgm:pt modelId="{0B275171-8729-42E5-B8F4-B9D78EB9B2A4}" type="pres">
+      <dgm:prSet presAssocID="{429324C4-6517-4F06-83CC-6176FAB80732}" presName="parentText" presStyleLbl="node1" presStyleIdx="3" presStyleCnt="4">
+        <dgm:presLayoutVars>
+          <dgm:chMax val="0"/>
+          <dgm:bulletEnabled val="1"/>
+        </dgm:presLayoutVars>
+      </dgm:prSet>
+      <dgm:spPr/>
+    </dgm:pt>
+    <dgm:pt modelId="{C4CD7BF0-6FC1-4CE7-BDD0-0864FD88BF62}" type="pres">
+      <dgm:prSet presAssocID="{429324C4-6517-4F06-83CC-6176FAB80732}" presName="negativeSpace" presStyleCnt="0"/>
+      <dgm:spPr/>
+    </dgm:pt>
+    <dgm:pt modelId="{49B3F383-DC9D-45B3-904C-F4A7FA7D4BBC}" type="pres">
+      <dgm:prSet presAssocID="{429324C4-6517-4F06-83CC-6176FAB80732}" presName="childText" presStyleLbl="conFgAcc1" presStyleIdx="3" presStyleCnt="4">
+        <dgm:presLayoutVars>
+          <dgm:bulletEnabled val="1"/>
+        </dgm:presLayoutVars>
+      </dgm:prSet>
+      <dgm:spPr/>
+    </dgm:pt>
+  </dgm:ptLst>
+  <dgm:cxnLst>
+    <dgm:cxn modelId="{221BD40E-B32A-45E5-A5B3-DE10D1D49C8E}" type="presOf" srcId="{429324C4-6517-4F06-83CC-6176FAB80732}" destId="{0B275171-8729-42E5-B8F4-B9D78EB9B2A4}" srcOrd="1" destOrd="0" presId="urn:microsoft.com/office/officeart/2005/8/layout/list1"/>
+    <dgm:cxn modelId="{22C00523-673D-43D8-8867-75466AA8CA55}" srcId="{C8DAE8DB-2897-4272-BC48-7C73B5E8118B}" destId="{3213A80C-7B25-4468-9256-7A2FA549C354}" srcOrd="2" destOrd="0" parTransId="{39C0DFF8-A6E0-4E1C-9072-534138327BCB}" sibTransId="{EC8BB826-2C46-4D98-8800-6E4E79DF80A2}"/>
+    <dgm:cxn modelId="{F8F18729-1034-4FB3-9803-6E8D20BCE27C}" type="presOf" srcId="{D9D2555F-B744-4203-AC83-2B8B3C2CA34A}" destId="{970B85FB-64F5-4CD2-8137-7ED5E39FB8EF}" srcOrd="0" destOrd="0" presId="urn:microsoft.com/office/officeart/2005/8/layout/list1"/>
+    <dgm:cxn modelId="{1E1AD736-45D9-4E31-AB32-C67252F27171}" type="presOf" srcId="{D9D2555F-B744-4203-AC83-2B8B3C2CA34A}" destId="{17752AD4-0A5B-407D-AE6C-5FF4C59FD63D}" srcOrd="1" destOrd="0" presId="urn:microsoft.com/office/officeart/2005/8/layout/list1"/>
+    <dgm:cxn modelId="{72C72D3A-2872-4FC2-B483-4197139117B5}" type="presOf" srcId="{32C5F357-6232-4A5C-B20F-9C86C61AD1D1}" destId="{52AD053F-9931-475C-BD31-809FFE3B176F}" srcOrd="1" destOrd="0" presId="urn:microsoft.com/office/officeart/2005/8/layout/list1"/>
+    <dgm:cxn modelId="{9D3B2B5D-F6B0-436E-BD22-0E9A6CABF790}" type="presOf" srcId="{C8DAE8DB-2897-4272-BC48-7C73B5E8118B}" destId="{1F22C270-408F-455E-8771-E063909F9E2B}" srcOrd="0" destOrd="0" presId="urn:microsoft.com/office/officeart/2005/8/layout/list1"/>
+    <dgm:cxn modelId="{2035F843-054C-4A5B-8A4D-2A38E352A675}" srcId="{C8DAE8DB-2897-4272-BC48-7C73B5E8118B}" destId="{429324C4-6517-4F06-83CC-6176FAB80732}" srcOrd="3" destOrd="0" parTransId="{FF20E171-5D54-4046-B648-68FADBB12CF3}" sibTransId="{B8854CE7-FDE4-4729-A4A1-38234F7B8641}"/>
+    <dgm:cxn modelId="{EC2F7B4F-1A04-4530-8D22-A880D555CFA3}" type="presOf" srcId="{429324C4-6517-4F06-83CC-6176FAB80732}" destId="{A056FD34-C29D-443F-B129-C8700439E462}" srcOrd="0" destOrd="0" presId="urn:microsoft.com/office/officeart/2005/8/layout/list1"/>
+    <dgm:cxn modelId="{A87C1BC8-3A39-406A-B432-66E4A2C22976}" type="presOf" srcId="{3213A80C-7B25-4468-9256-7A2FA549C354}" destId="{7F40C168-AA37-4AC3-9A07-1C86C69E2150}" srcOrd="1" destOrd="0" presId="urn:microsoft.com/office/officeart/2005/8/layout/list1"/>
+    <dgm:cxn modelId="{D27338CB-B398-425E-BCE7-E64024D457EF}" type="presOf" srcId="{32C5F357-6232-4A5C-B20F-9C86C61AD1D1}" destId="{D0CFEE95-6922-4321-94B4-912CA316EBCB}" srcOrd="0" destOrd="0" presId="urn:microsoft.com/office/officeart/2005/8/layout/list1"/>
+    <dgm:cxn modelId="{1B34AEEB-9D66-4C00-935E-7F23332052CD}" type="presOf" srcId="{3213A80C-7B25-4468-9256-7A2FA549C354}" destId="{DC66F130-7DAB-4D17-B689-9B35FBD875C3}" srcOrd="0" destOrd="0" presId="urn:microsoft.com/office/officeart/2005/8/layout/list1"/>
+    <dgm:cxn modelId="{FCAD16EF-E0D6-4D98-BDC0-3ADCBAAB71AD}" srcId="{C8DAE8DB-2897-4272-BC48-7C73B5E8118B}" destId="{32C5F357-6232-4A5C-B20F-9C86C61AD1D1}" srcOrd="1" destOrd="0" parTransId="{3D09B7E2-9542-4600-8E65-762C41647E70}" sibTransId="{9508CBCF-CE99-47D1-B4D5-A67575E20591}"/>
+    <dgm:cxn modelId="{24BE4FEF-F4F0-4FEB-B8E2-EFCE63B470B3}" srcId="{C8DAE8DB-2897-4272-BC48-7C73B5E8118B}" destId="{D9D2555F-B744-4203-AC83-2B8B3C2CA34A}" srcOrd="0" destOrd="0" parTransId="{FE11ED62-8508-4D64-A2B2-44CEA867467B}" sibTransId="{A88B7D2C-5DE0-468E-9752-35B0F95227E6}"/>
+    <dgm:cxn modelId="{98969722-8100-4EFB-B96B-388B4E0D2C81}" type="presParOf" srcId="{1F22C270-408F-455E-8771-E063909F9E2B}" destId="{93F6AA23-B1C4-4436-A2CA-EC8815416DFE}" srcOrd="0" destOrd="0" presId="urn:microsoft.com/office/officeart/2005/8/layout/list1"/>
+    <dgm:cxn modelId="{7E9F1BE3-98E5-4328-A8BA-DF5DAB7A3745}" type="presParOf" srcId="{93F6AA23-B1C4-4436-A2CA-EC8815416DFE}" destId="{970B85FB-64F5-4CD2-8137-7ED5E39FB8EF}" srcOrd="0" destOrd="0" presId="urn:microsoft.com/office/officeart/2005/8/layout/list1"/>
+    <dgm:cxn modelId="{E43AFB2D-5F4D-4F84-8B31-D825CECC6AA5}" type="presParOf" srcId="{93F6AA23-B1C4-4436-A2CA-EC8815416DFE}" destId="{17752AD4-0A5B-407D-AE6C-5FF4C59FD63D}" srcOrd="1" destOrd="0" presId="urn:microsoft.com/office/officeart/2005/8/layout/list1"/>
+    <dgm:cxn modelId="{0AF71A60-55B1-4632-A577-745A7EFCD163}" type="presParOf" srcId="{1F22C270-408F-455E-8771-E063909F9E2B}" destId="{B2D1FA97-F0EA-4CBA-BADA-48ACDF320CEB}" srcOrd="1" destOrd="0" presId="urn:microsoft.com/office/officeart/2005/8/layout/list1"/>
+    <dgm:cxn modelId="{AF2A2FBB-284F-4632-A8AB-C16D977CB1F2}" type="presParOf" srcId="{1F22C270-408F-455E-8771-E063909F9E2B}" destId="{61E931EC-5A92-4677-9FD1-06B39CD41F8A}" srcOrd="2" destOrd="0" presId="urn:microsoft.com/office/officeart/2005/8/layout/list1"/>
+    <dgm:cxn modelId="{FC4E4FA8-CE0B-4275-BF40-7AD019E47364}" type="presParOf" srcId="{1F22C270-408F-455E-8771-E063909F9E2B}" destId="{CEC2ACDD-0335-403D-ABAE-63D0659E8DD4}" srcOrd="3" destOrd="0" presId="urn:microsoft.com/office/officeart/2005/8/layout/list1"/>
+    <dgm:cxn modelId="{2DABE8DF-D86D-48A5-BFDF-1114FC57A017}" type="presParOf" srcId="{1F22C270-408F-455E-8771-E063909F9E2B}" destId="{35659A4E-2BF9-417A-9140-AAEA1FDBAAD0}" srcOrd="4" destOrd="0" presId="urn:microsoft.com/office/officeart/2005/8/layout/list1"/>
+    <dgm:cxn modelId="{D6C62A6E-8D73-4E78-AC11-BE1A30B6D2EA}" type="presParOf" srcId="{35659A4E-2BF9-417A-9140-AAEA1FDBAAD0}" destId="{D0CFEE95-6922-4321-94B4-912CA316EBCB}" srcOrd="0" destOrd="0" presId="urn:microsoft.com/office/officeart/2005/8/layout/list1"/>
+    <dgm:cxn modelId="{2C16E6C1-63B2-4BA6-975D-1A3849599D56}" type="presParOf" srcId="{35659A4E-2BF9-417A-9140-AAEA1FDBAAD0}" destId="{52AD053F-9931-475C-BD31-809FFE3B176F}" srcOrd="1" destOrd="0" presId="urn:microsoft.com/office/officeart/2005/8/layout/list1"/>
+    <dgm:cxn modelId="{61AF736B-B6BB-4C3C-80BD-134B88B08DE8}" type="presParOf" srcId="{1F22C270-408F-455E-8771-E063909F9E2B}" destId="{58DD734D-7E60-45F7-9CDD-62712780300A}" srcOrd="5" destOrd="0" presId="urn:microsoft.com/office/officeart/2005/8/layout/list1"/>
+    <dgm:cxn modelId="{D6113E89-B381-42ED-B78A-692DAB7B6D0C}" type="presParOf" srcId="{1F22C270-408F-455E-8771-E063909F9E2B}" destId="{8068715E-AB30-4837-A506-0376AEB7EC04}" srcOrd="6" destOrd="0" presId="urn:microsoft.com/office/officeart/2005/8/layout/list1"/>
+    <dgm:cxn modelId="{784B0B23-56F8-444B-9867-0B099CE4A2D3}" type="presParOf" srcId="{1F22C270-408F-455E-8771-E063909F9E2B}" destId="{110A3AD4-56BA-498B-96A2-A2C4AC29E30A}" srcOrd="7" destOrd="0" presId="urn:microsoft.com/office/officeart/2005/8/layout/list1"/>
+    <dgm:cxn modelId="{A727CC0A-A740-4A20-975F-25CD98690D34}" type="presParOf" srcId="{1F22C270-408F-455E-8771-E063909F9E2B}" destId="{BAD273EC-61FC-45A6-9E9F-67375CBC259A}" srcOrd="8" destOrd="0" presId="urn:microsoft.com/office/officeart/2005/8/layout/list1"/>
+    <dgm:cxn modelId="{C9122103-F60F-4386-A54A-C3227446FC19}" type="presParOf" srcId="{BAD273EC-61FC-45A6-9E9F-67375CBC259A}" destId="{DC66F130-7DAB-4D17-B689-9B35FBD875C3}" srcOrd="0" destOrd="0" presId="urn:microsoft.com/office/officeart/2005/8/layout/list1"/>
+    <dgm:cxn modelId="{F64AC4A5-B8C0-4CE8-80FE-77F0233D5389}" type="presParOf" srcId="{BAD273EC-61FC-45A6-9E9F-67375CBC259A}" destId="{7F40C168-AA37-4AC3-9A07-1C86C69E2150}" srcOrd="1" destOrd="0" presId="urn:microsoft.com/office/officeart/2005/8/layout/list1"/>
+    <dgm:cxn modelId="{2F3DB1B6-B928-456F-A2B3-DD2B2D66D7C1}" type="presParOf" srcId="{1F22C270-408F-455E-8771-E063909F9E2B}" destId="{B40F912B-2AED-4836-B1ED-DEA47C747B15}" srcOrd="9" destOrd="0" presId="urn:microsoft.com/office/officeart/2005/8/layout/list1"/>
+    <dgm:cxn modelId="{9DC8616A-B2CD-49D5-9E1C-10B0A99FF03B}" type="presParOf" srcId="{1F22C270-408F-455E-8771-E063909F9E2B}" destId="{CF20D75A-5E76-4015-873F-8B7F46EFFB75}" srcOrd="10" destOrd="0" presId="urn:microsoft.com/office/officeart/2005/8/layout/list1"/>
+    <dgm:cxn modelId="{C81BDEA8-C87E-4005-9805-8EC03F4F45BB}" type="presParOf" srcId="{1F22C270-408F-455E-8771-E063909F9E2B}" destId="{103EB84E-FF1A-4586-BB06-8E3A170B2E8D}" srcOrd="11" destOrd="0" presId="urn:microsoft.com/office/officeart/2005/8/layout/list1"/>
+    <dgm:cxn modelId="{84974288-BEA4-4A88-BAFA-0D9A678D3CCC}" type="presParOf" srcId="{1F22C270-408F-455E-8771-E063909F9E2B}" destId="{CBC8B802-4CBB-47AF-A641-7677CA4025CF}" srcOrd="12" destOrd="0" presId="urn:microsoft.com/office/officeart/2005/8/layout/list1"/>
+    <dgm:cxn modelId="{9E874145-720C-4540-AEDB-841176C0973E}" type="presParOf" srcId="{CBC8B802-4CBB-47AF-A641-7677CA4025CF}" destId="{A056FD34-C29D-443F-B129-C8700439E462}" srcOrd="0" destOrd="0" presId="urn:microsoft.com/office/officeart/2005/8/layout/list1"/>
+    <dgm:cxn modelId="{A2F72447-3D64-455F-B53D-D800FE820464}" type="presParOf" srcId="{CBC8B802-4CBB-47AF-A641-7677CA4025CF}" destId="{0B275171-8729-42E5-B8F4-B9D78EB9B2A4}" srcOrd="1" destOrd="0" presId="urn:microsoft.com/office/officeart/2005/8/layout/list1"/>
+    <dgm:cxn modelId="{7587C663-1C12-4DC9-ACCC-52BC4F979B82}" type="presParOf" srcId="{1F22C270-408F-455E-8771-E063909F9E2B}" destId="{C4CD7BF0-6FC1-4CE7-BDD0-0864FD88BF62}" srcOrd="13" destOrd="0" presId="urn:microsoft.com/office/officeart/2005/8/layout/list1"/>
+    <dgm:cxn modelId="{3F6A67F0-23F1-4FD7-8BED-610FACBB51DF}" type="presParOf" srcId="{1F22C270-408F-455E-8771-E063909F9E2B}" destId="{49B3F383-DC9D-45B3-904C-F4A7FA7D4BBC}" srcOrd="14" destOrd="0" presId="urn:microsoft.com/office/officeart/2005/8/layout/list1"/>
+  </dgm:cxnLst>
+  <dgm:bg/>
+  <dgm:whole/>
+  <dgm:extLst>
+    <a:ext uri="http://schemas.microsoft.com/office/drawing/2008/diagram">
+      <dsp:dataModelExt xmlns:dsp="http://schemas.microsoft.com/office/drawing/2008/diagram" relId="rId6" minVer="http://schemas.openxmlformats.org/drawingml/2006/diagram"/>
+    </a:ext>
+  </dgm:extLst>
+</dgm:dataModel>
+</file>
+
+<file path=ppt/diagrams/drawing1.xml><?xml version="1.0" encoding="utf-8"?>
+<dsp:drawing xmlns:dgm="http://schemas.openxmlformats.org/drawingml/2006/diagram" xmlns:dsp="http://schemas.microsoft.com/office/drawing/2008/diagram" xmlns:a="http://schemas.openxmlformats.org/drawingml/2006/main">
+  <dsp:spTree>
+    <dsp:nvGrpSpPr>
+      <dsp:cNvPr id="0" name=""/>
+      <dsp:cNvGrpSpPr/>
+    </dsp:nvGrpSpPr>
+    <dsp:grpSpPr/>
+    <dsp:sp modelId="{C146623C-1DCB-4967-BC4E-ED89DC04D360}">
+      <dsp:nvSpPr>
+        <dsp:cNvPr id="0" name=""/>
+        <dsp:cNvSpPr/>
+      </dsp:nvSpPr>
+      <dsp:spPr>
+        <a:xfrm>
+          <a:off x="3999" y="235693"/>
+          <a:ext cx="1984969" cy="793987"/>
+        </a:xfrm>
+        <a:prstGeom prst="chevron">
+          <a:avLst/>
+        </a:prstGeom>
+        <a:gradFill rotWithShape="0">
+          <a:gsLst>
+            <a:gs pos="0">
+              <a:schemeClr val="accent2">
+                <a:shade val="80000"/>
+                <a:hueOff val="0"/>
+                <a:satOff val="0"/>
+                <a:lumOff val="0"/>
+                <a:alphaOff val="0"/>
+                <a:satMod val="103000"/>
+                <a:lumMod val="102000"/>
+                <a:tint val="94000"/>
+              </a:schemeClr>
+            </a:gs>
+            <a:gs pos="50000">
+              <a:schemeClr val="accent2">
+                <a:shade val="80000"/>
+                <a:hueOff val="0"/>
+                <a:satOff val="0"/>
+                <a:lumOff val="0"/>
+                <a:alphaOff val="0"/>
+                <a:satMod val="110000"/>
+                <a:lumMod val="100000"/>
+                <a:shade val="100000"/>
+              </a:schemeClr>
+            </a:gs>
+            <a:gs pos="100000">
+              <a:schemeClr val="accent2">
+                <a:shade val="80000"/>
+                <a:hueOff val="0"/>
+                <a:satOff val="0"/>
+                <a:lumOff val="0"/>
+                <a:alphaOff val="0"/>
+                <a:lumMod val="99000"/>
+                <a:satMod val="120000"/>
+                <a:shade val="78000"/>
+              </a:schemeClr>
+            </a:gs>
+          </a:gsLst>
+          <a:lin ang="5400000" scaled="0"/>
+        </a:gradFill>
+        <a:ln>
+          <a:noFill/>
+        </a:ln>
+        <a:effectLst/>
+      </dsp:spPr>
+      <dsp:style>
+        <a:lnRef idx="0">
+          <a:scrgbClr r="0" g="0" b="0"/>
+        </a:lnRef>
+        <a:fillRef idx="3">
+          <a:scrgbClr r="0" g="0" b="0"/>
+        </a:fillRef>
+        <a:effectRef idx="2">
+          <a:scrgbClr r="0" g="0" b="0"/>
+        </a:effectRef>
+        <a:fontRef idx="minor">
+          <a:schemeClr val="lt1"/>
+        </a:fontRef>
+      </dsp:style>
+      <dsp:txBody>
+        <a:bodyPr spcFirstLastPara="0" vert="horz" wrap="square" lIns="84011" tIns="28004" rIns="28004" bIns="28004" numCol="1" spcCol="1270" anchor="ctr" anchorCtr="0">
+          <a:noAutofit/>
+        </a:bodyPr>
+        <a:lstStyle/>
+        <a:p>
+          <a:pPr marL="0" lvl="0" indent="0" algn="ctr" defTabSz="933450">
+            <a:lnSpc>
+              <a:spcPct val="90000"/>
+            </a:lnSpc>
+            <a:spcBef>
+              <a:spcPct val="0"/>
+            </a:spcBef>
+            <a:spcAft>
+              <a:spcPct val="35000"/>
+            </a:spcAft>
+            <a:buNone/>
+          </a:pPr>
+          <a:r>
+            <a:rPr lang="zh-TW" altLang="en-US" sz="2100" kern="1200" dirty="0"/>
+            <a:t>匯出資料</a:t>
+          </a:r>
+        </a:p>
+      </dsp:txBody>
+      <dsp:txXfrm>
+        <a:off x="400993" y="235693"/>
+        <a:ext cx="1190982" cy="793987"/>
+      </dsp:txXfrm>
+    </dsp:sp>
+    <dsp:sp modelId="{80F51128-CA0C-4200-B527-7994D9371F99}">
+      <dsp:nvSpPr>
+        <dsp:cNvPr id="0" name=""/>
+        <dsp:cNvSpPr/>
+      </dsp:nvSpPr>
+      <dsp:spPr>
+        <a:xfrm>
+          <a:off x="3999" y="1128930"/>
+          <a:ext cx="1587975" cy="921375"/>
+        </a:xfrm>
+        <a:prstGeom prst="rect">
+          <a:avLst/>
+        </a:prstGeom>
+        <a:noFill/>
+        <a:ln>
+          <a:noFill/>
+        </a:ln>
+        <a:effectLst/>
+      </dsp:spPr>
+      <dsp:style>
+        <a:lnRef idx="0">
+          <a:scrgbClr r="0" g="0" b="0"/>
+        </a:lnRef>
+        <a:fillRef idx="0">
+          <a:scrgbClr r="0" g="0" b="0"/>
+        </a:fillRef>
+        <a:effectRef idx="0">
+          <a:scrgbClr r="0" g="0" b="0"/>
+        </a:effectRef>
+        <a:fontRef idx="minor"/>
+      </dsp:style>
+      <dsp:txBody>
+        <a:bodyPr spcFirstLastPara="0" vert="horz" wrap="square" lIns="0" tIns="0" rIns="0" bIns="0" numCol="1" spcCol="1270" anchor="t" anchorCtr="0">
+          <a:noAutofit/>
+        </a:bodyPr>
+        <a:lstStyle/>
+        <a:p>
+          <a:pPr marL="228600" lvl="1" indent="-228600" algn="l" defTabSz="933450">
+            <a:lnSpc>
+              <a:spcPct val="90000"/>
+            </a:lnSpc>
+            <a:spcBef>
+              <a:spcPct val="0"/>
+            </a:spcBef>
+            <a:spcAft>
+              <a:spcPct val="15000"/>
+            </a:spcAft>
+            <a:buChar char="•"/>
+          </a:pPr>
+          <a:r>
+            <a:rPr lang="en-US" altLang="zh-TW" sz="2100" kern="1200" dirty="0"/>
+            <a:t>CSV</a:t>
+          </a:r>
+          <a:endParaRPr lang="zh-TW" altLang="en-US" sz="2100" kern="1200" dirty="0"/>
+        </a:p>
+        <a:p>
+          <a:pPr marL="228600" lvl="1" indent="-228600" algn="l" defTabSz="933450">
+            <a:lnSpc>
+              <a:spcPct val="90000"/>
+            </a:lnSpc>
+            <a:spcBef>
+              <a:spcPct val="0"/>
+            </a:spcBef>
+            <a:spcAft>
+              <a:spcPct val="15000"/>
+            </a:spcAft>
+            <a:buChar char="•"/>
+          </a:pPr>
+          <a:r>
+            <a:rPr lang="en-US" altLang="zh-TW" sz="2100" kern="1200" dirty="0"/>
+            <a:t>XML</a:t>
+          </a:r>
+          <a:endParaRPr lang="zh-TW" altLang="en-US" sz="2100" kern="1200" dirty="0"/>
+        </a:p>
+        <a:p>
+          <a:pPr marL="228600" lvl="1" indent="-228600" algn="l" defTabSz="933450">
+            <a:lnSpc>
+              <a:spcPct val="90000"/>
+            </a:lnSpc>
+            <a:spcBef>
+              <a:spcPct val="0"/>
+            </a:spcBef>
+            <a:spcAft>
+              <a:spcPct val="15000"/>
+            </a:spcAft>
+            <a:buChar char="•"/>
+          </a:pPr>
+          <a:r>
+            <a:rPr lang="en-US" altLang="zh-TW" sz="2100" kern="1200" dirty="0"/>
+            <a:t>TXT</a:t>
+          </a:r>
+          <a:endParaRPr lang="zh-TW" altLang="en-US" sz="2100" kern="1200" dirty="0"/>
+        </a:p>
+      </dsp:txBody>
+      <dsp:txXfrm>
+        <a:off x="3999" y="1128930"/>
+        <a:ext cx="1587975" cy="921375"/>
+      </dsp:txXfrm>
+    </dsp:sp>
+    <dsp:sp modelId="{8A84C4AA-3A24-4390-BB47-D10688BC6848}">
+      <dsp:nvSpPr>
+        <dsp:cNvPr id="0" name=""/>
+        <dsp:cNvSpPr/>
+      </dsp:nvSpPr>
+      <dsp:spPr>
+        <a:xfrm>
+          <a:off x="1772969" y="235693"/>
+          <a:ext cx="1984969" cy="793987"/>
+        </a:xfrm>
+        <a:prstGeom prst="chevron">
+          <a:avLst/>
+        </a:prstGeom>
+        <a:gradFill rotWithShape="0">
+          <a:gsLst>
+            <a:gs pos="0">
+              <a:schemeClr val="accent2">
+                <a:shade val="80000"/>
+                <a:hueOff val="2465"/>
+                <a:satOff val="-38"/>
+                <a:lumOff val="11536"/>
+                <a:alphaOff val="0"/>
+                <a:satMod val="103000"/>
+                <a:lumMod val="102000"/>
+                <a:tint val="94000"/>
+              </a:schemeClr>
+            </a:gs>
+            <a:gs pos="50000">
+              <a:schemeClr val="accent2">
+                <a:shade val="80000"/>
+                <a:hueOff val="2465"/>
+                <a:satOff val="-38"/>
+                <a:lumOff val="11536"/>
+                <a:alphaOff val="0"/>
+                <a:satMod val="110000"/>
+                <a:lumMod val="100000"/>
+                <a:shade val="100000"/>
+              </a:schemeClr>
+            </a:gs>
+            <a:gs pos="100000">
+              <a:schemeClr val="accent2">
+                <a:shade val="80000"/>
+                <a:hueOff val="2465"/>
+                <a:satOff val="-38"/>
+                <a:lumOff val="11536"/>
+                <a:alphaOff val="0"/>
+                <a:lumMod val="99000"/>
+                <a:satMod val="120000"/>
+                <a:shade val="78000"/>
+              </a:schemeClr>
+            </a:gs>
+          </a:gsLst>
+          <a:lin ang="5400000" scaled="0"/>
+        </a:gradFill>
+        <a:ln>
+          <a:noFill/>
+        </a:ln>
+        <a:effectLst/>
+      </dsp:spPr>
+      <dsp:style>
+        <a:lnRef idx="0">
+          <a:scrgbClr r="0" g="0" b="0"/>
+        </a:lnRef>
+        <a:fillRef idx="3">
+          <a:scrgbClr r="0" g="0" b="0"/>
+        </a:fillRef>
+        <a:effectRef idx="2">
+          <a:scrgbClr r="0" g="0" b="0"/>
+        </a:effectRef>
+        <a:fontRef idx="minor">
+          <a:schemeClr val="lt1"/>
+        </a:fontRef>
+      </dsp:style>
+      <dsp:txBody>
+        <a:bodyPr spcFirstLastPara="0" vert="horz" wrap="square" lIns="84011" tIns="28004" rIns="28004" bIns="28004" numCol="1" spcCol="1270" anchor="ctr" anchorCtr="0">
+          <a:noAutofit/>
+        </a:bodyPr>
+        <a:lstStyle/>
+        <a:p>
+          <a:pPr marL="0" lvl="0" indent="0" algn="ctr" defTabSz="933450">
+            <a:lnSpc>
+              <a:spcPct val="90000"/>
+            </a:lnSpc>
+            <a:spcBef>
+              <a:spcPct val="0"/>
+            </a:spcBef>
+            <a:spcAft>
+              <a:spcPct val="35000"/>
+            </a:spcAft>
+            <a:buNone/>
+          </a:pPr>
+          <a:r>
+            <a:rPr lang="zh-TW" altLang="en-US" sz="2100" kern="1200" dirty="0"/>
+            <a:t>開檔讀取</a:t>
+          </a:r>
+        </a:p>
+      </dsp:txBody>
+      <dsp:txXfrm>
+        <a:off x="2169963" y="235693"/>
+        <a:ext cx="1190982" cy="793987"/>
+      </dsp:txXfrm>
+    </dsp:sp>
+    <dsp:sp modelId="{7382FD55-1053-4624-8F7B-A874AEDAC2FC}">
+      <dsp:nvSpPr>
+        <dsp:cNvPr id="0" name=""/>
+        <dsp:cNvSpPr/>
+      </dsp:nvSpPr>
+      <dsp:spPr>
+        <a:xfrm>
+          <a:off x="1772969" y="1128930"/>
+          <a:ext cx="1587975" cy="921375"/>
+        </a:xfrm>
+        <a:prstGeom prst="rect">
+          <a:avLst/>
+        </a:prstGeom>
+        <a:noFill/>
+        <a:ln>
+          <a:noFill/>
+        </a:ln>
+        <a:effectLst/>
+      </dsp:spPr>
+      <dsp:style>
+        <a:lnRef idx="0">
+          <a:scrgbClr r="0" g="0" b="0"/>
+        </a:lnRef>
+        <a:fillRef idx="0">
+          <a:scrgbClr r="0" g="0" b="0"/>
+        </a:fillRef>
+        <a:effectRef idx="0">
+          <a:scrgbClr r="0" g="0" b="0"/>
+        </a:effectRef>
+        <a:fontRef idx="minor"/>
+      </dsp:style>
+      <dsp:txBody>
+        <a:bodyPr spcFirstLastPara="0" vert="horz" wrap="square" lIns="0" tIns="0" rIns="0" bIns="0" numCol="1" spcCol="1270" anchor="t" anchorCtr="0">
+          <a:noAutofit/>
+        </a:bodyPr>
+        <a:lstStyle/>
+        <a:p>
+          <a:pPr marL="228600" lvl="1" indent="-228600" algn="l" defTabSz="933450">
+            <a:lnSpc>
+              <a:spcPct val="90000"/>
+            </a:lnSpc>
+            <a:spcBef>
+              <a:spcPct val="0"/>
+            </a:spcBef>
+            <a:spcAft>
+              <a:spcPct val="15000"/>
+            </a:spcAft>
+            <a:buChar char="•"/>
+          </a:pPr>
+          <a:r>
+            <a:rPr lang="zh-TW" altLang="en-US" sz="2100" kern="1200" dirty="0"/>
+            <a:t>計算</a:t>
+          </a:r>
+        </a:p>
+        <a:p>
+          <a:pPr marL="228600" lvl="1" indent="-228600" algn="l" defTabSz="933450">
+            <a:lnSpc>
+              <a:spcPct val="90000"/>
+            </a:lnSpc>
+            <a:spcBef>
+              <a:spcPct val="0"/>
+            </a:spcBef>
+            <a:spcAft>
+              <a:spcPct val="15000"/>
+            </a:spcAft>
+            <a:buChar char="•"/>
+          </a:pPr>
+          <a:r>
+            <a:rPr lang="zh-TW" altLang="en-US" sz="2100" kern="1200" dirty="0"/>
+            <a:t>篩選</a:t>
+          </a:r>
+        </a:p>
+      </dsp:txBody>
+      <dsp:txXfrm>
+        <a:off x="1772969" y="1128930"/>
+        <a:ext cx="1587975" cy="921375"/>
+      </dsp:txXfrm>
+    </dsp:sp>
+    <dsp:sp modelId="{1A3BCFB3-5E95-4340-B0BF-A497CD568857}">
+      <dsp:nvSpPr>
+        <dsp:cNvPr id="0" name=""/>
+        <dsp:cNvSpPr/>
+      </dsp:nvSpPr>
+      <dsp:spPr>
+        <a:xfrm>
+          <a:off x="3541939" y="235693"/>
+          <a:ext cx="1984969" cy="793987"/>
+        </a:xfrm>
+        <a:prstGeom prst="chevron">
+          <a:avLst/>
+        </a:prstGeom>
+        <a:gradFill rotWithShape="0">
+          <a:gsLst>
+            <a:gs pos="0">
+              <a:schemeClr val="accent2">
+                <a:shade val="80000"/>
+                <a:hueOff val="4929"/>
+                <a:satOff val="-76"/>
+                <a:lumOff val="23072"/>
+                <a:alphaOff val="0"/>
+                <a:satMod val="103000"/>
+                <a:lumMod val="102000"/>
+                <a:tint val="94000"/>
+              </a:schemeClr>
+            </a:gs>
+            <a:gs pos="50000">
+              <a:schemeClr val="accent2">
+                <a:shade val="80000"/>
+                <a:hueOff val="4929"/>
+                <a:satOff val="-76"/>
+                <a:lumOff val="23072"/>
+                <a:alphaOff val="0"/>
+                <a:satMod val="110000"/>
+                <a:lumMod val="100000"/>
+                <a:shade val="100000"/>
+              </a:schemeClr>
+            </a:gs>
+            <a:gs pos="100000">
+              <a:schemeClr val="accent2">
+                <a:shade val="80000"/>
+                <a:hueOff val="4929"/>
+                <a:satOff val="-76"/>
+                <a:lumOff val="23072"/>
+                <a:alphaOff val="0"/>
+                <a:lumMod val="99000"/>
+                <a:satMod val="120000"/>
+                <a:shade val="78000"/>
+              </a:schemeClr>
+            </a:gs>
+          </a:gsLst>
+          <a:lin ang="5400000" scaled="0"/>
+        </a:gradFill>
+        <a:ln>
+          <a:noFill/>
+        </a:ln>
+        <a:effectLst/>
+      </dsp:spPr>
+      <dsp:style>
+        <a:lnRef idx="0">
+          <a:scrgbClr r="0" g="0" b="0"/>
+        </a:lnRef>
+        <a:fillRef idx="3">
+          <a:scrgbClr r="0" g="0" b="0"/>
+        </a:fillRef>
+        <a:effectRef idx="2">
+          <a:scrgbClr r="0" g="0" b="0"/>
+        </a:effectRef>
+        <a:fontRef idx="minor">
+          <a:schemeClr val="lt1"/>
+        </a:fontRef>
+      </dsp:style>
+      <dsp:txBody>
+        <a:bodyPr spcFirstLastPara="0" vert="horz" wrap="square" lIns="84011" tIns="28004" rIns="28004" bIns="28004" numCol="1" spcCol="1270" anchor="ctr" anchorCtr="0">
+          <a:noAutofit/>
+        </a:bodyPr>
+        <a:lstStyle/>
+        <a:p>
+          <a:pPr marL="0" lvl="0" indent="0" algn="ctr" defTabSz="933450">
+            <a:lnSpc>
+              <a:spcPct val="90000"/>
+            </a:lnSpc>
+            <a:spcBef>
+              <a:spcPct val="0"/>
+            </a:spcBef>
+            <a:spcAft>
+              <a:spcPct val="35000"/>
+            </a:spcAft>
+            <a:buNone/>
+          </a:pPr>
+          <a:r>
+            <a:rPr lang="zh-TW" altLang="en-US" sz="2100" kern="1200" dirty="0"/>
+            <a:t>輸出</a:t>
+          </a:r>
+        </a:p>
+      </dsp:txBody>
+      <dsp:txXfrm>
+        <a:off x="3938933" y="235693"/>
+        <a:ext cx="1190982" cy="793987"/>
+      </dsp:txXfrm>
+    </dsp:sp>
+    <dsp:sp modelId="{00C3F46D-D005-4770-869F-4E88AE7AFCC5}">
+      <dsp:nvSpPr>
+        <dsp:cNvPr id="0" name=""/>
+        <dsp:cNvSpPr/>
+      </dsp:nvSpPr>
+      <dsp:spPr>
+        <a:xfrm>
+          <a:off x="3541939" y="1128930"/>
+          <a:ext cx="1587975" cy="921375"/>
+        </a:xfrm>
+        <a:prstGeom prst="rect">
+          <a:avLst/>
+        </a:prstGeom>
+        <a:noFill/>
+        <a:ln>
+          <a:noFill/>
+        </a:ln>
+        <a:effectLst/>
+      </dsp:spPr>
+      <dsp:style>
+        <a:lnRef idx="0">
+          <a:scrgbClr r="0" g="0" b="0"/>
+        </a:lnRef>
+        <a:fillRef idx="0">
+          <a:scrgbClr r="0" g="0" b="0"/>
+        </a:fillRef>
+        <a:effectRef idx="0">
+          <a:scrgbClr r="0" g="0" b="0"/>
+        </a:effectRef>
+        <a:fontRef idx="minor"/>
+      </dsp:style>
+      <dsp:txBody>
+        <a:bodyPr spcFirstLastPara="0" vert="horz" wrap="square" lIns="0" tIns="0" rIns="0" bIns="0" numCol="1" spcCol="1270" anchor="t" anchorCtr="0">
+          <a:noAutofit/>
+        </a:bodyPr>
+        <a:lstStyle/>
+        <a:p>
+          <a:pPr marL="228600" lvl="1" indent="-228600" algn="l" defTabSz="933450">
+            <a:lnSpc>
+              <a:spcPct val="90000"/>
+            </a:lnSpc>
+            <a:spcBef>
+              <a:spcPct val="0"/>
+            </a:spcBef>
+            <a:spcAft>
+              <a:spcPct val="15000"/>
+            </a:spcAft>
+            <a:buChar char="•"/>
+          </a:pPr>
+          <a:r>
+            <a:rPr lang="zh-TW" altLang="en-US" sz="2100" kern="1200" dirty="0"/>
+            <a:t>格式化</a:t>
+          </a:r>
+        </a:p>
+        <a:p>
+          <a:pPr marL="228600" lvl="1" indent="-228600" algn="l" defTabSz="933450">
+            <a:lnSpc>
+              <a:spcPct val="90000"/>
+            </a:lnSpc>
+            <a:spcBef>
+              <a:spcPct val="0"/>
+            </a:spcBef>
+            <a:spcAft>
+              <a:spcPct val="15000"/>
+            </a:spcAft>
+            <a:buChar char="•"/>
+          </a:pPr>
+          <a:r>
+            <a:rPr lang="zh-TW" altLang="en-US" sz="2100" kern="1200" dirty="0"/>
+            <a:t>儲存</a:t>
+          </a:r>
+        </a:p>
+      </dsp:txBody>
+      <dsp:txXfrm>
+        <a:off x="3541939" y="1128930"/>
+        <a:ext cx="1587975" cy="921375"/>
+      </dsp:txXfrm>
+    </dsp:sp>
+  </dsp:spTree>
+</dsp:drawing>
+</file>
+
+<file path=ppt/diagrams/drawing2.xml><?xml version="1.0" encoding="utf-8"?>
+<dsp:drawing xmlns:dgm="http://schemas.openxmlformats.org/drawingml/2006/diagram" xmlns:dsp="http://schemas.microsoft.com/office/drawing/2008/diagram" xmlns:a="http://schemas.openxmlformats.org/drawingml/2006/main">
+  <dsp:spTree>
+    <dsp:nvGrpSpPr>
+      <dsp:cNvPr id="0" name=""/>
+      <dsp:cNvGrpSpPr/>
+    </dsp:nvGrpSpPr>
+    <dsp:grpSpPr/>
+    <dsp:sp modelId="{61E931EC-5A92-4677-9FD1-06B39CD41F8A}">
+      <dsp:nvSpPr>
+        <dsp:cNvPr id="0" name=""/>
+        <dsp:cNvSpPr/>
+      </dsp:nvSpPr>
+      <dsp:spPr>
+        <a:xfrm>
+          <a:off x="0" y="425547"/>
+          <a:ext cx="4816132" cy="655200"/>
+        </a:xfrm>
+        <a:prstGeom prst="rect">
+          <a:avLst/>
+        </a:prstGeom>
+        <a:solidFill>
+          <a:schemeClr val="lt2">
+            <a:alpha val="90000"/>
+            <a:hueOff val="0"/>
+            <a:satOff val="0"/>
+            <a:lumOff val="0"/>
+            <a:alphaOff val="0"/>
+          </a:schemeClr>
+        </a:solidFill>
+        <a:ln w="12700" cap="flat" cmpd="sng" algn="ctr">
+          <a:solidFill>
+            <a:schemeClr val="dk2">
+              <a:hueOff val="0"/>
+              <a:satOff val="0"/>
+              <a:lumOff val="0"/>
+              <a:alphaOff val="0"/>
+            </a:schemeClr>
+          </a:solidFill>
+          <a:prstDash val="solid"/>
+          <a:miter lim="800000"/>
+        </a:ln>
+        <a:effectLst/>
+      </dsp:spPr>
+      <dsp:style>
+        <a:lnRef idx="2">
+          <a:scrgbClr r="0" g="0" b="0"/>
+        </a:lnRef>
+        <a:fillRef idx="1">
+          <a:scrgbClr r="0" g="0" b="0"/>
+        </a:fillRef>
+        <a:effectRef idx="0">
+          <a:scrgbClr r="0" g="0" b="0"/>
+        </a:effectRef>
+        <a:fontRef idx="minor"/>
+      </dsp:style>
+    </dsp:sp>
+    <dsp:sp modelId="{17752AD4-0A5B-407D-AE6C-5FF4C59FD63D}">
+      <dsp:nvSpPr>
+        <dsp:cNvPr id="0" name=""/>
+        <dsp:cNvSpPr/>
+      </dsp:nvSpPr>
+      <dsp:spPr>
+        <a:xfrm>
+          <a:off x="240806" y="41787"/>
+          <a:ext cx="3371292" cy="767520"/>
+        </a:xfrm>
+        <a:prstGeom prst="roundRect">
+          <a:avLst/>
+        </a:prstGeom>
+        <a:solidFill>
+          <a:schemeClr val="dk2">
+            <a:hueOff val="0"/>
+            <a:satOff val="0"/>
+            <a:lumOff val="0"/>
+            <a:alphaOff val="0"/>
+          </a:schemeClr>
+        </a:solidFill>
+        <a:ln w="19050" cap="flat" cmpd="sng" algn="ctr">
+          <a:solidFill>
+            <a:schemeClr val="lt2">
+              <a:hueOff val="0"/>
+              <a:satOff val="0"/>
+              <a:lumOff val="0"/>
+              <a:alphaOff val="0"/>
+            </a:schemeClr>
+          </a:solidFill>
+          <a:prstDash val="solid"/>
+          <a:miter lim="800000"/>
+        </a:ln>
+        <a:effectLst/>
+      </dsp:spPr>
+      <dsp:style>
+        <a:lnRef idx="3">
+          <a:scrgbClr r="0" g="0" b="0"/>
+        </a:lnRef>
+        <a:fillRef idx="1">
+          <a:scrgbClr r="0" g="0" b="0"/>
+        </a:fillRef>
+        <a:effectRef idx="1">
+          <a:scrgbClr r="0" g="0" b="0"/>
+        </a:effectRef>
+        <a:fontRef idx="minor">
+          <a:schemeClr val="lt1"/>
+        </a:fontRef>
+      </dsp:style>
+      <dsp:txBody>
+        <a:bodyPr spcFirstLastPara="0" vert="horz" wrap="square" lIns="127427" tIns="0" rIns="127427" bIns="0" numCol="1" spcCol="1270" anchor="ctr" anchorCtr="0">
+          <a:noAutofit/>
+        </a:bodyPr>
+        <a:lstStyle/>
+        <a:p>
+          <a:pPr marL="0" lvl="0" indent="0" algn="l" defTabSz="1155700">
+            <a:lnSpc>
+              <a:spcPct val="90000"/>
+            </a:lnSpc>
+            <a:spcBef>
+              <a:spcPct val="0"/>
+            </a:spcBef>
+            <a:spcAft>
+              <a:spcPct val="35000"/>
+            </a:spcAft>
+            <a:buNone/>
+          </a:pPr>
+          <a:r>
+            <a:rPr lang="zh-TW" sz="2600" b="0" i="0" kern="1200" baseline="0"/>
+            <a:t>題目</a:t>
+          </a:r>
+          <a:r>
+            <a:rPr lang="en-US" sz="2600" b="0" i="0" kern="1200" baseline="0"/>
+            <a:t>:</a:t>
+          </a:r>
+          <a:endParaRPr lang="en-US" sz="2600" kern="1200"/>
+        </a:p>
+      </dsp:txBody>
+      <dsp:txXfrm>
+        <a:off x="278273" y="79254"/>
+        <a:ext cx="3296358" cy="692586"/>
+      </dsp:txXfrm>
+    </dsp:sp>
+    <dsp:sp modelId="{8068715E-AB30-4837-A506-0376AEB7EC04}">
+      <dsp:nvSpPr>
+        <dsp:cNvPr id="0" name=""/>
+        <dsp:cNvSpPr/>
+      </dsp:nvSpPr>
+      <dsp:spPr>
+        <a:xfrm>
+          <a:off x="0" y="1604907"/>
+          <a:ext cx="4816132" cy="655200"/>
+        </a:xfrm>
+        <a:prstGeom prst="rect">
+          <a:avLst/>
+        </a:prstGeom>
+        <a:solidFill>
+          <a:schemeClr val="lt2">
+            <a:alpha val="90000"/>
+            <a:hueOff val="0"/>
+            <a:satOff val="0"/>
+            <a:lumOff val="0"/>
+            <a:alphaOff val="0"/>
+          </a:schemeClr>
+        </a:solidFill>
+        <a:ln w="12700" cap="flat" cmpd="sng" algn="ctr">
+          <a:solidFill>
+            <a:schemeClr val="dk2">
+              <a:hueOff val="0"/>
+              <a:satOff val="0"/>
+              <a:lumOff val="0"/>
+              <a:alphaOff val="0"/>
+            </a:schemeClr>
+          </a:solidFill>
+          <a:prstDash val="solid"/>
+          <a:miter lim="800000"/>
+        </a:ln>
+        <a:effectLst/>
+      </dsp:spPr>
+      <dsp:style>
+        <a:lnRef idx="2">
+          <a:scrgbClr r="0" g="0" b="0"/>
+        </a:lnRef>
+        <a:fillRef idx="1">
+          <a:scrgbClr r="0" g="0" b="0"/>
+        </a:fillRef>
+        <a:effectRef idx="0">
+          <a:scrgbClr r="0" g="0" b="0"/>
+        </a:effectRef>
+        <a:fontRef idx="minor"/>
+      </dsp:style>
+    </dsp:sp>
+    <dsp:sp modelId="{52AD053F-9931-475C-BD31-809FFE3B176F}">
+      <dsp:nvSpPr>
+        <dsp:cNvPr id="0" name=""/>
+        <dsp:cNvSpPr/>
+      </dsp:nvSpPr>
+      <dsp:spPr>
+        <a:xfrm>
+          <a:off x="240806" y="1221147"/>
+          <a:ext cx="3371292" cy="767520"/>
+        </a:xfrm>
+        <a:prstGeom prst="roundRect">
+          <a:avLst/>
+        </a:prstGeom>
+        <a:solidFill>
+          <a:schemeClr val="dk2">
+            <a:hueOff val="0"/>
+            <a:satOff val="0"/>
+            <a:lumOff val="0"/>
+            <a:alphaOff val="0"/>
+          </a:schemeClr>
+        </a:solidFill>
+        <a:ln w="19050" cap="flat" cmpd="sng" algn="ctr">
+          <a:solidFill>
+            <a:schemeClr val="lt2">
+              <a:hueOff val="0"/>
+              <a:satOff val="0"/>
+              <a:lumOff val="0"/>
+              <a:alphaOff val="0"/>
+            </a:schemeClr>
+          </a:solidFill>
+          <a:prstDash val="solid"/>
+          <a:miter lim="800000"/>
+        </a:ln>
+        <a:effectLst/>
+      </dsp:spPr>
+      <dsp:style>
+        <a:lnRef idx="3">
+          <a:scrgbClr r="0" g="0" b="0"/>
+        </a:lnRef>
+        <a:fillRef idx="1">
+          <a:scrgbClr r="0" g="0" b="0"/>
+        </a:fillRef>
+        <a:effectRef idx="1">
+          <a:scrgbClr r="0" g="0" b="0"/>
+        </a:effectRef>
+        <a:fontRef idx="minor">
+          <a:schemeClr val="lt1"/>
+        </a:fontRef>
+      </dsp:style>
+      <dsp:txBody>
+        <a:bodyPr spcFirstLastPara="0" vert="horz" wrap="square" lIns="127427" tIns="0" rIns="127427" bIns="0" numCol="1" spcCol="1270" anchor="ctr" anchorCtr="0">
+          <a:noAutofit/>
+        </a:bodyPr>
+        <a:lstStyle/>
+        <a:p>
+          <a:pPr marL="0" lvl="0" indent="0" algn="l" defTabSz="1155700">
+            <a:lnSpc>
+              <a:spcPct val="90000"/>
+            </a:lnSpc>
+            <a:spcBef>
+              <a:spcPct val="0"/>
+            </a:spcBef>
+            <a:spcAft>
+              <a:spcPct val="35000"/>
+            </a:spcAft>
+            <a:buNone/>
+          </a:pPr>
+          <a:r>
+            <a:rPr lang="zh-TW" sz="2600" b="0" i="0" kern="1200" baseline="0"/>
+            <a:t>緣由</a:t>
+          </a:r>
+          <a:r>
+            <a:rPr lang="en-US" sz="2600" b="0" i="0" kern="1200" baseline="0"/>
+            <a:t>:</a:t>
+          </a:r>
+          <a:endParaRPr lang="en-US" sz="2600" kern="1200"/>
+        </a:p>
+      </dsp:txBody>
+      <dsp:txXfrm>
+        <a:off x="278273" y="1258614"/>
+        <a:ext cx="3296358" cy="692586"/>
+      </dsp:txXfrm>
+    </dsp:sp>
+    <dsp:sp modelId="{CF20D75A-5E76-4015-873F-8B7F46EFFB75}">
+      <dsp:nvSpPr>
+        <dsp:cNvPr id="0" name=""/>
+        <dsp:cNvSpPr/>
+      </dsp:nvSpPr>
+      <dsp:spPr>
+        <a:xfrm>
+          <a:off x="0" y="2784267"/>
+          <a:ext cx="4816132" cy="655200"/>
+        </a:xfrm>
+        <a:prstGeom prst="rect">
+          <a:avLst/>
+        </a:prstGeom>
+        <a:solidFill>
+          <a:schemeClr val="lt2">
+            <a:alpha val="90000"/>
+            <a:hueOff val="0"/>
+            <a:satOff val="0"/>
+            <a:lumOff val="0"/>
+            <a:alphaOff val="0"/>
+          </a:schemeClr>
+        </a:solidFill>
+        <a:ln w="12700" cap="flat" cmpd="sng" algn="ctr">
+          <a:solidFill>
+            <a:schemeClr val="dk2">
+              <a:hueOff val="0"/>
+              <a:satOff val="0"/>
+              <a:lumOff val="0"/>
+              <a:alphaOff val="0"/>
+            </a:schemeClr>
+          </a:solidFill>
+          <a:prstDash val="solid"/>
+          <a:miter lim="800000"/>
+        </a:ln>
+        <a:effectLst/>
+      </dsp:spPr>
+      <dsp:style>
+        <a:lnRef idx="2">
+          <a:scrgbClr r="0" g="0" b="0"/>
+        </a:lnRef>
+        <a:fillRef idx="1">
+          <a:scrgbClr r="0" g="0" b="0"/>
+        </a:fillRef>
+        <a:effectRef idx="0">
+          <a:scrgbClr r="0" g="0" b="0"/>
+        </a:effectRef>
+        <a:fontRef idx="minor"/>
+      </dsp:style>
+    </dsp:sp>
+    <dsp:sp modelId="{7F40C168-AA37-4AC3-9A07-1C86C69E2150}">
+      <dsp:nvSpPr>
+        <dsp:cNvPr id="0" name=""/>
+        <dsp:cNvSpPr/>
+      </dsp:nvSpPr>
+      <dsp:spPr>
+        <a:xfrm>
+          <a:off x="240806" y="2400507"/>
+          <a:ext cx="3371292" cy="767520"/>
+        </a:xfrm>
+        <a:prstGeom prst="roundRect">
+          <a:avLst/>
+        </a:prstGeom>
+        <a:solidFill>
+          <a:schemeClr val="dk2">
+            <a:hueOff val="0"/>
+            <a:satOff val="0"/>
+            <a:lumOff val="0"/>
+            <a:alphaOff val="0"/>
+          </a:schemeClr>
+        </a:solidFill>
+        <a:ln w="19050" cap="flat" cmpd="sng" algn="ctr">
+          <a:solidFill>
+            <a:schemeClr val="lt2">
+              <a:hueOff val="0"/>
+              <a:satOff val="0"/>
+              <a:lumOff val="0"/>
+              <a:alphaOff val="0"/>
+            </a:schemeClr>
+          </a:solidFill>
+          <a:prstDash val="solid"/>
+          <a:miter lim="800000"/>
+        </a:ln>
+        <a:effectLst/>
+      </dsp:spPr>
+      <dsp:style>
+        <a:lnRef idx="3">
+          <a:scrgbClr r="0" g="0" b="0"/>
+        </a:lnRef>
+        <a:fillRef idx="1">
+          <a:scrgbClr r="0" g="0" b="0"/>
+        </a:fillRef>
+        <a:effectRef idx="1">
+          <a:scrgbClr r="0" g="0" b="0"/>
+        </a:effectRef>
+        <a:fontRef idx="minor">
+          <a:schemeClr val="lt1"/>
+        </a:fontRef>
+      </dsp:style>
+      <dsp:txBody>
+        <a:bodyPr spcFirstLastPara="0" vert="horz" wrap="square" lIns="127427" tIns="0" rIns="127427" bIns="0" numCol="1" spcCol="1270" anchor="ctr" anchorCtr="0">
+          <a:noAutofit/>
+        </a:bodyPr>
+        <a:lstStyle/>
+        <a:p>
+          <a:pPr marL="0" lvl="0" indent="0" algn="l" defTabSz="1155700">
+            <a:lnSpc>
+              <a:spcPct val="90000"/>
+            </a:lnSpc>
+            <a:spcBef>
+              <a:spcPct val="0"/>
+            </a:spcBef>
+            <a:spcAft>
+              <a:spcPct val="35000"/>
+            </a:spcAft>
+            <a:buNone/>
+          </a:pPr>
+          <a:r>
+            <a:rPr lang="zh-TW" sz="2600" b="0" i="0" kern="1200" baseline="0"/>
+            <a:t>輸入</a:t>
+          </a:r>
+          <a:r>
+            <a:rPr lang="en-US" sz="2600" b="0" i="0" kern="1200" baseline="0"/>
+            <a:t>:</a:t>
+          </a:r>
+          <a:endParaRPr lang="en-US" sz="2600" kern="1200"/>
+        </a:p>
+      </dsp:txBody>
+      <dsp:txXfrm>
+        <a:off x="278273" y="2437974"/>
+        <a:ext cx="3296358" cy="692586"/>
+      </dsp:txXfrm>
+    </dsp:sp>
+    <dsp:sp modelId="{49B3F383-DC9D-45B3-904C-F4A7FA7D4BBC}">
+      <dsp:nvSpPr>
+        <dsp:cNvPr id="0" name=""/>
+        <dsp:cNvSpPr/>
+      </dsp:nvSpPr>
+      <dsp:spPr>
+        <a:xfrm>
+          <a:off x="0" y="3963628"/>
+          <a:ext cx="4816132" cy="655200"/>
+        </a:xfrm>
+        <a:prstGeom prst="rect">
+          <a:avLst/>
+        </a:prstGeom>
+        <a:solidFill>
+          <a:schemeClr val="lt2">
+            <a:alpha val="90000"/>
+            <a:hueOff val="0"/>
+            <a:satOff val="0"/>
+            <a:lumOff val="0"/>
+            <a:alphaOff val="0"/>
+          </a:schemeClr>
+        </a:solidFill>
+        <a:ln w="12700" cap="flat" cmpd="sng" algn="ctr">
+          <a:solidFill>
+            <a:schemeClr val="dk2">
+              <a:hueOff val="0"/>
+              <a:satOff val="0"/>
+              <a:lumOff val="0"/>
+              <a:alphaOff val="0"/>
+            </a:schemeClr>
+          </a:solidFill>
+          <a:prstDash val="solid"/>
+          <a:miter lim="800000"/>
+        </a:ln>
+        <a:effectLst/>
+      </dsp:spPr>
+      <dsp:style>
+        <a:lnRef idx="2">
+          <a:scrgbClr r="0" g="0" b="0"/>
+        </a:lnRef>
+        <a:fillRef idx="1">
+          <a:scrgbClr r="0" g="0" b="0"/>
+        </a:fillRef>
+        <a:effectRef idx="0">
+          <a:scrgbClr r="0" g="0" b="0"/>
+        </a:effectRef>
+        <a:fontRef idx="minor"/>
+      </dsp:style>
+    </dsp:sp>
+    <dsp:sp modelId="{0B275171-8729-42E5-B8F4-B9D78EB9B2A4}">
+      <dsp:nvSpPr>
+        <dsp:cNvPr id="0" name=""/>
+        <dsp:cNvSpPr/>
+      </dsp:nvSpPr>
+      <dsp:spPr>
+        <a:xfrm>
+          <a:off x="240806" y="3579868"/>
+          <a:ext cx="3371292" cy="767520"/>
+        </a:xfrm>
+        <a:prstGeom prst="roundRect">
+          <a:avLst/>
+        </a:prstGeom>
+        <a:solidFill>
+          <a:schemeClr val="dk2">
+            <a:hueOff val="0"/>
+            <a:satOff val="0"/>
+            <a:lumOff val="0"/>
+            <a:alphaOff val="0"/>
+          </a:schemeClr>
+        </a:solidFill>
+        <a:ln w="19050" cap="flat" cmpd="sng" algn="ctr">
+          <a:solidFill>
+            <a:schemeClr val="lt2">
+              <a:hueOff val="0"/>
+              <a:satOff val="0"/>
+              <a:lumOff val="0"/>
+              <a:alphaOff val="0"/>
+            </a:schemeClr>
+          </a:solidFill>
+          <a:prstDash val="solid"/>
+          <a:miter lim="800000"/>
+        </a:ln>
+        <a:effectLst/>
+      </dsp:spPr>
+      <dsp:style>
+        <a:lnRef idx="3">
+          <a:scrgbClr r="0" g="0" b="0"/>
+        </a:lnRef>
+        <a:fillRef idx="1">
+          <a:scrgbClr r="0" g="0" b="0"/>
+        </a:fillRef>
+        <a:effectRef idx="1">
+          <a:scrgbClr r="0" g="0" b="0"/>
+        </a:effectRef>
+        <a:fontRef idx="minor">
+          <a:schemeClr val="lt1"/>
+        </a:fontRef>
+      </dsp:style>
+      <dsp:txBody>
+        <a:bodyPr spcFirstLastPara="0" vert="horz" wrap="square" lIns="127427" tIns="0" rIns="127427" bIns="0" numCol="1" spcCol="1270" anchor="ctr" anchorCtr="0">
+          <a:noAutofit/>
+        </a:bodyPr>
+        <a:lstStyle/>
+        <a:p>
+          <a:pPr marL="0" lvl="0" indent="0" algn="l" defTabSz="1155700">
+            <a:lnSpc>
+              <a:spcPct val="90000"/>
+            </a:lnSpc>
+            <a:spcBef>
+              <a:spcPct val="0"/>
+            </a:spcBef>
+            <a:spcAft>
+              <a:spcPct val="35000"/>
+            </a:spcAft>
+            <a:buNone/>
+          </a:pPr>
+          <a:r>
+            <a:rPr lang="zh-TW" sz="2600" b="0" i="0" kern="1200" baseline="0"/>
+            <a:t>輸出</a:t>
+          </a:r>
+          <a:r>
+            <a:rPr lang="en-US" sz="2600" b="0" i="0" kern="1200" baseline="0"/>
+            <a:t>:</a:t>
+          </a:r>
+          <a:endParaRPr lang="en-US" sz="2600" kern="1200"/>
+        </a:p>
+      </dsp:txBody>
+      <dsp:txXfrm>
+        <a:off x="278273" y="3617335"/>
+        <a:ext cx="3296358" cy="692586"/>
+      </dsp:txXfrm>
+    </dsp:sp>
+  </dsp:spTree>
+</dsp:drawing>
+</file>
+
+<file path=ppt/diagrams/layout1.xml><?xml version="1.0" encoding="utf-8"?>
+<dgm:layoutDef xmlns:dgm="http://schemas.openxmlformats.org/drawingml/2006/diagram" xmlns:a="http://schemas.openxmlformats.org/drawingml/2006/main" uniqueId="urn:microsoft.com/office/officeart/2005/8/layout/chevron1">
+  <dgm:title val=""/>
+  <dgm:desc val=""/>
+  <dgm:catLst>
+    <dgm:cat type="process" pri="9000"/>
+  </dgm:catLst>
+  <dgm:sampData useDef="1">
+    <dgm:dataModel>
+      <dgm:ptLst/>
+      <dgm:bg/>
+      <dgm:whole/>
+    </dgm:dataModel>
+  </dgm:sampData>
+  <dgm:styleData>
+    <dgm:dataModel>
+      <dgm:ptLst>
+        <dgm:pt modelId="0" type="doc"/>
+        <dgm:pt modelId="1"/>
+        <dgm:pt modelId="2"/>
+      </dgm:ptLst>
+      <dgm:cxnLst>
+        <dgm:cxn modelId="3" srcId="0" destId="1" srcOrd="0" destOrd="0"/>
+        <dgm:cxn modelId="4" srcId="0" destId="2" srcOrd="1" destOrd="0"/>
+      </dgm:cxnLst>
+      <dgm:bg/>
+      <dgm:whole/>
+    </dgm:dataModel>
+  </dgm:styleData>
+  <dgm:clrData>
+    <dgm:dataModel>
+      <dgm:ptLst>
+        <dgm:pt modelId="0" type="doc"/>
+        <dgm:pt modelId="1"/>
+        <dgm:pt modelId="2"/>
+        <dgm:pt modelId="3"/>
+        <dgm:pt modelId="4"/>
+      </dgm:ptLst>
+      <dgm:cxnLst>
+        <dgm:cxn modelId="5" srcId="0" destId="1" srcOrd="0" destOrd="0"/>
+        <dgm:cxn modelId="6" srcId="0" destId="2" srcOrd="1" destOrd="0"/>
+        <dgm:cxn modelId="7" srcId="0" destId="3" srcOrd="2" destOrd="0"/>
+        <dgm:cxn modelId="8" srcId="0" destId="4" srcOrd="3" destOrd="0"/>
+      </dgm:cxnLst>
+      <dgm:bg/>
+      <dgm:whole/>
+    </dgm:dataModel>
+  </dgm:clrData>
+  <dgm:layoutNode name="Name0">
+    <dgm:varLst>
+      <dgm:dir/>
+      <dgm:animLvl val="lvl"/>
+      <dgm:resizeHandles val="exact"/>
+    </dgm:varLst>
+    <dgm:choose name="Name1">
+      <dgm:if name="Name2" func="var" arg="dir" op="equ" val="norm">
+        <dgm:alg type="lin"/>
+      </dgm:if>
+      <dgm:else name="Name3">
+        <dgm:alg type="lin">
+          <dgm:param type="linDir" val="fromR"/>
+        </dgm:alg>
+      </dgm:else>
+    </dgm:choose>
+    <dgm:shape xmlns:r="http://schemas.openxmlformats.org/officeDocument/2006/relationships" r:blip="">
+      <dgm:adjLst/>
+    </dgm:shape>
+    <dgm:presOf/>
+    <dgm:choose name="Name4">
+      <dgm:if name="Name5" axis="des" func="maxDepth" op="gte" val="2">
+        <dgm:constrLst>
+          <dgm:constr type="h" for="ch" forName="composite" refType="h"/>
+          <dgm:constr type="w" for="ch" forName="composite" refType="w"/>
+          <dgm:constr type="w" for="des" forName="parTx"/>
+          <dgm:constr type="h" for="des" forName="parTx" op="equ"/>
+          <dgm:constr type="w" for="des" forName="desTx"/>
+          <dgm:constr type="h" for="des" forName="desTx" op="equ"/>
+          <dgm:constr type="primFontSz" for="des" forName="parTx" val="65"/>
+          <dgm:constr type="secFontSz" for="des" forName="desTx" refType="primFontSz" refFor="des" refForName="parTx" op="equ"/>
+          <dgm:constr type="h" for="des" forName="parTx" refType="primFontSz" refFor="des" refForName="parTx" fact="1.5"/>
+          <dgm:constr type="h" for="des" forName="desTx" refType="primFontSz" refFor="des" refForName="parTx" fact="0.5"/>
+          <dgm:constr type="w" for="ch" forName="space" op="equ" val="-6"/>
+        </dgm:constrLst>
+        <dgm:ruleLst>
+          <dgm:rule type="w" for="ch" forName="composite" val="0" fact="NaN" max="NaN"/>
+          <dgm:rule type="primFontSz" for="des" forName="parTx" val="5" fact="NaN" max="NaN"/>
+        </dgm:ruleLst>
+        <dgm:forEach name="Name6" axis="ch" ptType="node">
+          <dgm:layoutNode name="composite">
+            <dgm:alg type="composite"/>
+            <dgm:shape xmlns:r="http://schemas.openxmlformats.org/officeDocument/2006/relationships" r:blip="">
+              <dgm:adjLst/>
+            </dgm:shape>
+            <dgm:presOf/>
+            <dgm:choose name="Name7">
+              <dgm:if name="Name8" func="var" arg="dir" op="equ" val="norm">
+                <dgm:constrLst>
+                  <dgm:constr type="l" for="ch" forName="parTx"/>
+                  <dgm:constr type="w" for="ch" forName="parTx" refType="w"/>
+                  <dgm:constr type="t" for="ch" forName="parTx"/>
+                  <dgm:constr type="l" for="ch" forName="desTx"/>
+                  <dgm:constr type="w" for="ch" forName="desTx" refType="w" refFor="ch" refForName="parTx" fact="0.8"/>
+                  <dgm:constr type="t" for="ch" forName="desTx" refType="h" refFor="ch" refForName="parTx" fact="1.125"/>
+                </dgm:constrLst>
+              </dgm:if>
+              <dgm:else name="Name9">
+                <dgm:constrLst>
+                  <dgm:constr type="l" for="ch" forName="parTx"/>
+                  <dgm:constr type="w" for="ch" forName="parTx" refType="w"/>
+                  <dgm:constr type="t" for="ch" forName="parTx"/>
+                  <dgm:constr type="l" for="ch" forName="desTx" refType="w" fact="0.2"/>
+                  <dgm:constr type="w" for="ch" forName="desTx" refType="w" refFor="ch" refForName="parTx" fact="0.8"/>
+                  <dgm:constr type="t" for="ch" forName="desTx" refType="h" refFor="ch" refForName="parTx" fact="1.125"/>
+                </dgm:constrLst>
+              </dgm:else>
+            </dgm:choose>
+            <dgm:ruleLst>
+              <dgm:rule type="h" val="INF" fact="NaN" max="NaN"/>
+            </dgm:ruleLst>
+            <dgm:layoutNode name="parTx">
+              <dgm:varLst>
+                <dgm:chMax val="0"/>
+                <dgm:chPref val="0"/>
+                <dgm:bulletEnabled val="1"/>
+              </dgm:varLst>
+              <dgm:alg type="tx"/>
+              <dgm:choose name="Name10">
+                <dgm:if name="Name11" func="var" arg="dir" op="equ" val="norm">
+                  <dgm:shape xmlns:r="http://schemas.openxmlformats.org/officeDocument/2006/relationships" type="chevron" r:blip="">
+                    <dgm:adjLst/>
+                  </dgm:shape>
+                </dgm:if>
+                <dgm:else name="Name12">
+                  <dgm:shape xmlns:r="http://schemas.openxmlformats.org/officeDocument/2006/relationships" rot="180" type="chevron" r:blip="">
+                    <dgm:adjLst/>
+                  </dgm:shape>
+                </dgm:else>
+              </dgm:choose>
+              <dgm:presOf axis="self" ptType="node"/>
+              <dgm:choose name="Name13">
+                <dgm:if name="Name14" func="var" arg="dir" op="equ" val="norm">
+                  <dgm:constrLst>
+                    <dgm:constr type="h" refType="w" op="lte" fact="0.4"/>
+                    <dgm:constr type="h"/>
+                    <dgm:constr type="tMarg" refType="primFontSz" fact="0.105"/>
+                    <dgm:constr type="bMarg" refType="primFontSz" fact="0.105"/>
+                    <dgm:constr type="lMarg" refType="primFontSz" fact="0.315"/>
+                    <dgm:constr type="rMarg" refType="primFontSz" fact="0.105"/>
+                  </dgm:constrLst>
+                </dgm:if>
+                <dgm:else name="Name15">
+                  <dgm:constrLst>
+                    <dgm:constr type="h" refType="w" op="lte" fact="0.4"/>
+                    <dgm:constr type="h"/>
+                    <dgm:constr type="tMarg" refType="primFontSz" fact="0.105"/>
+                    <dgm:constr type="bMarg" refType="primFontSz" fact="0.105"/>
+                    <dgm:constr type="lMarg" refType="primFontSz" fact="0.105"/>
+                    <dgm:constr type="rMarg" refType="primFontSz" fact="0.315"/>
+                  </dgm:constrLst>
+                </dgm:else>
+              </dgm:choose>
+              <dgm:ruleLst>
+                <dgm:rule type="h" val="INF" fact="NaN" max="NaN"/>
+              </dgm:ruleLst>
+            </dgm:layoutNode>
+            <dgm:layoutNode name="desTx" styleLbl="revTx">
+              <dgm:varLst>
+                <dgm:bulletEnabled val="1"/>
+              </dgm:varLst>
+              <dgm:alg type="tx">
+                <dgm:param type="stBulletLvl" val="1"/>
+              </dgm:alg>
+              <dgm:choose name="Name16">
+                <dgm:if name="Name17" axis="ch" ptType="node" func="cnt" op="gte" val="1">
+                  <dgm:shape xmlns:r="http://schemas.openxmlformats.org/officeDocument/2006/relationships" type="rect" r:blip="">
+                    <dgm:adjLst/>
+                  </dgm:shape>
+                </dgm:if>
+                <dgm:else name="Name18">
+                  <dgm:shape xmlns:r="http://schemas.openxmlformats.org/officeDocument/2006/relationships" type="rect" r:blip="" hideGeom="1">
+                    <dgm:adjLst/>
+                  </dgm:shape>
+                </dgm:else>
+              </dgm:choose>
+              <dgm:presOf axis="des" ptType="node"/>
+              <dgm:constrLst>
+                <dgm:constr type="secFontSz" val="65"/>
+                <dgm:constr type="primFontSz" refType="secFontSz"/>
+                <dgm:constr type="h"/>
+                <dgm:constr type="tMarg"/>
+                <dgm:constr type="bMarg"/>
+                <dgm:constr type="rMarg"/>
+                <dgm:constr type="lMarg"/>
+              </dgm:constrLst>
+              <dgm:ruleLst>
+                <dgm:rule type="h" val="INF" fact="NaN" max="NaN"/>
+              </dgm:ruleLst>
+            </dgm:layoutNode>
+          </dgm:layoutNode>
+          <dgm:forEach name="Name19" axis="followSib" ptType="sibTrans" cnt="1">
+            <dgm:layoutNode name="space">
+              <dgm:alg type="sp"/>
+              <dgm:shape xmlns:r="http://schemas.openxmlformats.org/officeDocument/2006/relationships" r:blip="">
+                <dgm:adjLst/>
+              </dgm:shape>
+              <dgm:presOf/>
+              <dgm:constrLst/>
+              <dgm:ruleLst/>
+            </dgm:layoutNode>
+          </dgm:forEach>
+        </dgm:forEach>
+      </dgm:if>
+      <dgm:else name="Name20">
+        <dgm:constrLst>
+          <dgm:constr type="w" for="ch" forName="parTxOnly" refType="w"/>
+          <dgm:constr type="h" for="des" forName="parTxOnly" op="equ"/>
+          <dgm:constr type="primFontSz" for="des" forName="parTxOnly" op="equ" val="65"/>
+          <dgm:constr type="w" for="ch" forName="parTxOnlySpace" refType="w" refFor="ch" refForName="parTxOnly" fact="-0.1"/>
+        </dgm:constrLst>
+        <dgm:ruleLst/>
+        <dgm:forEach name="Name21" axis="ch" ptType="node">
+          <dgm:layoutNode name="parTxOnly">
+            <dgm:varLst>
+              <dgm:chMax val="0"/>
+              <dgm:chPref val="0"/>
+              <dgm:bulletEnabled val="1"/>
+            </dgm:varLst>
+            <dgm:alg type="tx"/>
+            <dgm:choose name="Name22">
+              <dgm:if name="Name23" func="var" arg="dir" op="equ" val="norm">
+                <dgm:shape xmlns:r="http://schemas.openxmlformats.org/officeDocument/2006/relationships" type="chevron" r:blip="">
+                  <dgm:adjLst/>
+                </dgm:shape>
+              </dgm:if>
+              <dgm:else name="Name24">
+                <dgm:shape xmlns:r="http://schemas.openxmlformats.org/officeDocument/2006/relationships" rot="180" type="chevron" r:blip="">
+                  <dgm:adjLst/>
+                </dgm:shape>
+              </dgm:else>
+            </dgm:choose>
+            <dgm:presOf axis="self" ptType="node"/>
+            <dgm:choose name="Name25">
+              <dgm:if name="Name26" func="var" arg="dir" op="equ" val="norm">
+                <dgm:constrLst>
+                  <dgm:constr type="h" refType="w" op="equ" fact="0.4"/>
+                  <dgm:constr type="tMarg" refType="primFontSz" fact="0.105"/>
+                  <dgm:constr type="bMarg" refType="primFontSz" fact="0.105"/>
+                  <dgm:constr type="lMarg" refType="primFontSz" fact="0.315"/>
+                  <dgm:constr type="rMarg" refType="primFontSz" fact="0.105"/>
+                </dgm:constrLst>
+              </dgm:if>
+              <dgm:else name="Name27">
+                <dgm:constrLst>
+                  <dgm:constr type="h" refType="w" op="equ" fact="0.4"/>
+                  <dgm:constr type="tMarg" refType="primFontSz" fact="0.105"/>
+                  <dgm:constr type="bMarg" refType="primFontSz" fact="0.105"/>
+                  <dgm:constr type="lMarg" refType="primFontSz" fact="0.105"/>
+                  <dgm:constr type="rMarg" refType="primFontSz" fact="0.315"/>
+                </dgm:constrLst>
+              </dgm:else>
+            </dgm:choose>
+            <dgm:ruleLst>
+              <dgm:rule type="primFontSz" val="5" fact="NaN" max="NaN"/>
+            </dgm:ruleLst>
+          </dgm:layoutNode>
+          <dgm:forEach name="Name28" axis="followSib" ptType="sibTrans" cnt="1">
+            <dgm:layoutNode name="parTxOnlySpace">
+              <dgm:alg type="sp"/>
+              <dgm:shape xmlns:r="http://schemas.openxmlformats.org/officeDocument/2006/relationships" r:blip="">
+                <dgm:adjLst/>
+              </dgm:shape>
+              <dgm:presOf/>
+              <dgm:constrLst/>
+              <dgm:ruleLst/>
+            </dgm:layoutNode>
+          </dgm:forEach>
+        </dgm:forEach>
+      </dgm:else>
+    </dgm:choose>
+  </dgm:layoutNode>
+</dgm:layoutDef>
+</file>
+
+<file path=ppt/diagrams/layout2.xml><?xml version="1.0" encoding="utf-8"?>
+<dgm:layoutDef xmlns:dgm="http://schemas.openxmlformats.org/drawingml/2006/diagram" xmlns:a="http://schemas.openxmlformats.org/drawingml/2006/main" uniqueId="urn:microsoft.com/office/officeart/2005/8/layout/list1">
+  <dgm:title val=""/>
+  <dgm:desc val=""/>
+  <dgm:catLst>
+    <dgm:cat type="list" pri="4000"/>
+  </dgm:catLst>
+  <dgm:sampData>
+    <dgm:dataModel>
+      <dgm:ptLst>
+        <dgm:pt modelId="0" type="doc"/>
+        <dgm:pt modelId="1">
+          <dgm:prSet phldr="1"/>
+        </dgm:pt>
+        <dgm:pt modelId="2">
+          <dgm:prSet phldr="1"/>
+        </dgm:pt>
+        <dgm:pt modelId="3">
+          <dgm:prSet phldr="1"/>
+        </dgm:pt>
+      </dgm:ptLst>
+      <dgm:cxnLst>
+        <dgm:cxn modelId="4" srcId="0" destId="1" srcOrd="0" destOrd="0"/>
+        <dgm:cxn modelId="5" srcId="0" destId="2" srcOrd="1" destOrd="0"/>
+        <dgm:cxn modelId="6" srcId="0" destId="3" srcOrd="2" destOrd="0"/>
+      </dgm:cxnLst>
+      <dgm:bg/>
+      <dgm:whole/>
+    </dgm:dataModel>
+  </dgm:sampData>
+  <dgm:styleData>
+    <dgm:dataModel>
+      <dgm:ptLst>
+        <dgm:pt modelId="0" type="doc"/>
+        <dgm:pt modelId="1"/>
+        <dgm:pt modelId="2"/>
+      </dgm:ptLst>
+      <dgm:cxnLst>
+        <dgm:cxn modelId="4" srcId="0" destId="1" srcOrd="0" destOrd="0"/>
+        <dgm:cxn modelId="5" srcId="0" destId="2" srcOrd="1" destOrd="0"/>
+      </dgm:cxnLst>
+      <dgm:bg/>
+      <dgm:whole/>
+    </dgm:dataModel>
+  </dgm:styleData>
+  <dgm:clrData>
+    <dgm:dataModel>
+      <dgm:ptLst>
+        <dgm:pt modelId="0" type="doc"/>
+        <dgm:pt modelId="1"/>
+        <dgm:pt modelId="2"/>
+        <dgm:pt modelId="3"/>
+        <dgm:pt modelId="4"/>
+      </dgm:ptLst>
+      <dgm:cxnLst>
+        <dgm:cxn modelId="5" srcId="0" destId="1" srcOrd="0" destOrd="0"/>
+        <dgm:cxn modelId="6" srcId="0" destId="2" srcOrd="1" destOrd="0"/>
+        <dgm:cxn modelId="7" srcId="0" destId="3" srcOrd="2" destOrd="0"/>
+        <dgm:cxn modelId="8" srcId="0" destId="4" srcOrd="3" destOrd="0"/>
+      </dgm:cxnLst>
+      <dgm:bg/>
+      <dgm:whole/>
+    </dgm:dataModel>
+  </dgm:clrData>
+  <dgm:layoutNode name="linear">
+    <dgm:varLst>
+      <dgm:dir/>
+      <dgm:animLvl val="lvl"/>
+      <dgm:resizeHandles val="exact"/>
+    </dgm:varLst>
+    <dgm:choose name="Name0">
+      <dgm:if name="Name1" func="var" arg="dir" op="equ" val="norm">
+        <dgm:alg type="lin">
+          <dgm:param type="linDir" val="fromT"/>
+          <dgm:param type="vertAlign" val="mid"/>
+          <dgm:param type="horzAlign" val="l"/>
+          <dgm:param type="nodeHorzAlign" val="l"/>
+        </dgm:alg>
+      </dgm:if>
+      <dgm:else name="Name2">
+        <dgm:alg type="lin">
+          <dgm:param type="linDir" val="fromT"/>
+          <dgm:param type="vertAlign" val="mid"/>
+          <dgm:param type="horzAlign" val="r"/>
+          <dgm:param type="nodeHorzAlign" val="r"/>
+        </dgm:alg>
+      </dgm:else>
+    </dgm:choose>
+    <dgm:shape xmlns:r="http://schemas.openxmlformats.org/officeDocument/2006/relationships" r:blip="">
+      <dgm:adjLst/>
+    </dgm:shape>
+    <dgm:presOf/>
+    <dgm:constrLst>
+      <dgm:constr type="w" for="ch" forName="parentLin" refType="w"/>
+      <dgm:constr type="h" for="ch" forName="parentLin" val="INF"/>
+      <dgm:constr type="w" for="des" forName="parentLeftMargin" refType="w" fact="0.05"/>
+      <dgm:constr type="w" for="des" forName="parentText" refType="w" fact="0.7"/>
+      <dgm:constr type="h" for="des" forName="parentText" refType="primFontSz" refFor="des" refForName="parentText" fact="0.82"/>
+      <dgm:constr type="h" for="ch" forName="negativeSpace" refType="primFontSz" refFor="des" refForName="parentText" fact="-0.41"/>
+      <dgm:constr type="h" for="ch" forName="negativeSpace" refType="h" refFor="des" refForName="parentText" op="lte" fact="-0.82"/>
+      <dgm:constr type="h" for="ch" forName="negativeSpace" refType="h" refFor="des" refForName="parentText" op="gte" fact="-0.82"/>
+      <dgm:constr type="w" for="ch" forName="childText" refType="w"/>
+      <dgm:constr type="h" for="ch" forName="childText" refType="primFontSz" refFor="des" refForName="parentText" fact="0.7"/>
+      <dgm:constr type="primFontSz" for="des" forName="parentText" val="65"/>
+      <dgm:constr type="primFontSz" for="ch" forName="childText" refType="primFontSz" refFor="des" refForName="parentText"/>
+      <dgm:constr type="tMarg" for="ch" forName="childText" refType="primFontSz" refFor="des" refForName="parentText" fact="1.64"/>
+      <dgm:constr type="tMarg" for="ch" forName="childText" refType="h" refFor="des" refForName="parentText" op="lte" fact="3.28"/>
+      <dgm:constr type="tMarg" for="ch" forName="childText" refType="h" refFor="des" refForName="parentText" op="gte" fact="3.28"/>
+      <dgm:constr type="lMarg" for="ch" forName="childText" refType="w" fact="0.22"/>
+      <dgm:constr type="rMarg" for="ch" forName="childText" refType="lMarg" refFor="ch" refForName="childText"/>
+      <dgm:constr type="lMarg" for="des" forName="parentText" refType="w" fact="0.075"/>
+      <dgm:constr type="rMarg" for="des" forName="parentText" refType="lMarg" refFor="des" refForName="parentText"/>
+      <dgm:constr type="h" for="ch" forName="spaceBetweenRectangles" refType="primFontSz" refFor="des" refForName="parentText" fact="0.15"/>
+    </dgm:constrLst>
+    <dgm:ruleLst>
+      <dgm:rule type="primFontSz" for="des" forName="parentText" val="5" fact="NaN" max="NaN"/>
+    </dgm:ruleLst>
+    <dgm:forEach name="Name3" axis="ch" ptType="node">
+      <dgm:layoutNode name="parentLin">
+        <dgm:choose name="Name4">
+          <dgm:if name="Name5" func="var" arg="dir" op="equ" val="norm">
+            <dgm:alg type="lin">
+              <dgm:param type="linDir" val="fromL"/>
+              <dgm:param type="horzAlign" val="l"/>
+              <dgm:param type="nodeHorzAlign" val="l"/>
+            </dgm:alg>
+          </dgm:if>
+          <dgm:else name="Name6">
+            <dgm:alg type="lin">
+              <dgm:param type="linDir" val="fromR"/>
+              <dgm:param type="horzAlign" val="r"/>
+              <dgm:param type="nodeHorzAlign" val="r"/>
+            </dgm:alg>
+          </dgm:else>
+        </dgm:choose>
+        <dgm:shape xmlns:r="http://schemas.openxmlformats.org/officeDocument/2006/relationships" r:blip="">
+          <dgm:adjLst/>
+        </dgm:shape>
+        <dgm:presOf/>
+        <dgm:constrLst/>
+        <dgm:ruleLst/>
+        <dgm:layoutNode name="parentLeftMargin">
+          <dgm:alg type="sp"/>
+          <dgm:shape xmlns:r="http://schemas.openxmlformats.org/officeDocument/2006/relationships" type="rect" r:blip="" hideGeom="1">
+            <dgm:adjLst/>
+          </dgm:shape>
+          <dgm:presOf axis="self"/>
+          <dgm:constrLst>
+            <dgm:constr type="h"/>
+          </dgm:constrLst>
+          <dgm:ruleLst/>
+        </dgm:layoutNode>
+        <dgm:layoutNode name="parentText" styleLbl="node1">
+          <dgm:varLst>
+            <dgm:chMax val="0"/>
+            <dgm:bulletEnabled val="1"/>
+          </dgm:varLst>
+          <dgm:choose name="Name7">
+            <dgm:if name="Name8" func="var" arg="dir" op="equ" val="norm">
+              <dgm:alg type="tx">
+                <dgm:param type="parTxLTRAlign" val="l"/>
+                <dgm:param type="parTxRTLAlign" val="l"/>
+              </dgm:alg>
+            </dgm:if>
+            <dgm:else name="Name9">
+              <dgm:alg type="tx">
+                <dgm:param type="parTxLTRAlign" val="r"/>
+                <dgm:param type="parTxRTLAlign" val="r"/>
+              </dgm:alg>
+            </dgm:else>
+          </dgm:choose>
+          <dgm:shape xmlns:r="http://schemas.openxmlformats.org/officeDocument/2006/relationships" type="roundRect" r:blip="">
+            <dgm:adjLst/>
+          </dgm:shape>
+          <dgm:presOf axis="self" ptType="node"/>
+          <dgm:constrLst>
+            <dgm:constr type="tMarg"/>
+            <dgm:constr type="bMarg"/>
+          </dgm:constrLst>
+          <dgm:ruleLst/>
+        </dgm:layoutNode>
+      </dgm:layoutNode>
+      <dgm:layoutNode name="negativeSpace">
+        <dgm:alg type="sp"/>
+        <dgm:shape xmlns:r="http://schemas.openxmlformats.org/officeDocument/2006/relationships" r:blip="">
+          <dgm:adjLst/>
+        </dgm:shape>
+        <dgm:presOf/>
+        <dgm:constrLst/>
+        <dgm:ruleLst/>
+      </dgm:layoutNode>
+      <dgm:layoutNode name="childText" styleLbl="conFgAcc1">
+        <dgm:varLst>
+          <dgm:bulletEnabled val="1"/>
+        </dgm:varLst>
+        <dgm:alg type="tx">
+          <dgm:param type="stBulletLvl" val="1"/>
+        </dgm:alg>
+        <dgm:shape xmlns:r="http://schemas.openxmlformats.org/officeDocument/2006/relationships" type="rect" r:blip="" zOrderOff="-2">
+          <dgm:adjLst/>
+        </dgm:shape>
+        <dgm:presOf axis="des" ptType="node"/>
+        <dgm:constrLst>
+          <dgm:constr type="secFontSz" refType="primFontSz"/>
+        </dgm:constrLst>
+        <dgm:ruleLst>
+          <dgm:rule type="h" val="INF" fact="NaN" max="NaN"/>
+        </dgm:ruleLst>
+      </dgm:layoutNode>
+      <dgm:forEach name="Name10" axis="followSib" ptType="sibTrans" cnt="1">
+        <dgm:layoutNode name="spaceBetweenRectangles">
+          <dgm:alg type="sp"/>
+          <dgm:shape xmlns:r="http://schemas.openxmlformats.org/officeDocument/2006/relationships" r:blip="">
+            <dgm:adjLst/>
+          </dgm:shape>
+          <dgm:presOf/>
+          <dgm:constrLst/>
+          <dgm:ruleLst/>
+        </dgm:layoutNode>
+      </dgm:forEach>
+    </dgm:forEach>
+  </dgm:layoutNode>
+</dgm:layoutDef>
+</file>
+
+<file path=ppt/diagrams/quickStyle1.xml><?xml version="1.0" encoding="utf-8"?>
+<dgm:styleDef xmlns:dgm="http://schemas.openxmlformats.org/drawingml/2006/diagram" xmlns:a="http://schemas.openxmlformats.org/drawingml/2006/main" uniqueId="urn:microsoft.com/office/officeart/2005/8/quickstyle/simple4">
+  <dgm:title val=""/>
+  <dgm:desc val=""/>
+  <dgm:catLst>
+    <dgm:cat type="simple" pri="10400"/>
+  </dgm:catLst>
+  <dgm:scene3d>
+    <a:camera prst="orthographicFront"/>
+    <a:lightRig rig="threePt" dir="t"/>
+  </dgm:scene3d>
+  <dgm:styleLbl name="node0">
+    <dgm:scene3d>
+      <a:camera prst="orthographicFront"/>
+      <a:lightRig rig="threePt" dir="t"/>
+    </dgm:scene3d>
+    <dgm:sp3d/>
+    <dgm:txPr/>
+    <dgm:style>
+      <a:lnRef idx="0">
+        <a:scrgbClr r="0" g="0" b="0"/>
+      </a:lnRef>
+      <a:fillRef idx="3">
+        <a:scrgbClr r="0" g="0" b="0"/>
+      </a:fillRef>
+      <a:effectRef idx="2">
+        <a:scrgbClr r="0" g="0" b="0"/>
+      </a:effectRef>
+      <a:fontRef idx="minor">
+        <a:schemeClr val="lt1"/>
+      </a:fontRef>
+    </dgm:style>
+  </dgm:styleLbl>
+  <dgm:styleLbl name="lnNode1">
+    <dgm:scene3d>
+      <a:camera prst="orthographicFront"/>
+      <a:lightRig rig="threePt" dir="t"/>
+    </dgm:scene3d>
+    <dgm:sp3d/>
+    <dgm:txPr/>
+    <dgm:style>
+      <a:lnRef idx="1">
+        <a:scrgbClr r="0" g="0" b="0"/>
+      </a:lnRef>
+      <a:fillRef idx="3">
+        <a:scrgbClr r="0" g="0" b="0"/>
+      </a:fillRef>
+      <a:effectRef idx="2">
+        <a:scrgbClr r="0" g="0" b="0"/>
+      </a:effectRef>
+      <a:fontRef idx="minor">
+        <a:schemeClr val="lt1"/>
+      </a:fontRef>
+    </dgm:style>
+  </dgm:styleLbl>
+  <dgm:styleLbl name="vennNode1">
+    <dgm:scene3d>
+      <a:camera prst="orthographicFront"/>
+      <a:lightRig rig="threePt" dir="t"/>
+    </dgm:scene3d>
+    <dgm:sp3d/>
+    <dgm:txPr/>
+    <dgm:style>
+      <a:lnRef idx="0">
+        <a:scrgbClr r="0" g="0" b="0"/>
+      </a:lnRef>
+      <a:fillRef idx="3">
+        <a:scrgbClr r="0" g="0" b="0"/>
+      </a:fillRef>
+      <a:effectRef idx="0">
+        <a:scrgbClr r="0" g="0" b="0"/>
+      </a:effectRef>
+      <a:fontRef idx="minor">
+        <a:schemeClr val="tx1"/>
+      </a:fontRef>
+    </dgm:style>
+  </dgm:styleLbl>
+  <dgm:styleLbl name="alignNode1">
+    <dgm:scene3d>
+      <a:camera prst="orthographicFront"/>
+      <a:lightRig rig="threePt" dir="t"/>
+    </dgm:scene3d>
+    <dgm:sp3d/>
+    <dgm:txPr/>
+    <dgm:style>
+      <a:lnRef idx="1">
+        <a:scrgbClr r="0" g="0" b="0"/>
+      </a:lnRef>
+      <a:fillRef idx="3">
+        <a:scrgbClr r="0" g="0" b="0"/>
+      </a:fillRef>
+      <a:effectRef idx="2">
+        <a:scrgbClr r="0" g="0" b="0"/>
+      </a:effectRef>
+      <a:fontRef idx="minor">
+        <a:schemeClr val="lt1"/>
+      </a:fontRef>
+    </dgm:style>
+  </dgm:styleLbl>
+  <dgm:styleLbl name="node1">
+    <dgm:scene3d>
+      <a:camera prst="orthographicFront"/>
+      <a:lightRig rig="threePt" dir="t"/>
+    </dgm:scene3d>
+    <dgm:sp3d/>
+    <dgm:txPr/>
+    <dgm:style>
+      <a:lnRef idx="0">
+        <a:scrgbClr r="0" g="0" b="0"/>
+      </a:lnRef>
+      <a:fillRef idx="3">
+        <a:scrgbClr r="0" g="0" b="0"/>
+      </a:fillRef>
+      <a:effectRef idx="2">
+        <a:scrgbClr r="0" g="0" b="0"/>
+      </a:effectRef>
+      <a:fontRef idx="minor">
+        <a:schemeClr val="lt1"/>
+      </a:fontRef>
+    </dgm:style>
+  </dgm:styleLbl>
+  <dgm:styleLbl name="node2">
+    <dgm:scene3d>
+      <a:camera prst="orthographicFront"/>
+      <a:lightRig rig="threePt" dir="t"/>
+    </dgm:scene3d>
+    <dgm:sp3d/>
+    <dgm:txPr/>
+    <dgm:style>
+      <a:lnRef idx="0">
+        <a:scrgbClr r="0" g="0" b="0"/>
+      </a:lnRef>
+      <a:fillRef idx="3">
+        <a:scrgbClr r="0" g="0" b="0"/>
+      </a:fillRef>
+      <a:effectRef idx="2">
+        <a:scrgbClr r="0" g="0" b="0"/>
+      </a:effectRef>
+      <a:fontRef idx="minor">
+        <a:schemeClr val="lt1"/>
+      </a:fontRef>
+    </dgm:style>
+  </dgm:styleLbl>
+  <dgm:styleLbl name="node3">
+    <dgm:scene3d>
+      <a:camera prst="orthographicFront"/>
+      <a:lightRig rig="threePt" dir="t"/>
+    </dgm:scene3d>
+    <dgm:sp3d/>
+    <dgm:txPr/>
+    <dgm:style>
+      <a:lnRef idx="0">
+        <a:scrgbClr r="0" g="0" b="0"/>
+      </a:lnRef>
+      <a:fillRef idx="3">
+        <a:scrgbClr r="0" g="0" b="0"/>
+      </a:fillRef>
+      <a:effectRef idx="2">
+        <a:scrgbClr r="0" g="0" b="0"/>
+      </a:effectRef>
+      <a:fontRef idx="minor">
+        <a:schemeClr val="lt1"/>
+      </a:fontRef>
+    </dgm:style>
+  </dgm:styleLbl>
+  <dgm:styleLbl name="node4">
+    <dgm:scene3d>
+      <a:camera prst="orthographicFront"/>
+      <a:lightRig rig="threePt" dir="t"/>
+    </dgm:scene3d>
+    <dgm:sp3d/>
+    <dgm:txPr/>
+    <dgm:style>
+      <a:lnRef idx="0">
+        <a:scrgbClr r="0" g="0" b="0"/>
+      </a:lnRef>
+      <a:fillRef idx="3">
+        <a:scrgbClr r="0" g="0" b="0"/>
+      </a:fillRef>
+      <a:effectRef idx="2">
+        <a:scrgbClr r="0" g="0" b="0"/>
+      </a:effectRef>
+      <a:fontRef idx="minor">
+        <a:schemeClr val="lt1"/>
+      </a:fontRef>
+    </dgm:style>
+  </dgm:styleLbl>
+  <dgm:styleLbl name="fgImgPlace1">
+    <dgm:scene3d>
+      <a:camera prst="orthographicFront"/>
+      <a:lightRig rig="threePt" dir="t"/>
+    </dgm:scene3d>
+    <dgm:sp3d/>
+    <dgm:txPr/>
+    <dgm:style>
+      <a:lnRef idx="0">
+        <a:scrgbClr r="0" g="0" b="0"/>
+      </a:lnRef>
+      <a:fillRef idx="1">
+        <a:scrgbClr r="0" g="0" b="0"/>
+      </a:fillRef>
+      <a:effectRef idx="2">
+        <a:scrgbClr r="0" g="0" b="0"/>
+      </a:effectRef>
+      <a:fontRef idx="minor"/>
+    </dgm:style>
+  </dgm:styleLbl>
+  <dgm:styleLbl name="alignImgPlace1">
+    <dgm:scene3d>
+      <a:camera prst="orthographicFront"/>
+      <a:lightRig rig="threePt" dir="t"/>
+    </dgm:scene3d>
+    <dgm:sp3d/>
+    <dgm:txPr/>
+    <dgm:style>
+      <a:lnRef idx="0">
+        <a:scrgbClr r="0" g="0" b="0"/>
+      </a:lnRef>
+      <a:fillRef idx="1">
+        <a:scrgbClr r="0" g="0" b="0"/>
+      </a:fillRef>
+      <a:effectRef idx="2">
+        <a:scrgbClr r="0" g="0" b="0"/>
+      </a:effectRef>
+      <a:fontRef idx="minor"/>
+    </dgm:style>
+  </dgm:styleLbl>
+  <dgm:styleLbl name="bgImgPlace1">
+    <dgm:scene3d>
+      <a:camera prst="orthographicFront"/>
+      <a:lightRig rig="threePt" dir="t"/>
+    </dgm:scene3d>
+    <dgm:sp3d/>
+    <dgm:txPr/>
+    <dgm:style>
+      <a:lnRef idx="0">
+        <a:scrgbClr r="0" g="0" b="0"/>
+      </a:lnRef>
+      <a:fillRef idx="1">
+        <a:scrgbClr r="0" g="0" b="0"/>
+      </a:fillRef>
+      <a:effectRef idx="2">
+        <a:scrgbClr r="0" g="0" b="0"/>
+      </a:effectRef>
+      <a:fontRef idx="minor"/>
+    </dgm:style>
+  </dgm:styleLbl>
+  <dgm:styleLbl name="sibTrans2D1">
+    <dgm:scene3d>
+      <a:camera prst="orthographicFront"/>
+      <a:lightRig rig="threePt" dir="t"/>
+    </dgm:scene3d>
+    <dgm:sp3d/>
+    <dgm:txPr/>
+    <dgm:style>
+      <a:lnRef idx="0">
+        <a:scrgbClr r="0" g="0" b="0"/>
+      </a:lnRef>
+      <a:fillRef idx="3">
+        <a:scrgbClr r="0" g="0" b="0"/>
+      </a:fillRef>
+      <a:effectRef idx="2">
+        <a:scrgbClr r="0" g="0" b="0"/>
+      </a:effectRef>
+      <a:fontRef idx="minor">
+        <a:schemeClr val="lt1"/>
+      </a:fontRef>
+    </dgm:style>
+  </dgm:styleLbl>
+  <dgm:styleLbl name="fgSibTrans2D1">
+    <dgm:scene3d>
+      <a:camera prst="orthographicFront"/>
+      <a:lightRig rig="threePt" dir="t"/>
+    </dgm:scene3d>
+    <dgm:sp3d/>
+    <dgm:txPr/>
+    <dgm:style>
+      <a:lnRef idx="0">
+        <a:scrgbClr r="0" g="0" b="0"/>
+      </a:lnRef>
+      <a:fillRef idx="3">
+        <a:scrgbClr r="0" g="0" b="0"/>
+      </a:fillRef>
+      <a:effectRef idx="2">
+        <a:scrgbClr r="0" g="0" b="0"/>
+      </a:effectRef>
+      <a:fontRef idx="minor">
+        <a:schemeClr val="lt1"/>
+      </a:fontRef>
+    </dgm:style>
+  </dgm:styleLbl>
+  <dgm:styleLbl name="bgSibTrans2D1">
+    <dgm:scene3d>
+      <a:camera prst="orthographicFront"/>
+      <a:lightRig rig="threePt" dir="t"/>
+    </dgm:scene3d>
+    <dgm:sp3d/>
+    <dgm:txPr/>
+    <dgm:style>
+      <a:lnRef idx="0">
+        <a:scrgbClr r="0" g="0" b="0"/>
+      </a:lnRef>
+      <a:fillRef idx="3">
+        <a:scrgbClr r="0" g="0" b="0"/>
+      </a:fillRef>
+      <a:effectRef idx="2">
+        <a:scrgbClr r="0" g="0" b="0"/>
+      </a:effectRef>
+      <a:fontRef idx="minor">
+        <a:schemeClr val="lt1"/>
+      </a:fontRef>
+    </dgm:style>
+  </dgm:styleLbl>
+  <dgm:styleLbl name="sibTrans1D1">
+    <dgm:scene3d>
+      <a:camera prst="orthographicFront"/>
+      <a:lightRig rig="threePt" dir="t"/>
+    </dgm:scene3d>
+    <dgm:sp3d/>
+    <dgm:txPr/>
+    <dgm:style>
+      <a:lnRef idx="1">
+        <a:scrgbClr r="0" g="0" b="0"/>
+      </a:lnRef>
+      <a:fillRef idx="0">
+        <a:scrgbClr r="0" g="0" b="0"/>
+      </a:fillRef>
+      <a:effectRef idx="0">
+        <a:scrgbClr r="0" g="0" b="0"/>
+      </a:effectRef>
+      <a:fontRef idx="minor"/>
+    </dgm:style>
+  </dgm:styleLbl>
+  <dgm:styleLbl name="callout">
+    <dgm:scene3d>
+      <a:camera prst="orthographicFront"/>
+      <a:lightRig rig="threePt" dir="t"/>
+    </dgm:scene3d>
+    <dgm:sp3d/>
+    <dgm:txPr/>
+    <dgm:style>
+      <a:lnRef idx="2">
+        <a:scrgbClr r="0" g="0" b="0"/>
+      </a:lnRef>
+      <a:fillRef idx="1">
+        <a:scrgbClr r="0" g="0" b="0"/>
+      </a:fillRef>
+      <a:effectRef idx="1">
+        <a:scrgbClr r="0" g="0" b="0"/>
+      </a:effectRef>
+      <a:fontRef idx="minor"/>
+    </dgm:style>
+  </dgm:styleLbl>
+  <dgm:styleLbl name="asst0">
+    <dgm:scene3d>
+      <a:camera prst="orthographicFront"/>
+      <a:lightRig rig="threePt" dir="t"/>
+    </dgm:scene3d>
+    <dgm:sp3d/>
+    <dgm:txPr/>
+    <dgm:style>
+      <a:lnRef idx="0">
+        <a:scrgbClr r="0" g="0" b="0"/>
+      </a:lnRef>
+      <a:fillRef idx="3">
+        <a:scrgbClr r="0" g="0" b="0"/>
+      </a:fillRef>
+      <a:effectRef idx="2">
+        <a:scrgbClr r="0" g="0" b="0"/>
+      </a:effectRef>
+      <a:fontRef idx="minor">
+        <a:schemeClr val="lt1"/>
+      </a:fontRef>
+    </dgm:style>
+  </dgm:styleLbl>
+  <dgm:styleLbl name="asst1">
+    <dgm:scene3d>
+      <a:camera prst="orthographicFront"/>
+      <a:lightRig rig="threePt" dir="t"/>
+    </dgm:scene3d>
+    <dgm:sp3d/>
+    <dgm:txPr/>
+    <dgm:style>
+      <a:lnRef idx="0">
+        <a:scrgbClr r="0" g="0" b="0"/>
+      </a:lnRef>
+      <a:fillRef idx="3">
+        <a:scrgbClr r="0" g="0" b="0"/>
+      </a:fillRef>
+      <a:effectRef idx="2">
+        <a:scrgbClr r="0" g="0" b="0"/>
+      </a:effectRef>
+      <a:fontRef idx="minor">
+        <a:schemeClr val="lt1"/>
+      </a:fontRef>
+    </dgm:style>
+  </dgm:styleLbl>
+  <dgm:styleLbl name="asst2">
+    <dgm:scene3d>
+      <a:camera prst="orthographicFront"/>
+      <a:lightRig rig="threePt" dir="t"/>
+    </dgm:scene3d>
+    <dgm:sp3d/>
+    <dgm:txPr/>
+    <dgm:style>
+      <a:lnRef idx="0">
+        <a:scrgbClr r="0" g="0" b="0"/>
+      </a:lnRef>
+      <a:fillRef idx="3">
+        <a:scrgbClr r="0" g="0" b="0"/>
+      </a:fillRef>
+      <a:effectRef idx="2">
+        <a:scrgbClr r="0" g="0" b="0"/>
+      </a:effectRef>
+      <a:fontRef idx="minor">
+        <a:schemeClr val="lt1"/>
+      </a:fontRef>
+    </dgm:style>
+  </dgm:styleLbl>
+  <dgm:styleLbl name="asst3">
+    <dgm:scene3d>
+      <a:camera prst="orthographicFront"/>
+      <a:lightRig rig="threePt" dir="t"/>
+    </dgm:scene3d>
+    <dgm:sp3d/>
+    <dgm:txPr/>
+    <dgm:style>
+      <a:lnRef idx="0">
+        <a:scrgbClr r="0" g="0" b="0"/>
+      </a:lnRef>
+      <a:fillRef idx="3">
+        <a:scrgbClr r="0" g="0" b="0"/>
+      </a:fillRef>
+      <a:effectRef idx="2">
+        <a:scrgbClr r="0" g="0" b="0"/>
+      </a:effectRef>
+      <a:fontRef idx="minor">
+        <a:schemeClr val="lt1"/>
+      </a:fontRef>
+    </dgm:style>
+  </dgm:styleLbl>
+  <dgm:styleLbl name="asst4">
+    <dgm:scene3d>
+      <a:camera prst="orthographicFront"/>
+      <a:lightRig rig="threePt" dir="t"/>
+    </dgm:scene3d>
+    <dgm:sp3d/>
+    <dgm:txPr/>
+    <dgm:style>
+      <a:lnRef idx="0">
+        <a:scrgbClr r="0" g="0" b="0"/>
+      </a:lnRef>
+      <a:fillRef idx="3">
+        <a:scrgbClr r="0" g="0" b="0"/>
+      </a:fillRef>
+      <a:effectRef idx="2">
+        <a:scrgbClr r="0" g="0" b="0"/>
+      </a:effectRef>
+      <a:fontRef idx="minor">
+        <a:schemeClr val="lt1"/>
+      </a:fontRef>
+    </dgm:style>
+  </dgm:styleLbl>
+  <dgm:styleLbl name="parChTrans2D1">
+    <dgm:scene3d>
+      <a:camera prst="orthographicFront"/>
+      <a:lightRig rig="threePt" dir="t"/>
+    </dgm:scene3d>
+    <dgm:sp3d/>
+    <dgm:txPr/>
+    <dgm:style>
+      <a:lnRef idx="0">
+        <a:scrgbClr r="0" g="0" b="0"/>
+      </a:lnRef>
+      <a:fillRef idx="3">
+        <a:scrgbClr r="0" g="0" b="0"/>
+      </a:fillRef>
+      <a:effectRef idx="2">
+        <a:scrgbClr r="0" g="0" b="0"/>
+      </a:effectRef>
+      <a:fontRef idx="minor">
+        <a:schemeClr val="lt1"/>
+      </a:fontRef>
+    </dgm:style>
+  </dgm:styleLbl>
+  <dgm:styleLbl name="parChTrans2D2">
+    <dgm:scene3d>
+      <a:camera prst="orthographicFront"/>
+      <a:lightRig rig="threePt" dir="t"/>
+    </dgm:scene3d>
+    <dgm:sp3d/>
+    <dgm:txPr/>
+    <dgm:style>
+      <a:lnRef idx="0">
+        <a:scrgbClr r="0" g="0" b="0"/>
+      </a:lnRef>
+      <a:fillRef idx="3">
+        <a:scrgbClr r="0" g="0" b="0"/>
+      </a:fillRef>
+      <a:effectRef idx="2">
+        <a:scrgbClr r="0" g="0" b="0"/>
+      </a:effectRef>
+      <a:fontRef idx="minor">
+        <a:schemeClr val="lt1"/>
+      </a:fontRef>
+    </dgm:style>
+  </dgm:styleLbl>
+  <dgm:styleLbl name="parChTrans2D3">
+    <dgm:scene3d>
+      <a:camera prst="orthographicFront"/>
+      <a:lightRig rig="threePt" dir="t"/>
+    </dgm:scene3d>
+    <dgm:sp3d/>
+    <dgm:txPr/>
+    <dgm:style>
+      <a:lnRef idx="1">
+        <a:scrgbClr r="0" g="0" b="0"/>
+      </a:lnRef>
+      <a:fillRef idx="3">
+        <a:scrgbClr r="0" g="0" b="0"/>
+      </a:fillRef>
+      <a:effectRef idx="2">
+        <a:scrgbClr r="0" g="0" b="0"/>
+      </a:effectRef>
+      <a:fontRef idx="minor">
+        <a:schemeClr val="lt1"/>
+      </a:fontRef>
+    </dgm:style>
+  </dgm:styleLbl>
+  <dgm:styleLbl name="parChTrans2D4">
+    <dgm:scene3d>
+      <a:camera prst="orthographicFront"/>
+      <a:lightRig rig="threePt" dir="t"/>
+    </dgm:scene3d>
+    <dgm:sp3d/>
+    <dgm:txPr/>
+    <dgm:style>
+      <a:lnRef idx="1">
+        <a:scrgbClr r="0" g="0" b="0"/>
+      </a:lnRef>
+      <a:fillRef idx="3">
+        <a:scrgbClr r="0" g="0" b="0"/>
+      </a:fillRef>
+      <a:effectRef idx="2">
+        <a:scrgbClr r="0" g="0" b="0"/>
+      </a:effectRef>
+      <a:fontRef idx="minor">
+        <a:schemeClr val="lt1"/>
+      </a:fontRef>
+    </dgm:style>
+  </dgm:styleLbl>
+  <dgm:styleLbl name="parChTrans1D1">
+    <dgm:scene3d>
+      <a:camera prst="orthographicFront"/>
+      <a:lightRig rig="threePt" dir="t"/>
+    </dgm:scene3d>
+    <dgm:sp3d/>
+    <dgm:txPr/>
+    <dgm:style>
+      <a:lnRef idx="1">
+        <a:scrgbClr r="0" g="0" b="0"/>
+      </a:lnRef>
+      <a:fillRef idx="0">
+        <a:scrgbClr r="0" g="0" b="0"/>
+      </a:fillRef>
+      <a:effectRef idx="0">
+        <a:scrgbClr r="0" g="0" b="0"/>
+      </a:effectRef>
+      <a:fontRef idx="minor"/>
+    </dgm:style>
+  </dgm:styleLbl>
+  <dgm:styleLbl name="parChTrans1D2">
+    <dgm:scene3d>
+      <a:camera prst="orthographicFront"/>
+      <a:lightRig rig="threePt" dir="t"/>
+    </dgm:scene3d>
+    <dgm:sp3d/>
+    <dgm:txPr/>
+    <dgm:style>
+      <a:lnRef idx="1">
+        <a:scrgbClr r="0" g="0" b="0"/>
+      </a:lnRef>
+      <a:fillRef idx="0">
+        <a:scrgbClr r="0" g="0" b="0"/>
+      </a:fillRef>
+      <a:effectRef idx="0">
+        <a:scrgbClr r="0" g="0" b="0"/>
+      </a:effectRef>
+      <a:fontRef idx="minor"/>
+    </dgm:style>
+  </dgm:styleLbl>
+  <dgm:styleLbl name="parChTrans1D3">
+    <dgm:scene3d>
+      <a:camera prst="orthographicFront"/>
+      <a:lightRig rig="threePt" dir="t"/>
+    </dgm:scene3d>
+    <dgm:sp3d/>
+    <dgm:txPr/>
+    <dgm:style>
+      <a:lnRef idx="1">
+        <a:scrgbClr r="0" g="0" b="0"/>
+      </a:lnRef>
+      <a:fillRef idx="0">
+        <a:scrgbClr r="0" g="0" b="0"/>
+      </a:fillRef>
+      <a:effectRef idx="0">
+        <a:scrgbClr r="0" g="0" b="0"/>
+      </a:effectRef>
+      <a:fontRef idx="minor"/>
+    </dgm:style>
+  </dgm:styleLbl>
+  <dgm:styleLbl name="parChTrans1D4">
+    <dgm:scene3d>
+      <a:camera prst="orthographicFront"/>
+      <a:lightRig rig="threePt" dir="t"/>
+    </dgm:scene3d>
+    <dgm:sp3d/>
+    <dgm:txPr/>
+    <dgm:style>
+      <a:lnRef idx="1">
+        <a:scrgbClr r="0" g="0" b="0"/>
+      </a:lnRef>
+      <a:fillRef idx="0">
+        <a:scrgbClr r="0" g="0" b="0"/>
+      </a:fillRef>
+      <a:effectRef idx="0">
+        <a:scrgbClr r="0" g="0" b="0"/>
+      </a:effectRef>
+      <a:fontRef idx="minor"/>
+    </dgm:style>
+  </dgm:styleLbl>
+  <dgm:styleLbl name="fgAcc1">
+    <dgm:scene3d>
+      <a:camera prst="orthographicFront"/>
+      <a:lightRig rig="threePt" dir="t"/>
+    </dgm:scene3d>
+    <dgm:sp3d/>
+    <dgm:txPr/>
+    <dgm:style>
+      <a:lnRef idx="1">
+        <a:scrgbClr r="0" g="0" b="0"/>
+      </a:lnRef>
+      <a:fillRef idx="1">
+        <a:scrgbClr r="0" g="0" b="0"/>
+      </a:fillRef>
+      <a:effectRef idx="0">
+        <a:scrgbClr r="0" g="0" b="0"/>
+      </a:effectRef>
+      <a:fontRef idx="minor"/>
+    </dgm:style>
+  </dgm:styleLbl>
+  <dgm:styleLbl name="conFgAcc1">
+    <dgm:scene3d>
+      <a:camera prst="orthographicFront"/>
+      <a:lightRig rig="threePt" dir="t"/>
+    </dgm:scene3d>
+    <dgm:sp3d/>
+    <dgm:txPr/>
+    <dgm:style>
+      <a:lnRef idx="1">
+        <a:scrgbClr r="0" g="0" b="0"/>
+      </a:lnRef>
+      <a:fillRef idx="1">
+        <a:scrgbClr r="0" g="0" b="0"/>
+      </a:fillRef>
+      <a:effectRef idx="0">
+        <a:scrgbClr r="0" g="0" b="0"/>
+      </a:effectRef>
+      <a:fontRef idx="minor"/>
+    </dgm:style>
+  </dgm:styleLbl>
+  <dgm:styleLbl name="alignAcc1">
+    <dgm:scene3d>
+      <a:camera prst="orthographicFront"/>
+      <a:lightRig rig="threePt" dir="t"/>
+    </dgm:scene3d>
+    <dgm:sp3d/>
+    <dgm:txPr/>
+    <dgm:style>
+      <a:lnRef idx="1">
+        <a:scrgbClr r="0" g="0" b="0"/>
+      </a:lnRef>
+      <a:fillRef idx="1">
+        <a:scrgbClr r="0" g="0" b="0"/>
+      </a:fillRef>
+      <a:effectRef idx="0">
+        <a:scrgbClr r="0" g="0" b="0"/>
+      </a:effectRef>
+      <a:fontRef idx="minor"/>
+    </dgm:style>
+  </dgm:styleLbl>
+  <dgm:styleLbl name="trAlignAcc1">
+    <dgm:scene3d>
+      <a:camera prst="orthographicFront"/>
+      <a:lightRig rig="threePt" dir="t"/>
+    </dgm:scene3d>
+    <dgm:sp3d/>
+    <dgm:txPr/>
+    <dgm:style>
+      <a:lnRef idx="1">
+        <a:scrgbClr r="0" g="0" b="0"/>
+      </a:lnRef>
+      <a:fillRef idx="1">
+        <a:scrgbClr r="0" g="0" b="0"/>
+      </a:fillRef>
+      <a:effectRef idx="0">
+        <a:scrgbClr r="0" g="0" b="0"/>
+      </a:effectRef>
+      <a:fontRef idx="minor"/>
+    </dgm:style>
+  </dgm:styleLbl>
+  <dgm:styleLbl name="bgAcc1">
+    <dgm:scene3d>
+      <a:camera prst="orthographicFront"/>
+      <a:lightRig rig="threePt" dir="t"/>
+    </dgm:scene3d>
+    <dgm:sp3d/>
+    <dgm:txPr/>
+    <dgm:style>
+      <a:lnRef idx="1">
+        <a:scrgbClr r="0" g="0" b="0"/>
+      </a:lnRef>
+      <a:fillRef idx="1">
+        <a:scrgbClr r="0" g="0" b="0"/>
+      </a:fillRef>
+      <a:effectRef idx="0">
+        <a:scrgbClr r="0" g="0" b="0"/>
+      </a:effectRef>
+      <a:fontRef idx="minor"/>
+    </dgm:style>
+  </dgm:styleLbl>
+  <dgm:styleLbl name="solidFgAcc1">
+    <dgm:scene3d>
+      <a:camera prst="orthographicFront"/>
+      <a:lightRig rig="threePt" dir="t"/>
+    </dgm:scene3d>
+    <dgm:sp3d/>
+    <dgm:txPr/>
+    <dgm:style>
+      <a:lnRef idx="1">
+        <a:scrgbClr r="0" g="0" b="0"/>
+      </a:lnRef>
+      <a:fillRef idx="1">
+        <a:scrgbClr r="0" g="0" b="0"/>
+      </a:fillRef>
+      <a:effectRef idx="0">
+        <a:scrgbClr r="0" g="0" b="0"/>
+      </a:effectRef>
+      <a:fontRef idx="minor"/>
+    </dgm:style>
+  </dgm:styleLbl>
+  <dgm:styleLbl name="solidAlignAcc1">
+    <dgm:scene3d>
+      <a:camera prst="orthographicFront"/>
+      <a:lightRig rig="threePt" dir="t"/>
+    </dgm:scene3d>
+    <dgm:sp3d/>
+    <dgm:txPr/>
+    <dgm:style>
+      <a:lnRef idx="1">
+        <a:scrgbClr r="0" g="0" b="0"/>
+      </a:lnRef>
+      <a:fillRef idx="1">
+        <a:scrgbClr r="0" g="0" b="0"/>
+      </a:fillRef>
+      <a:effectRef idx="0">
+        <a:scrgbClr r="0" g="0" b="0"/>
+      </a:effectRef>
+      <a:fontRef idx="minor"/>
+    </dgm:style>
+  </dgm:styleLbl>
+  <dgm:styleLbl name="solidBgAcc1">
+    <dgm:scene3d>
+      <a:camera prst="orthographicFront"/>
+      <a:lightRig rig="threePt" dir="t"/>
+    </dgm:scene3d>
+    <dgm:sp3d/>
+    <dgm:txPr/>
+    <dgm:style>
+      <a:lnRef idx="1">
+        <a:scrgbClr r="0" g="0" b="0"/>
+      </a:lnRef>
+      <a:fillRef idx="1">
+        <a:scrgbClr r="0" g="0" b="0"/>
+      </a:fillRef>
+      <a:effectRef idx="0">
+        <a:scrgbClr r="0" g="0" b="0"/>
+      </a:effectRef>
+      <a:fontRef idx="minor"/>
+    </dgm:style>
+  </dgm:styleLbl>
+  <dgm:styleLbl name="fgAccFollowNode1">
+    <dgm:scene3d>
+      <a:camera prst="orthographicFront"/>
+      <a:lightRig rig="threePt" dir="t"/>
+    </dgm:scene3d>
+    <dgm:sp3d/>
+    <dgm:txPr/>
+    <dgm:style>
+      <a:lnRef idx="1">
+        <a:scrgbClr r="0" g="0" b="0"/>
+      </a:lnRef>
+      <a:fillRef idx="1">
+        <a:scrgbClr r="0" g="0" b="0"/>
+      </a:fillRef>
+      <a:effectRef idx="0">
+        <a:scrgbClr r="0" g="0" b="0"/>
+      </a:effectRef>
+      <a:fontRef idx="minor"/>
+    </dgm:style>
+  </dgm:styleLbl>
+  <dgm:styleLbl name="alignAccFollowNode1">
+    <dgm:scene3d>
+      <a:camera prst="orthographicFront"/>
+      <a:lightRig rig="threePt" dir="t"/>
+    </dgm:scene3d>
+    <dgm:sp3d/>
+    <dgm:txPr/>
+    <dgm:style>
+      <a:lnRef idx="1">
+        <a:scrgbClr r="0" g="0" b="0"/>
+      </a:lnRef>
+      <a:fillRef idx="1">
+        <a:scrgbClr r="0" g="0" b="0"/>
+      </a:fillRef>
+      <a:effectRef idx="0">
+        <a:scrgbClr r="0" g="0" b="0"/>
+      </a:effectRef>
+      <a:fontRef idx="minor"/>
+    </dgm:style>
+  </dgm:styleLbl>
+  <dgm:styleLbl name="bgAccFollowNode1">
+    <dgm:scene3d>
+      <a:camera prst="orthographicFront"/>
+      <a:lightRig rig="threePt" dir="t"/>
+    </dgm:scene3d>
+    <dgm:sp3d/>
+    <dgm:txPr/>
+    <dgm:style>
+      <a:lnRef idx="1">
+        <a:scrgbClr r="0" g="0" b="0"/>
+      </a:lnRef>
+      <a:fillRef idx="1">
+        <a:scrgbClr r="0" g="0" b="0"/>
+      </a:fillRef>
+      <a:effectRef idx="0">
+        <a:scrgbClr r="0" g="0" b="0"/>
+      </a:effectRef>
+      <a:fontRef idx="minor"/>
+    </dgm:style>
+  </dgm:styleLbl>
+  <dgm:styleLbl name="fgAcc0">
+    <dgm:scene3d>
+      <a:camera prst="orthographicFront"/>
+      <a:lightRig rig="threePt" dir="t"/>
+    </dgm:scene3d>
+    <dgm:sp3d/>
+    <dgm:txPr/>
+    <dgm:style>
+      <a:lnRef idx="1">
+        <a:scrgbClr r="0" g="0" b="0"/>
+      </a:lnRef>
+      <a:fillRef idx="1">
+        <a:scrgbClr r="0" g="0" b="0"/>
+      </a:fillRef>
+      <a:effectRef idx="0">
+        <a:scrgbClr r="0" g="0" b="0"/>
+      </a:effectRef>
+      <a:fontRef idx="minor"/>
+    </dgm:style>
+  </dgm:styleLbl>
+  <dgm:styleLbl name="fgAcc2">
+    <dgm:scene3d>
+      <a:camera prst="orthographicFront"/>
+      <a:lightRig rig="threePt" dir="t"/>
+    </dgm:scene3d>
+    <dgm:sp3d/>
+    <dgm:txPr/>
+    <dgm:style>
+      <a:lnRef idx="1">
+        <a:scrgbClr r="0" g="0" b="0"/>
+      </a:lnRef>
+      <a:fillRef idx="1">
+        <a:scrgbClr r="0" g="0" b="0"/>
+      </a:fillRef>
+      <a:effectRef idx="0">
+        <a:scrgbClr r="0" g="0" b="0"/>
+      </a:effectRef>
+      <a:fontRef idx="minor"/>
+    </dgm:style>
+  </dgm:styleLbl>
+  <dgm:styleLbl name="fgAcc3">
+    <dgm:scene3d>
+      <a:camera prst="orthographicFront"/>
+      <a:lightRig rig="threePt" dir="t"/>
+    </dgm:scene3d>
+    <dgm:sp3d/>
+    <dgm:txPr/>
+    <dgm:style>
+      <a:lnRef idx="1">
+        <a:scrgbClr r="0" g="0" b="0"/>
+      </a:lnRef>
+      <a:fillRef idx="1">
+        <a:scrgbClr r="0" g="0" b="0"/>
+      </a:fillRef>
+      <a:effectRef idx="0">
+        <a:scrgbClr r="0" g="0" b="0"/>
+      </a:effectRef>
+      <a:fontRef idx="minor"/>
+    </dgm:style>
+  </dgm:styleLbl>
+  <dgm:styleLbl name="fgAcc4">
+    <dgm:scene3d>
+      <a:camera prst="orthographicFront"/>
+      <a:lightRig rig="threePt" dir="t"/>
+    </dgm:scene3d>
+    <dgm:sp3d/>
+    <dgm:txPr/>
+    <dgm:style>
+      <a:lnRef idx="1">
+        <a:scrgbClr r="0" g="0" b="0"/>
+      </a:lnRef>
+      <a:fillRef idx="1">
+        <a:scrgbClr r="0" g="0" b="0"/>
+      </a:fillRef>
+      <a:effectRef idx="0">
+        <a:scrgbClr r="0" g="0" b="0"/>
+      </a:effectRef>
+      <a:fontRef idx="minor"/>
+    </dgm:style>
+  </dgm:styleLbl>
+  <dgm:styleLbl name="bgShp">
+    <dgm:scene3d>
+      <a:camera prst="orthographicFront"/>
+      <a:lightRig rig="threePt" dir="t"/>
+    </dgm:scene3d>
+    <dgm:sp3d/>
+    <dgm:txPr/>
+    <dgm:style>
+      <a:lnRef idx="0">
+        <a:scrgbClr r="0" g="0" b="0"/>
+      </a:lnRef>
+      <a:fillRef idx="1">
+        <a:scrgbClr r="0" g="0" b="0"/>
+      </a:fillRef>
+      <a:effectRef idx="2">
+        <a:scrgbClr r="0" g="0" b="0"/>
+      </a:effectRef>
+      <a:fontRef idx="minor"/>
+    </dgm:style>
+  </dgm:styleLbl>
+  <dgm:styleLbl name="dkBgShp">
+    <dgm:scene3d>
+      <a:camera prst="orthographicFront"/>
+      <a:lightRig rig="threePt" dir="t"/>
+    </dgm:scene3d>
+    <dgm:sp3d/>
+    <dgm:txPr/>
+    <dgm:style>
+      <a:lnRef idx="0">
+        <a:scrgbClr r="0" g="0" b="0"/>
+      </a:lnRef>
+      <a:fillRef idx="1">
+        <a:scrgbClr r="0" g="0" b="0"/>
+      </a:fillRef>
+      <a:effectRef idx="2">
+        <a:scrgbClr r="0" g="0" b="0"/>
+      </a:effectRef>
+      <a:fontRef idx="minor"/>
+    </dgm:style>
+  </dgm:styleLbl>
+  <dgm:styleLbl name="trBgShp">
+    <dgm:scene3d>
+      <a:camera prst="orthographicFront"/>
+      <a:lightRig rig="threePt" dir="t"/>
+    </dgm:scene3d>
+    <dgm:sp3d/>
+    <dgm:txPr/>
+    <dgm:style>
+      <a:lnRef idx="0">
+        <a:scrgbClr r="0" g="0" b="0"/>
+      </a:lnRef>
+      <a:fillRef idx="1">
+        <a:scrgbClr r="0" g="0" b="0"/>
+      </a:fillRef>
+      <a:effectRef idx="0">
+        <a:scrgbClr r="0" g="0" b="0"/>
+      </a:effectRef>
+      <a:fontRef idx="minor"/>
+    </dgm:style>
+  </dgm:styleLbl>
+  <dgm:styleLbl name="fgShp">
+    <dgm:scene3d>
+      <a:camera prst="orthographicFront"/>
+      <a:lightRig rig="threePt" dir="t"/>
+    </dgm:scene3d>
+    <dgm:sp3d/>
+    <dgm:txPr/>
+    <dgm:style>
+      <a:lnRef idx="0">
+        <a:scrgbClr r="0" g="0" b="0"/>
+      </a:lnRef>
+      <a:fillRef idx="3">
+        <a:scrgbClr r="0" g="0" b="0"/>
+      </a:fillRef>
+      <a:effectRef idx="2">
+        <a:scrgbClr r="0" g="0" b="0"/>
+      </a:effectRef>
+      <a:fontRef idx="minor"/>
+    </dgm:style>
+  </dgm:styleLbl>
+  <dgm:styleLbl name="revTx">
+    <dgm:scene3d>
+      <a:camera prst="orthographicFront"/>
+      <a:lightRig rig="threePt" dir="t"/>
+    </dgm:scene3d>
+    <dgm:sp3d/>
+    <dgm:txPr/>
+    <dgm:style>
+      <a:lnRef idx="0">
+        <a:scrgbClr r="0" g="0" b="0"/>
+      </a:lnRef>
+      <a:fillRef idx="0">
+        <a:scrgbClr r="0" g="0" b="0"/>
+      </a:fillRef>
+      <a:effectRef idx="0">
+        <a:scrgbClr r="0" g="0" b="0"/>
+      </a:effectRef>
+      <a:fontRef idx="minor"/>
+    </dgm:style>
+  </dgm:styleLbl>
+</dgm:styleDef>
+</file>
+
+<file path=ppt/diagrams/quickStyle2.xml><?xml version="1.0" encoding="utf-8"?>
+<dgm:styleDef xmlns:dgm="http://schemas.openxmlformats.org/drawingml/2006/diagram" xmlns:a="http://schemas.openxmlformats.org/drawingml/2006/main" uniqueId="urn:microsoft.com/office/officeart/2005/8/quickstyle/simple2">
+  <dgm:title val=""/>
+  <dgm:desc val=""/>
+  <dgm:catLst>
+    <dgm:cat type="simple" pri="10200"/>
+  </dgm:catLst>
+  <dgm:scene3d>
+    <a:camera prst="orthographicFront"/>
+    <a:lightRig rig="threePt" dir="t"/>
+  </dgm:scene3d>
+  <dgm:styleLbl name="node0">
+    <dgm:scene3d>
+      <a:camera prst="orthographicFront"/>
+      <a:lightRig rig="threePt" dir="t"/>
+    </dgm:scene3d>
+    <dgm:sp3d/>
+    <dgm:txPr/>
+    <dgm:style>
+      <a:lnRef idx="3">
+        <a:scrgbClr r="0" g="0" b="0"/>
+      </a:lnRef>
+      <a:fillRef idx="1">
+        <a:scrgbClr r="0" g="0" b="0"/>
+      </a:fillRef>
+      <a:effectRef idx="1">
+        <a:scrgbClr r="0" g="0" b="0"/>
+      </a:effectRef>
+      <a:fontRef idx="minor">
+        <a:schemeClr val="lt1"/>
+      </a:fontRef>
+    </dgm:style>
+  </dgm:styleLbl>
+  <dgm:styleLbl name="lnNode1">
+    <dgm:scene3d>
+      <a:camera prst="orthographicFront"/>
+      <a:lightRig rig="threePt" dir="t"/>
+    </dgm:scene3d>
+    <dgm:sp3d/>
+    <dgm:txPr/>
+    <dgm:style>
+      <a:lnRef idx="3">
+        <a:scrgbClr r="0" g="0" b="0"/>
+      </a:lnRef>
+      <a:fillRef idx="1">
+        <a:scrgbClr r="0" g="0" b="0"/>
+      </a:fillRef>
+      <a:effectRef idx="1">
+        <a:scrgbClr r="0" g="0" b="0"/>
+      </a:effectRef>
+      <a:fontRef idx="minor">
+        <a:schemeClr val="lt1"/>
+      </a:fontRef>
+    </dgm:style>
+  </dgm:styleLbl>
+  <dgm:styleLbl name="vennNode1">
+    <dgm:scene3d>
+      <a:camera prst="orthographicFront"/>
+      <a:lightRig rig="threePt" dir="t"/>
+    </dgm:scene3d>
+    <dgm:sp3d/>
+    <dgm:txPr/>
+    <dgm:style>
+      <a:lnRef idx="3">
+        <a:scrgbClr r="0" g="0" b="0"/>
+      </a:lnRef>
+      <a:fillRef idx="1">
+        <a:scrgbClr r="0" g="0" b="0"/>
+      </a:fillRef>
+      <a:effectRef idx="0">
+        <a:scrgbClr r="0" g="0" b="0"/>
+      </a:effectRef>
+      <a:fontRef idx="minor">
+        <a:schemeClr val="tx1"/>
+      </a:fontRef>
+    </dgm:style>
+  </dgm:styleLbl>
+  <dgm:styleLbl name="alignNode1">
+    <dgm:scene3d>
+      <a:camera prst="orthographicFront"/>
+      <a:lightRig rig="threePt" dir="t"/>
+    </dgm:scene3d>
+    <dgm:sp3d/>
+    <dgm:txPr/>
+    <dgm:style>
+      <a:lnRef idx="2">
+        <a:scrgbClr r="0" g="0" b="0"/>
+      </a:lnRef>
+      <a:fillRef idx="1">
+        <a:scrgbClr r="0" g="0" b="0"/>
+      </a:fillRef>
+      <a:effectRef idx="1">
+        <a:scrgbClr r="0" g="0" b="0"/>
+      </a:effectRef>
+      <a:fontRef idx="minor">
+        <a:schemeClr val="lt1"/>
+      </a:fontRef>
+    </dgm:style>
+  </dgm:styleLbl>
+  <dgm:styleLbl name="node1">
+    <dgm:scene3d>
+      <a:camera prst="orthographicFront"/>
+      <a:lightRig rig="threePt" dir="t"/>
+    </dgm:scene3d>
+    <dgm:sp3d/>
+    <dgm:txPr/>
+    <dgm:style>
+      <a:lnRef idx="3">
+        <a:scrgbClr r="0" g="0" b="0"/>
+      </a:lnRef>
+      <a:fillRef idx="1">
+        <a:scrgbClr r="0" g="0" b="0"/>
+      </a:fillRef>
+      <a:effectRef idx="1">
+        <a:scrgbClr r="0" g="0" b="0"/>
+      </a:effectRef>
+      <a:fontRef idx="minor">
+        <a:schemeClr val="lt1"/>
+      </a:fontRef>
+    </dgm:style>
+  </dgm:styleLbl>
+  <dgm:styleLbl name="node2">
+    <dgm:scene3d>
+      <a:camera prst="orthographicFront"/>
+      <a:lightRig rig="threePt" dir="t"/>
+    </dgm:scene3d>
+    <dgm:sp3d/>
+    <dgm:txPr/>
+    <dgm:style>
+      <a:lnRef idx="3">
+        <a:scrgbClr r="0" g="0" b="0"/>
+      </a:lnRef>
+      <a:fillRef idx="1">
+        <a:scrgbClr r="0" g="0" b="0"/>
+      </a:fillRef>
+      <a:effectRef idx="1">
+        <a:scrgbClr r="0" g="0" b="0"/>
+      </a:effectRef>
+      <a:fontRef idx="minor">
+        <a:schemeClr val="lt1"/>
+      </a:fontRef>
+    </dgm:style>
+  </dgm:styleLbl>
+  <dgm:styleLbl name="node3">
+    <dgm:scene3d>
+      <a:camera prst="orthographicFront"/>
+      <a:lightRig rig="threePt" dir="t"/>
+    </dgm:scene3d>
+    <dgm:sp3d/>
+    <dgm:txPr/>
+    <dgm:style>
+      <a:lnRef idx="3">
+        <a:scrgbClr r="0" g="0" b="0"/>
+      </a:lnRef>
+      <a:fillRef idx="1">
+        <a:scrgbClr r="0" g="0" b="0"/>
+      </a:fillRef>
+      <a:effectRef idx="1">
+        <a:scrgbClr r="0" g="0" b="0"/>
+      </a:effectRef>
+      <a:fontRef idx="minor">
+        <a:schemeClr val="lt1"/>
+      </a:fontRef>
+    </dgm:style>
+  </dgm:styleLbl>
+  <dgm:styleLbl name="node4">
+    <dgm:scene3d>
+      <a:camera prst="orthographicFront"/>
+      <a:lightRig rig="threePt" dir="t"/>
+    </dgm:scene3d>
+    <dgm:sp3d/>
+    <dgm:txPr/>
+    <dgm:style>
+      <a:lnRef idx="3">
+        <a:scrgbClr r="0" g="0" b="0"/>
+      </a:lnRef>
+      <a:fillRef idx="1">
+        <a:scrgbClr r="0" g="0" b="0"/>
+      </a:fillRef>
+      <a:effectRef idx="1">
+        <a:scrgbClr r="0" g="0" b="0"/>
+      </a:effectRef>
+      <a:fontRef idx="minor">
+        <a:schemeClr val="lt1"/>
+      </a:fontRef>
+    </dgm:style>
+  </dgm:styleLbl>
+  <dgm:styleLbl name="fgImgPlace1">
+    <dgm:scene3d>
+      <a:camera prst="orthographicFront"/>
+      <a:lightRig rig="threePt" dir="t"/>
+    </dgm:scene3d>
+    <dgm:sp3d/>
+    <dgm:txPr/>
+    <dgm:style>
+      <a:lnRef idx="3">
+        <a:scrgbClr r="0" g="0" b="0"/>
+      </a:lnRef>
+      <a:fillRef idx="1">
+        <a:scrgbClr r="0" g="0" b="0"/>
+      </a:fillRef>
+      <a:effectRef idx="1">
+        <a:scrgbClr r="0" g="0" b="0"/>
+      </a:effectRef>
+      <a:fontRef idx="minor"/>
+    </dgm:style>
+  </dgm:styleLbl>
+  <dgm:styleLbl name="alignImgPlace1">
+    <dgm:scene3d>
+      <a:camera prst="orthographicFront"/>
+      <a:lightRig rig="threePt" dir="t"/>
+    </dgm:scene3d>
+    <dgm:sp3d/>
+    <dgm:txPr/>
+    <dgm:style>
+      <a:lnRef idx="3">
+        <a:scrgbClr r="0" g="0" b="0"/>
+      </a:lnRef>
+      <a:fillRef idx="1">
+        <a:scrgbClr r="0" g="0" b="0"/>
+      </a:fillRef>
+      <a:effectRef idx="1">
+        <a:scrgbClr r="0" g="0" b="0"/>
+      </a:effectRef>
+      <a:fontRef idx="minor"/>
+    </dgm:style>
+  </dgm:styleLbl>
+  <dgm:styleLbl name="bgImgPlace1">
+    <dgm:scene3d>
+      <a:camera prst="orthographicFront"/>
+      <a:lightRig rig="threePt" dir="t"/>
+    </dgm:scene3d>
+    <dgm:sp3d/>
+    <dgm:txPr/>
+    <dgm:style>
+      <a:lnRef idx="3">
+        <a:scrgbClr r="0" g="0" b="0"/>
+      </a:lnRef>
+      <a:fillRef idx="1">
+        <a:scrgbClr r="0" g="0" b="0"/>
+      </a:fillRef>
+      <a:effectRef idx="1">
+        <a:scrgbClr r="0" g="0" b="0"/>
+      </a:effectRef>
+      <a:fontRef idx="minor"/>
+    </dgm:style>
+  </dgm:styleLbl>
+  <dgm:styleLbl name="sibTrans2D1">
+    <dgm:scene3d>
+      <a:camera prst="orthographicFront"/>
+      <a:lightRig rig="threePt" dir="t"/>
+    </dgm:scene3d>
+    <dgm:sp3d/>
+    <dgm:txPr/>
+    <dgm:style>
+      <a:lnRef idx="0">
+        <a:scrgbClr r="0" g="0" b="0"/>
+      </a:lnRef>
+      <a:fillRef idx="1">
+        <a:scrgbClr r="0" g="0" b="0"/>
+      </a:fillRef>
+      <a:effectRef idx="1">
+        <a:scrgbClr r="0" g="0" b="0"/>
+      </a:effectRef>
+      <a:fontRef idx="minor">
+        <a:schemeClr val="lt1"/>
+      </a:fontRef>
+    </dgm:style>
+  </dgm:styleLbl>
+  <dgm:styleLbl name="fgSibTrans2D1">
+    <dgm:scene3d>
+      <a:camera prst="orthographicFront"/>
+      <a:lightRig rig="threePt" dir="t"/>
+    </dgm:scene3d>
+    <dgm:sp3d/>
+    <dgm:txPr/>
+    <dgm:style>
+      <a:lnRef idx="0">
+        <a:scrgbClr r="0" g="0" b="0"/>
+      </a:lnRef>
+      <a:fillRef idx="1">
+        <a:scrgbClr r="0" g="0" b="0"/>
+      </a:fillRef>
+      <a:effectRef idx="1">
+        <a:scrgbClr r="0" g="0" b="0"/>
+      </a:effectRef>
+      <a:fontRef idx="minor">
+        <a:schemeClr val="lt1"/>
+      </a:fontRef>
+    </dgm:style>
+  </dgm:styleLbl>
+  <dgm:styleLbl name="bgSibTrans2D1">
+    <dgm:scene3d>
+      <a:camera prst="orthographicFront"/>
+      <a:lightRig rig="threePt" dir="t"/>
+    </dgm:scene3d>
+    <dgm:sp3d/>
+    <dgm:txPr/>
+    <dgm:style>
+      <a:lnRef idx="0">
+        <a:scrgbClr r="0" g="0" b="0"/>
+      </a:lnRef>
+      <a:fillRef idx="1">
+        <a:scrgbClr r="0" g="0" b="0"/>
+      </a:fillRef>
+      <a:effectRef idx="1">
+        <a:scrgbClr r="0" g="0" b="0"/>
+      </a:effectRef>
+      <a:fontRef idx="minor">
+        <a:schemeClr val="lt1"/>
+      </a:fontRef>
+    </dgm:style>
+  </dgm:styleLbl>
+  <dgm:styleLbl name="sibTrans1D1">
+    <dgm:scene3d>
+      <a:camera prst="orthographicFront"/>
+      <a:lightRig rig="threePt" dir="t"/>
+    </dgm:scene3d>
+    <dgm:sp3d/>
+    <dgm:txPr/>
+    <dgm:style>
+      <a:lnRef idx="1">
+        <a:scrgbClr r="0" g="0" b="0"/>
+      </a:lnRef>
+      <a:fillRef idx="0">
+        <a:scrgbClr r="0" g="0" b="0"/>
+      </a:fillRef>
+      <a:effectRef idx="0">
+        <a:scrgbClr r="0" g="0" b="0"/>
+      </a:effectRef>
+      <a:fontRef idx="minor"/>
+    </dgm:style>
+  </dgm:styleLbl>
+  <dgm:styleLbl name="callout">
+    <dgm:scene3d>
+      <a:camera prst="orthographicFront"/>
+      <a:lightRig rig="threePt" dir="t"/>
+    </dgm:scene3d>
+    <dgm:sp3d/>
+    <dgm:txPr/>
+    <dgm:style>
+      <a:lnRef idx="2">
+        <a:scrgbClr r="0" g="0" b="0"/>
+      </a:lnRef>
+      <a:fillRef idx="1">
+        <a:scrgbClr r="0" g="0" b="0"/>
+      </a:fillRef>
+      <a:effectRef idx="1">
+        <a:scrgbClr r="0" g="0" b="0"/>
+      </a:effectRef>
+      <a:fontRef idx="minor"/>
+    </dgm:style>
+  </dgm:styleLbl>
+  <dgm:styleLbl name="asst0">
+    <dgm:scene3d>
+      <a:camera prst="orthographicFront"/>
+      <a:lightRig rig="threePt" dir="t"/>
+    </dgm:scene3d>
+    <dgm:sp3d/>
+    <dgm:txPr/>
+    <dgm:style>
+      <a:lnRef idx="3">
+        <a:scrgbClr r="0" g="0" b="0"/>
+      </a:lnRef>
+      <a:fillRef idx="1">
+        <a:scrgbClr r="0" g="0" b="0"/>
+      </a:fillRef>
+      <a:effectRef idx="1">
+        <a:scrgbClr r="0" g="0" b="0"/>
+      </a:effectRef>
+      <a:fontRef idx="minor">
+        <a:schemeClr val="lt1"/>
+      </a:fontRef>
+    </dgm:style>
+  </dgm:styleLbl>
+  <dgm:styleLbl name="asst1">
+    <dgm:scene3d>
+      <a:camera prst="orthographicFront"/>
+      <a:lightRig rig="threePt" dir="t"/>
+    </dgm:scene3d>
+    <dgm:sp3d/>
+    <dgm:txPr/>
+    <dgm:style>
+      <a:lnRef idx="3">
+        <a:scrgbClr r="0" g="0" b="0"/>
+      </a:lnRef>
+      <a:fillRef idx="1">
+        <a:scrgbClr r="0" g="0" b="0"/>
+      </a:fillRef>
+      <a:effectRef idx="1">
+        <a:scrgbClr r="0" g="0" b="0"/>
+      </a:effectRef>
+      <a:fontRef idx="minor">
+        <a:schemeClr val="lt1"/>
+      </a:fontRef>
+    </dgm:style>
+  </dgm:styleLbl>
+  <dgm:styleLbl name="asst2">
+    <dgm:scene3d>
+      <a:camera prst="orthographicFront"/>
+      <a:lightRig rig="threePt" dir="t"/>
+    </dgm:scene3d>
+    <dgm:sp3d/>
+    <dgm:txPr/>
+    <dgm:style>
+      <a:lnRef idx="3">
+        <a:scrgbClr r="0" g="0" b="0"/>
+      </a:lnRef>
+      <a:fillRef idx="1">
+        <a:scrgbClr r="0" g="0" b="0"/>
+      </a:fillRef>
+      <a:effectRef idx="1">
+        <a:scrgbClr r="0" g="0" b="0"/>
+      </a:effectRef>
+      <a:fontRef idx="minor">
+        <a:schemeClr val="lt1"/>
+      </a:fontRef>
+    </dgm:style>
+  </dgm:styleLbl>
+  <dgm:styleLbl name="asst3">
+    <dgm:scene3d>
+      <a:camera prst="orthographicFront"/>
+      <a:lightRig rig="threePt" dir="t"/>
+    </dgm:scene3d>
+    <dgm:sp3d/>
+    <dgm:txPr/>
+    <dgm:style>
+      <a:lnRef idx="3">
+        <a:scrgbClr r="0" g="0" b="0"/>
+      </a:lnRef>
+      <a:fillRef idx="1">
+        <a:scrgbClr r="0" g="0" b="0"/>
+      </a:fillRef>
+      <a:effectRef idx="1">
+        <a:scrgbClr r="0" g="0" b="0"/>
+      </a:effectRef>
+      <a:fontRef idx="minor">
+        <a:schemeClr val="lt1"/>
+      </a:fontRef>
+    </dgm:style>
+  </dgm:styleLbl>
+  <dgm:styleLbl name="asst4">
+    <dgm:scene3d>
+      <a:camera prst="orthographicFront"/>
+      <a:lightRig rig="threePt" dir="t"/>
+    </dgm:scene3d>
+    <dgm:sp3d/>
+    <dgm:txPr/>
+    <dgm:style>
+      <a:lnRef idx="3">
+        <a:scrgbClr r="0" g="0" b="0"/>
+      </a:lnRef>
+      <a:fillRef idx="1">
+        <a:scrgbClr r="0" g="0" b="0"/>
+      </a:fillRef>
+      <a:effectRef idx="1">
+        <a:scrgbClr r="0" g="0" b="0"/>
+      </a:effectRef>
+      <a:fontRef idx="minor">
+        <a:schemeClr val="lt1"/>
+      </a:fontRef>
+    </dgm:style>
+  </dgm:styleLbl>
+  <dgm:styleLbl name="parChTrans2D1">
+    <dgm:scene3d>
+      <a:camera prst="orthographicFront"/>
+      <a:lightRig rig="threePt" dir="t"/>
+    </dgm:scene3d>
+    <dgm:sp3d/>
+    <dgm:txPr/>
+    <dgm:style>
+      <a:lnRef idx="3">
+        <a:scrgbClr r="0" g="0" b="0"/>
+      </a:lnRef>
+      <a:fillRef idx="1">
+        <a:scrgbClr r="0" g="0" b="0"/>
+      </a:fillRef>
+      <a:effectRef idx="1">
+        <a:scrgbClr r="0" g="0" b="0"/>
+      </a:effectRef>
+      <a:fontRef idx="minor">
+        <a:schemeClr val="lt1"/>
+      </a:fontRef>
+    </dgm:style>
+  </dgm:styleLbl>
+  <dgm:styleLbl name="parChTrans2D2">
+    <dgm:scene3d>
+      <a:camera prst="orthographicFront"/>
+      <a:lightRig rig="threePt" dir="t"/>
+    </dgm:scene3d>
+    <dgm:sp3d/>
+    <dgm:txPr/>
+    <dgm:style>
+      <a:lnRef idx="3">
+        <a:scrgbClr r="0" g="0" b="0"/>
+      </a:lnRef>
+      <a:fillRef idx="1">
+        <a:scrgbClr r="0" g="0" b="0"/>
+      </a:fillRef>
+      <a:effectRef idx="1">
+        <a:scrgbClr r="0" g="0" b="0"/>
+      </a:effectRef>
+      <a:fontRef idx="minor">
+        <a:schemeClr val="lt1"/>
+      </a:fontRef>
+    </dgm:style>
+  </dgm:styleLbl>
+  <dgm:styleLbl name="parChTrans2D3">
+    <dgm:scene3d>
+      <a:camera prst="orthographicFront"/>
+      <a:lightRig rig="threePt" dir="t"/>
+    </dgm:scene3d>
+    <dgm:sp3d/>
+    <dgm:txPr/>
+    <dgm:style>
+      <a:lnRef idx="3">
+        <a:scrgbClr r="0" g="0" b="0"/>
+      </a:lnRef>
+      <a:fillRef idx="1">
+        <a:scrgbClr r="0" g="0" b="0"/>
+      </a:fillRef>
+      <a:effectRef idx="1">
+        <a:scrgbClr r="0" g="0" b="0"/>
+      </a:effectRef>
+      <a:fontRef idx="minor">
+        <a:schemeClr val="lt1"/>
+      </a:fontRef>
+    </dgm:style>
+  </dgm:styleLbl>
+  <dgm:styleLbl name="parChTrans2D4">
+    <dgm:scene3d>
+      <a:camera prst="orthographicFront"/>
+      <a:lightRig rig="threePt" dir="t"/>
+    </dgm:scene3d>
+    <dgm:sp3d/>
+    <dgm:txPr/>
+    <dgm:style>
+      <a:lnRef idx="3">
+        <a:scrgbClr r="0" g="0" b="0"/>
+      </a:lnRef>
+      <a:fillRef idx="1">
+        <a:scrgbClr r="0" g="0" b="0"/>
+      </a:fillRef>
+      <a:effectRef idx="1">
+        <a:scrgbClr r="0" g="0" b="0"/>
+      </a:effectRef>
+      <a:fontRef idx="minor">
+        <a:schemeClr val="lt1"/>
+      </a:fontRef>
+    </dgm:style>
+  </dgm:styleLbl>
+  <dgm:styleLbl name="parChTrans1D1">
+    <dgm:scene3d>
+      <a:camera prst="orthographicFront"/>
+      <a:lightRig rig="threePt" dir="t"/>
+    </dgm:scene3d>
+    <dgm:sp3d/>
+    <dgm:txPr/>
+    <dgm:style>
+      <a:lnRef idx="2">
+        <a:scrgbClr r="0" g="0" b="0"/>
+      </a:lnRef>
+      <a:fillRef idx="0">
+        <a:scrgbClr r="0" g="0" b="0"/>
+      </a:fillRef>
+      <a:effectRef idx="0">
+        <a:scrgbClr r="0" g="0" b="0"/>
+      </a:effectRef>
+      <a:fontRef idx="minor"/>
+    </dgm:style>
+  </dgm:styleLbl>
+  <dgm:styleLbl name="parChTrans1D2">
+    <dgm:scene3d>
+      <a:camera prst="orthographicFront"/>
+      <a:lightRig rig="threePt" dir="t"/>
+    </dgm:scene3d>
+    <dgm:sp3d/>
+    <dgm:txPr/>
+    <dgm:style>
+      <a:lnRef idx="2">
+        <a:scrgbClr r="0" g="0" b="0"/>
+      </a:lnRef>
+      <a:fillRef idx="0">
+        <a:scrgbClr r="0" g="0" b="0"/>
+      </a:fillRef>
+      <a:effectRef idx="0">
+        <a:scrgbClr r="0" g="0" b="0"/>
+      </a:effectRef>
+      <a:fontRef idx="minor"/>
+    </dgm:style>
+  </dgm:styleLbl>
+  <dgm:styleLbl name="parChTrans1D3">
+    <dgm:scene3d>
+      <a:camera prst="orthographicFront"/>
+      <a:lightRig rig="threePt" dir="t"/>
+    </dgm:scene3d>
+    <dgm:sp3d/>
+    <dgm:txPr/>
+    <dgm:style>
+      <a:lnRef idx="2">
+        <a:scrgbClr r="0" g="0" b="0"/>
+      </a:lnRef>
+      <a:fillRef idx="0">
+        <a:scrgbClr r="0" g="0" b="0"/>
+      </a:fillRef>
+      <a:effectRef idx="0">
+        <a:scrgbClr r="0" g="0" b="0"/>
+      </a:effectRef>
+      <a:fontRef idx="minor"/>
+    </dgm:style>
+  </dgm:styleLbl>
+  <dgm:styleLbl name="parChTrans1D4">
+    <dgm:scene3d>
+      <a:camera prst="orthographicFront"/>
+      <a:lightRig rig="threePt" dir="t"/>
+    </dgm:scene3d>
+    <dgm:sp3d/>
+    <dgm:txPr/>
+    <dgm:style>
+      <a:lnRef idx="2">
+        <a:scrgbClr r="0" g="0" b="0"/>
+      </a:lnRef>
+      <a:fillRef idx="0">
+        <a:scrgbClr r="0" g="0" b="0"/>
+      </a:fillRef>
+      <a:effectRef idx="0">
+        <a:scrgbClr r="0" g="0" b="0"/>
+      </a:effectRef>
+      <a:fontRef idx="minor"/>
+    </dgm:style>
+  </dgm:styleLbl>
+  <dgm:styleLbl name="fgAcc1">
+    <dgm:scene3d>
+      <a:camera prst="orthographicFront"/>
+      <a:lightRig rig="threePt" dir="t"/>
+    </dgm:scene3d>
+    <dgm:sp3d/>
+    <dgm:txPr/>
+    <dgm:style>
+      <a:lnRef idx="2">
+        <a:scrgbClr r="0" g="0" b="0"/>
+      </a:lnRef>
+      <a:fillRef idx="1">
+        <a:scrgbClr r="0" g="0" b="0"/>
+      </a:fillRef>
+      <a:effectRef idx="0">
+        <a:scrgbClr r="0" g="0" b="0"/>
+      </a:effectRef>
+      <a:fontRef idx="minor"/>
+    </dgm:style>
+  </dgm:styleLbl>
+  <dgm:styleLbl name="conFgAcc1">
+    <dgm:scene3d>
+      <a:camera prst="orthographicFront"/>
+      <a:lightRig rig="threePt" dir="t"/>
+    </dgm:scene3d>
+    <dgm:sp3d/>
+    <dgm:txPr/>
+    <dgm:style>
+      <a:lnRef idx="2">
+        <a:scrgbClr r="0" g="0" b="0"/>
+      </a:lnRef>
+      <a:fillRef idx="1">
+        <a:scrgbClr r="0" g="0" b="0"/>
+      </a:fillRef>
+      <a:effectRef idx="0">
+        <a:scrgbClr r="0" g="0" b="0"/>
+      </a:effectRef>
+      <a:fontRef idx="minor"/>
+    </dgm:style>
+  </dgm:styleLbl>
+  <dgm:styleLbl name="alignAcc1">
+    <dgm:scene3d>
+      <a:camera prst="orthographicFront"/>
+      <a:lightRig rig="threePt" dir="t"/>
+    </dgm:scene3d>
+    <dgm:sp3d/>
+    <dgm:txPr/>
+    <dgm:style>
+      <a:lnRef idx="2">
+        <a:scrgbClr r="0" g="0" b="0"/>
+      </a:lnRef>
+      <a:fillRef idx="1">
+        <a:scrgbClr r="0" g="0" b="0"/>
+      </a:fillRef>
+      <a:effectRef idx="0">
+        <a:scrgbClr r="0" g="0" b="0"/>
+      </a:effectRef>
+      <a:fontRef idx="minor"/>
+    </dgm:style>
+  </dgm:styleLbl>
+  <dgm:styleLbl name="trAlignAcc1">
+    <dgm:scene3d>
+      <a:camera prst="orthographicFront"/>
+      <a:lightRig rig="threePt" dir="t"/>
+    </dgm:scene3d>
+    <dgm:sp3d/>
+    <dgm:txPr/>
+    <dgm:style>
+      <a:lnRef idx="1">
+        <a:scrgbClr r="0" g="0" b="0"/>
+      </a:lnRef>
+      <a:fillRef idx="1">
+        <a:scrgbClr r="0" g="0" b="0"/>
+      </a:fillRef>
+      <a:effectRef idx="0">
+        <a:scrgbClr r="0" g="0" b="0"/>
+      </a:effectRef>
+      <a:fontRef idx="minor"/>
+    </dgm:style>
+  </dgm:styleLbl>
+  <dgm:styleLbl name="bgAcc1">
+    <dgm:scene3d>
+      <a:camera prst="orthographicFront"/>
+      <a:lightRig rig="threePt" dir="t"/>
+    </dgm:scene3d>
+    <dgm:sp3d/>
+    <dgm:txPr/>
+    <dgm:style>
+      <a:lnRef idx="2">
+        <a:scrgbClr r="0" g="0" b="0"/>
+      </a:lnRef>
+      <a:fillRef idx="1">
+        <a:scrgbClr r="0" g="0" b="0"/>
+      </a:fillRef>
+      <a:effectRef idx="0">
+        <a:scrgbClr r="0" g="0" b="0"/>
+      </a:effectRef>
+      <a:fontRef idx="minor"/>
+    </dgm:style>
+  </dgm:styleLbl>
+  <dgm:styleLbl name="solidFgAcc1">
+    <dgm:scene3d>
+      <a:camera prst="orthographicFront"/>
+      <a:lightRig rig="threePt" dir="t"/>
+    </dgm:scene3d>
+    <dgm:sp3d/>
+    <dgm:txPr/>
+    <dgm:style>
+      <a:lnRef idx="2">
+        <a:scrgbClr r="0" g="0" b="0"/>
+      </a:lnRef>
+      <a:fillRef idx="1">
+        <a:scrgbClr r="0" g="0" b="0"/>
+      </a:fillRef>
+      <a:effectRef idx="0">
+        <a:scrgbClr r="0" g="0" b="0"/>
+      </a:effectRef>
+      <a:fontRef idx="minor"/>
+    </dgm:style>
+  </dgm:styleLbl>
+  <dgm:styleLbl name="solidAlignAcc1">
+    <dgm:scene3d>
+      <a:camera prst="orthographicFront"/>
+      <a:lightRig rig="threePt" dir="t"/>
+    </dgm:scene3d>
+    <dgm:sp3d/>
+    <dgm:txPr/>
+    <dgm:style>
+      <a:lnRef idx="2">
+        <a:scrgbClr r="0" g="0" b="0"/>
+      </a:lnRef>
+      <a:fillRef idx="1">
+        <a:scrgbClr r="0" g="0" b="0"/>
+      </a:fillRef>
+      <a:effectRef idx="0">
+        <a:scrgbClr r="0" g="0" b="0"/>
+      </a:effectRef>
+      <a:fontRef idx="minor"/>
+    </dgm:style>
+  </dgm:styleLbl>
+  <dgm:styleLbl name="solidBgAcc1">
+    <dgm:scene3d>
+      <a:camera prst="orthographicFront"/>
+      <a:lightRig rig="threePt" dir="t"/>
+    </dgm:scene3d>
+    <dgm:sp3d/>
+    <dgm:txPr/>
+    <dgm:style>
+      <a:lnRef idx="2">
+        <a:scrgbClr r="0" g="0" b="0"/>
+      </a:lnRef>
+      <a:fillRef idx="1">
+        <a:scrgbClr r="0" g="0" b="0"/>
+      </a:fillRef>
+      <a:effectRef idx="0">
+        <a:scrgbClr r="0" g="0" b="0"/>
+      </a:effectRef>
+      <a:fontRef idx="minor"/>
+    </dgm:style>
+  </dgm:styleLbl>
+  <dgm:styleLbl name="fgAccFollowNode1">
+    <dgm:scene3d>
+      <a:camera prst="orthographicFront"/>
+      <a:lightRig rig="threePt" dir="t"/>
+    </dgm:scene3d>
+    <dgm:sp3d/>
+    <dgm:txPr/>
+    <dgm:style>
+      <a:lnRef idx="2">
+        <a:scrgbClr r="0" g="0" b="0"/>
+      </a:lnRef>
+      <a:fillRef idx="1">
+        <a:scrgbClr r="0" g="0" b="0"/>
+      </a:fillRef>
+      <a:effectRef idx="0">
+        <a:scrgbClr r="0" g="0" b="0"/>
+      </a:effectRef>
+      <a:fontRef idx="minor"/>
+    </dgm:style>
+  </dgm:styleLbl>
+  <dgm:styleLbl name="alignAccFollowNode1">
+    <dgm:scene3d>
+      <a:camera prst="orthographicFront"/>
+      <a:lightRig rig="threePt" dir="t"/>
+    </dgm:scene3d>
+    <dgm:sp3d/>
+    <dgm:txPr/>
+    <dgm:style>
+      <a:lnRef idx="2">
+        <a:scrgbClr r="0" g="0" b="0"/>
+      </a:lnRef>
+      <a:fillRef idx="1">
+        <a:scrgbClr r="0" g="0" b="0"/>
+      </a:fillRef>
+      <a:effectRef idx="0">
+        <a:scrgbClr r="0" g="0" b="0"/>
+      </a:effectRef>
+      <a:fontRef idx="minor"/>
+    </dgm:style>
+  </dgm:styleLbl>
+  <dgm:styleLbl name="bgAccFollowNode1">
+    <dgm:scene3d>
+      <a:camera prst="orthographicFront"/>
+      <a:lightRig rig="threePt" dir="t"/>
+    </dgm:scene3d>
+    <dgm:sp3d/>
+    <dgm:txPr/>
+    <dgm:style>
+      <a:lnRef idx="2">
+        <a:scrgbClr r="0" g="0" b="0"/>
+      </a:lnRef>
+      <a:fillRef idx="1">
+        <a:scrgbClr r="0" g="0" b="0"/>
+      </a:fillRef>
+      <a:effectRef idx="0">
+        <a:scrgbClr r="0" g="0" b="0"/>
+      </a:effectRef>
+      <a:fontRef idx="minor"/>
+    </dgm:style>
+  </dgm:styleLbl>
+  <dgm:styleLbl name="fgAcc0">
+    <dgm:scene3d>
+      <a:camera prst="orthographicFront"/>
+      <a:lightRig rig="threePt" dir="t"/>
+    </dgm:scene3d>
+    <dgm:sp3d/>
+    <dgm:txPr/>
+    <dgm:style>
+      <a:lnRef idx="2">
+        <a:scrgbClr r="0" g="0" b="0"/>
+      </a:lnRef>
+      <a:fillRef idx="1">
+        <a:scrgbClr r="0" g="0" b="0"/>
+      </a:fillRef>
+      <a:effectRef idx="0">
+        <a:scrgbClr r="0" g="0" b="0"/>
+      </a:effectRef>
+      <a:fontRef idx="minor"/>
+    </dgm:style>
+  </dgm:styleLbl>
+  <dgm:styleLbl name="fgAcc2">
+    <dgm:scene3d>
+      <a:camera prst="orthographicFront"/>
+      <a:lightRig rig="threePt" dir="t"/>
+    </dgm:scene3d>
+    <dgm:sp3d/>
+    <dgm:txPr/>
+    <dgm:style>
+      <a:lnRef idx="2">
+        <a:scrgbClr r="0" g="0" b="0"/>
+      </a:lnRef>
+      <a:fillRef idx="1">
+        <a:scrgbClr r="0" g="0" b="0"/>
+      </a:fillRef>
+      <a:effectRef idx="0">
+        <a:scrgbClr r="0" g="0" b="0"/>
+      </a:effectRef>
+      <a:fontRef idx="minor"/>
+    </dgm:style>
+  </dgm:styleLbl>
+  <dgm:styleLbl name="fgAcc3">
+    <dgm:scene3d>
+      <a:camera prst="orthographicFront"/>
+      <a:lightRig rig="threePt" dir="t"/>
+    </dgm:scene3d>
+    <dgm:sp3d/>
+    <dgm:txPr/>
+    <dgm:style>
+      <a:lnRef idx="2">
+        <a:scrgbClr r="0" g="0" b="0"/>
+      </a:lnRef>
+      <a:fillRef idx="1">
+        <a:scrgbClr r="0" g="0" b="0"/>
+      </a:fillRef>
+      <a:effectRef idx="0">
+        <a:scrgbClr r="0" g="0" b="0"/>
+      </a:effectRef>
+      <a:fontRef idx="minor"/>
+    </dgm:style>
+  </dgm:styleLbl>
+  <dgm:styleLbl name="fgAcc4">
+    <dgm:scene3d>
+      <a:camera prst="orthographicFront"/>
+      <a:lightRig rig="threePt" dir="t"/>
+    </dgm:scene3d>
+    <dgm:sp3d/>
+    <dgm:txPr/>
+    <dgm:style>
+      <a:lnRef idx="2">
+        <a:scrgbClr r="0" g="0" b="0"/>
+      </a:lnRef>
+      <a:fillRef idx="1">
+        <a:scrgbClr r="0" g="0" b="0"/>
+      </a:fillRef>
+      <a:effectRef idx="0">
+        <a:scrgbClr r="0" g="0" b="0"/>
+      </a:effectRef>
+      <a:fontRef idx="minor"/>
+    </dgm:style>
+  </dgm:styleLbl>
+  <dgm:styleLbl name="bgShp">
+    <dgm:scene3d>
+      <a:camera prst="orthographicFront"/>
+      <a:lightRig rig="threePt" dir="t"/>
+    </dgm:scene3d>
+    <dgm:sp3d/>
+    <dgm:txPr/>
+    <dgm:style>
+      <a:lnRef idx="0">
+        <a:scrgbClr r="0" g="0" b="0"/>
+      </a:lnRef>
+      <a:fillRef idx="1">
+        <a:scrgbClr r="0" g="0" b="0"/>
+      </a:fillRef>
+      <a:effectRef idx="0">
+        <a:scrgbClr r="0" g="0" b="0"/>
+      </a:effectRef>
+      <a:fontRef idx="minor"/>
+    </dgm:style>
+  </dgm:styleLbl>
+  <dgm:styleLbl name="dkBgShp">
+    <dgm:scene3d>
+      <a:camera prst="orthographicFront"/>
+      <a:lightRig rig="threePt" dir="t"/>
+    </dgm:scene3d>
+    <dgm:sp3d/>
+    <dgm:txPr/>
+    <dgm:style>
+      <a:lnRef idx="0">
+        <a:scrgbClr r="0" g="0" b="0"/>
+      </a:lnRef>
+      <a:fillRef idx="1">
+        <a:scrgbClr r="0" g="0" b="0"/>
+      </a:fillRef>
+      <a:effectRef idx="0">
+        <a:scrgbClr r="0" g="0" b="0"/>
+      </a:effectRef>
+      <a:fontRef idx="minor"/>
+    </dgm:style>
+  </dgm:styleLbl>
+  <dgm:styleLbl name="trBgShp">
+    <dgm:scene3d>
+      <a:camera prst="orthographicFront"/>
+      <a:lightRig rig="threePt" dir="t"/>
+    </dgm:scene3d>
+    <dgm:sp3d/>
+    <dgm:txPr/>
+    <dgm:style>
+      <a:lnRef idx="0">
+        <a:scrgbClr r="0" g="0" b="0"/>
+      </a:lnRef>
+      <a:fillRef idx="1">
+        <a:scrgbClr r="0" g="0" b="0"/>
+      </a:fillRef>
+      <a:effectRef idx="0">
+        <a:scrgbClr r="0" g="0" b="0"/>
+      </a:effectRef>
+      <a:fontRef idx="minor"/>
+    </dgm:style>
+  </dgm:styleLbl>
+  <dgm:styleLbl name="fgShp">
+    <dgm:scene3d>
+      <a:camera prst="orthographicFront"/>
+      <a:lightRig rig="threePt" dir="t"/>
+    </dgm:scene3d>
+    <dgm:sp3d/>
+    <dgm:txPr/>
+    <dgm:style>
+      <a:lnRef idx="3">
+        <a:scrgbClr r="0" g="0" b="0"/>
+      </a:lnRef>
+      <a:fillRef idx="1">
+        <a:scrgbClr r="0" g="0" b="0"/>
+      </a:fillRef>
+      <a:effectRef idx="1">
+        <a:scrgbClr r="0" g="0" b="0"/>
+      </a:effectRef>
+      <a:fontRef idx="minor"/>
+    </dgm:style>
+  </dgm:styleLbl>
+  <dgm:styleLbl name="revTx">
+    <dgm:scene3d>
+      <a:camera prst="orthographicFront"/>
+      <a:lightRig rig="threePt" dir="t"/>
+    </dgm:scene3d>
+    <dgm:sp3d/>
+    <dgm:txPr/>
+    <dgm:style>
+      <a:lnRef idx="0">
+        <a:scrgbClr r="0" g="0" b="0"/>
+      </a:lnRef>
+      <a:fillRef idx="0">
+        <a:scrgbClr r="0" g="0" b="0"/>
+      </a:fillRef>
+      <a:effectRef idx="0">
+        <a:scrgbClr r="0" g="0" b="0"/>
+      </a:effectRef>
+      <a:fontRef idx="minor"/>
+    </dgm:style>
+  </dgm:styleLbl>
+</dgm:styleDef>
 </file>
 
 <file path=ppt/slideLayouts/slideLayout1.xml><?xml version="1.0" encoding="utf-8"?>
@@ -6375,7 +12814,7 @@
           <a:p>
             <a:fld id="{FA1E3ED8-1BB4-4BD2-AB23-359644E070C2}" type="datetimeFigureOut">
               <a:rPr lang="zh-TW" altLang="en-US" smtClean="0"/>
-              <a:t>2020/6/11</a:t>
+              <a:t>2020/6/12</a:t>
             </a:fld>
             <a:endParaRPr lang="zh-TW" altLang="en-US"/>
           </a:p>
@@ -11558,10 +17997,10 @@
       </p:grpSpPr>
       <p:sp>
         <p:nvSpPr>
-          <p:cNvPr id="4" name="文字版面配置區 3">
+          <p:cNvPr id="3" name="標題 2">
             <a:extLst>
               <a:ext uri="{FF2B5EF4-FFF2-40B4-BE49-F238E27FC236}">
-                <a16:creationId xmlns:a16="http://schemas.microsoft.com/office/drawing/2014/main" id="{2FA54F75-D405-4104-B6BB-EA44A23A109A}"/>
+                <a16:creationId xmlns:a16="http://schemas.microsoft.com/office/drawing/2014/main" id="{028DAB8E-F242-4BC2-88B2-5B867F09EE3B}"/>
               </a:ext>
             </a:extLst>
           </p:cNvPr>
@@ -11569,7 +18008,7 @@
             <a:spLocks noGrp="1"/>
           </p:cNvSpPr>
           <p:nvPr>
-            <p:ph type="body" sz="quarter" idx="10"/>
+            <p:ph type="title"/>
           </p:nvPr>
         </p:nvSpPr>
         <p:spPr/>
@@ -11578,41 +18017,50 @@
           <a:lstStyle/>
           <a:p>
             <a:r>
+              <a:rPr lang="en-US" altLang="zh-TW" dirty="0" err="1"/>
+              <a:t>IronPython</a:t>
+            </a:r>
+            <a:r>
               <a:rPr lang="zh-TW" altLang="en-US" dirty="0"/>
-              <a:t>概念解說</a:t>
+              <a:t>啟動存檔瀏覽對話框</a:t>
             </a:r>
           </a:p>
         </p:txBody>
       </p:sp>
-      <p:sp>
-        <p:nvSpPr>
-          <p:cNvPr id="5" name="文字版面配置區 4">
+      <p:pic>
+        <p:nvPicPr>
+          <p:cNvPr id="8" name="圖片 7">
             <a:extLst>
               <a:ext uri="{FF2B5EF4-FFF2-40B4-BE49-F238E27FC236}">
-                <a16:creationId xmlns:a16="http://schemas.microsoft.com/office/drawing/2014/main" id="{CEE2A55E-C73D-43FF-AA36-95C0FF95B7B1}"/>
+                <a16:creationId xmlns:a16="http://schemas.microsoft.com/office/drawing/2014/main" id="{314DF281-8C2B-4AEA-B283-4DB8A67B0EE5}"/>
               </a:ext>
             </a:extLst>
           </p:cNvPr>
-          <p:cNvSpPr>
-            <a:spLocks noGrp="1"/>
-          </p:cNvSpPr>
-          <p:nvPr>
-            <p:ph type="body" sz="quarter" idx="12"/>
-          </p:nvPr>
-        </p:nvSpPr>
-        <p:spPr/>
-        <p:txBody>
-          <a:bodyPr/>
-          <a:lstStyle/>
-          <a:p>
-            <a:endParaRPr lang="zh-TW" altLang="en-US"/>
-          </a:p>
-        </p:txBody>
-      </p:sp>
+          <p:cNvPicPr>
+            <a:picLocks noChangeAspect="1"/>
+          </p:cNvPicPr>
+          <p:nvPr/>
+        </p:nvPicPr>
+        <p:blipFill>
+          <a:blip r:embed="rId2"/>
+          <a:stretch>
+            <a:fillRect/>
+          </a:stretch>
+        </p:blipFill>
+        <p:spPr>
+          <a:xfrm>
+            <a:off x="1150684" y="1558740"/>
+            <a:ext cx="9890632" cy="3740520"/>
+          </a:xfrm>
+          <a:prstGeom prst="rect">
+            <a:avLst/>
+          </a:prstGeom>
+        </p:spPr>
+      </p:pic>
     </p:spTree>
     <p:extLst>
       <p:ext uri="{BB962C8B-B14F-4D97-AF65-F5344CB8AC3E}">
-        <p14:creationId xmlns:p14="http://schemas.microsoft.com/office/powerpoint/2010/main" val="2484227852"/>
+        <p14:creationId xmlns:p14="http://schemas.microsoft.com/office/powerpoint/2010/main" val="3146720728"/>
       </p:ext>
     </p:extLst>
   </p:cSld>
@@ -11653,6 +18101,101 @@
       </p:grpSpPr>
       <p:sp>
         <p:nvSpPr>
+          <p:cNvPr id="4" name="文字版面配置區 3">
+            <a:extLst>
+              <a:ext uri="{FF2B5EF4-FFF2-40B4-BE49-F238E27FC236}">
+                <a16:creationId xmlns:a16="http://schemas.microsoft.com/office/drawing/2014/main" id="{2FA54F75-D405-4104-B6BB-EA44A23A109A}"/>
+              </a:ext>
+            </a:extLst>
+          </p:cNvPr>
+          <p:cNvSpPr>
+            <a:spLocks noGrp="1"/>
+          </p:cNvSpPr>
+          <p:nvPr>
+            <p:ph type="body" sz="quarter" idx="10"/>
+          </p:nvPr>
+        </p:nvSpPr>
+        <p:spPr/>
+        <p:txBody>
+          <a:bodyPr/>
+          <a:lstStyle/>
+          <a:p>
+            <a:r>
+              <a:rPr lang="zh-TW" altLang="en-US" dirty="0"/>
+              <a:t>概念解說</a:t>
+            </a:r>
+          </a:p>
+        </p:txBody>
+      </p:sp>
+      <p:sp>
+        <p:nvSpPr>
+          <p:cNvPr id="5" name="文字版面配置區 4">
+            <a:extLst>
+              <a:ext uri="{FF2B5EF4-FFF2-40B4-BE49-F238E27FC236}">
+                <a16:creationId xmlns:a16="http://schemas.microsoft.com/office/drawing/2014/main" id="{CEE2A55E-C73D-43FF-AA36-95C0FF95B7B1}"/>
+              </a:ext>
+            </a:extLst>
+          </p:cNvPr>
+          <p:cNvSpPr>
+            <a:spLocks noGrp="1"/>
+          </p:cNvSpPr>
+          <p:nvPr>
+            <p:ph type="body" sz="quarter" idx="12"/>
+          </p:nvPr>
+        </p:nvSpPr>
+        <p:spPr/>
+        <p:txBody>
+          <a:bodyPr/>
+          <a:lstStyle/>
+          <a:p>
+            <a:endParaRPr lang="zh-TW" altLang="en-US"/>
+          </a:p>
+        </p:txBody>
+      </p:sp>
+    </p:spTree>
+    <p:extLst>
+      <p:ext uri="{BB962C8B-B14F-4D97-AF65-F5344CB8AC3E}">
+        <p14:creationId xmlns:p14="http://schemas.microsoft.com/office/powerpoint/2010/main" val="2484227852"/>
+      </p:ext>
+    </p:extLst>
+  </p:cSld>
+  <p:clrMapOvr>
+    <a:masterClrMapping/>
+  </p:clrMapOvr>
+  <mc:AlternateContent xmlns:mc="http://schemas.openxmlformats.org/markup-compatibility/2006" xmlns:p14="http://schemas.microsoft.com/office/powerpoint/2010/main">
+    <mc:Choice Requires="p14">
+      <p:transition p14:dur="250">
+        <p:fade/>
+      </p:transition>
+    </mc:Choice>
+    <mc:Fallback xmlns="">
+      <p:transition>
+        <p:fade/>
+      </p:transition>
+    </mc:Fallback>
+  </mc:AlternateContent>
+</p:sld>
+</file>
+
+<file path=ppt/slides/slide12.xml><?xml version="1.0" encoding="utf-8"?>
+<p:sld xmlns:a="http://schemas.openxmlformats.org/drawingml/2006/main" xmlns:r="http://schemas.openxmlformats.org/officeDocument/2006/relationships" xmlns:p="http://schemas.openxmlformats.org/presentationml/2006/main">
+  <p:cSld>
+    <p:spTree>
+      <p:nvGrpSpPr>
+        <p:cNvPr id="1" name=""/>
+        <p:cNvGrpSpPr/>
+        <p:nvPr/>
+      </p:nvGrpSpPr>
+      <p:grpSpPr>
+        <a:xfrm>
+          <a:off x="0" y="0"/>
+          <a:ext cx="0" cy="0"/>
+          <a:chOff x="0" y="0"/>
+          <a:chExt cx="0" cy="0"/>
+        </a:xfrm>
+      </p:grpSpPr>
+      <p:sp>
+        <p:nvSpPr>
           <p:cNvPr id="5" name="內容版面配置區 4">
             <a:extLst>
               <a:ext uri="{FF2B5EF4-FFF2-40B4-BE49-F238E27FC236}">
@@ -11803,7 +18346,7 @@
 </p:sld>
 </file>
 
-<file path=ppt/slides/slide12.xml><?xml version="1.0" encoding="utf-8"?>
+<file path=ppt/slides/slide13.xml><?xml version="1.0" encoding="utf-8"?>
 <p:sld xmlns:a="http://schemas.openxmlformats.org/drawingml/2006/main" xmlns:r="http://schemas.openxmlformats.org/officeDocument/2006/relationships" xmlns:p="http://schemas.openxmlformats.org/presentationml/2006/main">
   <p:cSld>
     <p:spTree>
@@ -12006,7 +18549,7 @@
 </p:sld>
 </file>
 
-<file path=ppt/slides/slide13.xml><?xml version="1.0" encoding="utf-8"?>
+<file path=ppt/slides/slide14.xml><?xml version="1.0" encoding="utf-8"?>
 <p:sld xmlns:a="http://schemas.openxmlformats.org/drawingml/2006/main" xmlns:r="http://schemas.openxmlformats.org/officeDocument/2006/relationships" xmlns:p="http://schemas.openxmlformats.org/presentationml/2006/main">
   <p:cSld>
     <p:spTree>
@@ -12255,7 +18798,7 @@
 </p:sld>
 </file>
 
-<file path=ppt/slides/slide14.xml><?xml version="1.0" encoding="utf-8"?>
+<file path=ppt/slides/slide15.xml><?xml version="1.0" encoding="utf-8"?>
 <p:sld xmlns:a="http://schemas.openxmlformats.org/drawingml/2006/main" xmlns:r="http://schemas.openxmlformats.org/officeDocument/2006/relationships" xmlns:p="http://schemas.openxmlformats.org/presentationml/2006/main">
   <p:cSld>
     <p:spTree>
@@ -12436,7 +18979,7 @@
 </p:sld>
 </file>
 
-<file path=ppt/slides/slide15.xml><?xml version="1.0" encoding="utf-8"?>
+<file path=ppt/slides/slide16.xml><?xml version="1.0" encoding="utf-8"?>
 <p:sld xmlns:a="http://schemas.openxmlformats.org/drawingml/2006/main" xmlns:r="http://schemas.openxmlformats.org/officeDocument/2006/relationships" xmlns:p="http://schemas.openxmlformats.org/presentationml/2006/main">
   <p:cSld>
     <p:spTree>
@@ -12486,135 +19029,43 @@
             </a:r>
             <a:r>
               <a:rPr lang="zh-TW" altLang="en-US" dirty="0"/>
-              <a:t>檔篩選資料並格式化輸出。</a:t>
+              <a:t>檔計算資料並格式化輸出</a:t>
             </a:r>
           </a:p>
         </p:txBody>
       </p:sp>
-      <p:sp>
-        <p:nvSpPr>
-          <p:cNvPr id="5" name="文字版面配置區 4">
+      <p:graphicFrame>
+        <p:nvGraphicFramePr>
+          <p:cNvPr id="6" name="資料庫圖表 5">
             <a:extLst>
               <a:ext uri="{FF2B5EF4-FFF2-40B4-BE49-F238E27FC236}">
-                <a16:creationId xmlns:a16="http://schemas.microsoft.com/office/drawing/2014/main" id="{CEE2A55E-C73D-43FF-AA36-95C0FF95B7B1}"/>
+                <a16:creationId xmlns:a16="http://schemas.microsoft.com/office/drawing/2014/main" id="{EC1231C7-4B48-4F52-9543-2FDBC1FFD295}"/>
               </a:ext>
             </a:extLst>
           </p:cNvPr>
-          <p:cNvSpPr>
-            <a:spLocks noGrp="1"/>
-          </p:cNvSpPr>
+          <p:cNvGraphicFramePr/>
           <p:nvPr>
-            <p:ph type="body" sz="quarter" idx="12"/>
+            <p:extLst>
+              <p:ext uri="{D42A27DB-BD31-4B8C-83A1-F6EECF244321}">
+                <p14:modId xmlns:p14="http://schemas.microsoft.com/office/powerpoint/2010/main" val="225756428"/>
+              </p:ext>
+            </p:extLst>
           </p:nvPr>
-        </p:nvSpPr>
-        <p:spPr/>
-        <p:txBody>
-          <a:bodyPr/>
-          <a:lstStyle/>
-          <a:p>
-            <a:endParaRPr lang="zh-TW" altLang="en-US"/>
-          </a:p>
-        </p:txBody>
-      </p:sp>
+        </p:nvGraphicFramePr>
+        <p:xfrm>
+          <a:off x="6416675" y="3700733"/>
+          <a:ext cx="5530909" cy="2285999"/>
+        </p:xfrm>
+        <a:graphic>
+          <a:graphicData uri="http://schemas.openxmlformats.org/drawingml/2006/diagram">
+            <dgm:relIds xmlns:dgm="http://schemas.openxmlformats.org/drawingml/2006/diagram" xmlns:r="http://schemas.openxmlformats.org/officeDocument/2006/relationships" r:dm="rId2" r:lo="rId3" r:qs="rId4" r:cs="rId5"/>
+          </a:graphicData>
+        </a:graphic>
+      </p:graphicFrame>
     </p:spTree>
     <p:extLst>
       <p:ext uri="{BB962C8B-B14F-4D97-AF65-F5344CB8AC3E}">
         <p14:creationId xmlns:p14="http://schemas.microsoft.com/office/powerpoint/2010/main" val="3139632968"/>
-      </p:ext>
-    </p:extLst>
-  </p:cSld>
-  <p:clrMapOvr>
-    <a:masterClrMapping/>
-  </p:clrMapOvr>
-  <mc:AlternateContent xmlns:mc="http://schemas.openxmlformats.org/markup-compatibility/2006" xmlns:p14="http://schemas.microsoft.com/office/powerpoint/2010/main">
-    <mc:Choice Requires="p14">
-      <p:transition p14:dur="250">
-        <p:fade/>
-      </p:transition>
-    </mc:Choice>
-    <mc:Fallback xmlns="">
-      <p:transition>
-        <p:fade/>
-      </p:transition>
-    </mc:Fallback>
-  </mc:AlternateContent>
-</p:sld>
-</file>
-
-<file path=ppt/slides/slide16.xml><?xml version="1.0" encoding="utf-8"?>
-<p:sld xmlns:a="http://schemas.openxmlformats.org/drawingml/2006/main" xmlns:r="http://schemas.openxmlformats.org/officeDocument/2006/relationships" xmlns:p="http://schemas.openxmlformats.org/presentationml/2006/main">
-  <p:cSld>
-    <p:spTree>
-      <p:nvGrpSpPr>
-        <p:cNvPr id="1" name=""/>
-        <p:cNvGrpSpPr/>
-        <p:nvPr/>
-      </p:nvGrpSpPr>
-      <p:grpSpPr>
-        <a:xfrm>
-          <a:off x="0" y="0"/>
-          <a:ext cx="0" cy="0"/>
-          <a:chOff x="0" y="0"/>
-          <a:chExt cx="0" cy="0"/>
-        </a:xfrm>
-      </p:grpSpPr>
-      <p:sp>
-        <p:nvSpPr>
-          <p:cNvPr id="4" name="文字版面配置區 3">
-            <a:extLst>
-              <a:ext uri="{FF2B5EF4-FFF2-40B4-BE49-F238E27FC236}">
-                <a16:creationId xmlns:a16="http://schemas.microsoft.com/office/drawing/2014/main" id="{2FA54F75-D405-4104-B6BB-EA44A23A109A}"/>
-              </a:ext>
-            </a:extLst>
-          </p:cNvPr>
-          <p:cNvSpPr>
-            <a:spLocks noGrp="1"/>
-          </p:cNvSpPr>
-          <p:nvPr>
-            <p:ph type="body" sz="quarter" idx="10"/>
-          </p:nvPr>
-        </p:nvSpPr>
-        <p:spPr/>
-        <p:txBody>
-          <a:bodyPr/>
-          <a:lstStyle/>
-          <a:p>
-            <a:r>
-              <a:rPr lang="zh-TW" altLang="en-US" dirty="0"/>
-              <a:t>專題討論 </a:t>
-            </a:r>
-          </a:p>
-        </p:txBody>
-      </p:sp>
-      <p:sp>
-        <p:nvSpPr>
-          <p:cNvPr id="5" name="文字版面配置區 4">
-            <a:extLst>
-              <a:ext uri="{FF2B5EF4-FFF2-40B4-BE49-F238E27FC236}">
-                <a16:creationId xmlns:a16="http://schemas.microsoft.com/office/drawing/2014/main" id="{CEE2A55E-C73D-43FF-AA36-95C0FF95B7B1}"/>
-              </a:ext>
-            </a:extLst>
-          </p:cNvPr>
-          <p:cNvSpPr>
-            <a:spLocks noGrp="1"/>
-          </p:cNvSpPr>
-          <p:nvPr>
-            <p:ph type="body" sz="quarter" idx="12"/>
-          </p:nvPr>
-        </p:nvSpPr>
-        <p:spPr/>
-        <p:txBody>
-          <a:bodyPr/>
-          <a:lstStyle/>
-          <a:p>
-            <a:endParaRPr lang="zh-TW" altLang="en-US"/>
-          </a:p>
-        </p:txBody>
-      </p:sp>
-    </p:spTree>
-    <p:extLst>
-      <p:ext uri="{BB962C8B-B14F-4D97-AF65-F5344CB8AC3E}">
-        <p14:creationId xmlns:p14="http://schemas.microsoft.com/office/powerpoint/2010/main" val="929909194"/>
       </p:ext>
     </p:extLst>
   </p:cSld>
@@ -12655,10 +19106,10 @@
       </p:grpSpPr>
       <p:sp>
         <p:nvSpPr>
-          <p:cNvPr id="5" name="內容版面配置區 4">
+          <p:cNvPr id="4" name="文字版面配置區 3">
             <a:extLst>
               <a:ext uri="{FF2B5EF4-FFF2-40B4-BE49-F238E27FC236}">
-                <a16:creationId xmlns:a16="http://schemas.microsoft.com/office/drawing/2014/main" id="{221EB24A-D4DB-45CB-BE7B-D41F7B493329}"/>
+                <a16:creationId xmlns:a16="http://schemas.microsoft.com/office/drawing/2014/main" id="{2FA54F75-D405-4104-B6BB-EA44A23A109A}"/>
               </a:ext>
             </a:extLst>
           </p:cNvPr>
@@ -12666,7 +19117,7 @@
             <a:spLocks noGrp="1"/>
           </p:cNvSpPr>
           <p:nvPr>
-            <p:ph idx="1"/>
+            <p:ph type="body" sz="quarter" idx="10"/>
           </p:nvPr>
         </p:nvSpPr>
         <p:spPr/>
@@ -12676,53 +19127,148 @@
           <a:p>
             <a:r>
               <a:rPr lang="zh-TW" altLang="en-US" dirty="0"/>
-              <a:t>題目</a:t>
+              <a:t>專題討論 </a:t>
+            </a:r>
+          </a:p>
+        </p:txBody>
+      </p:sp>
+      <p:sp>
+        <p:nvSpPr>
+          <p:cNvPr id="5" name="文字版面配置區 4">
+            <a:extLst>
+              <a:ext uri="{FF2B5EF4-FFF2-40B4-BE49-F238E27FC236}">
+                <a16:creationId xmlns:a16="http://schemas.microsoft.com/office/drawing/2014/main" id="{CEE2A55E-C73D-43FF-AA36-95C0FF95B7B1}"/>
+              </a:ext>
+            </a:extLst>
+          </p:cNvPr>
+          <p:cNvSpPr>
+            <a:spLocks noGrp="1"/>
+          </p:cNvSpPr>
+          <p:nvPr>
+            <p:ph type="body" sz="quarter" idx="12"/>
+          </p:nvPr>
+        </p:nvSpPr>
+        <p:spPr/>
+        <p:txBody>
+          <a:bodyPr/>
+          <a:lstStyle/>
+          <a:p>
+            <a:endParaRPr lang="zh-TW" altLang="en-US"/>
+          </a:p>
+        </p:txBody>
+      </p:sp>
+    </p:spTree>
+    <p:extLst>
+      <p:ext uri="{BB962C8B-B14F-4D97-AF65-F5344CB8AC3E}">
+        <p14:creationId xmlns:p14="http://schemas.microsoft.com/office/powerpoint/2010/main" val="929909194"/>
+      </p:ext>
+    </p:extLst>
+  </p:cSld>
+  <p:clrMapOvr>
+    <a:masterClrMapping/>
+  </p:clrMapOvr>
+  <mc:AlternateContent xmlns:mc="http://schemas.openxmlformats.org/markup-compatibility/2006" xmlns:p14="http://schemas.microsoft.com/office/powerpoint/2010/main">
+    <mc:Choice Requires="p14">
+      <p:transition p14:dur="250">
+        <p:fade/>
+      </p:transition>
+    </mc:Choice>
+    <mc:Fallback xmlns="">
+      <p:transition>
+        <p:fade/>
+      </p:transition>
+    </mc:Fallback>
+  </mc:AlternateContent>
+</p:sld>
+</file>
+
+<file path=ppt/slides/slide18.xml><?xml version="1.0" encoding="utf-8"?>
+<p:sld xmlns:a="http://schemas.openxmlformats.org/drawingml/2006/main" xmlns:r="http://schemas.openxmlformats.org/officeDocument/2006/relationships" xmlns:p="http://schemas.openxmlformats.org/presentationml/2006/main">
+  <p:cSld>
+    <p:spTree>
+      <p:nvGrpSpPr>
+        <p:cNvPr id="1" name=""/>
+        <p:cNvGrpSpPr/>
+        <p:nvPr/>
+      </p:nvGrpSpPr>
+      <p:grpSpPr>
+        <a:xfrm>
+          <a:off x="0" y="0"/>
+          <a:ext cx="0" cy="0"/>
+          <a:chOff x="0" y="0"/>
+          <a:chExt cx="0" cy="0"/>
+        </a:xfrm>
+      </p:grpSpPr>
+      <p:sp>
+        <p:nvSpPr>
+          <p:cNvPr id="28" name="Text Placeholder 1">
+            <a:extLst>
+              <a:ext uri="{FF2B5EF4-FFF2-40B4-BE49-F238E27FC236}">
+                <a16:creationId xmlns:a16="http://schemas.microsoft.com/office/drawing/2014/main" id="{01BE97AB-03A6-4BDD-9894-7482434E4EEC}"/>
+              </a:ext>
+            </a:extLst>
+          </p:cNvPr>
+          <p:cNvSpPr>
+            <a:spLocks noGrp="1"/>
+          </p:cNvSpPr>
+          <p:nvPr>
+            <p:ph type="body" sz="quarter" idx="13"/>
+          </p:nvPr>
+        </p:nvSpPr>
+        <p:spPr>
+          <a:xfrm>
+            <a:off x="609600" y="1371600"/>
+            <a:ext cx="5325374" cy="4835297"/>
+          </a:xfrm>
+        </p:spPr>
+        <p:txBody>
+          <a:bodyPr/>
+          <a:lstStyle/>
+          <a:p>
+            <a:r>
+              <a:rPr lang="zh-TW" altLang="en-US" dirty="0"/>
+              <a:t>分享想要透過自動化解決的題目及緣由，並設想輸入及輸出。</a:t>
+            </a:r>
+            <a:endParaRPr lang="en-US" altLang="zh-TW" dirty="0"/>
+          </a:p>
+          <a:p>
+            <a:r>
+              <a:rPr lang="zh-TW" altLang="en-US" dirty="0"/>
+              <a:t>每位</a:t>
             </a:r>
             <a:r>
               <a:rPr lang="en-US" altLang="zh-TW" dirty="0"/>
-              <a:t>:</a:t>
-            </a:r>
-          </a:p>
-          <a:p>
+              <a:t>5</a:t>
+            </a:r>
             <a:r>
               <a:rPr lang="zh-TW" altLang="en-US" dirty="0"/>
-              <a:t>緣由</a:t>
-            </a:r>
-            <a:r>
-              <a:rPr lang="en-US" altLang="zh-TW" dirty="0"/>
-              <a:t>:</a:t>
-            </a:r>
+              <a:t>分鐘時間並利用板書搭配口頭說明。</a:t>
+            </a:r>
+            <a:endParaRPr lang="en-US" altLang="zh-TW" dirty="0"/>
           </a:p>
           <a:p>
             <a:r>
               <a:rPr lang="zh-TW" altLang="en-US" dirty="0"/>
-              <a:t>輸入</a:t>
-            </a:r>
-            <a:r>
-              <a:rPr lang="en-US" altLang="zh-TW" dirty="0"/>
-              <a:t>:</a:t>
-            </a:r>
+              <a:t>講師針對題目給出建議及方向，並評估難易度。</a:t>
+            </a:r>
+            <a:endParaRPr lang="en-US" altLang="zh-TW" dirty="0"/>
           </a:p>
           <a:p>
             <a:r>
               <a:rPr lang="zh-TW" altLang="en-US" dirty="0"/>
-              <a:t>輸出</a:t>
-            </a:r>
-            <a:r>
-              <a:rPr lang="en-US" altLang="zh-TW" dirty="0"/>
-              <a:t>:</a:t>
-            </a:r>
+              <a:t>分享供所有學員參考，不一定為最後專題題目。</a:t>
+            </a:r>
+            <a:endParaRPr lang="en-US" altLang="zh-TW" dirty="0"/>
           </a:p>
           <a:p>
             <a:r>
               <a:rPr lang="zh-TW" altLang="en-US" dirty="0"/>
-              <a:t>該如何分解題目</a:t>
-            </a:r>
-            <a:r>
-              <a:rPr lang="en-US" altLang="zh-TW" dirty="0"/>
-              <a:t>:</a:t>
-            </a:r>
-            <a:endParaRPr lang="zh-TW" altLang="en-US" dirty="0"/>
+              <a:t>待第四周所有學員完成分享之後，再從當中選擇最後的專題題目。</a:t>
+            </a:r>
+            <a:endParaRPr lang="en-US" altLang="zh-TW" dirty="0"/>
+          </a:p>
+          <a:p>
+            <a:endParaRPr lang="en-US" dirty="0"/>
           </a:p>
         </p:txBody>
       </p:sp>
@@ -12742,9 +19288,16 @@
             <p:ph type="title"/>
           </p:nvPr>
         </p:nvSpPr>
-        <p:spPr/>
+        <p:spPr>
+          <a:xfrm>
+            <a:off x="609601" y="148581"/>
+            <a:ext cx="10972799" cy="845837"/>
+          </a:xfrm>
+        </p:spPr>
         <p:txBody>
-          <a:bodyPr/>
+          <a:bodyPr anchor="t">
+            <a:normAutofit/>
+          </a:bodyPr>
           <a:lstStyle/>
           <a:p>
             <a:r>
@@ -12754,6 +19307,37 @@
           </a:p>
         </p:txBody>
       </p:sp>
+      <p:graphicFrame>
+        <p:nvGraphicFramePr>
+          <p:cNvPr id="29" name="內容版面配置區 4">
+            <a:extLst>
+              <a:ext uri="{FF2B5EF4-FFF2-40B4-BE49-F238E27FC236}">
+                <a16:creationId xmlns:a16="http://schemas.microsoft.com/office/drawing/2014/main" id="{65ACC48E-E28C-4D76-B91A-BBF5321702F0}"/>
+              </a:ext>
+            </a:extLst>
+          </p:cNvPr>
+          <p:cNvGraphicFramePr>
+            <a:graphicFrameLocks noGrp="1"/>
+          </p:cNvGraphicFramePr>
+          <p:nvPr>
+            <p:ph type="media" sz="quarter" idx="14"/>
+            <p:extLst>
+              <p:ext uri="{D42A27DB-BD31-4B8C-83A1-F6EECF244321}">
+                <p14:modId xmlns:p14="http://schemas.microsoft.com/office/powerpoint/2010/main" val="3505567841"/>
+              </p:ext>
+            </p:extLst>
+          </p:nvPr>
+        </p:nvGraphicFramePr>
+        <p:xfrm>
+          <a:off x="6674253" y="994418"/>
+          <a:ext cx="4816132" cy="4660616"/>
+        </p:xfrm>
+        <a:graphic>
+          <a:graphicData uri="http://schemas.openxmlformats.org/drawingml/2006/diagram">
+            <dgm:relIds xmlns:dgm="http://schemas.openxmlformats.org/drawingml/2006/diagram" xmlns:r="http://schemas.openxmlformats.org/officeDocument/2006/relationships" r:dm="rId2" r:lo="rId3" r:qs="rId4" r:cs="rId5"/>
+          </a:graphicData>
+        </a:graphic>
+      </p:graphicFrame>
     </p:spTree>
     <p:extLst>
       <p:ext uri="{BB962C8B-B14F-4D97-AF65-F5344CB8AC3E}">
